--- a/.ppt/Azure Iot Central.pptx
+++ b/.ppt/Azure Iot Central.pptx
@@ -4,6 +4,9 @@
   <p:sldMasterIdLst>
     <p:sldMasterId id="2147483648" r:id="rId4"/>
   </p:sldMasterIdLst>
+  <p:notesMasterIdLst>
+    <p:notesMasterId r:id="rId17"/>
+  </p:notesMasterIdLst>
   <p:sldIdLst>
     <p:sldId id="256" r:id="rId5"/>
     <p:sldId id="257" r:id="rId6"/>
@@ -709,6 +712,1610 @@
 </pc:chgInfo>
 </file>
 
+<file path=ppt/notesMasters/notesMaster1.xml><?xml version="1.0" encoding="utf-8"?>
+<p:notesMaster xmlns:a="http://schemas.openxmlformats.org/drawingml/2006/main" xmlns:r="http://schemas.openxmlformats.org/officeDocument/2006/relationships" xmlns:p="http://schemas.openxmlformats.org/presentationml/2006/main">
+  <p:cSld>
+    <p:bg>
+      <p:bgRef idx="1001">
+        <a:schemeClr val="bg1"/>
+      </p:bgRef>
+    </p:bg>
+    <p:spTree>
+      <p:nvGrpSpPr>
+        <p:cNvPr id="1" name=""/>
+        <p:cNvGrpSpPr/>
+        <p:nvPr/>
+      </p:nvGrpSpPr>
+      <p:grpSpPr>
+        <a:xfrm>
+          <a:off x="0" y="0"/>
+          <a:ext cx="0" cy="0"/>
+          <a:chOff x="0" y="0"/>
+          <a:chExt cx="0" cy="0"/>
+        </a:xfrm>
+      </p:grpSpPr>
+      <p:sp>
+        <p:nvSpPr>
+          <p:cNvPr id="2" name="Header Placeholder 1"/>
+          <p:cNvSpPr>
+            <a:spLocks noGrp="1"/>
+          </p:cNvSpPr>
+          <p:nvPr>
+            <p:ph type="hdr" sz="quarter"/>
+          </p:nvPr>
+        </p:nvSpPr>
+        <p:spPr>
+          <a:xfrm>
+            <a:off x="0" y="0"/>
+            <a:ext cx="2971800" cy="458788"/>
+          </a:xfrm>
+          <a:prstGeom prst="rect">
+            <a:avLst/>
+          </a:prstGeom>
+        </p:spPr>
+        <p:txBody>
+          <a:bodyPr vert="horz" lIns="91440" tIns="45720" rIns="91440" bIns="45720" rtlCol="0"/>
+          <a:lstStyle>
+            <a:lvl1pPr algn="l">
+              <a:defRPr sz="1200"/>
+            </a:lvl1pPr>
+          </a:lstStyle>
+          <a:p>
+            <a:endParaRPr lang="en-BE"/>
+          </a:p>
+        </p:txBody>
+      </p:sp>
+      <p:sp>
+        <p:nvSpPr>
+          <p:cNvPr id="3" name="Date Placeholder 2"/>
+          <p:cNvSpPr>
+            <a:spLocks noGrp="1"/>
+          </p:cNvSpPr>
+          <p:nvPr>
+            <p:ph type="dt" idx="1"/>
+          </p:nvPr>
+        </p:nvSpPr>
+        <p:spPr>
+          <a:xfrm>
+            <a:off x="3884613" y="0"/>
+            <a:ext cx="2971800" cy="458788"/>
+          </a:xfrm>
+          <a:prstGeom prst="rect">
+            <a:avLst/>
+          </a:prstGeom>
+        </p:spPr>
+        <p:txBody>
+          <a:bodyPr vert="horz" lIns="91440" tIns="45720" rIns="91440" bIns="45720" rtlCol="0"/>
+          <a:lstStyle>
+            <a:lvl1pPr algn="r">
+              <a:defRPr sz="1200"/>
+            </a:lvl1pPr>
+          </a:lstStyle>
+          <a:p>
+            <a:fld id="{232CF19D-734B-4D93-B84D-50E4125D5E28}" type="datetimeFigureOut">
+              <a:rPr lang="en-BE" smtClean="0"/>
+              <a:t>14/09/2023</a:t>
+            </a:fld>
+            <a:endParaRPr lang="en-BE"/>
+          </a:p>
+        </p:txBody>
+      </p:sp>
+      <p:sp>
+        <p:nvSpPr>
+          <p:cNvPr id="4" name="Slide Image Placeholder 3"/>
+          <p:cNvSpPr>
+            <a:spLocks noGrp="1" noRot="1" noChangeAspect="1"/>
+          </p:cNvSpPr>
+          <p:nvPr>
+            <p:ph type="sldImg" idx="2"/>
+          </p:nvPr>
+        </p:nvSpPr>
+        <p:spPr>
+          <a:xfrm>
+            <a:off x="685800" y="1143000"/>
+            <a:ext cx="5486400" cy="3086100"/>
+          </a:xfrm>
+          <a:prstGeom prst="rect">
+            <a:avLst/>
+          </a:prstGeom>
+          <a:noFill/>
+          <a:ln w="12700">
+            <a:solidFill>
+              <a:prstClr val="black"/>
+            </a:solidFill>
+          </a:ln>
+        </p:spPr>
+        <p:txBody>
+          <a:bodyPr vert="horz" lIns="91440" tIns="45720" rIns="91440" bIns="45720" rtlCol="0" anchor="ctr"/>
+          <a:lstStyle/>
+          <a:p>
+            <a:endParaRPr lang="en-BE"/>
+          </a:p>
+        </p:txBody>
+      </p:sp>
+      <p:sp>
+        <p:nvSpPr>
+          <p:cNvPr id="5" name="Notes Placeholder 4"/>
+          <p:cNvSpPr>
+            <a:spLocks noGrp="1"/>
+          </p:cNvSpPr>
+          <p:nvPr>
+            <p:ph type="body" sz="quarter" idx="3"/>
+          </p:nvPr>
+        </p:nvSpPr>
+        <p:spPr>
+          <a:xfrm>
+            <a:off x="685800" y="4400550"/>
+            <a:ext cx="5486400" cy="3600450"/>
+          </a:xfrm>
+          <a:prstGeom prst="rect">
+            <a:avLst/>
+          </a:prstGeom>
+        </p:spPr>
+        <p:txBody>
+          <a:bodyPr vert="horz" lIns="91440" tIns="45720" rIns="91440" bIns="45720" rtlCol="0"/>
+          <a:lstStyle/>
+          <a:p>
+            <a:pPr lvl="0"/>
+            <a:r>
+              <a:rPr lang="en-US"/>
+              <a:t>Click to edit Master text styles</a:t>
+            </a:r>
+          </a:p>
+          <a:p>
+            <a:pPr lvl="1"/>
+            <a:r>
+              <a:rPr lang="en-US"/>
+              <a:t>Second level</a:t>
+            </a:r>
+          </a:p>
+          <a:p>
+            <a:pPr lvl="2"/>
+            <a:r>
+              <a:rPr lang="en-US"/>
+              <a:t>Third level</a:t>
+            </a:r>
+          </a:p>
+          <a:p>
+            <a:pPr lvl="3"/>
+            <a:r>
+              <a:rPr lang="en-US"/>
+              <a:t>Fourth level</a:t>
+            </a:r>
+          </a:p>
+          <a:p>
+            <a:pPr lvl="4"/>
+            <a:r>
+              <a:rPr lang="en-US"/>
+              <a:t>Fifth level</a:t>
+            </a:r>
+            <a:endParaRPr lang="en-BE"/>
+          </a:p>
+        </p:txBody>
+      </p:sp>
+      <p:sp>
+        <p:nvSpPr>
+          <p:cNvPr id="6" name="Footer Placeholder 5"/>
+          <p:cNvSpPr>
+            <a:spLocks noGrp="1"/>
+          </p:cNvSpPr>
+          <p:nvPr>
+            <p:ph type="ftr" sz="quarter" idx="4"/>
+          </p:nvPr>
+        </p:nvSpPr>
+        <p:spPr>
+          <a:xfrm>
+            <a:off x="0" y="8685213"/>
+            <a:ext cx="2971800" cy="458787"/>
+          </a:xfrm>
+          <a:prstGeom prst="rect">
+            <a:avLst/>
+          </a:prstGeom>
+        </p:spPr>
+        <p:txBody>
+          <a:bodyPr vert="horz" lIns="91440" tIns="45720" rIns="91440" bIns="45720" rtlCol="0" anchor="b"/>
+          <a:lstStyle>
+            <a:lvl1pPr algn="l">
+              <a:defRPr sz="1200"/>
+            </a:lvl1pPr>
+          </a:lstStyle>
+          <a:p>
+            <a:endParaRPr lang="en-BE"/>
+          </a:p>
+        </p:txBody>
+      </p:sp>
+      <p:sp>
+        <p:nvSpPr>
+          <p:cNvPr id="7" name="Slide Number Placeholder 6"/>
+          <p:cNvSpPr>
+            <a:spLocks noGrp="1"/>
+          </p:cNvSpPr>
+          <p:nvPr>
+            <p:ph type="sldNum" sz="quarter" idx="5"/>
+          </p:nvPr>
+        </p:nvSpPr>
+        <p:spPr>
+          <a:xfrm>
+            <a:off x="3884613" y="8685213"/>
+            <a:ext cx="2971800" cy="458787"/>
+          </a:xfrm>
+          <a:prstGeom prst="rect">
+            <a:avLst/>
+          </a:prstGeom>
+        </p:spPr>
+        <p:txBody>
+          <a:bodyPr vert="horz" lIns="91440" tIns="45720" rIns="91440" bIns="45720" rtlCol="0" anchor="b"/>
+          <a:lstStyle>
+            <a:lvl1pPr algn="r">
+              <a:defRPr sz="1200"/>
+            </a:lvl1pPr>
+          </a:lstStyle>
+          <a:p>
+            <a:fld id="{D97986AC-811D-4C2A-A7DE-A4DD8621F501}" type="slidenum">
+              <a:rPr lang="en-BE" smtClean="0"/>
+              <a:t>‹#›</a:t>
+            </a:fld>
+            <a:endParaRPr lang="en-BE"/>
+          </a:p>
+        </p:txBody>
+      </p:sp>
+    </p:spTree>
+    <p:extLst>
+      <p:ext uri="{BB962C8B-B14F-4D97-AF65-F5344CB8AC3E}">
+        <p14:creationId xmlns:p14="http://schemas.microsoft.com/office/powerpoint/2010/main" val="3896708028"/>
+      </p:ext>
+    </p:extLst>
+  </p:cSld>
+  <p:clrMap bg1="lt1" tx1="dk1" bg2="lt2" tx2="dk2" accent1="accent1" accent2="accent2" accent3="accent3" accent4="accent4" accent5="accent5" accent6="accent6" hlink="hlink" folHlink="folHlink"/>
+  <p:notesStyle>
+    <a:lvl1pPr marL="0" algn="l" defTabSz="914400" rtl="0" eaLnBrk="1" latinLnBrk="0" hangingPunct="1">
+      <a:defRPr sz="1200" kern="1200">
+        <a:solidFill>
+          <a:schemeClr val="tx1"/>
+        </a:solidFill>
+        <a:latin typeface="+mn-lt"/>
+        <a:ea typeface="+mn-ea"/>
+        <a:cs typeface="+mn-cs"/>
+      </a:defRPr>
+    </a:lvl1pPr>
+    <a:lvl2pPr marL="457200" algn="l" defTabSz="914400" rtl="0" eaLnBrk="1" latinLnBrk="0" hangingPunct="1">
+      <a:defRPr sz="1200" kern="1200">
+        <a:solidFill>
+          <a:schemeClr val="tx1"/>
+        </a:solidFill>
+        <a:latin typeface="+mn-lt"/>
+        <a:ea typeface="+mn-ea"/>
+        <a:cs typeface="+mn-cs"/>
+      </a:defRPr>
+    </a:lvl2pPr>
+    <a:lvl3pPr marL="914400" algn="l" defTabSz="914400" rtl="0" eaLnBrk="1" latinLnBrk="0" hangingPunct="1">
+      <a:defRPr sz="1200" kern="1200">
+        <a:solidFill>
+          <a:schemeClr val="tx1"/>
+        </a:solidFill>
+        <a:latin typeface="+mn-lt"/>
+        <a:ea typeface="+mn-ea"/>
+        <a:cs typeface="+mn-cs"/>
+      </a:defRPr>
+    </a:lvl3pPr>
+    <a:lvl4pPr marL="1371600" algn="l" defTabSz="914400" rtl="0" eaLnBrk="1" latinLnBrk="0" hangingPunct="1">
+      <a:defRPr sz="1200" kern="1200">
+        <a:solidFill>
+          <a:schemeClr val="tx1"/>
+        </a:solidFill>
+        <a:latin typeface="+mn-lt"/>
+        <a:ea typeface="+mn-ea"/>
+        <a:cs typeface="+mn-cs"/>
+      </a:defRPr>
+    </a:lvl4pPr>
+    <a:lvl5pPr marL="1828800" algn="l" defTabSz="914400" rtl="0" eaLnBrk="1" latinLnBrk="0" hangingPunct="1">
+      <a:defRPr sz="1200" kern="1200">
+        <a:solidFill>
+          <a:schemeClr val="tx1"/>
+        </a:solidFill>
+        <a:latin typeface="+mn-lt"/>
+        <a:ea typeface="+mn-ea"/>
+        <a:cs typeface="+mn-cs"/>
+      </a:defRPr>
+    </a:lvl5pPr>
+    <a:lvl6pPr marL="2286000" algn="l" defTabSz="914400" rtl="0" eaLnBrk="1" latinLnBrk="0" hangingPunct="1">
+      <a:defRPr sz="1200" kern="1200">
+        <a:solidFill>
+          <a:schemeClr val="tx1"/>
+        </a:solidFill>
+        <a:latin typeface="+mn-lt"/>
+        <a:ea typeface="+mn-ea"/>
+        <a:cs typeface="+mn-cs"/>
+      </a:defRPr>
+    </a:lvl6pPr>
+    <a:lvl7pPr marL="2743200" algn="l" defTabSz="914400" rtl="0" eaLnBrk="1" latinLnBrk="0" hangingPunct="1">
+      <a:defRPr sz="1200" kern="1200">
+        <a:solidFill>
+          <a:schemeClr val="tx1"/>
+        </a:solidFill>
+        <a:latin typeface="+mn-lt"/>
+        <a:ea typeface="+mn-ea"/>
+        <a:cs typeface="+mn-cs"/>
+      </a:defRPr>
+    </a:lvl7pPr>
+    <a:lvl8pPr marL="3200400" algn="l" defTabSz="914400" rtl="0" eaLnBrk="1" latinLnBrk="0" hangingPunct="1">
+      <a:defRPr sz="1200" kern="1200">
+        <a:solidFill>
+          <a:schemeClr val="tx1"/>
+        </a:solidFill>
+        <a:latin typeface="+mn-lt"/>
+        <a:ea typeface="+mn-ea"/>
+        <a:cs typeface="+mn-cs"/>
+      </a:defRPr>
+    </a:lvl8pPr>
+    <a:lvl9pPr marL="3657600" algn="l" defTabSz="914400" rtl="0" eaLnBrk="1" latinLnBrk="0" hangingPunct="1">
+      <a:defRPr sz="1200" kern="1200">
+        <a:solidFill>
+          <a:schemeClr val="tx1"/>
+        </a:solidFill>
+        <a:latin typeface="+mn-lt"/>
+        <a:ea typeface="+mn-ea"/>
+        <a:cs typeface="+mn-cs"/>
+      </a:defRPr>
+    </a:lvl9pPr>
+  </p:notesStyle>
+</p:notesMaster>
+</file>
+
+<file path=ppt/notesSlides/notesSlide1.xml><?xml version="1.0" encoding="utf-8"?>
+<p:notes xmlns:a="http://schemas.openxmlformats.org/drawingml/2006/main" xmlns:r="http://schemas.openxmlformats.org/officeDocument/2006/relationships" xmlns:p="http://schemas.openxmlformats.org/presentationml/2006/main">
+  <p:cSld>
+    <p:spTree>
+      <p:nvGrpSpPr>
+        <p:cNvPr id="1" name=""/>
+        <p:cNvGrpSpPr/>
+        <p:nvPr/>
+      </p:nvGrpSpPr>
+      <p:grpSpPr>
+        <a:xfrm>
+          <a:off x="0" y="0"/>
+          <a:ext cx="0" cy="0"/>
+          <a:chOff x="0" y="0"/>
+          <a:chExt cx="0" cy="0"/>
+        </a:xfrm>
+      </p:grpSpPr>
+      <p:sp>
+        <p:nvSpPr>
+          <p:cNvPr id="2" name="Slide Image Placeholder 1"/>
+          <p:cNvSpPr>
+            <a:spLocks noGrp="1" noRot="1" noChangeAspect="1"/>
+          </p:cNvSpPr>
+          <p:nvPr>
+            <p:ph type="sldImg"/>
+          </p:nvPr>
+        </p:nvSpPr>
+        <p:spPr/>
+      </p:sp>
+      <p:sp>
+        <p:nvSpPr>
+          <p:cNvPr id="3" name="Notes Placeholder 2"/>
+          <p:cNvSpPr>
+            <a:spLocks noGrp="1"/>
+          </p:cNvSpPr>
+          <p:nvPr>
+            <p:ph type="body" idx="1"/>
+          </p:nvPr>
+        </p:nvSpPr>
+        <p:spPr/>
+        <p:txBody>
+          <a:bodyPr/>
+          <a:lstStyle/>
+          <a:p>
+            <a:r>
+              <a:rPr lang="en-US" dirty="0"/>
+              <a:t>- Generate device </a:t>
+            </a:r>
+          </a:p>
+          <a:p>
+            <a:r>
+              <a:rPr lang="en-US" dirty="0"/>
+              <a:t>- </a:t>
+            </a:r>
+            <a:r>
+              <a:rPr lang="en-US" dirty="0" err="1"/>
+              <a:t>beheeren</a:t>
+            </a:r>
+            <a:r>
+              <a:rPr lang="en-US" dirty="0"/>
+              <a:t> in </a:t>
+            </a:r>
+            <a:r>
+              <a:rPr lang="en-US" dirty="0" err="1"/>
+              <a:t>groepen</a:t>
+            </a:r>
+            <a:endParaRPr lang="en-US" dirty="0"/>
+          </a:p>
+          <a:p>
+            <a:r>
+              <a:rPr lang="en-US" dirty="0"/>
+              <a:t>- </a:t>
+            </a:r>
+            <a:r>
+              <a:rPr lang="en-US" dirty="0" err="1"/>
+              <a:t>plaatsen</a:t>
+            </a:r>
+            <a:r>
+              <a:rPr lang="en-US" dirty="0"/>
+              <a:t> onder </a:t>
+            </a:r>
+            <a:r>
+              <a:rPr lang="en-US" dirty="0" err="1"/>
+              <a:t>organisaties</a:t>
+            </a:r>
+            <a:endParaRPr lang="en-US" dirty="0"/>
+          </a:p>
+          <a:p>
+            <a:r>
+              <a:rPr lang="en-US" dirty="0"/>
+              <a:t>- device templates </a:t>
+            </a:r>
+            <a:r>
+              <a:rPr lang="en-US" dirty="0" err="1"/>
+              <a:t>aanmaken</a:t>
+            </a:r>
+            <a:endParaRPr lang="en-BE" dirty="0"/>
+          </a:p>
+        </p:txBody>
+      </p:sp>
+      <p:sp>
+        <p:nvSpPr>
+          <p:cNvPr id="4" name="Slide Number Placeholder 3"/>
+          <p:cNvSpPr>
+            <a:spLocks noGrp="1"/>
+          </p:cNvSpPr>
+          <p:nvPr>
+            <p:ph type="sldNum" sz="quarter" idx="5"/>
+          </p:nvPr>
+        </p:nvSpPr>
+        <p:spPr/>
+        <p:txBody>
+          <a:bodyPr/>
+          <a:lstStyle/>
+          <a:p>
+            <a:fld id="{D97986AC-811D-4C2A-A7DE-A4DD8621F501}" type="slidenum">
+              <a:rPr lang="en-BE" smtClean="0"/>
+              <a:t>3</a:t>
+            </a:fld>
+            <a:endParaRPr lang="en-BE"/>
+          </a:p>
+        </p:txBody>
+      </p:sp>
+    </p:spTree>
+    <p:extLst>
+      <p:ext uri="{BB962C8B-B14F-4D97-AF65-F5344CB8AC3E}">
+        <p14:creationId xmlns:p14="http://schemas.microsoft.com/office/powerpoint/2010/main" val="231646054"/>
+      </p:ext>
+    </p:extLst>
+  </p:cSld>
+  <p:clrMapOvr>
+    <a:masterClrMapping/>
+  </p:clrMapOvr>
+</p:notes>
+</file>
+
+<file path=ppt/notesSlides/notesSlide2.xml><?xml version="1.0" encoding="utf-8"?>
+<p:notes xmlns:a="http://schemas.openxmlformats.org/drawingml/2006/main" xmlns:r="http://schemas.openxmlformats.org/officeDocument/2006/relationships" xmlns:p="http://schemas.openxmlformats.org/presentationml/2006/main">
+  <p:cSld>
+    <p:spTree>
+      <p:nvGrpSpPr>
+        <p:cNvPr id="1" name=""/>
+        <p:cNvGrpSpPr/>
+        <p:nvPr/>
+      </p:nvGrpSpPr>
+      <p:grpSpPr>
+        <a:xfrm>
+          <a:off x="0" y="0"/>
+          <a:ext cx="0" cy="0"/>
+          <a:chOff x="0" y="0"/>
+          <a:chExt cx="0" cy="0"/>
+        </a:xfrm>
+      </p:grpSpPr>
+      <p:sp>
+        <p:nvSpPr>
+          <p:cNvPr id="2" name="Slide Image Placeholder 1"/>
+          <p:cNvSpPr>
+            <a:spLocks noGrp="1" noRot="1" noChangeAspect="1"/>
+          </p:cNvSpPr>
+          <p:nvPr>
+            <p:ph type="sldImg"/>
+          </p:nvPr>
+        </p:nvSpPr>
+        <p:spPr/>
+      </p:sp>
+      <p:sp>
+        <p:nvSpPr>
+          <p:cNvPr id="3" name="Notes Placeholder 2"/>
+          <p:cNvSpPr>
+            <a:spLocks noGrp="1"/>
+          </p:cNvSpPr>
+          <p:nvPr>
+            <p:ph type="body" idx="1"/>
+          </p:nvPr>
+        </p:nvSpPr>
+        <p:spPr/>
+        <p:txBody>
+          <a:bodyPr/>
+          <a:lstStyle/>
+          <a:p>
+            <a:r>
+              <a:rPr lang="en-US" dirty="0"/>
+              <a:t>- real time data </a:t>
+            </a:r>
+            <a:r>
+              <a:rPr lang="en-US" dirty="0" err="1"/>
+              <a:t>bekijken</a:t>
+            </a:r>
+            <a:endParaRPr lang="en-US" dirty="0"/>
+          </a:p>
+          <a:p>
+            <a:r>
+              <a:rPr lang="en-US" dirty="0"/>
+              <a:t>- </a:t>
+            </a:r>
+            <a:r>
+              <a:rPr lang="en-US" dirty="0" err="1"/>
+              <a:t>aanmaken</a:t>
+            </a:r>
+            <a:r>
+              <a:rPr lang="en-US" dirty="0"/>
+              <a:t> van dashboards met </a:t>
+            </a:r>
+            <a:r>
+              <a:rPr lang="en-US" dirty="0" err="1"/>
+              <a:t>grafieken</a:t>
+            </a:r>
+            <a:r>
+              <a:rPr lang="en-US" dirty="0"/>
+              <a:t> </a:t>
+            </a:r>
+            <a:r>
+              <a:rPr lang="en-US" dirty="0" err="1"/>
+              <a:t>en</a:t>
+            </a:r>
+            <a:r>
+              <a:rPr lang="en-US" dirty="0"/>
+              <a:t> widgets</a:t>
+            </a:r>
+          </a:p>
+          <a:p>
+            <a:r>
+              <a:rPr lang="en-US" dirty="0"/>
+              <a:t>- </a:t>
+            </a:r>
+            <a:r>
+              <a:rPr lang="en-US" dirty="0" err="1"/>
+              <a:t>raadplegen</a:t>
+            </a:r>
+            <a:r>
+              <a:rPr lang="en-US" dirty="0"/>
+              <a:t> van data via </a:t>
+            </a:r>
+            <a:r>
+              <a:rPr lang="en-US" dirty="0" err="1"/>
+              <a:t>iot</a:t>
+            </a:r>
+            <a:r>
+              <a:rPr lang="en-US" dirty="0"/>
+              <a:t> central portal in de </a:t>
+            </a:r>
+            <a:r>
+              <a:rPr lang="en-US" dirty="0" err="1"/>
+              <a:t>onderliggende</a:t>
+            </a:r>
+            <a:r>
+              <a:rPr lang="en-US" dirty="0"/>
+              <a:t> </a:t>
+            </a:r>
+            <a:r>
+              <a:rPr lang="en-US" dirty="0" err="1"/>
+              <a:t>adx</a:t>
+            </a:r>
+            <a:r>
+              <a:rPr lang="en-US" dirty="0"/>
+              <a:t> via </a:t>
+            </a:r>
+            <a:r>
+              <a:rPr lang="en-US" dirty="0" err="1"/>
+              <a:t>kusto</a:t>
+            </a:r>
+            <a:r>
+              <a:rPr lang="en-US" dirty="0"/>
+              <a:t> queries</a:t>
+            </a:r>
+            <a:endParaRPr lang="en-BE" dirty="0"/>
+          </a:p>
+        </p:txBody>
+      </p:sp>
+      <p:sp>
+        <p:nvSpPr>
+          <p:cNvPr id="4" name="Slide Number Placeholder 3"/>
+          <p:cNvSpPr>
+            <a:spLocks noGrp="1"/>
+          </p:cNvSpPr>
+          <p:nvPr>
+            <p:ph type="sldNum" sz="quarter" idx="5"/>
+          </p:nvPr>
+        </p:nvSpPr>
+        <p:spPr/>
+        <p:txBody>
+          <a:bodyPr/>
+          <a:lstStyle/>
+          <a:p>
+            <a:fld id="{D97986AC-811D-4C2A-A7DE-A4DD8621F501}" type="slidenum">
+              <a:rPr lang="en-BE" smtClean="0"/>
+              <a:t>4</a:t>
+            </a:fld>
+            <a:endParaRPr lang="en-BE"/>
+          </a:p>
+        </p:txBody>
+      </p:sp>
+    </p:spTree>
+    <p:extLst>
+      <p:ext uri="{BB962C8B-B14F-4D97-AF65-F5344CB8AC3E}">
+        <p14:creationId xmlns:p14="http://schemas.microsoft.com/office/powerpoint/2010/main" val="2641675993"/>
+      </p:ext>
+    </p:extLst>
+  </p:cSld>
+  <p:clrMapOvr>
+    <a:masterClrMapping/>
+  </p:clrMapOvr>
+</p:notes>
+</file>
+
+<file path=ppt/notesSlides/notesSlide3.xml><?xml version="1.0" encoding="utf-8"?>
+<p:notes xmlns:a="http://schemas.openxmlformats.org/drawingml/2006/main" xmlns:r="http://schemas.openxmlformats.org/officeDocument/2006/relationships" xmlns:p="http://schemas.openxmlformats.org/presentationml/2006/main">
+  <p:cSld>
+    <p:spTree>
+      <p:nvGrpSpPr>
+        <p:cNvPr id="1" name=""/>
+        <p:cNvGrpSpPr/>
+        <p:nvPr/>
+      </p:nvGrpSpPr>
+      <p:grpSpPr>
+        <a:xfrm>
+          <a:off x="0" y="0"/>
+          <a:ext cx="0" cy="0"/>
+          <a:chOff x="0" y="0"/>
+          <a:chExt cx="0" cy="0"/>
+        </a:xfrm>
+      </p:grpSpPr>
+      <p:sp>
+        <p:nvSpPr>
+          <p:cNvPr id="2" name="Slide Image Placeholder 1"/>
+          <p:cNvSpPr>
+            <a:spLocks noGrp="1" noRot="1" noChangeAspect="1"/>
+          </p:cNvSpPr>
+          <p:nvPr>
+            <p:ph type="sldImg"/>
+          </p:nvPr>
+        </p:nvSpPr>
+        <p:spPr/>
+      </p:sp>
+      <p:sp>
+        <p:nvSpPr>
+          <p:cNvPr id="3" name="Notes Placeholder 2"/>
+          <p:cNvSpPr>
+            <a:spLocks noGrp="1"/>
+          </p:cNvSpPr>
+          <p:nvPr>
+            <p:ph type="body" idx="1"/>
+          </p:nvPr>
+        </p:nvSpPr>
+        <p:spPr/>
+        <p:txBody>
+          <a:bodyPr/>
+          <a:lstStyle/>
+          <a:p>
+            <a:r>
+              <a:rPr lang="en-US" dirty="0"/>
+              <a:t>- devices </a:t>
+            </a:r>
+            <a:r>
+              <a:rPr lang="en-US" dirty="0" err="1"/>
+              <a:t>worden</a:t>
+            </a:r>
+            <a:r>
+              <a:rPr lang="en-US" dirty="0"/>
+              <a:t> </a:t>
+            </a:r>
+            <a:r>
+              <a:rPr lang="en-US" dirty="0" err="1"/>
+              <a:t>geregistreerd</a:t>
+            </a:r>
+            <a:r>
+              <a:rPr lang="en-US" dirty="0"/>
+              <a:t> via </a:t>
+            </a:r>
+            <a:r>
+              <a:rPr lang="en-US" dirty="0" err="1"/>
+              <a:t>dps</a:t>
+            </a:r>
+            <a:r>
+              <a:rPr lang="en-US" dirty="0"/>
+              <a:t> (device provisioning service)</a:t>
+            </a:r>
+          </a:p>
+          <a:p>
+            <a:r>
+              <a:rPr lang="en-US" dirty="0"/>
+              <a:t>- load balancing voor </a:t>
+            </a:r>
+            <a:r>
+              <a:rPr lang="en-US" dirty="0" err="1"/>
+              <a:t>zeer</a:t>
+            </a:r>
+            <a:r>
+              <a:rPr lang="en-US" dirty="0"/>
+              <a:t> </a:t>
+            </a:r>
+            <a:r>
+              <a:rPr lang="en-US" dirty="0" err="1"/>
+              <a:t>grote</a:t>
+            </a:r>
+            <a:r>
+              <a:rPr lang="en-US" dirty="0"/>
+              <a:t> hoeveel devices</a:t>
+            </a:r>
+          </a:p>
+          <a:p>
+            <a:r>
+              <a:rPr lang="en-US" dirty="0"/>
+              <a:t>- </a:t>
+            </a:r>
+            <a:r>
+              <a:rPr lang="en-US" dirty="0" err="1"/>
+              <a:t>mogelijkheid</a:t>
+            </a:r>
+            <a:r>
+              <a:rPr lang="en-US" dirty="0"/>
+              <a:t> tot data exports</a:t>
+            </a:r>
+          </a:p>
+          <a:p>
+            <a:r>
+              <a:rPr lang="en-US" dirty="0"/>
+              <a:t>	- event hub</a:t>
+            </a:r>
+          </a:p>
+          <a:p>
+            <a:r>
+              <a:rPr lang="en-US" dirty="0"/>
+              <a:t>	- service bus</a:t>
+            </a:r>
+          </a:p>
+          <a:p>
+            <a:r>
+              <a:rPr lang="en-US" dirty="0"/>
+              <a:t>	- storage account</a:t>
+            </a:r>
+          </a:p>
+          <a:p>
+            <a:r>
+              <a:rPr lang="en-US" dirty="0"/>
+              <a:t>- </a:t>
+            </a:r>
+            <a:r>
+              <a:rPr lang="en-US" dirty="0" err="1"/>
+              <a:t>iot</a:t>
+            </a:r>
+            <a:r>
+              <a:rPr lang="en-US" dirty="0"/>
+              <a:t> central </a:t>
+            </a:r>
+            <a:r>
+              <a:rPr lang="en-US" dirty="0" err="1"/>
+              <a:t>kan</a:t>
+            </a:r>
+            <a:r>
+              <a:rPr lang="en-US" dirty="0"/>
+              <a:t> via </a:t>
+            </a:r>
+            <a:r>
+              <a:rPr lang="en-US" dirty="0" err="1"/>
+              <a:t>api</a:t>
+            </a:r>
+            <a:r>
+              <a:rPr lang="en-US" dirty="0"/>
+              <a:t> </a:t>
+            </a:r>
+            <a:r>
+              <a:rPr lang="en-US" dirty="0" err="1"/>
+              <a:t>aangestuurd</a:t>
+            </a:r>
+            <a:r>
+              <a:rPr lang="en-US" dirty="0"/>
+              <a:t> </a:t>
+            </a:r>
+            <a:r>
+              <a:rPr lang="en-US" dirty="0" err="1"/>
+              <a:t>worden</a:t>
+            </a:r>
+            <a:endParaRPr lang="en-US" dirty="0"/>
+          </a:p>
+          <a:p>
+            <a:r>
+              <a:rPr lang="en-US" dirty="0"/>
+              <a:t>	- create devices, …</a:t>
+            </a:r>
+            <a:endParaRPr lang="en-BE" dirty="0"/>
+          </a:p>
+        </p:txBody>
+      </p:sp>
+      <p:sp>
+        <p:nvSpPr>
+          <p:cNvPr id="4" name="Slide Number Placeholder 3"/>
+          <p:cNvSpPr>
+            <a:spLocks noGrp="1"/>
+          </p:cNvSpPr>
+          <p:nvPr>
+            <p:ph type="sldNum" sz="quarter" idx="5"/>
+          </p:nvPr>
+        </p:nvSpPr>
+        <p:spPr/>
+        <p:txBody>
+          <a:bodyPr/>
+          <a:lstStyle/>
+          <a:p>
+            <a:fld id="{D97986AC-811D-4C2A-A7DE-A4DD8621F501}" type="slidenum">
+              <a:rPr lang="en-BE" smtClean="0"/>
+              <a:t>5</a:t>
+            </a:fld>
+            <a:endParaRPr lang="en-BE"/>
+          </a:p>
+        </p:txBody>
+      </p:sp>
+    </p:spTree>
+    <p:extLst>
+      <p:ext uri="{BB962C8B-B14F-4D97-AF65-F5344CB8AC3E}">
+        <p14:creationId xmlns:p14="http://schemas.microsoft.com/office/powerpoint/2010/main" val="3515369417"/>
+      </p:ext>
+    </p:extLst>
+  </p:cSld>
+  <p:clrMapOvr>
+    <a:masterClrMapping/>
+  </p:clrMapOvr>
+</p:notes>
+</file>
+
+<file path=ppt/notesSlides/notesSlide4.xml><?xml version="1.0" encoding="utf-8"?>
+<p:notes xmlns:a="http://schemas.openxmlformats.org/drawingml/2006/main" xmlns:r="http://schemas.openxmlformats.org/officeDocument/2006/relationships" xmlns:p="http://schemas.openxmlformats.org/presentationml/2006/main">
+  <p:cSld>
+    <p:spTree>
+      <p:nvGrpSpPr>
+        <p:cNvPr id="1" name=""/>
+        <p:cNvGrpSpPr/>
+        <p:nvPr/>
+      </p:nvGrpSpPr>
+      <p:grpSpPr>
+        <a:xfrm>
+          <a:off x="0" y="0"/>
+          <a:ext cx="0" cy="0"/>
+          <a:chOff x="0" y="0"/>
+          <a:chExt cx="0" cy="0"/>
+        </a:xfrm>
+      </p:grpSpPr>
+      <p:sp>
+        <p:nvSpPr>
+          <p:cNvPr id="2" name="Slide Image Placeholder 1"/>
+          <p:cNvSpPr>
+            <a:spLocks noGrp="1" noRot="1" noChangeAspect="1"/>
+          </p:cNvSpPr>
+          <p:nvPr>
+            <p:ph type="sldImg"/>
+          </p:nvPr>
+        </p:nvSpPr>
+        <p:spPr/>
+      </p:sp>
+      <p:sp>
+        <p:nvSpPr>
+          <p:cNvPr id="3" name="Notes Placeholder 2"/>
+          <p:cNvSpPr>
+            <a:spLocks noGrp="1"/>
+          </p:cNvSpPr>
+          <p:nvPr>
+            <p:ph type="body" idx="1"/>
+          </p:nvPr>
+        </p:nvSpPr>
+        <p:spPr/>
+        <p:txBody>
+          <a:bodyPr/>
+          <a:lstStyle/>
+          <a:p>
+            <a:r>
+              <a:rPr lang="en-US" dirty="0"/>
+              <a:t>- 2 </a:t>
+            </a:r>
+            <a:r>
+              <a:rPr lang="en-US" dirty="0" err="1"/>
+              <a:t>verschillende</a:t>
+            </a:r>
+            <a:r>
+              <a:rPr lang="en-US" dirty="0"/>
+              <a:t> </a:t>
+            </a:r>
+            <a:r>
+              <a:rPr lang="en-US" dirty="0" err="1"/>
+              <a:t>soorten</a:t>
+            </a:r>
+            <a:r>
+              <a:rPr lang="en-US" dirty="0"/>
+              <a:t> devices</a:t>
+            </a:r>
+          </a:p>
+          <a:p>
+            <a:r>
+              <a:rPr lang="en-US" dirty="0"/>
+              <a:t>	- </a:t>
+            </a:r>
+            <a:r>
+              <a:rPr lang="en-US" dirty="0" err="1"/>
+              <a:t>iot</a:t>
+            </a:r>
+            <a:r>
+              <a:rPr lang="en-US" dirty="0"/>
+              <a:t> device</a:t>
+            </a:r>
+          </a:p>
+          <a:p>
+            <a:r>
+              <a:rPr lang="en-US" dirty="0"/>
+              <a:t>	- </a:t>
+            </a:r>
+            <a:r>
+              <a:rPr lang="en-US" dirty="0" err="1"/>
+              <a:t>iot</a:t>
+            </a:r>
+            <a:r>
+              <a:rPr lang="en-US" dirty="0"/>
+              <a:t> edge device</a:t>
+            </a:r>
+          </a:p>
+          <a:p>
+            <a:r>
+              <a:rPr lang="en-US" dirty="0"/>
+              <a:t>- devices kunnen </a:t>
+            </a:r>
+            <a:r>
+              <a:rPr lang="en-US" dirty="0" err="1"/>
+              <a:t>makkelijk</a:t>
+            </a:r>
+            <a:r>
+              <a:rPr lang="en-US" dirty="0"/>
+              <a:t> via de </a:t>
+            </a:r>
+            <a:r>
+              <a:rPr lang="en-US" dirty="0" err="1"/>
+              <a:t>iot</a:t>
+            </a:r>
+            <a:r>
+              <a:rPr lang="en-US" dirty="0"/>
+              <a:t> central portal </a:t>
+            </a:r>
+            <a:r>
+              <a:rPr lang="en-US" dirty="0" err="1"/>
+              <a:t>beheerd</a:t>
+            </a:r>
+            <a:r>
+              <a:rPr lang="en-US" dirty="0"/>
+              <a:t> </a:t>
+            </a:r>
+            <a:r>
+              <a:rPr lang="en-US" dirty="0" err="1"/>
+              <a:t>worden</a:t>
+            </a:r>
+            <a:endParaRPr lang="en-BE" dirty="0"/>
+          </a:p>
+        </p:txBody>
+      </p:sp>
+      <p:sp>
+        <p:nvSpPr>
+          <p:cNvPr id="4" name="Slide Number Placeholder 3"/>
+          <p:cNvSpPr>
+            <a:spLocks noGrp="1"/>
+          </p:cNvSpPr>
+          <p:nvPr>
+            <p:ph type="sldNum" sz="quarter" idx="5"/>
+          </p:nvPr>
+        </p:nvSpPr>
+        <p:spPr/>
+        <p:txBody>
+          <a:bodyPr/>
+          <a:lstStyle/>
+          <a:p>
+            <a:fld id="{D97986AC-811D-4C2A-A7DE-A4DD8621F501}" type="slidenum">
+              <a:rPr lang="en-BE" smtClean="0"/>
+              <a:t>6</a:t>
+            </a:fld>
+            <a:endParaRPr lang="en-BE"/>
+          </a:p>
+        </p:txBody>
+      </p:sp>
+    </p:spTree>
+    <p:extLst>
+      <p:ext uri="{BB962C8B-B14F-4D97-AF65-F5344CB8AC3E}">
+        <p14:creationId xmlns:p14="http://schemas.microsoft.com/office/powerpoint/2010/main" val="52843010"/>
+      </p:ext>
+    </p:extLst>
+  </p:cSld>
+  <p:clrMapOvr>
+    <a:masterClrMapping/>
+  </p:clrMapOvr>
+</p:notes>
+</file>
+
+<file path=ppt/notesSlides/notesSlide5.xml><?xml version="1.0" encoding="utf-8"?>
+<p:notes xmlns:a="http://schemas.openxmlformats.org/drawingml/2006/main" xmlns:r="http://schemas.openxmlformats.org/officeDocument/2006/relationships" xmlns:p="http://schemas.openxmlformats.org/presentationml/2006/main">
+  <p:cSld>
+    <p:spTree>
+      <p:nvGrpSpPr>
+        <p:cNvPr id="1" name=""/>
+        <p:cNvGrpSpPr/>
+        <p:nvPr/>
+      </p:nvGrpSpPr>
+      <p:grpSpPr>
+        <a:xfrm>
+          <a:off x="0" y="0"/>
+          <a:ext cx="0" cy="0"/>
+          <a:chOff x="0" y="0"/>
+          <a:chExt cx="0" cy="0"/>
+        </a:xfrm>
+      </p:grpSpPr>
+      <p:sp>
+        <p:nvSpPr>
+          <p:cNvPr id="2" name="Slide Image Placeholder 1"/>
+          <p:cNvSpPr>
+            <a:spLocks noGrp="1" noRot="1" noChangeAspect="1"/>
+          </p:cNvSpPr>
+          <p:nvPr>
+            <p:ph type="sldImg"/>
+          </p:nvPr>
+        </p:nvSpPr>
+        <p:spPr/>
+      </p:sp>
+      <p:sp>
+        <p:nvSpPr>
+          <p:cNvPr id="3" name="Notes Placeholder 2"/>
+          <p:cNvSpPr>
+            <a:spLocks noGrp="1"/>
+          </p:cNvSpPr>
+          <p:nvPr>
+            <p:ph type="body" idx="1"/>
+          </p:nvPr>
+        </p:nvSpPr>
+        <p:spPr/>
+        <p:txBody>
+          <a:bodyPr/>
+          <a:lstStyle/>
+          <a:p>
+            <a:r>
+              <a:rPr lang="en-US" dirty="0"/>
+              <a:t>- 1 op 1 device </a:t>
+            </a:r>
+            <a:r>
+              <a:rPr lang="en-US" dirty="0" err="1"/>
+              <a:t>configuratie</a:t>
+            </a:r>
+            <a:r>
+              <a:rPr lang="en-US" dirty="0"/>
+              <a:t> =&gt; 1 device in </a:t>
+            </a:r>
+            <a:r>
+              <a:rPr lang="en-US" dirty="0" err="1"/>
+              <a:t>iot</a:t>
+            </a:r>
+            <a:r>
+              <a:rPr lang="en-US" dirty="0"/>
+              <a:t> central </a:t>
+            </a:r>
+            <a:r>
+              <a:rPr lang="en-US" dirty="0" err="1"/>
+              <a:t>ontvang</a:t>
+            </a:r>
+            <a:r>
+              <a:rPr lang="en-US" dirty="0"/>
+              <a:t> data van 1 device</a:t>
+            </a:r>
+          </a:p>
+        </p:txBody>
+      </p:sp>
+      <p:sp>
+        <p:nvSpPr>
+          <p:cNvPr id="4" name="Slide Number Placeholder 3"/>
+          <p:cNvSpPr>
+            <a:spLocks noGrp="1"/>
+          </p:cNvSpPr>
+          <p:nvPr>
+            <p:ph type="sldNum" sz="quarter" idx="5"/>
+          </p:nvPr>
+        </p:nvSpPr>
+        <p:spPr/>
+        <p:txBody>
+          <a:bodyPr/>
+          <a:lstStyle/>
+          <a:p>
+            <a:fld id="{D97986AC-811D-4C2A-A7DE-A4DD8621F501}" type="slidenum">
+              <a:rPr lang="en-BE" smtClean="0"/>
+              <a:t>7</a:t>
+            </a:fld>
+            <a:endParaRPr lang="en-BE"/>
+          </a:p>
+        </p:txBody>
+      </p:sp>
+    </p:spTree>
+    <p:extLst>
+      <p:ext uri="{BB962C8B-B14F-4D97-AF65-F5344CB8AC3E}">
+        <p14:creationId xmlns:p14="http://schemas.microsoft.com/office/powerpoint/2010/main" val="1793407617"/>
+      </p:ext>
+    </p:extLst>
+  </p:cSld>
+  <p:clrMapOvr>
+    <a:masterClrMapping/>
+  </p:clrMapOvr>
+</p:notes>
+</file>
+
+<file path=ppt/notesSlides/notesSlide6.xml><?xml version="1.0" encoding="utf-8"?>
+<p:notes xmlns:a="http://schemas.openxmlformats.org/drawingml/2006/main" xmlns:r="http://schemas.openxmlformats.org/officeDocument/2006/relationships" xmlns:p="http://schemas.openxmlformats.org/presentationml/2006/main">
+  <p:cSld>
+    <p:spTree>
+      <p:nvGrpSpPr>
+        <p:cNvPr id="1" name=""/>
+        <p:cNvGrpSpPr/>
+        <p:nvPr/>
+      </p:nvGrpSpPr>
+      <p:grpSpPr>
+        <a:xfrm>
+          <a:off x="0" y="0"/>
+          <a:ext cx="0" cy="0"/>
+          <a:chOff x="0" y="0"/>
+          <a:chExt cx="0" cy="0"/>
+        </a:xfrm>
+      </p:grpSpPr>
+      <p:sp>
+        <p:nvSpPr>
+          <p:cNvPr id="2" name="Slide Image Placeholder 1"/>
+          <p:cNvSpPr>
+            <a:spLocks noGrp="1" noRot="1" noChangeAspect="1"/>
+          </p:cNvSpPr>
+          <p:nvPr>
+            <p:ph type="sldImg"/>
+          </p:nvPr>
+        </p:nvSpPr>
+        <p:spPr/>
+      </p:sp>
+      <p:sp>
+        <p:nvSpPr>
+          <p:cNvPr id="3" name="Notes Placeholder 2"/>
+          <p:cNvSpPr>
+            <a:spLocks noGrp="1"/>
+          </p:cNvSpPr>
+          <p:nvPr>
+            <p:ph type="body" idx="1"/>
+          </p:nvPr>
+        </p:nvSpPr>
+        <p:spPr/>
+        <p:txBody>
+          <a:bodyPr/>
+          <a:lstStyle/>
+          <a:p>
+            <a:r>
+              <a:rPr lang="en-US" dirty="0"/>
+              <a:t>- Meestal </a:t>
+            </a:r>
+            <a:r>
+              <a:rPr lang="en-US" dirty="0" err="1"/>
+              <a:t>gebruikt</a:t>
+            </a:r>
+            <a:r>
+              <a:rPr lang="en-US" dirty="0"/>
+              <a:t> </a:t>
+            </a:r>
+            <a:r>
+              <a:rPr lang="en-US" dirty="0" err="1"/>
+              <a:t>als</a:t>
+            </a:r>
+            <a:r>
+              <a:rPr lang="en-US" dirty="0"/>
+              <a:t> een proxy device. </a:t>
+            </a:r>
+          </a:p>
+          <a:p>
+            <a:r>
+              <a:rPr lang="en-US" dirty="0"/>
+              <a:t>- </a:t>
+            </a:r>
+            <a:r>
+              <a:rPr lang="en-US" dirty="0" err="1"/>
+              <a:t>iot</a:t>
+            </a:r>
+            <a:r>
+              <a:rPr lang="en-US" dirty="0"/>
+              <a:t> edge runtime draait op locale </a:t>
+            </a:r>
+            <a:r>
+              <a:rPr lang="en-US" dirty="0" err="1"/>
+              <a:t>infrastructuur</a:t>
+            </a:r>
+            <a:r>
+              <a:rPr lang="en-US" dirty="0"/>
+              <a:t> die </a:t>
+            </a:r>
+            <a:r>
+              <a:rPr lang="en-US" dirty="0" err="1"/>
+              <a:t>toegang</a:t>
+            </a:r>
+            <a:r>
+              <a:rPr lang="en-US" dirty="0"/>
+              <a:t> heeft tot de sensor data</a:t>
+            </a:r>
+          </a:p>
+          <a:p>
+            <a:r>
+              <a:rPr lang="en-US" dirty="0"/>
+              <a:t>- modules </a:t>
+            </a:r>
+            <a:r>
+              <a:rPr lang="en-US" dirty="0" err="1"/>
+              <a:t>draaien</a:t>
+            </a:r>
+            <a:r>
+              <a:rPr lang="en-US" dirty="0"/>
+              <a:t> op de </a:t>
+            </a:r>
+            <a:r>
+              <a:rPr lang="en-US" dirty="0" err="1"/>
+              <a:t>iot</a:t>
+            </a:r>
+            <a:r>
+              <a:rPr lang="en-US" dirty="0"/>
+              <a:t> edge runtime</a:t>
+            </a:r>
+          </a:p>
+          <a:p>
+            <a:r>
+              <a:rPr lang="en-US" dirty="0"/>
+              <a:t>- telemetry upstream via modules naar </a:t>
+            </a:r>
+            <a:r>
+              <a:rPr lang="en-US" dirty="0" err="1"/>
+              <a:t>iot</a:t>
+            </a:r>
+            <a:r>
+              <a:rPr lang="en-US" dirty="0"/>
+              <a:t> hub (</a:t>
+            </a:r>
+            <a:r>
+              <a:rPr lang="en-US" dirty="0" err="1"/>
+              <a:t>iot</a:t>
+            </a:r>
+            <a:r>
+              <a:rPr lang="en-US" dirty="0"/>
+              <a:t> central)</a:t>
+            </a:r>
+          </a:p>
+        </p:txBody>
+      </p:sp>
+      <p:sp>
+        <p:nvSpPr>
+          <p:cNvPr id="4" name="Slide Number Placeholder 3"/>
+          <p:cNvSpPr>
+            <a:spLocks noGrp="1"/>
+          </p:cNvSpPr>
+          <p:nvPr>
+            <p:ph type="sldNum" sz="quarter" idx="5"/>
+          </p:nvPr>
+        </p:nvSpPr>
+        <p:spPr/>
+        <p:txBody>
+          <a:bodyPr/>
+          <a:lstStyle/>
+          <a:p>
+            <a:fld id="{D97986AC-811D-4C2A-A7DE-A4DD8621F501}" type="slidenum">
+              <a:rPr lang="en-BE" smtClean="0"/>
+              <a:t>8</a:t>
+            </a:fld>
+            <a:endParaRPr lang="en-BE"/>
+          </a:p>
+        </p:txBody>
+      </p:sp>
+    </p:spTree>
+    <p:extLst>
+      <p:ext uri="{BB962C8B-B14F-4D97-AF65-F5344CB8AC3E}">
+        <p14:creationId xmlns:p14="http://schemas.microsoft.com/office/powerpoint/2010/main" val="1016940826"/>
+      </p:ext>
+    </p:extLst>
+  </p:cSld>
+  <p:clrMapOvr>
+    <a:masterClrMapping/>
+  </p:clrMapOvr>
+</p:notes>
+</file>
+
+<file path=ppt/notesSlides/notesSlide7.xml><?xml version="1.0" encoding="utf-8"?>
+<p:notes xmlns:a="http://schemas.openxmlformats.org/drawingml/2006/main" xmlns:r="http://schemas.openxmlformats.org/officeDocument/2006/relationships" xmlns:p="http://schemas.openxmlformats.org/presentationml/2006/main">
+  <p:cSld>
+    <p:spTree>
+      <p:nvGrpSpPr>
+        <p:cNvPr id="1" name=""/>
+        <p:cNvGrpSpPr/>
+        <p:nvPr/>
+      </p:nvGrpSpPr>
+      <p:grpSpPr>
+        <a:xfrm>
+          <a:off x="0" y="0"/>
+          <a:ext cx="0" cy="0"/>
+          <a:chOff x="0" y="0"/>
+          <a:chExt cx="0" cy="0"/>
+        </a:xfrm>
+      </p:grpSpPr>
+      <p:sp>
+        <p:nvSpPr>
+          <p:cNvPr id="2" name="Slide Image Placeholder 1"/>
+          <p:cNvSpPr>
+            <a:spLocks noGrp="1" noRot="1" noChangeAspect="1"/>
+          </p:cNvSpPr>
+          <p:nvPr>
+            <p:ph type="sldImg"/>
+          </p:nvPr>
+        </p:nvSpPr>
+        <p:spPr/>
+      </p:sp>
+      <p:sp>
+        <p:nvSpPr>
+          <p:cNvPr id="3" name="Notes Placeholder 2"/>
+          <p:cNvSpPr>
+            <a:spLocks noGrp="1"/>
+          </p:cNvSpPr>
+          <p:nvPr>
+            <p:ph type="body" idx="1"/>
+          </p:nvPr>
+        </p:nvSpPr>
+        <p:spPr/>
+        <p:txBody>
+          <a:bodyPr/>
+          <a:lstStyle/>
+          <a:p>
+            <a:r>
+              <a:rPr lang="en-US" dirty="0"/>
+              <a:t>- </a:t>
+            </a:r>
+            <a:r>
+              <a:rPr lang="en-US" dirty="0" err="1"/>
+              <a:t>dps</a:t>
+            </a:r>
+            <a:r>
+              <a:rPr lang="en-US" dirty="0"/>
+              <a:t> (device provisioning service) bepaald welke </a:t>
+            </a:r>
+            <a:r>
+              <a:rPr lang="en-US" dirty="0" err="1"/>
+              <a:t>onderliggende</a:t>
+            </a:r>
+            <a:r>
+              <a:rPr lang="en-US" dirty="0"/>
+              <a:t> </a:t>
+            </a:r>
+            <a:r>
+              <a:rPr lang="en-US" dirty="0" err="1"/>
+              <a:t>iot</a:t>
+            </a:r>
+            <a:r>
+              <a:rPr lang="en-US" dirty="0"/>
+              <a:t> hub </a:t>
+            </a:r>
+            <a:r>
+              <a:rPr lang="en-US" dirty="0" err="1"/>
+              <a:t>gebruikt</a:t>
+            </a:r>
+            <a:r>
+              <a:rPr lang="en-US" dirty="0"/>
+              <a:t> wordt</a:t>
+            </a:r>
+          </a:p>
+          <a:p>
+            <a:r>
+              <a:rPr lang="en-US" dirty="0"/>
+              <a:t>- on the fly </a:t>
+            </a:r>
+            <a:r>
+              <a:rPr lang="en-US" dirty="0" err="1"/>
+              <a:t>opspinnen</a:t>
+            </a:r>
+            <a:r>
+              <a:rPr lang="en-US" dirty="0"/>
+              <a:t> bij veel data</a:t>
+            </a:r>
+          </a:p>
+          <a:p>
+            <a:r>
+              <a:rPr lang="en-US" dirty="0"/>
+              <a:t>- devices </a:t>
+            </a:r>
+            <a:r>
+              <a:rPr lang="en-US" dirty="0" err="1"/>
+              <a:t>moeten</a:t>
+            </a:r>
+            <a:r>
+              <a:rPr lang="en-US" dirty="0"/>
+              <a:t> zelf nieuwe </a:t>
+            </a:r>
+            <a:r>
+              <a:rPr lang="en-US" dirty="0" err="1"/>
+              <a:t>registratie</a:t>
+            </a:r>
+            <a:r>
+              <a:rPr lang="en-US" dirty="0"/>
+              <a:t> </a:t>
+            </a:r>
+            <a:r>
+              <a:rPr lang="en-US" dirty="0" err="1"/>
+              <a:t>regelen</a:t>
+            </a:r>
+            <a:r>
+              <a:rPr lang="en-US" dirty="0"/>
+              <a:t> wanneer </a:t>
+            </a:r>
+            <a:r>
+              <a:rPr lang="en-US" dirty="0" err="1"/>
+              <a:t>zenden</a:t>
+            </a:r>
+            <a:r>
+              <a:rPr lang="en-US" dirty="0"/>
+              <a:t> van telemetry </a:t>
+            </a:r>
+            <a:r>
+              <a:rPr lang="en-US" dirty="0" err="1"/>
+              <a:t>mislukt</a:t>
+            </a:r>
+            <a:endParaRPr lang="en-BE" dirty="0"/>
+          </a:p>
+        </p:txBody>
+      </p:sp>
+      <p:sp>
+        <p:nvSpPr>
+          <p:cNvPr id="4" name="Slide Number Placeholder 3"/>
+          <p:cNvSpPr>
+            <a:spLocks noGrp="1"/>
+          </p:cNvSpPr>
+          <p:nvPr>
+            <p:ph type="sldNum" sz="quarter" idx="5"/>
+          </p:nvPr>
+        </p:nvSpPr>
+        <p:spPr/>
+        <p:txBody>
+          <a:bodyPr/>
+          <a:lstStyle/>
+          <a:p>
+            <a:fld id="{D97986AC-811D-4C2A-A7DE-A4DD8621F501}" type="slidenum">
+              <a:rPr lang="en-BE" smtClean="0"/>
+              <a:t>9</a:t>
+            </a:fld>
+            <a:endParaRPr lang="en-BE"/>
+          </a:p>
+        </p:txBody>
+      </p:sp>
+    </p:spTree>
+    <p:extLst>
+      <p:ext uri="{BB962C8B-B14F-4D97-AF65-F5344CB8AC3E}">
+        <p14:creationId xmlns:p14="http://schemas.microsoft.com/office/powerpoint/2010/main" val="767512421"/>
+      </p:ext>
+    </p:extLst>
+  </p:cSld>
+  <p:clrMapOvr>
+    <a:masterClrMapping/>
+  </p:clrMapOvr>
+</p:notes>
+</file>
+
+<file path=ppt/notesSlides/notesSlide8.xml><?xml version="1.0" encoding="utf-8"?>
+<p:notes xmlns:a="http://schemas.openxmlformats.org/drawingml/2006/main" xmlns:r="http://schemas.openxmlformats.org/officeDocument/2006/relationships" xmlns:p="http://schemas.openxmlformats.org/presentationml/2006/main">
+  <p:cSld>
+    <p:spTree>
+      <p:nvGrpSpPr>
+        <p:cNvPr id="1" name=""/>
+        <p:cNvGrpSpPr/>
+        <p:nvPr/>
+      </p:nvGrpSpPr>
+      <p:grpSpPr>
+        <a:xfrm>
+          <a:off x="0" y="0"/>
+          <a:ext cx="0" cy="0"/>
+          <a:chOff x="0" y="0"/>
+          <a:chExt cx="0" cy="0"/>
+        </a:xfrm>
+      </p:grpSpPr>
+      <p:sp>
+        <p:nvSpPr>
+          <p:cNvPr id="2" name="Slide Image Placeholder 1"/>
+          <p:cNvSpPr>
+            <a:spLocks noGrp="1" noRot="1" noChangeAspect="1"/>
+          </p:cNvSpPr>
+          <p:nvPr>
+            <p:ph type="sldImg"/>
+          </p:nvPr>
+        </p:nvSpPr>
+        <p:spPr/>
+      </p:sp>
+      <p:sp>
+        <p:nvSpPr>
+          <p:cNvPr id="3" name="Notes Placeholder 2"/>
+          <p:cNvSpPr>
+            <a:spLocks noGrp="1"/>
+          </p:cNvSpPr>
+          <p:nvPr>
+            <p:ph type="body" idx="1"/>
+          </p:nvPr>
+        </p:nvSpPr>
+        <p:spPr/>
+        <p:txBody>
+          <a:bodyPr/>
+          <a:lstStyle/>
+          <a:p>
+            <a:r>
+              <a:rPr lang="en-US" dirty="0"/>
+              <a:t>- device templates </a:t>
+            </a:r>
+            <a:r>
+              <a:rPr lang="en-US" dirty="0" err="1"/>
+              <a:t>worden</a:t>
+            </a:r>
+            <a:r>
+              <a:rPr lang="en-US" dirty="0"/>
+              <a:t> in </a:t>
+            </a:r>
+            <a:r>
+              <a:rPr lang="en-US" dirty="0" err="1"/>
+              <a:t>dtdl</a:t>
+            </a:r>
+            <a:r>
+              <a:rPr lang="en-US" dirty="0"/>
+              <a:t> </a:t>
+            </a:r>
+            <a:endParaRPr lang="en-BE" dirty="0"/>
+          </a:p>
+        </p:txBody>
+      </p:sp>
+      <p:sp>
+        <p:nvSpPr>
+          <p:cNvPr id="4" name="Slide Number Placeholder 3"/>
+          <p:cNvSpPr>
+            <a:spLocks noGrp="1"/>
+          </p:cNvSpPr>
+          <p:nvPr>
+            <p:ph type="sldNum" sz="quarter" idx="5"/>
+          </p:nvPr>
+        </p:nvSpPr>
+        <p:spPr/>
+        <p:txBody>
+          <a:bodyPr/>
+          <a:lstStyle/>
+          <a:p>
+            <a:fld id="{D97986AC-811D-4C2A-A7DE-A4DD8621F501}" type="slidenum">
+              <a:rPr lang="en-BE" smtClean="0"/>
+              <a:t>10</a:t>
+            </a:fld>
+            <a:endParaRPr lang="en-BE"/>
+          </a:p>
+        </p:txBody>
+      </p:sp>
+    </p:spTree>
+    <p:extLst>
+      <p:ext uri="{BB962C8B-B14F-4D97-AF65-F5344CB8AC3E}">
+        <p14:creationId xmlns:p14="http://schemas.microsoft.com/office/powerpoint/2010/main" val="1649088838"/>
+      </p:ext>
+    </p:extLst>
+  </p:cSld>
+  <p:clrMapOvr>
+    <a:masterClrMapping/>
+  </p:clrMapOvr>
+</p:notes>
+</file>
+
 <file path=ppt/slideLayouts/slideLayout1.xml><?xml version="1.0" encoding="utf-8"?>
 <p:sldLayout xmlns:a="http://schemas.openxmlformats.org/drawingml/2006/main" xmlns:r="http://schemas.openxmlformats.org/officeDocument/2006/relationships" xmlns:p="http://schemas.openxmlformats.org/presentationml/2006/main" type="title" preserve="1">
   <p:cSld name="Title Slide">
@@ -858,7 +2465,7 @@
           <a:p>
             <a:fld id="{AC68330A-4CE2-4F2A-A88C-15A4A1232ED1}" type="datetimeFigureOut">
               <a:rPr lang="en-BE" smtClean="0"/>
-              <a:t>10/09/2023</a:t>
+              <a:t>14/09/2023</a:t>
             </a:fld>
             <a:endParaRPr lang="en-BE"/>
           </a:p>
@@ -1058,7 +2665,7 @@
           <a:p>
             <a:fld id="{AC68330A-4CE2-4F2A-A88C-15A4A1232ED1}" type="datetimeFigureOut">
               <a:rPr lang="en-BE" smtClean="0"/>
-              <a:t>10/09/2023</a:t>
+              <a:t>14/09/2023</a:t>
             </a:fld>
             <a:endParaRPr lang="en-BE"/>
           </a:p>
@@ -1268,7 +2875,7 @@
           <a:p>
             <a:fld id="{AC68330A-4CE2-4F2A-A88C-15A4A1232ED1}" type="datetimeFigureOut">
               <a:rPr lang="en-BE" smtClean="0"/>
-              <a:t>10/09/2023</a:t>
+              <a:t>14/09/2023</a:t>
             </a:fld>
             <a:endParaRPr lang="en-BE"/>
           </a:p>
@@ -1468,7 +3075,7 @@
           <a:p>
             <a:fld id="{AC68330A-4CE2-4F2A-A88C-15A4A1232ED1}" type="datetimeFigureOut">
               <a:rPr lang="en-BE" smtClean="0"/>
-              <a:t>10/09/2023</a:t>
+              <a:t>14/09/2023</a:t>
             </a:fld>
             <a:endParaRPr lang="en-BE"/>
           </a:p>
@@ -1744,7 +3351,7 @@
           <a:p>
             <a:fld id="{AC68330A-4CE2-4F2A-A88C-15A4A1232ED1}" type="datetimeFigureOut">
               <a:rPr lang="en-BE" smtClean="0"/>
-              <a:t>10/09/2023</a:t>
+              <a:t>14/09/2023</a:t>
             </a:fld>
             <a:endParaRPr lang="en-BE"/>
           </a:p>
@@ -2012,7 +3619,7 @@
           <a:p>
             <a:fld id="{AC68330A-4CE2-4F2A-A88C-15A4A1232ED1}" type="datetimeFigureOut">
               <a:rPr lang="en-BE" smtClean="0"/>
-              <a:t>10/09/2023</a:t>
+              <a:t>14/09/2023</a:t>
             </a:fld>
             <a:endParaRPr lang="en-BE"/>
           </a:p>
@@ -2427,7 +4034,7 @@
           <a:p>
             <a:fld id="{AC68330A-4CE2-4F2A-A88C-15A4A1232ED1}" type="datetimeFigureOut">
               <a:rPr lang="en-BE" smtClean="0"/>
-              <a:t>10/09/2023</a:t>
+              <a:t>14/09/2023</a:t>
             </a:fld>
             <a:endParaRPr lang="en-BE"/>
           </a:p>
@@ -2569,7 +4176,7 @@
           <a:p>
             <a:fld id="{AC68330A-4CE2-4F2A-A88C-15A4A1232ED1}" type="datetimeFigureOut">
               <a:rPr lang="en-BE" smtClean="0"/>
-              <a:t>10/09/2023</a:t>
+              <a:t>14/09/2023</a:t>
             </a:fld>
             <a:endParaRPr lang="en-BE"/>
           </a:p>
@@ -2682,7 +4289,7 @@
           <a:p>
             <a:fld id="{AC68330A-4CE2-4F2A-A88C-15A4A1232ED1}" type="datetimeFigureOut">
               <a:rPr lang="en-BE" smtClean="0"/>
-              <a:t>10/09/2023</a:t>
+              <a:t>14/09/2023</a:t>
             </a:fld>
             <a:endParaRPr lang="en-BE"/>
           </a:p>
@@ -2995,7 +4602,7 @@
           <a:p>
             <a:fld id="{AC68330A-4CE2-4F2A-A88C-15A4A1232ED1}" type="datetimeFigureOut">
               <a:rPr lang="en-BE" smtClean="0"/>
-              <a:t>10/09/2023</a:t>
+              <a:t>14/09/2023</a:t>
             </a:fld>
             <a:endParaRPr lang="en-BE"/>
           </a:p>
@@ -3284,7 +4891,7 @@
           <a:p>
             <a:fld id="{AC68330A-4CE2-4F2A-A88C-15A4A1232ED1}" type="datetimeFigureOut">
               <a:rPr lang="en-BE" smtClean="0"/>
-              <a:t>10/09/2023</a:t>
+              <a:t>14/09/2023</a:t>
             </a:fld>
             <a:endParaRPr lang="en-BE"/>
           </a:p>
@@ -3527,7 +5134,7 @@
           <a:p>
             <a:fld id="{AC68330A-4CE2-4F2A-A88C-15A4A1232ED1}" type="datetimeFigureOut">
               <a:rPr lang="en-BE" smtClean="0"/>
-              <a:t>10/09/2023</a:t>
+              <a:t>14/09/2023</a:t>
             </a:fld>
             <a:endParaRPr lang="en-BE"/>
           </a:p>
@@ -4173,16 +5780,21 @@
           <a:lstStyle/>
           <a:p>
             <a:r>
-              <a:rPr lang="en-US" sz="2000" dirty="0"/>
+              <a:rPr lang="en-US" sz="1800" dirty="0"/>
+              <a:t>DTDL</a:t>
+            </a:r>
+          </a:p>
+          <a:p>
+            <a:r>
+              <a:rPr lang="en-US" sz="1800" dirty="0"/>
               <a:t>Define capabilities</a:t>
             </a:r>
           </a:p>
           <a:p>
-            <a:r>
-              <a:rPr lang="en-US" sz="2000" dirty="0"/>
-              <a:t>DTDL</a:t>
-            </a:r>
-            <a:endParaRPr lang="en-BE" sz="2000" dirty="0"/>
+            <a:pPr marL="0" indent="0">
+              <a:buNone/>
+            </a:pPr>
+            <a:endParaRPr lang="en-BE" sz="1800" dirty="0"/>
           </a:p>
         </p:txBody>
       </p:sp>
@@ -4201,7 +5813,7 @@
           <p:nvPr/>
         </p:nvPicPr>
         <p:blipFill>
-          <a:blip r:embed="rId2"/>
+          <a:blip r:embed="rId3"/>
           <a:stretch>
             <a:fillRect/>
           </a:stretch>
@@ -4343,10 +5955,10 @@
           <a:lstStyle/>
           <a:p>
             <a:r>
-              <a:rPr lang="en-US" sz="4000"/>
+              <a:rPr lang="en-US" sz="4000" dirty="0"/>
               <a:t>Exports</a:t>
             </a:r>
-            <a:endParaRPr lang="en-BE" sz="4000"/>
+            <a:endParaRPr lang="en-BE" sz="4000" dirty="0"/>
           </a:p>
         </p:txBody>
       </p:sp>
@@ -4379,24 +5991,32 @@
           <a:lstStyle/>
           <a:p>
             <a:r>
-              <a:rPr lang="en-US" sz="2000" dirty="0"/>
+              <a:rPr lang="en-US" sz="1800" dirty="0"/>
               <a:t>Data streams (telemetry)</a:t>
             </a:r>
           </a:p>
           <a:p>
             <a:r>
-              <a:rPr lang="en-US" sz="2000" dirty="0"/>
+              <a:rPr lang="en-US" sz="1800" dirty="0"/>
               <a:t>IoT Central Events (device created, …)</a:t>
             </a:r>
           </a:p>
           <a:p>
             <a:r>
-              <a:rPr lang="en-US" sz="2000" dirty="0"/>
+              <a:rPr lang="en-US" sz="1800" dirty="0"/>
               <a:t>Azure resources</a:t>
             </a:r>
           </a:p>
           <a:p>
-            <a:endParaRPr lang="en-BE" sz="2000" dirty="0"/>
+            <a:r>
+              <a:rPr lang="en-US" sz="1800" dirty="0"/>
+              <a:t>Data transformation using </a:t>
+            </a:r>
+            <a:r>
+              <a:rPr lang="en-US" sz="1800" dirty="0" err="1"/>
+              <a:t>jq</a:t>
+            </a:r>
+            <a:endParaRPr lang="en-US" sz="1800" dirty="0"/>
           </a:p>
         </p:txBody>
       </p:sp>
@@ -4498,86 +6118,26 @@
           <a:chExt cx="0" cy="0"/>
         </a:xfrm>
       </p:grpSpPr>
-      <p:sp useBgFill="1">
-        <p:nvSpPr>
-          <p:cNvPr id="9" name="Rectangle 8">
-            <a:extLst>
-              <a:ext uri="{FF2B5EF4-FFF2-40B4-BE49-F238E27FC236}">
-                <a16:creationId xmlns:a16="http://schemas.microsoft.com/office/drawing/2014/main" id="{53F29798-D584-4792-9B62-3F5F5C36D619}"/>
-              </a:ext>
-              <a:ext uri="{C183D7F6-B498-43B3-948B-1728B52AA6E4}">
-                <adec:decorative xmlns:adec="http://schemas.microsoft.com/office/drawing/2017/decorative" val="1"/>
-              </a:ext>
-            </a:extLst>
-          </p:cNvPr>
-          <p:cNvSpPr>
-            <a:spLocks noGrp="1" noRot="1" noChangeAspect="1" noMove="1" noResize="1" noEditPoints="1" noAdjustHandles="1" noChangeArrowheads="1" noChangeShapeType="1" noTextEdit="1"/>
-          </p:cNvSpPr>
-          <p:nvPr>
-            <p:extLst>
-              <p:ext uri="{386F3935-93C4-4BCD-93E2-E3B085C9AB24}">
-                <p16:designElem xmlns:p16="http://schemas.microsoft.com/office/powerpoint/2015/main" val="1"/>
-              </p:ext>
-            </p:extLst>
+      <p:sp>
+        <p:nvSpPr>
+          <p:cNvPr id="2" name="Title 1">
+            <a:extLst>
+              <a:ext uri="{FF2B5EF4-FFF2-40B4-BE49-F238E27FC236}">
+                <a16:creationId xmlns:a16="http://schemas.microsoft.com/office/drawing/2014/main" id="{67E9512A-A358-3845-0B22-5B1DC5170D56}"/>
+              </a:ext>
+            </a:extLst>
+          </p:cNvPr>
+          <p:cNvSpPr>
+            <a:spLocks noGrp="1"/>
+          </p:cNvSpPr>
+          <p:nvPr>
+            <p:ph type="title"/>
           </p:nvPr>
         </p:nvSpPr>
         <p:spPr>
           <a:xfrm>
-            <a:off x="0" y="0"/>
-            <a:ext cx="12188952" cy="6858000"/>
-          </a:xfrm>
-          <a:prstGeom prst="rect">
-            <a:avLst/>
-          </a:prstGeom>
-          <a:ln>
-            <a:noFill/>
-          </a:ln>
-        </p:spPr>
-        <p:style>
-          <a:lnRef idx="2">
-            <a:schemeClr val="accent1">
-              <a:shade val="50000"/>
-            </a:schemeClr>
-          </a:lnRef>
-          <a:fillRef idx="1">
-            <a:schemeClr val="accent1"/>
-          </a:fillRef>
-          <a:effectRef idx="0">
-            <a:schemeClr val="accent1"/>
-          </a:effectRef>
-          <a:fontRef idx="minor">
-            <a:schemeClr val="lt1"/>
-          </a:fontRef>
-        </p:style>
-        <p:txBody>
-          <a:bodyPr rtlCol="0" anchor="ctr"/>
-          <a:lstStyle/>
-          <a:p>
-            <a:pPr algn="ctr"/>
-            <a:endParaRPr lang="en-US"/>
-          </a:p>
-        </p:txBody>
-      </p:sp>
-      <p:sp>
-        <p:nvSpPr>
-          <p:cNvPr id="2" name="Title 1">
-            <a:extLst>
-              <a:ext uri="{FF2B5EF4-FFF2-40B4-BE49-F238E27FC236}">
-                <a16:creationId xmlns:a16="http://schemas.microsoft.com/office/drawing/2014/main" id="{67E9512A-A358-3845-0B22-5B1DC5170D56}"/>
-              </a:ext>
-            </a:extLst>
-          </p:cNvPr>
-          <p:cNvSpPr>
-            <a:spLocks noGrp="1"/>
-          </p:cNvSpPr>
-          <p:nvPr>
-            <p:ph type="title"/>
-          </p:nvPr>
-        </p:nvSpPr>
-        <p:spPr>
-          <a:xfrm>
-            <a:off x="838200" y="184805"/>
-            <a:ext cx="10515600" cy="1505883"/>
+            <a:off x="914400" y="4664506"/>
+            <a:ext cx="3777240" cy="1674374"/>
           </a:xfrm>
         </p:spPr>
         <p:txBody>
@@ -4587,7 +6147,7 @@
           <a:lstStyle/>
           <a:p>
             <a:r>
-              <a:rPr lang="en-US" sz="5200" kern="1200">
+              <a:rPr lang="en-US" sz="4000" kern="1200" dirty="0">
                 <a:solidFill>
                   <a:schemeClr val="tx1"/>
                 </a:solidFill>
@@ -4598,7 +6158,7 @@
               <a:t>Demo time </a:t>
             </a:r>
             <a:r>
-              <a:rPr lang="en-US" sz="5200" kern="1200">
+              <a:rPr lang="en-US" sz="4000" kern="1200" dirty="0">
                 <a:solidFill>
                   <a:schemeClr val="tx1"/>
                 </a:solidFill>
@@ -4609,7 +6169,7 @@
               </a:rPr>
               <a:t></a:t>
             </a:r>
-            <a:endParaRPr lang="en-US" sz="5200" kern="1200">
+            <a:endParaRPr lang="en-US" sz="4000" kern="1200" dirty="0">
               <a:solidFill>
                 <a:schemeClr val="tx1"/>
               </a:solidFill>
@@ -4642,14 +6202,122 @@
         </p:blipFill>
         <p:spPr>
           <a:xfrm>
-            <a:off x="838200" y="2257164"/>
-            <a:ext cx="10512547" cy="3626827"/>
+            <a:off x="907152" y="571893"/>
+            <a:ext cx="10357954" cy="3573493"/>
           </a:xfrm>
           <a:prstGeom prst="rect">
             <a:avLst/>
           </a:prstGeom>
         </p:spPr>
       </p:pic>
+      <p:sp>
+        <p:nvSpPr>
+          <p:cNvPr id="5" name="TextBox 4">
+            <a:extLst>
+              <a:ext uri="{FF2B5EF4-FFF2-40B4-BE49-F238E27FC236}">
+                <a16:creationId xmlns:a16="http://schemas.microsoft.com/office/drawing/2014/main" id="{FEFCBBE8-FB25-763F-838B-F57209BED72A}"/>
+              </a:ext>
+            </a:extLst>
+          </p:cNvPr>
+          <p:cNvSpPr txBox="1"/>
+          <p:nvPr/>
+        </p:nvSpPr>
+        <p:spPr>
+          <a:xfrm>
+            <a:off x="5406163" y="4664506"/>
+            <a:ext cx="5871437" cy="1674374"/>
+          </a:xfrm>
+          <a:prstGeom prst="rect">
+            <a:avLst/>
+          </a:prstGeom>
+        </p:spPr>
+        <p:txBody>
+          <a:bodyPr vert="horz" lIns="91440" tIns="45720" rIns="91440" bIns="45720" rtlCol="0" anchor="ctr">
+            <a:normAutofit/>
+          </a:bodyPr>
+          <a:lstStyle/>
+          <a:p>
+            <a:pPr marL="457200" indent="-228600">
+              <a:lnSpc>
+                <a:spcPct val="90000"/>
+              </a:lnSpc>
+              <a:spcAft>
+                <a:spcPts val="600"/>
+              </a:spcAft>
+              <a:buFont typeface="Arial" panose="020B0604020202020204" pitchFamily="34" charset="0"/>
+              <a:buChar char="•"/>
+            </a:pPr>
+            <a:r>
+              <a:rPr lang="en-US" dirty="0"/>
+              <a:t>Create 2 IoT devices in IoT Central</a:t>
+            </a:r>
+          </a:p>
+          <a:p>
+            <a:pPr marL="457200" indent="-228600">
+              <a:lnSpc>
+                <a:spcPct val="90000"/>
+              </a:lnSpc>
+              <a:spcAft>
+                <a:spcPts val="600"/>
+              </a:spcAft>
+              <a:buFont typeface="Arial" panose="020B0604020202020204" pitchFamily="34" charset="0"/>
+              <a:buChar char="•"/>
+            </a:pPr>
+            <a:r>
+              <a:rPr lang="en-US" dirty="0"/>
+              <a:t>Create a device template for those devices</a:t>
+            </a:r>
+          </a:p>
+          <a:p>
+            <a:pPr marL="457200" indent="-228600">
+              <a:lnSpc>
+                <a:spcPct val="90000"/>
+              </a:lnSpc>
+              <a:spcAft>
+                <a:spcPts val="600"/>
+              </a:spcAft>
+              <a:buFont typeface="Arial" panose="020B0604020202020204" pitchFamily="34" charset="0"/>
+              <a:buChar char="•"/>
+            </a:pPr>
+            <a:r>
+              <a:rPr lang="en-US" dirty="0"/>
+              <a:t>Send simulation telemetry for those devices</a:t>
+            </a:r>
+          </a:p>
+          <a:p>
+            <a:pPr marL="457200" indent="-228600">
+              <a:lnSpc>
+                <a:spcPct val="90000"/>
+              </a:lnSpc>
+              <a:spcAft>
+                <a:spcPts val="600"/>
+              </a:spcAft>
+              <a:buFont typeface="Arial" panose="020B0604020202020204" pitchFamily="34" charset="0"/>
+              <a:buChar char="•"/>
+            </a:pPr>
+            <a:r>
+              <a:rPr lang="en-US" dirty="0"/>
+              <a:t>Create data export to Azure event hub</a:t>
+            </a:r>
+          </a:p>
+          <a:p>
+            <a:pPr marL="457200" indent="-228600">
+              <a:lnSpc>
+                <a:spcPct val="90000"/>
+              </a:lnSpc>
+              <a:spcAft>
+                <a:spcPts val="600"/>
+              </a:spcAft>
+              <a:buFont typeface="Arial" panose="020B0604020202020204" pitchFamily="34" charset="0"/>
+              <a:buChar char="•"/>
+            </a:pPr>
+            <a:r>
+              <a:rPr lang="en-US" dirty="0"/>
+              <a:t>Consume data in an Azure function</a:t>
+            </a:r>
+          </a:p>
+        </p:txBody>
+      </p:sp>
     </p:spTree>
     <p:extLst>
       <p:ext uri="{BB962C8B-B14F-4D97-AF65-F5344CB8AC3E}">
@@ -4688,12 +6356,94 @@
           <a:chExt cx="0" cy="0"/>
         </a:xfrm>
       </p:grpSpPr>
-      <p:sp useBgFill="1">
-        <p:nvSpPr>
-          <p:cNvPr id="1042" name="Rectangle 1030">
-            <a:extLst>
-              <a:ext uri="{FF2B5EF4-FFF2-40B4-BE49-F238E27FC236}">
-                <a16:creationId xmlns:a16="http://schemas.microsoft.com/office/drawing/2014/main" id="{AFF8D2E5-2C4E-47B1-930B-6C82B7C31331}"/>
+      <p:sp>
+        <p:nvSpPr>
+          <p:cNvPr id="2" name="Title 1">
+            <a:extLst>
+              <a:ext uri="{FF2B5EF4-FFF2-40B4-BE49-F238E27FC236}">
+                <a16:creationId xmlns:a16="http://schemas.microsoft.com/office/drawing/2014/main" id="{4D0DD2A1-F241-3365-6AA2-C07DD4F9F56F}"/>
+              </a:ext>
+            </a:extLst>
+          </p:cNvPr>
+          <p:cNvSpPr>
+            <a:spLocks noGrp="1"/>
+          </p:cNvSpPr>
+          <p:nvPr>
+            <p:ph type="title"/>
+          </p:nvPr>
+        </p:nvSpPr>
+        <p:spPr>
+          <a:xfrm>
+            <a:off x="762000" y="761998"/>
+            <a:ext cx="5334000" cy="1708246"/>
+          </a:xfrm>
+        </p:spPr>
+        <p:txBody>
+          <a:bodyPr anchor="ctr">
+            <a:normAutofit/>
+          </a:bodyPr>
+          <a:lstStyle/>
+          <a:p>
+            <a:r>
+              <a:rPr lang="en-US" sz="4000" dirty="0"/>
+              <a:t>Wat is IoT Central</a:t>
+            </a:r>
+            <a:endParaRPr lang="en-BE" sz="4000" dirty="0"/>
+          </a:p>
+        </p:txBody>
+      </p:sp>
+      <p:sp>
+        <p:nvSpPr>
+          <p:cNvPr id="3" name="Content Placeholder 2">
+            <a:extLst>
+              <a:ext uri="{FF2B5EF4-FFF2-40B4-BE49-F238E27FC236}">
+                <a16:creationId xmlns:a16="http://schemas.microsoft.com/office/drawing/2014/main" id="{D5349622-DF18-7A9E-AAE4-3A150501F0D5}"/>
+              </a:ext>
+            </a:extLst>
+          </p:cNvPr>
+          <p:cNvSpPr>
+            <a:spLocks noGrp="1"/>
+          </p:cNvSpPr>
+          <p:nvPr>
+            <p:ph idx="1"/>
+          </p:nvPr>
+        </p:nvSpPr>
+        <p:spPr>
+          <a:xfrm>
+            <a:off x="761994" y="2470245"/>
+            <a:ext cx="5334006" cy="3769835"/>
+          </a:xfrm>
+        </p:spPr>
+        <p:txBody>
+          <a:bodyPr anchor="ctr">
+            <a:normAutofit/>
+          </a:bodyPr>
+          <a:lstStyle/>
+          <a:p>
+            <a:pPr marL="0" indent="0" defTabSz="905256">
+              <a:spcBef>
+                <a:spcPts val="990"/>
+              </a:spcBef>
+              <a:buNone/>
+            </a:pPr>
+            <a:r>
+              <a:rPr lang="nl-NL" sz="2000" kern="1200" dirty="0">
+                <a:latin typeface="Calibri Light (Headings)"/>
+              </a:rPr>
+              <a:t>IoT Central is een cloudgebaseerd platform dat bedrijven en ontwikkelaars helpt bij het beheren, monitoren en analyseren van Internet of Things (IoT)-apparaten en gegevens. Het biedt eenvoudig apparaatbeheer, real-time monitoring, schaalbaarheid, beveiliging, en de mogelijkheid om gegevens te integreren en te analyseren, waardoor het gemakkelijker wordt om IoT-implementaties te bouwen en te beheren en waardevolle inzichten te verkrijgen uit IoT-gegevens.</a:t>
+            </a:r>
+            <a:endParaRPr lang="en-BE" sz="2000" dirty="0">
+              <a:latin typeface="Calibri Light (Headings)"/>
+            </a:endParaRPr>
+          </a:p>
+        </p:txBody>
+      </p:sp>
+      <p:sp>
+        <p:nvSpPr>
+          <p:cNvPr id="1049" name="Rectangle 1048">
+            <a:extLst>
+              <a:ext uri="{FF2B5EF4-FFF2-40B4-BE49-F238E27FC236}">
+                <a16:creationId xmlns:a16="http://schemas.microsoft.com/office/drawing/2014/main" id="{0D05C9B4-B5C9-2D4D-23C9-CEE72646F923}"/>
               </a:ext>
               <a:ext uri="{C183D7F6-B498-43B3-948B-1728B52AA6E4}">
                 <adec:decorative xmlns:adec="http://schemas.microsoft.com/office/drawing/2017/decorative" val="1"/>
@@ -4713,15 +6463,25 @@
         </p:nvSpPr>
         <p:spPr>
           <a:xfrm>
-            <a:off x="0" y="0"/>
-            <a:ext cx="12192000" cy="6858000"/>
+            <a:off x="6781800" y="-1"/>
+            <a:ext cx="5410200" cy="6858001"/>
           </a:xfrm>
           <a:prstGeom prst="rect">
             <a:avLst/>
           </a:prstGeom>
+          <a:solidFill>
+            <a:srgbClr val="FFFFFF"/>
+          </a:solidFill>
           <a:ln>
             <a:noFill/>
           </a:ln>
+          <a:effectLst>
+            <a:outerShdw blurRad="266700" dist="215900" dir="8580000" sx="90000" sy="90000" algn="t" rotWithShape="0">
+              <a:srgbClr val="000000">
+                <a:alpha val="30000"/>
+              </a:srgbClr>
+            </a:outerShdw>
+          </a:effectLst>
         </p:spPr>
         <p:style>
           <a:lnRef idx="2">
@@ -4744,304 +6504,7 @@
           <a:lstStyle/>
           <a:p>
             <a:pPr algn="ctr"/>
-            <a:endParaRPr lang="en-US"/>
-          </a:p>
-        </p:txBody>
-      </p:sp>
-      <p:sp>
-        <p:nvSpPr>
-          <p:cNvPr id="2" name="Title 1">
-            <a:extLst>
-              <a:ext uri="{FF2B5EF4-FFF2-40B4-BE49-F238E27FC236}">
-                <a16:creationId xmlns:a16="http://schemas.microsoft.com/office/drawing/2014/main" id="{4D0DD2A1-F241-3365-6AA2-C07DD4F9F56F}"/>
-              </a:ext>
-            </a:extLst>
-          </p:cNvPr>
-          <p:cNvSpPr>
-            <a:spLocks noGrp="1"/>
-          </p:cNvSpPr>
-          <p:nvPr>
-            <p:ph type="title"/>
-          </p:nvPr>
-        </p:nvSpPr>
-        <p:spPr>
-          <a:xfrm>
-            <a:off x="841248" y="251312"/>
-            <a:ext cx="10506456" cy="1010264"/>
-          </a:xfrm>
-        </p:spPr>
-        <p:txBody>
-          <a:bodyPr anchor="ctr">
-            <a:normAutofit/>
-          </a:bodyPr>
-          <a:lstStyle/>
-          <a:p>
-            <a:r>
-              <a:rPr lang="en-US" dirty="0"/>
-              <a:t>Wat is IoT Central</a:t>
-            </a:r>
-            <a:endParaRPr lang="en-BE" dirty="0"/>
-          </a:p>
-        </p:txBody>
-      </p:sp>
-      <p:sp>
-        <p:nvSpPr>
-          <p:cNvPr id="1043" name="Rectangle 1032">
-            <a:extLst>
-              <a:ext uri="{FF2B5EF4-FFF2-40B4-BE49-F238E27FC236}">
-                <a16:creationId xmlns:a16="http://schemas.microsoft.com/office/drawing/2014/main" id="{801E4ADA-0EA9-4930-846E-3C11E8BED6DD}"/>
-              </a:ext>
-              <a:ext uri="{C183D7F6-B498-43B3-948B-1728B52AA6E4}">
-                <adec:decorative xmlns:adec="http://schemas.microsoft.com/office/drawing/2017/decorative" val="1"/>
-              </a:ext>
-            </a:extLst>
-          </p:cNvPr>
-          <p:cNvSpPr>
-            <a:spLocks noGrp="1" noRot="1" noChangeAspect="1" noMove="1" noResize="1" noEditPoints="1" noAdjustHandles="1" noChangeArrowheads="1" noChangeShapeType="1" noTextEdit="1"/>
-          </p:cNvSpPr>
-          <p:nvPr>
-            <p:extLst>
-              <p:ext uri="{386F3935-93C4-4BCD-93E2-E3B085C9AB24}">
-                <p16:designElem xmlns:p16="http://schemas.microsoft.com/office/powerpoint/2015/main" val="1"/>
-              </p:ext>
-            </p:extLst>
-          </p:nvPr>
-        </p:nvSpPr>
-        <p:spPr>
-          <a:xfrm>
-            <a:off x="0" y="417618"/>
-            <a:ext cx="128016" cy="631415"/>
-          </a:xfrm>
-          <a:prstGeom prst="rect">
-            <a:avLst/>
-          </a:prstGeom>
-          <a:solidFill>
-            <a:schemeClr val="accent2"/>
-          </a:solidFill>
-          <a:ln>
-            <a:noFill/>
-          </a:ln>
-        </p:spPr>
-        <p:style>
-          <a:lnRef idx="2">
-            <a:schemeClr val="accent1">
-              <a:shade val="50000"/>
-            </a:schemeClr>
-          </a:lnRef>
-          <a:fillRef idx="1">
-            <a:schemeClr val="accent1"/>
-          </a:fillRef>
-          <a:effectRef idx="0">
-            <a:schemeClr val="accent1"/>
-          </a:effectRef>
-          <a:fontRef idx="minor">
-            <a:schemeClr val="lt1"/>
-          </a:fontRef>
-        </p:style>
-        <p:txBody>
-          <a:bodyPr rtlCol="0" anchor="ctr"/>
-          <a:lstStyle/>
-          <a:p>
-            <a:pPr marL="0" marR="0" lvl="0" indent="0" algn="ctr" defTabSz="914400" rtl="0" eaLnBrk="1" fontAlgn="auto" latinLnBrk="0" hangingPunct="1">
-              <a:lnSpc>
-                <a:spcPct val="100000"/>
-              </a:lnSpc>
-              <a:spcBef>
-                <a:spcPts val="0"/>
-              </a:spcBef>
-              <a:spcAft>
-                <a:spcPts val="0"/>
-              </a:spcAft>
-              <a:buClrTx/>
-              <a:buSzTx/>
-              <a:buFontTx/>
-              <a:buNone/>
-              <a:tabLst/>
-              <a:defRPr/>
-            </a:pPr>
-            <a:endParaRPr kumimoji="0" lang="en-US" sz="1800" b="0" i="0" u="none" strike="noStrike" kern="1200" cap="none" spc="0" normalizeH="0" baseline="0" noProof="0">
-              <a:ln>
-                <a:noFill/>
-              </a:ln>
-              <a:solidFill>
-                <a:prstClr val="white"/>
-              </a:solidFill>
-              <a:effectLst/>
-              <a:uLnTx/>
-              <a:uFillTx/>
-              <a:latin typeface="Calibri" panose="020F0502020204030204"/>
-              <a:ea typeface="+mn-ea"/>
-              <a:cs typeface="+mn-cs"/>
-            </a:endParaRPr>
-          </a:p>
-        </p:txBody>
-      </p:sp>
-      <p:sp>
-        <p:nvSpPr>
-          <p:cNvPr id="1044" name="Rectangle 1034">
-            <a:extLst>
-              <a:ext uri="{FF2B5EF4-FFF2-40B4-BE49-F238E27FC236}">
-                <a16:creationId xmlns:a16="http://schemas.microsoft.com/office/drawing/2014/main" id="{FB92FFCE-0C90-454E-AA25-D4EE9A6C39C5}"/>
-              </a:ext>
-              <a:ext uri="{C183D7F6-B498-43B3-948B-1728B52AA6E4}">
-                <adec:decorative xmlns:adec="http://schemas.microsoft.com/office/drawing/2017/decorative" val="1"/>
-              </a:ext>
-            </a:extLst>
-          </p:cNvPr>
-          <p:cNvSpPr>
-            <a:spLocks noGrp="1" noRot="1" noChangeAspect="1" noMove="1" noResize="1" noEditPoints="1" noAdjustHandles="1" noChangeArrowheads="1" noChangeShapeType="1" noTextEdit="1"/>
-          </p:cNvSpPr>
-          <p:nvPr>
-            <p:extLst>
-              <p:ext uri="{386F3935-93C4-4BCD-93E2-E3B085C9AB24}">
-                <p16:designElem xmlns:p16="http://schemas.microsoft.com/office/powerpoint/2015/main" val="1"/>
-              </p:ext>
-            </p:extLst>
-          </p:nvPr>
-        </p:nvSpPr>
-        <p:spPr>
-          <a:xfrm>
-            <a:off x="841248" y="1380864"/>
-            <a:ext cx="10506456" cy="18288"/>
-          </a:xfrm>
-          <a:prstGeom prst="rect">
-            <a:avLst/>
-          </a:prstGeom>
-          <a:solidFill>
-            <a:srgbClr val="D5D5D5"/>
-          </a:solidFill>
-          <a:ln w="3175">
-            <a:noFill/>
-          </a:ln>
-          <a:effectLst/>
-        </p:spPr>
-        <p:style>
-          <a:lnRef idx="2">
-            <a:schemeClr val="accent1">
-              <a:shade val="50000"/>
-            </a:schemeClr>
-          </a:lnRef>
-          <a:fillRef idx="1">
-            <a:schemeClr val="accent1"/>
-          </a:fillRef>
-          <a:effectRef idx="0">
-            <a:schemeClr val="accent1"/>
-          </a:effectRef>
-          <a:fontRef idx="minor">
-            <a:schemeClr val="lt1"/>
-          </a:fontRef>
-        </p:style>
-        <p:txBody>
-          <a:bodyPr rtlCol="0" anchor="ctr"/>
-          <a:lstStyle/>
-          <a:p>
-            <a:pPr algn="ctr"/>
-            <a:endParaRPr lang="en-US">
-              <a:solidFill>
-                <a:prstClr val="white"/>
-              </a:solidFill>
-              <a:latin typeface="Calibri" panose="020F0502020204030204"/>
-            </a:endParaRPr>
-          </a:p>
-        </p:txBody>
-      </p:sp>
-      <p:sp>
-        <p:nvSpPr>
-          <p:cNvPr id="3" name="Content Placeholder 2">
-            <a:extLst>
-              <a:ext uri="{FF2B5EF4-FFF2-40B4-BE49-F238E27FC236}">
-                <a16:creationId xmlns:a16="http://schemas.microsoft.com/office/drawing/2014/main" id="{D5349622-DF18-7A9E-AAE4-3A150501F0D5}"/>
-              </a:ext>
-            </a:extLst>
-          </p:cNvPr>
-          <p:cNvSpPr>
-            <a:spLocks noGrp="1"/>
-          </p:cNvSpPr>
-          <p:nvPr>
-            <p:ph idx="1"/>
-          </p:nvPr>
-        </p:nvSpPr>
-        <p:spPr>
-          <a:xfrm>
-            <a:off x="838200" y="2256140"/>
-            <a:ext cx="10444063" cy="2889580"/>
-          </a:xfrm>
-          <a:solidFill>
-            <a:schemeClr val="bg1">
-              <a:lumMod val="95000"/>
-            </a:schemeClr>
-          </a:solidFill>
-        </p:spPr>
-        <p:txBody>
-          <a:bodyPr/>
-          <a:lstStyle/>
-          <a:p>
-            <a:pPr marL="0" indent="0" algn="just" defTabSz="905256">
-              <a:spcBef>
-                <a:spcPts val="990"/>
-              </a:spcBef>
-              <a:buNone/>
-            </a:pPr>
-            <a:r>
-              <a:rPr lang="nl-NL" sz="2772" kern="1200" dirty="0">
-                <a:solidFill>
-                  <a:srgbClr val="374151"/>
-                </a:solidFill>
-                <a:latin typeface="Söhne"/>
-                <a:ea typeface="+mn-ea"/>
-                <a:cs typeface="+mn-cs"/>
-              </a:rPr>
-              <a:t>IoT Central is een cloudgebaseerd platform dat bedrijven en ontwikkelaars helpt bij het beheren, monitoren en analyseren van Internet of Things (IoT)-apparaten en gegevens. Het biedt eenvoudig apparaatbeheer, real-time monitoring, schaalbaarheid, beveiliging, en de mogelijkheid om gegevens te integreren en te analyseren, waardoor het gemakkelijker wordt om IoT-implementaties te bouwen en te beheren en waardevolle inzichten te verkrijgen uit IoT-gegevens.</a:t>
-            </a:r>
-            <a:endParaRPr lang="en-BE" dirty="0"/>
-          </a:p>
-        </p:txBody>
-      </p:sp>
-      <p:sp>
-        <p:nvSpPr>
-          <p:cNvPr id="4" name="TextBox 3">
-            <a:extLst>
-              <a:ext uri="{FF2B5EF4-FFF2-40B4-BE49-F238E27FC236}">
-                <a16:creationId xmlns:a16="http://schemas.microsoft.com/office/drawing/2014/main" id="{86087592-F9C7-5945-6D8B-CCFBE0DA2942}"/>
-              </a:ext>
-            </a:extLst>
-          </p:cNvPr>
-          <p:cNvSpPr txBox="1"/>
-          <p:nvPr/>
-        </p:nvSpPr>
-        <p:spPr>
-          <a:xfrm>
-            <a:off x="10115174" y="5211446"/>
-            <a:ext cx="1229482" cy="366819"/>
-          </a:xfrm>
-          <a:prstGeom prst="rect">
-            <a:avLst/>
-          </a:prstGeom>
-          <a:noFill/>
-        </p:spPr>
-        <p:txBody>
-          <a:bodyPr wrap="none" rtlCol="0">
-            <a:spAutoFit/>
-          </a:bodyPr>
-          <a:lstStyle/>
-          <a:p>
-            <a:pPr defTabSz="905256">
-              <a:spcAft>
-                <a:spcPts val="600"/>
-              </a:spcAft>
-            </a:pPr>
-            <a:r>
-              <a:rPr lang="en-US" sz="1782" kern="1200">
-                <a:solidFill>
-                  <a:schemeClr val="tx1"/>
-                </a:solidFill>
-                <a:latin typeface="+mn-lt"/>
-                <a:ea typeface="+mn-ea"/>
-                <a:cs typeface="+mn-cs"/>
-              </a:rPr>
-              <a:t>- ChatGPT -</a:t>
-            </a:r>
-            <a:endParaRPr lang="en-BE"/>
+            <a:endParaRPr lang="en-US" dirty="0"/>
           </a:p>
         </p:txBody>
       </p:sp>
@@ -5067,15 +6530,14 @@
               </a:ext>
             </a:extLst>
           </a:blip>
-          <a:srcRect/>
           <a:stretch>
             <a:fillRect/>
           </a:stretch>
         </p:blipFill>
         <p:spPr bwMode="auto">
           <a:xfrm>
-            <a:off x="9774730" y="5160462"/>
-            <a:ext cx="412142" cy="468787"/>
+            <a:off x="7607878" y="1292475"/>
+            <a:ext cx="3758045" cy="4270505"/>
           </a:xfrm>
           <a:prstGeom prst="rect">
             <a:avLst/>
@@ -5092,6 +6554,54 @@
           </a:extLst>
         </p:spPr>
       </p:pic>
+      <p:sp>
+        <p:nvSpPr>
+          <p:cNvPr id="4" name="TextBox 3">
+            <a:extLst>
+              <a:ext uri="{FF2B5EF4-FFF2-40B4-BE49-F238E27FC236}">
+                <a16:creationId xmlns:a16="http://schemas.microsoft.com/office/drawing/2014/main" id="{86087592-F9C7-5945-6D8B-CCFBE0DA2942}"/>
+              </a:ext>
+            </a:extLst>
+          </p:cNvPr>
+          <p:cNvSpPr txBox="1"/>
+          <p:nvPr/>
+        </p:nvSpPr>
+        <p:spPr>
+          <a:xfrm>
+            <a:off x="10115174" y="5211446"/>
+            <a:ext cx="1229482" cy="366819"/>
+          </a:xfrm>
+          <a:prstGeom prst="rect">
+            <a:avLst/>
+          </a:prstGeom>
+          <a:noFill/>
+        </p:spPr>
+        <p:txBody>
+          <a:bodyPr wrap="none" rtlCol="0">
+            <a:spAutoFit/>
+          </a:bodyPr>
+          <a:lstStyle/>
+          <a:p>
+            <a:pPr defTabSz="905256">
+              <a:spcAft>
+                <a:spcPts val="600"/>
+              </a:spcAft>
+            </a:pPr>
+            <a:r>
+              <a:rPr lang="en-US" sz="1782" kern="1200" dirty="0">
+                <a:solidFill>
+                  <a:schemeClr val="tx1"/>
+                </a:solidFill>
+                <a:latin typeface="+mn-lt"/>
+                <a:ea typeface="+mn-ea"/>
+                <a:cs typeface="+mn-cs"/>
+              </a:rPr>
+              <a:t>- ChatGPT -</a:t>
+            </a:r>
+            <a:endParaRPr lang="en-BE" dirty="0"/>
+          </a:p>
+        </p:txBody>
+      </p:sp>
     </p:spTree>
     <p:extLst>
       <p:ext uri="{BB962C8B-B14F-4D97-AF65-F5344CB8AC3E}">
@@ -5159,14 +6669,14 @@
           <a:lstStyle/>
           <a:p>
             <a:r>
-              <a:rPr lang="en-US" sz="3600"/>
+              <a:rPr lang="en-US" sz="4000" dirty="0" err="1"/>
               <a:t>Eenvoudig</a:t>
             </a:r>
             <a:r>
-              <a:rPr lang="en-US" sz="3600" dirty="0"/>
+              <a:rPr lang="en-US" sz="4000" dirty="0"/>
               <a:t> Device Management</a:t>
             </a:r>
-            <a:endParaRPr lang="en-BE" sz="3600" dirty="0"/>
+            <a:endParaRPr lang="en-BE" sz="4000" dirty="0"/>
           </a:p>
         </p:txBody>
       </p:sp>
@@ -5251,7 +6761,7 @@
           <p:nvPr/>
         </p:nvPicPr>
         <p:blipFill rotWithShape="1">
-          <a:blip r:embed="rId2"/>
+          <a:blip r:embed="rId3"/>
           <a:srcRect r="21753" b="-1"/>
           <a:stretch/>
         </p:blipFill>
@@ -5426,10 +6936,10 @@
           <a:lstStyle/>
           <a:p>
             <a:r>
-              <a:rPr lang="en-US" sz="4000"/>
+              <a:rPr lang="en-US" sz="4000" dirty="0"/>
               <a:t>Real-time Monitoring</a:t>
             </a:r>
-            <a:endParaRPr lang="en-BE" sz="4000"/>
+            <a:endParaRPr lang="en-BE" sz="4000" dirty="0"/>
           </a:p>
         </p:txBody>
       </p:sp>
@@ -5448,7 +6958,7 @@
           <p:nvPr/>
         </p:nvPicPr>
         <p:blipFill rotWithShape="1">
-          <a:blip r:embed="rId2"/>
+          <a:blip r:embed="rId3"/>
           <a:srcRect l="4620" r="7151" b="-2"/>
           <a:stretch/>
         </p:blipFill>
@@ -5491,34 +7001,34 @@
           <a:lstStyle/>
           <a:p>
             <a:r>
-              <a:rPr lang="en-US" sz="2000" dirty="0"/>
+              <a:rPr lang="en-US" sz="1800" dirty="0"/>
               <a:t>Realtime raw data</a:t>
             </a:r>
           </a:p>
           <a:p>
             <a:r>
-              <a:rPr lang="en-US" sz="2000" dirty="0"/>
+              <a:rPr lang="en-US" sz="1800" dirty="0"/>
               <a:t>Dashboards</a:t>
             </a:r>
           </a:p>
           <a:p>
             <a:r>
-              <a:rPr lang="en-US" sz="2000" dirty="0"/>
+              <a:rPr lang="en-US" sz="1800" dirty="0"/>
               <a:t>Widgets</a:t>
             </a:r>
           </a:p>
           <a:p>
             <a:r>
-              <a:rPr lang="en-US" sz="2000" dirty="0"/>
+              <a:rPr lang="en-US" sz="1800" dirty="0"/>
               <a:t>Charts</a:t>
             </a:r>
           </a:p>
           <a:p>
             <a:r>
-              <a:rPr lang="en-US" sz="2000" dirty="0"/>
+              <a:rPr lang="en-US" sz="1800" dirty="0"/>
               <a:t>Data Explorer</a:t>
             </a:r>
-            <a:endParaRPr lang="en-BE" sz="2000" dirty="0"/>
+            <a:endParaRPr lang="en-BE" sz="1800" dirty="0"/>
           </a:p>
         </p:txBody>
       </p:sp>
@@ -5537,7 +7047,7 @@
           <p:nvPr/>
         </p:nvPicPr>
         <p:blipFill rotWithShape="1">
-          <a:blip r:embed="rId3"/>
+          <a:blip r:embed="rId4"/>
           <a:srcRect r="1" b="14711"/>
           <a:stretch/>
         </p:blipFill>
@@ -5714,28 +7224,28 @@
           <a:lstStyle/>
           <a:p>
             <a:r>
-              <a:rPr lang="en-US" sz="2000"/>
+              <a:rPr lang="en-US" sz="1800" dirty="0"/>
               <a:t>Load balancing IoT hub</a:t>
             </a:r>
           </a:p>
           <a:p>
             <a:r>
-              <a:rPr lang="en-US" sz="2000"/>
+              <a:rPr lang="en-US" sz="1800" dirty="0"/>
               <a:t>Data exports</a:t>
             </a:r>
           </a:p>
           <a:p>
             <a:r>
-              <a:rPr lang="en-US" sz="2000"/>
+              <a:rPr lang="en-US" sz="1800" dirty="0"/>
               <a:t>Azure eco system</a:t>
             </a:r>
           </a:p>
           <a:p>
             <a:r>
-              <a:rPr lang="en-US" sz="2000"/>
+              <a:rPr lang="en-US" sz="1800" dirty="0"/>
               <a:t>API</a:t>
             </a:r>
-            <a:endParaRPr lang="en-BE" sz="2000"/>
+            <a:endParaRPr lang="en-BE" sz="1800" dirty="0"/>
           </a:p>
         </p:txBody>
       </p:sp>
@@ -5754,7 +7264,7 @@
           <p:nvPr/>
         </p:nvPicPr>
         <p:blipFill>
-          <a:blip r:embed="rId2"/>
+          <a:blip r:embed="rId3"/>
           <a:stretch>
             <a:fillRect/>
           </a:stretch>
@@ -5932,22 +7442,22 @@
           <a:lstStyle/>
           <a:p>
             <a:r>
-              <a:rPr lang="en-US" sz="2000" dirty="0"/>
+              <a:rPr lang="en-US" sz="1800" dirty="0"/>
               <a:t>IoT Device &amp; IoT Edge Device</a:t>
             </a:r>
           </a:p>
           <a:p>
             <a:r>
-              <a:rPr lang="en-US" sz="2000" dirty="0"/>
+              <a:rPr lang="en-US" sz="1800" dirty="0"/>
               <a:t>Setup &amp; maintain devices</a:t>
             </a:r>
           </a:p>
           <a:p>
             <a:r>
-              <a:rPr lang="en-US" sz="2000" dirty="0"/>
+              <a:rPr lang="en-US" sz="1800" dirty="0"/>
               <a:t>Device groups</a:t>
             </a:r>
-            <a:endParaRPr lang="en-BE" sz="2000" dirty="0"/>
+            <a:endParaRPr lang="en-BE" sz="1800" dirty="0"/>
           </a:p>
         </p:txBody>
       </p:sp>
@@ -5966,7 +7476,7 @@
           <p:nvPr/>
         </p:nvPicPr>
         <p:blipFill rotWithShape="1">
-          <a:blip r:embed="rId2"/>
+          <a:blip r:embed="rId3"/>
           <a:srcRect r="-2" b="2325"/>
           <a:stretch/>
         </p:blipFill>
@@ -6056,7 +7566,7 @@
           <p:nvPr/>
         </p:nvPicPr>
         <p:blipFill>
-          <a:blip r:embed="rId2"/>
+          <a:blip r:embed="rId3"/>
           <a:stretch>
             <a:fillRect/>
           </a:stretch>
@@ -6087,6 +7597,14 @@
 <file path=ppt/slides/slide8.xml><?xml version="1.0" encoding="utf-8"?>
 <p:sld xmlns:a="http://schemas.openxmlformats.org/drawingml/2006/main" xmlns:r="http://schemas.openxmlformats.org/officeDocument/2006/relationships" xmlns:p="http://schemas.openxmlformats.org/presentationml/2006/main">
   <p:cSld>
+    <p:bg>
+      <p:bgPr>
+        <a:solidFill>
+          <a:schemeClr val="bg1"/>
+        </a:solidFill>
+        <a:effectLst/>
+      </p:bgPr>
+    </p:bg>
     <p:spTree>
       <p:nvGrpSpPr>
         <p:cNvPr id="1" name=""/>
@@ -6117,18 +7635,29 @@
             <p:ph type="title"/>
           </p:nvPr>
         </p:nvSpPr>
-        <p:spPr/>
-        <p:txBody>
-          <a:bodyPr>
+        <p:spPr>
+          <a:xfrm>
+            <a:off x="914400" y="4664506"/>
+            <a:ext cx="3777240" cy="1674374"/>
+          </a:xfrm>
+        </p:spPr>
+        <p:txBody>
+          <a:bodyPr vert="horz" lIns="91440" tIns="45720" rIns="91440" bIns="45720" rtlCol="0" anchor="ctr">
             <a:normAutofit/>
           </a:bodyPr>
           <a:lstStyle/>
           <a:p>
             <a:r>
-              <a:rPr lang="en-US" sz="4000" dirty="0"/>
+              <a:rPr lang="en-US" sz="4000" kern="1200" dirty="0">
+                <a:solidFill>
+                  <a:schemeClr val="tx1"/>
+                </a:solidFill>
+                <a:latin typeface="+mj-lt"/>
+                <a:ea typeface="+mj-ea"/>
+                <a:cs typeface="+mj-cs"/>
+              </a:rPr>
               <a:t>IoT Edge Devices</a:t>
             </a:r>
-            <a:endParaRPr lang="en-BE" sz="4000" dirty="0"/>
           </a:p>
         </p:txBody>
       </p:sp>
@@ -6147,22 +7676,283 @@
           <p:nvPr/>
         </p:nvPicPr>
         <p:blipFill>
-          <a:blip r:embed="rId2">
+          <a:blip r:embed="rId3">
             <a:extLst>
               <a:ext uri="{28A0092B-C50C-407E-A947-70E740481C1C}">
                 <a14:useLocalDpi xmlns:a14="http://schemas.microsoft.com/office/drawing/2010/main" val="0"/>
               </a:ext>
             </a:extLst>
           </a:blip>
-          <a:srcRect/>
           <a:stretch>
             <a:fillRect/>
           </a:stretch>
         </p:blipFill>
         <p:spPr bwMode="auto">
           <a:xfrm>
-            <a:off x="738187" y="2322081"/>
-            <a:ext cx="10715625" cy="3185387"/>
+            <a:off x="727022" y="764304"/>
+            <a:ext cx="10718215" cy="3188670"/>
+          </a:xfrm>
+          <a:prstGeom prst="rect">
+            <a:avLst/>
+          </a:prstGeom>
+          <a:noFill/>
+          <a:extLst>
+            <a:ext uri="{909E8E84-426E-40DD-AFC4-6F175D3DCCD1}">
+              <a14:hiddenFill xmlns:a14="http://schemas.microsoft.com/office/drawing/2010/main">
+                <a:solidFill>
+                  <a:srgbClr val="FFFFFF"/>
+                </a:solidFill>
+              </a14:hiddenFill>
+            </a:ext>
+          </a:extLst>
+        </p:spPr>
+      </p:pic>
+      <p:sp>
+        <p:nvSpPr>
+          <p:cNvPr id="4" name="TextBox 3">
+            <a:extLst>
+              <a:ext uri="{FF2B5EF4-FFF2-40B4-BE49-F238E27FC236}">
+                <a16:creationId xmlns:a16="http://schemas.microsoft.com/office/drawing/2014/main" id="{9B9B650B-FB51-E8E7-C3D6-755670EFF343}"/>
+              </a:ext>
+            </a:extLst>
+          </p:cNvPr>
+          <p:cNvSpPr txBox="1"/>
+          <p:nvPr/>
+        </p:nvSpPr>
+        <p:spPr>
+          <a:xfrm>
+            <a:off x="5406163" y="4664506"/>
+            <a:ext cx="5871437" cy="1674374"/>
+          </a:xfrm>
+          <a:prstGeom prst="rect">
+            <a:avLst/>
+          </a:prstGeom>
+        </p:spPr>
+        <p:txBody>
+          <a:bodyPr vert="horz" lIns="91440" tIns="45720" rIns="91440" bIns="45720" rtlCol="0" anchor="ctr">
+            <a:normAutofit/>
+          </a:bodyPr>
+          <a:lstStyle/>
+          <a:p>
+            <a:pPr indent="-228600">
+              <a:lnSpc>
+                <a:spcPct val="90000"/>
+              </a:lnSpc>
+              <a:spcAft>
+                <a:spcPts val="600"/>
+              </a:spcAft>
+              <a:buFont typeface="Arial" panose="020B0604020202020204" pitchFamily="34" charset="0"/>
+              <a:buChar char="•"/>
+            </a:pPr>
+            <a:r>
+              <a:rPr lang="en-US" dirty="0"/>
+              <a:t>Gateway device</a:t>
+            </a:r>
+          </a:p>
+          <a:p>
+            <a:pPr indent="-228600">
+              <a:lnSpc>
+                <a:spcPct val="90000"/>
+              </a:lnSpc>
+              <a:spcAft>
+                <a:spcPts val="600"/>
+              </a:spcAft>
+              <a:buFont typeface="Arial" panose="020B0604020202020204" pitchFamily="34" charset="0"/>
+              <a:buChar char="•"/>
+            </a:pPr>
+            <a:r>
+              <a:rPr lang="en-US" dirty="0"/>
+              <a:t>Multiple modules</a:t>
+            </a:r>
+          </a:p>
+          <a:p>
+            <a:pPr indent="-228600">
+              <a:lnSpc>
+                <a:spcPct val="90000"/>
+              </a:lnSpc>
+              <a:spcAft>
+                <a:spcPts val="600"/>
+              </a:spcAft>
+              <a:buFont typeface="Arial" panose="020B0604020202020204" pitchFamily="34" charset="0"/>
+              <a:buChar char="•"/>
+            </a:pPr>
+            <a:r>
+              <a:rPr lang="en-US" dirty="0"/>
+              <a:t>Commands</a:t>
+            </a:r>
+          </a:p>
+        </p:txBody>
+      </p:sp>
+    </p:spTree>
+    <p:extLst>
+      <p:ext uri="{BB962C8B-B14F-4D97-AF65-F5344CB8AC3E}">
+        <p14:creationId xmlns:p14="http://schemas.microsoft.com/office/powerpoint/2010/main" val="408470976"/>
+      </p:ext>
+    </p:extLst>
+  </p:cSld>
+  <p:clrMapOvr>
+    <a:masterClrMapping/>
+  </p:clrMapOvr>
+</p:sld>
+</file>
+
+<file path=ppt/slides/slide9.xml><?xml version="1.0" encoding="utf-8"?>
+<p:sld xmlns:a="http://schemas.openxmlformats.org/drawingml/2006/main" xmlns:r="http://schemas.openxmlformats.org/officeDocument/2006/relationships" xmlns:p="http://schemas.openxmlformats.org/presentationml/2006/main">
+  <p:cSld>
+    <p:bg>
+      <p:bgPr>
+        <a:solidFill>
+          <a:schemeClr val="bg1"/>
+        </a:solidFill>
+        <a:effectLst/>
+      </p:bgPr>
+    </p:bg>
+    <p:spTree>
+      <p:nvGrpSpPr>
+        <p:cNvPr id="1" name=""/>
+        <p:cNvGrpSpPr/>
+        <p:nvPr/>
+      </p:nvGrpSpPr>
+      <p:grpSpPr>
+        <a:xfrm>
+          <a:off x="0" y="0"/>
+          <a:ext cx="0" cy="0"/>
+          <a:chOff x="0" y="0"/>
+          <a:chExt cx="0" cy="0"/>
+        </a:xfrm>
+      </p:grpSpPr>
+      <p:sp useBgFill="1">
+        <p:nvSpPr>
+          <p:cNvPr id="1036" name="Rectangle 1035">
+            <a:extLst>
+              <a:ext uri="{FF2B5EF4-FFF2-40B4-BE49-F238E27FC236}">
+                <a16:creationId xmlns:a16="http://schemas.microsoft.com/office/drawing/2014/main" id="{53F29798-D584-4792-9B62-3F5F5C36D619}"/>
+              </a:ext>
+              <a:ext uri="{C183D7F6-B498-43B3-948B-1728B52AA6E4}">
+                <adec:decorative xmlns:adec="http://schemas.microsoft.com/office/drawing/2017/decorative" val="1"/>
+              </a:ext>
+            </a:extLst>
+          </p:cNvPr>
+          <p:cNvSpPr>
+            <a:spLocks noGrp="1" noRot="1" noChangeAspect="1" noMove="1" noResize="1" noEditPoints="1" noAdjustHandles="1" noChangeArrowheads="1" noChangeShapeType="1" noTextEdit="1"/>
+          </p:cNvSpPr>
+          <p:nvPr>
+            <p:extLst>
+              <p:ext uri="{386F3935-93C4-4BCD-93E2-E3B085C9AB24}">
+                <p16:designElem xmlns:p16="http://schemas.microsoft.com/office/powerpoint/2015/main" val="1"/>
+              </p:ext>
+            </p:extLst>
+          </p:nvPr>
+        </p:nvSpPr>
+        <p:spPr>
+          <a:xfrm>
+            <a:off x="0" y="0"/>
+            <a:ext cx="12188952" cy="6858000"/>
+          </a:xfrm>
+          <a:prstGeom prst="rect">
+            <a:avLst/>
+          </a:prstGeom>
+          <a:ln>
+            <a:noFill/>
+          </a:ln>
+        </p:spPr>
+        <p:style>
+          <a:lnRef idx="2">
+            <a:schemeClr val="accent1">
+              <a:shade val="50000"/>
+            </a:schemeClr>
+          </a:lnRef>
+          <a:fillRef idx="1">
+            <a:schemeClr val="accent1"/>
+          </a:fillRef>
+          <a:effectRef idx="0">
+            <a:schemeClr val="accent1"/>
+          </a:effectRef>
+          <a:fontRef idx="minor">
+            <a:schemeClr val="lt1"/>
+          </a:fontRef>
+        </p:style>
+        <p:txBody>
+          <a:bodyPr rtlCol="0" anchor="ctr"/>
+          <a:lstStyle/>
+          <a:p>
+            <a:pPr algn="ctr"/>
+            <a:endParaRPr lang="en-US"/>
+          </a:p>
+        </p:txBody>
+      </p:sp>
+      <p:sp>
+        <p:nvSpPr>
+          <p:cNvPr id="2" name="Title 1">
+            <a:extLst>
+              <a:ext uri="{FF2B5EF4-FFF2-40B4-BE49-F238E27FC236}">
+                <a16:creationId xmlns:a16="http://schemas.microsoft.com/office/drawing/2014/main" id="{2F305125-5EC8-C509-7E9E-41B2EF7AE5E7}"/>
+              </a:ext>
+            </a:extLst>
+          </p:cNvPr>
+          <p:cNvSpPr>
+            <a:spLocks noGrp="1"/>
+          </p:cNvSpPr>
+          <p:nvPr>
+            <p:ph type="title"/>
+          </p:nvPr>
+        </p:nvSpPr>
+        <p:spPr>
+          <a:xfrm>
+            <a:off x="838200" y="184805"/>
+            <a:ext cx="10515600" cy="1505883"/>
+          </a:xfrm>
+        </p:spPr>
+        <p:txBody>
+          <a:bodyPr vert="horz" lIns="91440" tIns="45720" rIns="91440" bIns="45720" rtlCol="0" anchor="ctr">
+            <a:normAutofit/>
+          </a:bodyPr>
+          <a:lstStyle/>
+          <a:p>
+            <a:r>
+              <a:rPr lang="en-US" sz="4000" kern="1200" dirty="0">
+                <a:solidFill>
+                  <a:schemeClr val="tx1"/>
+                </a:solidFill>
+                <a:latin typeface="+mj-lt"/>
+                <a:ea typeface="+mj-ea"/>
+                <a:cs typeface="+mj-cs"/>
+              </a:rPr>
+              <a:t>Device Provisioning &amp; Load Balancing </a:t>
+            </a:r>
+          </a:p>
+        </p:txBody>
+      </p:sp>
+      <p:pic>
+        <p:nvPicPr>
+          <p:cNvPr id="1026" name="Picture 2" descr="Overview of Azure IoT Hub Device Provisioning Service | Microsoft Learn">
+            <a:extLst>
+              <a:ext uri="{FF2B5EF4-FFF2-40B4-BE49-F238E27FC236}">
+                <a16:creationId xmlns:a16="http://schemas.microsoft.com/office/drawing/2014/main" id="{A9E5D3F2-470D-C1BB-17FA-753BBEB283F6}"/>
+              </a:ext>
+            </a:extLst>
+          </p:cNvPr>
+          <p:cNvPicPr>
+            <a:picLocks noChangeAspect="1" noChangeArrowheads="1"/>
+          </p:cNvPicPr>
+          <p:nvPr/>
+        </p:nvPicPr>
+        <p:blipFill>
+          <a:blip r:embed="rId3">
+            <a:extLst>
+              <a:ext uri="{28A0092B-C50C-407E-A947-70E740481C1C}">
+                <a14:useLocalDpi xmlns:a14="http://schemas.microsoft.com/office/drawing/2010/main" val="0"/>
+              </a:ext>
+            </a:extLst>
+          </a:blip>
+          <a:stretch>
+            <a:fillRect/>
+          </a:stretch>
+        </p:blipFill>
+        <p:spPr bwMode="auto">
+          <a:xfrm>
+            <a:off x="1283333" y="1845426"/>
+            <a:ext cx="9622281" cy="4450303"/>
           </a:xfrm>
           <a:prstGeom prst="rect">
             <a:avLst/>
@@ -6182,90 +7972,6 @@
     </p:spTree>
     <p:extLst>
       <p:ext uri="{BB962C8B-B14F-4D97-AF65-F5344CB8AC3E}">
-        <p14:creationId xmlns:p14="http://schemas.microsoft.com/office/powerpoint/2010/main" val="408470976"/>
-      </p:ext>
-    </p:extLst>
-  </p:cSld>
-  <p:clrMapOvr>
-    <a:masterClrMapping/>
-  </p:clrMapOvr>
-</p:sld>
-</file>
-
-<file path=ppt/slides/slide9.xml><?xml version="1.0" encoding="utf-8"?>
-<p:sld xmlns:a="http://schemas.openxmlformats.org/drawingml/2006/main" xmlns:r="http://schemas.openxmlformats.org/officeDocument/2006/relationships" xmlns:p="http://schemas.openxmlformats.org/presentationml/2006/main">
-  <p:cSld>
-    <p:spTree>
-      <p:nvGrpSpPr>
-        <p:cNvPr id="1" name=""/>
-        <p:cNvGrpSpPr/>
-        <p:nvPr/>
-      </p:nvGrpSpPr>
-      <p:grpSpPr>
-        <a:xfrm>
-          <a:off x="0" y="0"/>
-          <a:ext cx="0" cy="0"/>
-          <a:chOff x="0" y="0"/>
-          <a:chExt cx="0" cy="0"/>
-        </a:xfrm>
-      </p:grpSpPr>
-      <p:sp>
-        <p:nvSpPr>
-          <p:cNvPr id="2" name="Title 1">
-            <a:extLst>
-              <a:ext uri="{FF2B5EF4-FFF2-40B4-BE49-F238E27FC236}">
-                <a16:creationId xmlns:a16="http://schemas.microsoft.com/office/drawing/2014/main" id="{2F305125-5EC8-C509-7E9E-41B2EF7AE5E7}"/>
-              </a:ext>
-            </a:extLst>
-          </p:cNvPr>
-          <p:cNvSpPr>
-            <a:spLocks noGrp="1"/>
-          </p:cNvSpPr>
-          <p:nvPr>
-            <p:ph type="title"/>
-          </p:nvPr>
-        </p:nvSpPr>
-        <p:spPr/>
-        <p:txBody>
-          <a:bodyPr/>
-          <a:lstStyle/>
-          <a:p>
-            <a:r>
-              <a:rPr lang="en-US" dirty="0"/>
-              <a:t>Device Provisioning &amp; Load Balancing </a:t>
-            </a:r>
-            <a:endParaRPr lang="en-BE" dirty="0"/>
-          </a:p>
-        </p:txBody>
-      </p:sp>
-      <p:sp>
-        <p:nvSpPr>
-          <p:cNvPr id="3" name="Content Placeholder 2">
-            <a:extLst>
-              <a:ext uri="{FF2B5EF4-FFF2-40B4-BE49-F238E27FC236}">
-                <a16:creationId xmlns:a16="http://schemas.microsoft.com/office/drawing/2014/main" id="{AD28A705-E4A4-C50B-9BC6-6D2E44663570}"/>
-              </a:ext>
-            </a:extLst>
-          </p:cNvPr>
-          <p:cNvSpPr>
-            <a:spLocks noGrp="1"/>
-          </p:cNvSpPr>
-          <p:nvPr>
-            <p:ph idx="1"/>
-          </p:nvPr>
-        </p:nvSpPr>
-        <p:spPr/>
-        <p:txBody>
-          <a:bodyPr/>
-          <a:lstStyle/>
-          <a:p>
-            <a:endParaRPr lang="en-BE" dirty="0"/>
-          </a:p>
-        </p:txBody>
-      </p:sp>
-    </p:spTree>
-    <p:extLst>
-      <p:ext uri="{BB962C8B-B14F-4D97-AF65-F5344CB8AC3E}">
         <p14:creationId xmlns:p14="http://schemas.microsoft.com/office/powerpoint/2010/main" val="3850522772"/>
       </p:ext>
     </p:extLst>
@@ -6277,6 +7983,301 @@
 </file>
 
 <file path=ppt/theme/theme1.xml><?xml version="1.0" encoding="utf-8"?>
+<a:theme xmlns:a="http://schemas.openxmlformats.org/drawingml/2006/main" name="Office Theme">
+  <a:themeElements>
+    <a:clrScheme name="Office">
+      <a:dk1>
+        <a:sysClr val="windowText" lastClr="000000"/>
+      </a:dk1>
+      <a:lt1>
+        <a:sysClr val="window" lastClr="FFFFFF"/>
+      </a:lt1>
+      <a:dk2>
+        <a:srgbClr val="44546A"/>
+      </a:dk2>
+      <a:lt2>
+        <a:srgbClr val="E7E6E6"/>
+      </a:lt2>
+      <a:accent1>
+        <a:srgbClr val="4472C4"/>
+      </a:accent1>
+      <a:accent2>
+        <a:srgbClr val="ED7D31"/>
+      </a:accent2>
+      <a:accent3>
+        <a:srgbClr val="A5A5A5"/>
+      </a:accent3>
+      <a:accent4>
+        <a:srgbClr val="FFC000"/>
+      </a:accent4>
+      <a:accent5>
+        <a:srgbClr val="5B9BD5"/>
+      </a:accent5>
+      <a:accent6>
+        <a:srgbClr val="70AD47"/>
+      </a:accent6>
+      <a:hlink>
+        <a:srgbClr val="0563C1"/>
+      </a:hlink>
+      <a:folHlink>
+        <a:srgbClr val="954F72"/>
+      </a:folHlink>
+    </a:clrScheme>
+    <a:fontScheme name="Office">
+      <a:majorFont>
+        <a:latin typeface="Calibri Light" panose="020F0302020204030204"/>
+        <a:ea typeface=""/>
+        <a:cs typeface=""/>
+        <a:font script="Jpan" typeface="游ゴシック Light"/>
+        <a:font script="Hang" typeface="맑은 고딕"/>
+        <a:font script="Hans" typeface="等线 Light"/>
+        <a:font script="Hant" typeface="新細明體"/>
+        <a:font script="Arab" typeface="Times New Roman"/>
+        <a:font script="Hebr" typeface="Times New Roman"/>
+        <a:font script="Thai" typeface="Angsana New"/>
+        <a:font script="Ethi" typeface="Nyala"/>
+        <a:font script="Beng" typeface="Vrinda"/>
+        <a:font script="Gujr" typeface="Shruti"/>
+        <a:font script="Khmr" typeface="MoolBoran"/>
+        <a:font script="Knda" typeface="Tunga"/>
+        <a:font script="Guru" typeface="Raavi"/>
+        <a:font script="Cans" typeface="Euphemia"/>
+        <a:font script="Cher" typeface="Plantagenet Cherokee"/>
+        <a:font script="Yiii" typeface="Microsoft Yi Baiti"/>
+        <a:font script="Tibt" typeface="Microsoft Himalaya"/>
+        <a:font script="Thaa" typeface="MV Boli"/>
+        <a:font script="Deva" typeface="Mangal"/>
+        <a:font script="Telu" typeface="Gautami"/>
+        <a:font script="Taml" typeface="Latha"/>
+        <a:font script="Syrc" typeface="Estrangelo Edessa"/>
+        <a:font script="Orya" typeface="Kalinga"/>
+        <a:font script="Mlym" typeface="Kartika"/>
+        <a:font script="Laoo" typeface="DokChampa"/>
+        <a:font script="Sinh" typeface="Iskoola Pota"/>
+        <a:font script="Mong" typeface="Mongolian Baiti"/>
+        <a:font script="Viet" typeface="Times New Roman"/>
+        <a:font script="Uigh" typeface="Microsoft Uighur"/>
+        <a:font script="Geor" typeface="Sylfaen"/>
+        <a:font script="Armn" typeface="Arial"/>
+        <a:font script="Bugi" typeface="Leelawadee UI"/>
+        <a:font script="Bopo" typeface="Microsoft JhengHei"/>
+        <a:font script="Java" typeface="Javanese Text"/>
+        <a:font script="Lisu" typeface="Segoe UI"/>
+        <a:font script="Mymr" typeface="Myanmar Text"/>
+        <a:font script="Nkoo" typeface="Ebrima"/>
+        <a:font script="Olck" typeface="Nirmala UI"/>
+        <a:font script="Osma" typeface="Ebrima"/>
+        <a:font script="Phag" typeface="Phagspa"/>
+        <a:font script="Syrn" typeface="Estrangelo Edessa"/>
+        <a:font script="Syrj" typeface="Estrangelo Edessa"/>
+        <a:font script="Syre" typeface="Estrangelo Edessa"/>
+        <a:font script="Sora" typeface="Nirmala UI"/>
+        <a:font script="Tale" typeface="Microsoft Tai Le"/>
+        <a:font script="Talu" typeface="Microsoft New Tai Lue"/>
+        <a:font script="Tfng" typeface="Ebrima"/>
+      </a:majorFont>
+      <a:minorFont>
+        <a:latin typeface="Calibri" panose="020F0502020204030204"/>
+        <a:ea typeface=""/>
+        <a:cs typeface=""/>
+        <a:font script="Jpan" typeface="游ゴシック"/>
+        <a:font script="Hang" typeface="맑은 고딕"/>
+        <a:font script="Hans" typeface="等线"/>
+        <a:font script="Hant" typeface="新細明體"/>
+        <a:font script="Arab" typeface="Arial"/>
+        <a:font script="Hebr" typeface="Arial"/>
+        <a:font script="Thai" typeface="Cordia New"/>
+        <a:font script="Ethi" typeface="Nyala"/>
+        <a:font script="Beng" typeface="Vrinda"/>
+        <a:font script="Gujr" typeface="Shruti"/>
+        <a:font script="Khmr" typeface="DaunPenh"/>
+        <a:font script="Knda" typeface="Tunga"/>
+        <a:font script="Guru" typeface="Raavi"/>
+        <a:font script="Cans" typeface="Euphemia"/>
+        <a:font script="Cher" typeface="Plantagenet Cherokee"/>
+        <a:font script="Yiii" typeface="Microsoft Yi Baiti"/>
+        <a:font script="Tibt" typeface="Microsoft Himalaya"/>
+        <a:font script="Thaa" typeface="MV Boli"/>
+        <a:font script="Deva" typeface="Mangal"/>
+        <a:font script="Telu" typeface="Gautami"/>
+        <a:font script="Taml" typeface="Latha"/>
+        <a:font script="Syrc" typeface="Estrangelo Edessa"/>
+        <a:font script="Orya" typeface="Kalinga"/>
+        <a:font script="Mlym" typeface="Kartika"/>
+        <a:font script="Laoo" typeface="DokChampa"/>
+        <a:font script="Sinh" typeface="Iskoola Pota"/>
+        <a:font script="Mong" typeface="Mongolian Baiti"/>
+        <a:font script="Viet" typeface="Arial"/>
+        <a:font script="Uigh" typeface="Microsoft Uighur"/>
+        <a:font script="Geor" typeface="Sylfaen"/>
+        <a:font script="Armn" typeface="Arial"/>
+        <a:font script="Bugi" typeface="Leelawadee UI"/>
+        <a:font script="Bopo" typeface="Microsoft JhengHei"/>
+        <a:font script="Java" typeface="Javanese Text"/>
+        <a:font script="Lisu" typeface="Segoe UI"/>
+        <a:font script="Mymr" typeface="Myanmar Text"/>
+        <a:font script="Nkoo" typeface="Ebrima"/>
+        <a:font script="Olck" typeface="Nirmala UI"/>
+        <a:font script="Osma" typeface="Ebrima"/>
+        <a:font script="Phag" typeface="Phagspa"/>
+        <a:font script="Syrn" typeface="Estrangelo Edessa"/>
+        <a:font script="Syrj" typeface="Estrangelo Edessa"/>
+        <a:font script="Syre" typeface="Estrangelo Edessa"/>
+        <a:font script="Sora" typeface="Nirmala UI"/>
+        <a:font script="Tale" typeface="Microsoft Tai Le"/>
+        <a:font script="Talu" typeface="Microsoft New Tai Lue"/>
+        <a:font script="Tfng" typeface="Ebrima"/>
+      </a:minorFont>
+    </a:fontScheme>
+    <a:fmtScheme name="Office">
+      <a:fillStyleLst>
+        <a:solidFill>
+          <a:schemeClr val="phClr"/>
+        </a:solidFill>
+        <a:gradFill rotWithShape="1">
+          <a:gsLst>
+            <a:gs pos="0">
+              <a:schemeClr val="phClr">
+                <a:lumMod val="110000"/>
+                <a:satMod val="105000"/>
+                <a:tint val="67000"/>
+              </a:schemeClr>
+            </a:gs>
+            <a:gs pos="50000">
+              <a:schemeClr val="phClr">
+                <a:lumMod val="105000"/>
+                <a:satMod val="103000"/>
+                <a:tint val="73000"/>
+              </a:schemeClr>
+            </a:gs>
+            <a:gs pos="100000">
+              <a:schemeClr val="phClr">
+                <a:lumMod val="105000"/>
+                <a:satMod val="109000"/>
+                <a:tint val="81000"/>
+              </a:schemeClr>
+            </a:gs>
+          </a:gsLst>
+          <a:lin ang="5400000" scaled="0"/>
+        </a:gradFill>
+        <a:gradFill rotWithShape="1">
+          <a:gsLst>
+            <a:gs pos="0">
+              <a:schemeClr val="phClr">
+                <a:satMod val="103000"/>
+                <a:lumMod val="102000"/>
+                <a:tint val="94000"/>
+              </a:schemeClr>
+            </a:gs>
+            <a:gs pos="50000">
+              <a:schemeClr val="phClr">
+                <a:satMod val="110000"/>
+                <a:lumMod val="100000"/>
+                <a:shade val="100000"/>
+              </a:schemeClr>
+            </a:gs>
+            <a:gs pos="100000">
+              <a:schemeClr val="phClr">
+                <a:lumMod val="99000"/>
+                <a:satMod val="120000"/>
+                <a:shade val="78000"/>
+              </a:schemeClr>
+            </a:gs>
+          </a:gsLst>
+          <a:lin ang="5400000" scaled="0"/>
+        </a:gradFill>
+      </a:fillStyleLst>
+      <a:lnStyleLst>
+        <a:ln w="6350" cap="flat" cmpd="sng" algn="ctr">
+          <a:solidFill>
+            <a:schemeClr val="phClr"/>
+          </a:solidFill>
+          <a:prstDash val="solid"/>
+          <a:miter lim="800000"/>
+        </a:ln>
+        <a:ln w="12700" cap="flat" cmpd="sng" algn="ctr">
+          <a:solidFill>
+            <a:schemeClr val="phClr"/>
+          </a:solidFill>
+          <a:prstDash val="solid"/>
+          <a:miter lim="800000"/>
+        </a:ln>
+        <a:ln w="19050" cap="flat" cmpd="sng" algn="ctr">
+          <a:solidFill>
+            <a:schemeClr val="phClr"/>
+          </a:solidFill>
+          <a:prstDash val="solid"/>
+          <a:miter lim="800000"/>
+        </a:ln>
+      </a:lnStyleLst>
+      <a:effectStyleLst>
+        <a:effectStyle>
+          <a:effectLst/>
+        </a:effectStyle>
+        <a:effectStyle>
+          <a:effectLst/>
+        </a:effectStyle>
+        <a:effectStyle>
+          <a:effectLst>
+            <a:outerShdw blurRad="57150" dist="19050" dir="5400000" algn="ctr" rotWithShape="0">
+              <a:srgbClr val="000000">
+                <a:alpha val="63000"/>
+              </a:srgbClr>
+            </a:outerShdw>
+          </a:effectLst>
+        </a:effectStyle>
+      </a:effectStyleLst>
+      <a:bgFillStyleLst>
+        <a:solidFill>
+          <a:schemeClr val="phClr"/>
+        </a:solidFill>
+        <a:solidFill>
+          <a:schemeClr val="phClr">
+            <a:tint val="95000"/>
+            <a:satMod val="170000"/>
+          </a:schemeClr>
+        </a:solidFill>
+        <a:gradFill rotWithShape="1">
+          <a:gsLst>
+            <a:gs pos="0">
+              <a:schemeClr val="phClr">
+                <a:tint val="93000"/>
+                <a:satMod val="150000"/>
+                <a:shade val="98000"/>
+                <a:lumMod val="102000"/>
+              </a:schemeClr>
+            </a:gs>
+            <a:gs pos="50000">
+              <a:schemeClr val="phClr">
+                <a:tint val="98000"/>
+                <a:satMod val="130000"/>
+                <a:shade val="90000"/>
+                <a:lumMod val="103000"/>
+              </a:schemeClr>
+            </a:gs>
+            <a:gs pos="100000">
+              <a:schemeClr val="phClr">
+                <a:shade val="63000"/>
+                <a:satMod val="120000"/>
+              </a:schemeClr>
+            </a:gs>
+          </a:gsLst>
+          <a:lin ang="5400000" scaled="0"/>
+        </a:gradFill>
+      </a:bgFillStyleLst>
+    </a:fmtScheme>
+  </a:themeElements>
+  <a:objectDefaults/>
+  <a:extraClrSchemeLst/>
+  <a:extLst>
+    <a:ext uri="{05A4C25C-085E-4340-85A3-A5531E510DB2}">
+      <thm15:themeFamily xmlns:thm15="http://schemas.microsoft.com/office/thememl/2012/main" name="Office Theme" id="{62F939B6-93AF-4DB8-9C6B-D6C7DFDC589F}" vid="{4A3C46E8-61CC-4603-A589-7422A47A8E4A}"/>
+    </a:ext>
+  </a:extLst>
+</a:theme>
+</file>
+
+<file path=ppt/theme/theme2.xml><?xml version="1.0" encoding="utf-8"?>
 <a:theme xmlns:a="http://schemas.openxmlformats.org/drawingml/2006/main" name="Office Theme">
   <a:themeElements>
     <a:clrScheme name="Office">
@@ -6592,15 +8593,6 @@
 </file>
 
 <file path=customXml/item1.xml><?xml version="1.0" encoding="utf-8"?>
-<?mso-contentType ?>
-<FormTemplates xmlns="http://schemas.microsoft.com/sharepoint/v3/contenttype/forms">
-  <Display>DocumentLibraryForm</Display>
-  <Edit>DocumentLibraryForm</Edit>
-  <New>DocumentLibraryForm</New>
-</FormTemplates>
-</file>
-
-<file path=customXml/item2.xml><?xml version="1.0" encoding="utf-8"?>
 <ct:contentTypeSchema xmlns:ct="http://schemas.microsoft.com/office/2006/metadata/contentType" xmlns:ma="http://schemas.microsoft.com/office/2006/metadata/properties/metaAttributes" ct:_="" ma:_="" ma:contentTypeName="Document" ma:contentTypeID="0x0101008E6E916E8DCD1D469DA89B1BFC7B5A4A" ma:contentTypeVersion="0" ma:contentTypeDescription="Create a new document." ma:contentTypeScope="" ma:versionID="41ef4ed0fa2000ef0eeabae91aa90bb0">
   <xsd:schema xmlns:xsd="http://www.w3.org/2001/XMLSchema" xmlns:xs="http://www.w3.org/2001/XMLSchema" xmlns:p="http://schemas.microsoft.com/office/2006/metadata/properties" targetNamespace="http://schemas.microsoft.com/office/2006/metadata/properties" ma:root="true" ma:fieldsID="e9bba3d109c83ca9ea707846bd0efb68">
     <xsd:element name="properties">
@@ -6714,6 +8706,15 @@
 </ct:contentTypeSchema>
 </file>
 
+<file path=customXml/item2.xml><?xml version="1.0" encoding="utf-8"?>
+<?mso-contentType ?>
+<FormTemplates xmlns="http://schemas.microsoft.com/sharepoint/v3/contenttype/forms">
+  <Display>DocumentLibraryForm</Display>
+  <Edit>DocumentLibraryForm</Edit>
+  <New>DocumentLibraryForm</New>
+</FormTemplates>
+</file>
+
 <file path=customXml/item3.xml><?xml version="1.0" encoding="utf-8"?>
 <p:properties xmlns:p="http://schemas.microsoft.com/office/2006/metadata/properties" xmlns:xsi="http://www.w3.org/2001/XMLSchema-instance" xmlns:pc="http://schemas.microsoft.com/office/infopath/2007/PartnerControls">
   <documentManagement/>
@@ -6721,14 +8722,6 @@
 </file>
 
 <file path=customXml/itemProps1.xml><?xml version="1.0" encoding="utf-8"?>
-<ds:datastoreItem xmlns:ds="http://schemas.openxmlformats.org/officeDocument/2006/customXml" ds:itemID="{A58EC05F-8460-4743-B5AA-81D5DD571AF7}">
-  <ds:schemaRefs>
-    <ds:schemaRef ds:uri="http://schemas.microsoft.com/sharepoint/v3/contenttype/forms"/>
-  </ds:schemaRefs>
-</ds:datastoreItem>
-</file>
-
-<file path=customXml/itemProps2.xml><?xml version="1.0" encoding="utf-8"?>
 <ds:datastoreItem xmlns:ds="http://schemas.openxmlformats.org/officeDocument/2006/customXml" ds:itemID="{152EE6D6-D356-4A25-AC22-038F824553D6}">
   <ds:schemaRefs>
     <ds:schemaRef ds:uri="http://schemas.microsoft.com/office/2006/metadata/contentType"/>
@@ -6740,6 +8733,14 @@
     <ds:schemaRef ds:uri="http://purl.org/dc/terms/"/>
     <ds:schemaRef ds:uri="http://schemas.microsoft.com/internal/obd"/>
     <ds:schemaRef ds:uri="http://schemas.microsoft.com/office/infopath/2007/PartnerControls"/>
+  </ds:schemaRefs>
+</ds:datastoreItem>
+</file>
+
+<file path=customXml/itemProps2.xml><?xml version="1.0" encoding="utf-8"?>
+<ds:datastoreItem xmlns:ds="http://schemas.openxmlformats.org/officeDocument/2006/customXml" ds:itemID="{A58EC05F-8460-4743-B5AA-81D5DD571AF7}">
+  <ds:schemaRefs>
+    <ds:schemaRef ds:uri="http://schemas.microsoft.com/sharepoint/v3/contenttype/forms"/>
   </ds:schemaRefs>
 </ds:datastoreItem>
 </file>

--- a/.ppt/Azure Iot Central.pptx
+++ b/.ppt/Azure Iot Central.pptx
@@ -5,7 +5,7 @@
     <p:sldMasterId id="2147483648" r:id="rId4"/>
   </p:sldMasterIdLst>
   <p:notesMasterIdLst>
-    <p:notesMasterId r:id="rId17"/>
+    <p:notesMasterId r:id="rId16"/>
   </p:notesMasterIdLst>
   <p:sldIdLst>
     <p:sldId id="256" r:id="rId5"/>
@@ -13,13 +13,12 @@
     <p:sldId id="258" r:id="rId7"/>
     <p:sldId id="259" r:id="rId8"/>
     <p:sldId id="260" r:id="rId9"/>
-    <p:sldId id="262" r:id="rId10"/>
-    <p:sldId id="265" r:id="rId11"/>
-    <p:sldId id="266" r:id="rId12"/>
-    <p:sldId id="267" r:id="rId13"/>
-    <p:sldId id="263" r:id="rId14"/>
-    <p:sldId id="264" r:id="rId15"/>
-    <p:sldId id="261" r:id="rId16"/>
+    <p:sldId id="263" r:id="rId10"/>
+    <p:sldId id="262" r:id="rId11"/>
+    <p:sldId id="265" r:id="rId12"/>
+    <p:sldId id="266" r:id="rId13"/>
+    <p:sldId id="264" r:id="rId14"/>
+    <p:sldId id="261" r:id="rId15"/>
   </p:sldIdLst>
   <p:sldSz cx="12192000" cy="6858000"/>
   <p:notesSz cx="6858000" cy="9144000"/>
@@ -1628,11 +1627,38 @@
           <a:p>
             <a:r>
               <a:rPr lang="en-US" dirty="0"/>
-              <a:t>- 2 </a:t>
+              <a:t>- device templates </a:t>
             </a:r>
             <a:r>
               <a:rPr lang="en-US" dirty="0" err="1"/>
-              <a:t>verschillende</a:t>
+              <a:t>informatie</a:t>
+            </a:r>
+            <a:r>
+              <a:rPr lang="en-US" dirty="0"/>
+              <a:t> wordt </a:t>
+            </a:r>
+            <a:r>
+              <a:rPr lang="en-US" dirty="0" err="1"/>
+              <a:t>gestored</a:t>
+            </a:r>
+            <a:r>
+              <a:rPr lang="en-US" dirty="0"/>
+              <a:t> in </a:t>
+            </a:r>
+            <a:r>
+              <a:rPr lang="en-US" dirty="0" err="1"/>
+              <a:t>dtdl</a:t>
+            </a:r>
+            <a:endParaRPr lang="en-US" dirty="0"/>
+          </a:p>
+          <a:p>
+            <a:r>
+              <a:rPr lang="en-US" dirty="0"/>
+              <a:t>- </a:t>
+            </a:r>
+            <a:r>
+              <a:rPr lang="en-US" dirty="0" err="1"/>
+              <a:t>digitale</a:t>
             </a:r>
             <a:r>
               <a:rPr lang="en-US" dirty="0"/>
@@ -1640,73 +1666,23 @@
             </a:r>
             <a:r>
               <a:rPr lang="en-US" dirty="0" err="1"/>
-              <a:t>soorten</a:t>
-            </a:r>
-            <a:r>
-              <a:rPr lang="en-US" dirty="0"/>
-              <a:t> devices</a:t>
-            </a:r>
-          </a:p>
-          <a:p>
-            <a:r>
-              <a:rPr lang="en-US" dirty="0"/>
-              <a:t>	- </a:t>
-            </a:r>
-            <a:r>
-              <a:rPr lang="en-US" dirty="0" err="1"/>
-              <a:t>iot</a:t>
-            </a:r>
-            <a:r>
-              <a:rPr lang="en-US" dirty="0"/>
-              <a:t> device</a:t>
-            </a:r>
-          </a:p>
-          <a:p>
-            <a:r>
-              <a:rPr lang="en-US" dirty="0"/>
-              <a:t>	- </a:t>
-            </a:r>
-            <a:r>
-              <a:rPr lang="en-US" dirty="0" err="1"/>
-              <a:t>iot</a:t>
-            </a:r>
-            <a:r>
-              <a:rPr lang="en-US" dirty="0"/>
-              <a:t> edge device</a:t>
-            </a:r>
-          </a:p>
-          <a:p>
-            <a:r>
-              <a:rPr lang="en-US" dirty="0"/>
-              <a:t>- devices kunnen </a:t>
-            </a:r>
-            <a:r>
-              <a:rPr lang="en-US" dirty="0" err="1"/>
-              <a:t>makkelijk</a:t>
-            </a:r>
-            <a:r>
-              <a:rPr lang="en-US" dirty="0"/>
-              <a:t> via de </a:t>
-            </a:r>
-            <a:r>
-              <a:rPr lang="en-US" dirty="0" err="1"/>
-              <a:t>iot</a:t>
-            </a:r>
-            <a:r>
-              <a:rPr lang="en-US" dirty="0"/>
-              <a:t> central portal </a:t>
-            </a:r>
-            <a:r>
-              <a:rPr lang="en-US" dirty="0" err="1"/>
-              <a:t>beheerd</a:t>
-            </a:r>
-            <a:r>
-              <a:rPr lang="en-US" dirty="0"/>
-              <a:t> </a:t>
-            </a:r>
-            <a:r>
-              <a:rPr lang="en-US" dirty="0" err="1"/>
-              <a:t>worden</a:t>
+              <a:t>weergave</a:t>
+            </a:r>
+            <a:r>
+              <a:rPr lang="en-US" dirty="0"/>
+              <a:t> van een device</a:t>
+            </a:r>
+          </a:p>
+          <a:p>
+            <a:r>
+              <a:rPr lang="en-US" dirty="0"/>
+              <a:t>	- telemetry</a:t>
+            </a:r>
+          </a:p>
+          <a:p>
+            <a:r>
+              <a:rPr lang="en-US" dirty="0"/>
+              <a:t>	- properties</a:t>
             </a:r>
             <a:endParaRPr lang="en-BE" dirty="0"/>
           </a:p>
@@ -1738,7 +1714,7 @@
     </p:spTree>
     <p:extLst>
       <p:ext uri="{BB962C8B-B14F-4D97-AF65-F5344CB8AC3E}">
-        <p14:creationId xmlns:p14="http://schemas.microsoft.com/office/powerpoint/2010/main" val="52843010"/>
+        <p14:creationId xmlns:p14="http://schemas.microsoft.com/office/powerpoint/2010/main" val="1649088838"/>
       </p:ext>
     </p:extLst>
   </p:cSld>
@@ -1794,15 +1770,29 @@
           <a:p>
             <a:r>
               <a:rPr lang="en-US" dirty="0"/>
-              <a:t>- 1 op 1 device </a:t>
+              <a:t>- 2 </a:t>
             </a:r>
             <a:r>
               <a:rPr lang="en-US" dirty="0" err="1"/>
-              <a:t>configuratie</a:t>
-            </a:r>
-            <a:r>
-              <a:rPr lang="en-US" dirty="0"/>
-              <a:t> =&gt; 1 device in </a:t>
+              <a:t>verschillende</a:t>
+            </a:r>
+            <a:r>
+              <a:rPr lang="en-US" dirty="0"/>
+              <a:t> </a:t>
+            </a:r>
+            <a:r>
+              <a:rPr lang="en-US" dirty="0" err="1"/>
+              <a:t>soorten</a:t>
+            </a:r>
+            <a:r>
+              <a:rPr lang="en-US" dirty="0"/>
+              <a:t> devices</a:t>
+            </a:r>
+          </a:p>
+          <a:p>
+            <a:r>
+              <a:rPr lang="en-US" dirty="0"/>
+              <a:t>	- </a:t>
             </a:r>
             <a:r>
               <a:rPr lang="en-US" dirty="0" err="1"/>
@@ -1810,16 +1800,57 @@
             </a:r>
             <a:r>
               <a:rPr lang="en-US" dirty="0"/>
-              <a:t> central </a:t>
+              <a:t> device</a:t>
+            </a:r>
+          </a:p>
+          <a:p>
+            <a:r>
+              <a:rPr lang="en-US" dirty="0"/>
+              <a:t>	- </a:t>
             </a:r>
             <a:r>
               <a:rPr lang="en-US" dirty="0" err="1"/>
-              <a:t>ontvang</a:t>
-            </a:r>
-            <a:r>
-              <a:rPr lang="en-US" dirty="0"/>
-              <a:t> data van 1 device</a:t>
-            </a:r>
+              <a:t>iot</a:t>
+            </a:r>
+            <a:r>
+              <a:rPr lang="en-US" dirty="0"/>
+              <a:t> edge device</a:t>
+            </a:r>
+          </a:p>
+          <a:p>
+            <a:r>
+              <a:rPr lang="en-US" dirty="0"/>
+              <a:t>- devices kunnen </a:t>
+            </a:r>
+            <a:r>
+              <a:rPr lang="en-US" dirty="0" err="1"/>
+              <a:t>makkelijk</a:t>
+            </a:r>
+            <a:r>
+              <a:rPr lang="en-US" dirty="0"/>
+              <a:t> via de </a:t>
+            </a:r>
+            <a:r>
+              <a:rPr lang="en-US" dirty="0" err="1"/>
+              <a:t>iot</a:t>
+            </a:r>
+            <a:r>
+              <a:rPr lang="en-US" dirty="0"/>
+              <a:t> central portal </a:t>
+            </a:r>
+            <a:r>
+              <a:rPr lang="en-US" dirty="0" err="1"/>
+              <a:t>beheerd</a:t>
+            </a:r>
+            <a:r>
+              <a:rPr lang="en-US" dirty="0"/>
+              <a:t> </a:t>
+            </a:r>
+            <a:r>
+              <a:rPr lang="en-US" dirty="0" err="1"/>
+              <a:t>worden</a:t>
+            </a:r>
+            <a:endParaRPr lang="en-BE" dirty="0"/>
           </a:p>
         </p:txBody>
       </p:sp>
@@ -1849,7 +1880,7 @@
     </p:spTree>
     <p:extLst>
       <p:ext uri="{BB962C8B-B14F-4D97-AF65-F5344CB8AC3E}">
-        <p14:creationId xmlns:p14="http://schemas.microsoft.com/office/powerpoint/2010/main" val="1793407617"/>
+        <p14:creationId xmlns:p14="http://schemas.microsoft.com/office/powerpoint/2010/main" val="52843010"/>
       </p:ext>
     </p:extLst>
   </p:cSld>
@@ -1905,29 +1936,15 @@
           <a:p>
             <a:r>
               <a:rPr lang="en-US" dirty="0"/>
-              <a:t>- Meestal </a:t>
+              <a:t>- 1 op 1 device </a:t>
             </a:r>
             <a:r>
               <a:rPr lang="en-US" dirty="0" err="1"/>
-              <a:t>gebruikt</a:t>
-            </a:r>
-            <a:r>
-              <a:rPr lang="en-US" dirty="0"/>
-              <a:t> </a:t>
-            </a:r>
-            <a:r>
-              <a:rPr lang="en-US" dirty="0" err="1"/>
-              <a:t>als</a:t>
-            </a:r>
-            <a:r>
-              <a:rPr lang="en-US" dirty="0"/>
-              <a:t> een proxy device. </a:t>
-            </a:r>
-          </a:p>
-          <a:p>
-            <a:r>
-              <a:rPr lang="en-US" dirty="0"/>
-              <a:t>- </a:t>
+              <a:t>configuratie</a:t>
+            </a:r>
+            <a:r>
+              <a:rPr lang="en-US" dirty="0"/>
+              <a:t> =&gt; 1 device in </a:t>
             </a:r>
             <a:r>
               <a:rPr lang="en-US" dirty="0" err="1"/>
@@ -1935,67 +1952,15 @@
             </a:r>
             <a:r>
               <a:rPr lang="en-US" dirty="0"/>
-              <a:t> edge runtime draait op locale </a:t>
+              <a:t> central </a:t>
             </a:r>
             <a:r>
               <a:rPr lang="en-US" dirty="0" err="1"/>
-              <a:t>infrastructuur</a:t>
-            </a:r>
-            <a:r>
-              <a:rPr lang="en-US" dirty="0"/>
-              <a:t> die </a:t>
-            </a:r>
-            <a:r>
-              <a:rPr lang="en-US" dirty="0" err="1"/>
-              <a:t>toegang</a:t>
-            </a:r>
-            <a:r>
-              <a:rPr lang="en-US" dirty="0"/>
-              <a:t> heeft tot de sensor data</a:t>
-            </a:r>
-          </a:p>
-          <a:p>
-            <a:r>
-              <a:rPr lang="en-US" dirty="0"/>
-              <a:t>- modules </a:t>
-            </a:r>
-            <a:r>
-              <a:rPr lang="en-US" dirty="0" err="1"/>
-              <a:t>draaien</a:t>
-            </a:r>
-            <a:r>
-              <a:rPr lang="en-US" dirty="0"/>
-              <a:t> op de </a:t>
-            </a:r>
-            <a:r>
-              <a:rPr lang="en-US" dirty="0" err="1"/>
-              <a:t>iot</a:t>
-            </a:r>
-            <a:r>
-              <a:rPr lang="en-US" dirty="0"/>
-              <a:t> edge runtime</a:t>
-            </a:r>
-          </a:p>
-          <a:p>
-            <a:r>
-              <a:rPr lang="en-US" dirty="0"/>
-              <a:t>- telemetry upstream via modules naar </a:t>
-            </a:r>
-            <a:r>
-              <a:rPr lang="en-US" dirty="0" err="1"/>
-              <a:t>iot</a:t>
-            </a:r>
-            <a:r>
-              <a:rPr lang="en-US" dirty="0"/>
-              <a:t> hub (</a:t>
-            </a:r>
-            <a:r>
-              <a:rPr lang="en-US" dirty="0" err="1"/>
-              <a:t>iot</a:t>
-            </a:r>
-            <a:r>
-              <a:rPr lang="en-US" dirty="0"/>
-              <a:t> central)</a:t>
+              <a:t>ontvang</a:t>
+            </a:r>
+            <a:r>
+              <a:rPr lang="en-US" dirty="0"/>
+              <a:t> data van 1 device</a:t>
             </a:r>
           </a:p>
         </p:txBody>
@@ -2026,7 +1991,7 @@
     </p:spTree>
     <p:extLst>
       <p:ext uri="{BB962C8B-B14F-4D97-AF65-F5344CB8AC3E}">
-        <p14:creationId xmlns:p14="http://schemas.microsoft.com/office/powerpoint/2010/main" val="1016940826"/>
+        <p14:creationId xmlns:p14="http://schemas.microsoft.com/office/powerpoint/2010/main" val="1793407617"/>
       </p:ext>
     </p:extLst>
   </p:cSld>
@@ -2082,23 +2047,29 @@
           <a:p>
             <a:r>
               <a:rPr lang="en-US" dirty="0"/>
+              <a:t>- Meestal </a:t>
+            </a:r>
+            <a:r>
+              <a:rPr lang="en-US" dirty="0" err="1"/>
+              <a:t>gebruikt</a:t>
+            </a:r>
+            <a:r>
+              <a:rPr lang="en-US" dirty="0"/>
+              <a:t> </a:t>
+            </a:r>
+            <a:r>
+              <a:rPr lang="en-US" dirty="0" err="1"/>
+              <a:t>als</a:t>
+            </a:r>
+            <a:r>
+              <a:rPr lang="en-US" dirty="0"/>
+              <a:t> een proxy device. </a:t>
+            </a:r>
+          </a:p>
+          <a:p>
+            <a:r>
+              <a:rPr lang="en-US" dirty="0"/>
               <a:t>- </a:t>
-            </a:r>
-            <a:r>
-              <a:rPr lang="en-US" dirty="0" err="1"/>
-              <a:t>dps</a:t>
-            </a:r>
-            <a:r>
-              <a:rPr lang="en-US" dirty="0"/>
-              <a:t> (device provisioning service) bepaald welke </a:t>
-            </a:r>
-            <a:r>
-              <a:rPr lang="en-US" dirty="0" err="1"/>
-              <a:t>onderliggende</a:t>
-            </a:r>
-            <a:r>
-              <a:rPr lang="en-US" dirty="0"/>
-              <a:t> </a:t>
             </a:r>
             <a:r>
               <a:rPr lang="en-US" dirty="0" err="1"/>
@@ -2106,73 +2077,68 @@
             </a:r>
             <a:r>
               <a:rPr lang="en-US" dirty="0"/>
-              <a:t> hub </a:t>
+              <a:t> edge runtime draait op locale </a:t>
             </a:r>
             <a:r>
               <a:rPr lang="en-US" dirty="0" err="1"/>
-              <a:t>gebruikt</a:t>
-            </a:r>
-            <a:r>
-              <a:rPr lang="en-US" dirty="0"/>
-              <a:t> wordt</a:t>
-            </a:r>
-          </a:p>
-          <a:p>
-            <a:r>
-              <a:rPr lang="en-US" dirty="0"/>
-              <a:t>- on the fly </a:t>
+              <a:t>infrastructuur</a:t>
+            </a:r>
+            <a:r>
+              <a:rPr lang="en-US" dirty="0"/>
+              <a:t> die </a:t>
             </a:r>
             <a:r>
               <a:rPr lang="en-US" dirty="0" err="1"/>
-              <a:t>opspinnen</a:t>
-            </a:r>
-            <a:r>
-              <a:rPr lang="en-US" dirty="0"/>
-              <a:t> bij veel data</a:t>
-            </a:r>
-          </a:p>
-          <a:p>
-            <a:r>
-              <a:rPr lang="en-US" dirty="0"/>
-              <a:t>- devices </a:t>
+              <a:t>toegang</a:t>
+            </a:r>
+            <a:r>
+              <a:rPr lang="en-US" dirty="0"/>
+              <a:t> heeft tot de sensor data</a:t>
+            </a:r>
+          </a:p>
+          <a:p>
+            <a:r>
+              <a:rPr lang="en-US" dirty="0"/>
+              <a:t>- modules </a:t>
             </a:r>
             <a:r>
               <a:rPr lang="en-US" dirty="0" err="1"/>
-              <a:t>moeten</a:t>
-            </a:r>
-            <a:r>
-              <a:rPr lang="en-US" dirty="0"/>
-              <a:t> zelf nieuwe </a:t>
+              <a:t>draaien</a:t>
+            </a:r>
+            <a:r>
+              <a:rPr lang="en-US" dirty="0"/>
+              <a:t> op de </a:t>
             </a:r>
             <a:r>
               <a:rPr lang="en-US" dirty="0" err="1"/>
-              <a:t>registratie</a:t>
-            </a:r>
-            <a:r>
-              <a:rPr lang="en-US" dirty="0"/>
-              <a:t> </a:t>
+              <a:t>iot</a:t>
+            </a:r>
+            <a:r>
+              <a:rPr lang="en-US" dirty="0"/>
+              <a:t> edge runtime</a:t>
+            </a:r>
+          </a:p>
+          <a:p>
+            <a:r>
+              <a:rPr lang="en-US" dirty="0"/>
+              <a:t>- telemetry upstream via modules naar </a:t>
             </a:r>
             <a:r>
               <a:rPr lang="en-US" dirty="0" err="1"/>
-              <a:t>regelen</a:t>
-            </a:r>
-            <a:r>
-              <a:rPr lang="en-US" dirty="0"/>
-              <a:t> wanneer </a:t>
+              <a:t>iot</a:t>
+            </a:r>
+            <a:r>
+              <a:rPr lang="en-US" dirty="0"/>
+              <a:t> hub (</a:t>
             </a:r>
             <a:r>
               <a:rPr lang="en-US" dirty="0" err="1"/>
-              <a:t>zenden</a:t>
-            </a:r>
-            <a:r>
-              <a:rPr lang="en-US" dirty="0"/>
-              <a:t> van telemetry </a:t>
-            </a:r>
-            <a:r>
-              <a:rPr lang="en-US" dirty="0" err="1"/>
-              <a:t>mislukt</a:t>
-            </a:r>
-            <a:endParaRPr lang="en-BE" dirty="0"/>
+              <a:t>iot</a:t>
+            </a:r>
+            <a:r>
+              <a:rPr lang="en-US" dirty="0"/>
+              <a:t> central)</a:t>
+            </a:r>
           </a:p>
         </p:txBody>
       </p:sp>
@@ -2202,7 +2168,7 @@
     </p:spTree>
     <p:extLst>
       <p:ext uri="{BB962C8B-B14F-4D97-AF65-F5344CB8AC3E}">
-        <p14:creationId xmlns:p14="http://schemas.microsoft.com/office/powerpoint/2010/main" val="767512421"/>
+        <p14:creationId xmlns:p14="http://schemas.microsoft.com/office/powerpoint/2010/main" val="1016940826"/>
       </p:ext>
     </p:extLst>
   </p:cSld>
@@ -2258,23 +2224,69 @@
           <a:p>
             <a:r>
               <a:rPr lang="en-US" dirty="0"/>
-              <a:t>- device templates </a:t>
+              <a:t>- </a:t>
             </a:r>
             <a:r>
               <a:rPr lang="en-US" dirty="0" err="1"/>
-              <a:t>worden</a:t>
-            </a:r>
-            <a:r>
-              <a:rPr lang="en-US" dirty="0"/>
-              <a:t> in </a:t>
+              <a:t>mogelijkheid</a:t>
+            </a:r>
+            <a:r>
+              <a:rPr lang="en-US" dirty="0"/>
+              <a:t> tot </a:t>
             </a:r>
             <a:r>
               <a:rPr lang="en-US" dirty="0" err="1"/>
-              <a:t>dtdl</a:t>
-            </a:r>
-            <a:r>
-              <a:rPr lang="en-US" dirty="0"/>
-              <a:t> </a:t>
+              <a:t>exporteren</a:t>
+            </a:r>
+            <a:r>
+              <a:rPr lang="en-US" dirty="0"/>
+              <a:t> van telemetry data</a:t>
+            </a:r>
+          </a:p>
+          <a:p>
+            <a:r>
+              <a:rPr lang="en-US" dirty="0"/>
+              <a:t>- </a:t>
+            </a:r>
+            <a:r>
+              <a:rPr lang="en-US" dirty="0" err="1"/>
+              <a:t>iot</a:t>
+            </a:r>
+            <a:r>
+              <a:rPr lang="en-US" dirty="0"/>
+              <a:t> central life cycle events</a:t>
+            </a:r>
+          </a:p>
+          <a:p>
+            <a:r>
+              <a:rPr lang="en-US" dirty="0"/>
+              <a:t>	- create device</a:t>
+            </a:r>
+          </a:p>
+          <a:p>
+            <a:r>
+              <a:rPr lang="en-US" dirty="0"/>
+              <a:t>	- update device template</a:t>
+            </a:r>
+          </a:p>
+          <a:p>
+            <a:r>
+              <a:rPr lang="en-US" dirty="0"/>
+              <a:t>	- …</a:t>
+            </a:r>
+          </a:p>
+          <a:p>
+            <a:r>
+              <a:rPr lang="en-US" dirty="0"/>
+              <a:t>- data transformative mogelijk via </a:t>
+            </a:r>
+            <a:r>
+              <a:rPr lang="en-US" dirty="0" err="1"/>
+              <a:t>jq</a:t>
+            </a:r>
+            <a:r>
+              <a:rPr lang="en-US" dirty="0"/>
+              <a:t> syntax</a:t>
             </a:r>
             <a:endParaRPr lang="en-BE" dirty="0"/>
           </a:p>
@@ -2306,7 +2318,91 @@
     </p:spTree>
     <p:extLst>
       <p:ext uri="{BB962C8B-B14F-4D97-AF65-F5344CB8AC3E}">
-        <p14:creationId xmlns:p14="http://schemas.microsoft.com/office/powerpoint/2010/main" val="1649088838"/>
+        <p14:creationId xmlns:p14="http://schemas.microsoft.com/office/powerpoint/2010/main" val="3476922508"/>
+      </p:ext>
+    </p:extLst>
+  </p:cSld>
+  <p:clrMapOvr>
+    <a:masterClrMapping/>
+  </p:clrMapOvr>
+</p:notes>
+</file>
+
+<file path=ppt/notesSlides/notesSlide9.xml><?xml version="1.0" encoding="utf-8"?>
+<p:notes xmlns:a="http://schemas.openxmlformats.org/drawingml/2006/main" xmlns:r="http://schemas.openxmlformats.org/officeDocument/2006/relationships" xmlns:p="http://schemas.openxmlformats.org/presentationml/2006/main">
+  <p:cSld>
+    <p:spTree>
+      <p:nvGrpSpPr>
+        <p:cNvPr id="1" name=""/>
+        <p:cNvGrpSpPr/>
+        <p:nvPr/>
+      </p:nvGrpSpPr>
+      <p:grpSpPr>
+        <a:xfrm>
+          <a:off x="0" y="0"/>
+          <a:ext cx="0" cy="0"/>
+          <a:chOff x="0" y="0"/>
+          <a:chExt cx="0" cy="0"/>
+        </a:xfrm>
+      </p:grpSpPr>
+      <p:sp>
+        <p:nvSpPr>
+          <p:cNvPr id="2" name="Slide Image Placeholder 1"/>
+          <p:cNvSpPr>
+            <a:spLocks noGrp="1" noRot="1" noChangeAspect="1"/>
+          </p:cNvSpPr>
+          <p:nvPr>
+            <p:ph type="sldImg"/>
+          </p:nvPr>
+        </p:nvSpPr>
+        <p:spPr/>
+      </p:sp>
+      <p:sp>
+        <p:nvSpPr>
+          <p:cNvPr id="3" name="Notes Placeholder 2"/>
+          <p:cNvSpPr>
+            <a:spLocks noGrp="1"/>
+          </p:cNvSpPr>
+          <p:nvPr>
+            <p:ph type="body" idx="1"/>
+          </p:nvPr>
+        </p:nvSpPr>
+        <p:spPr/>
+        <p:txBody>
+          <a:bodyPr/>
+          <a:lstStyle/>
+          <a:p>
+            <a:endParaRPr lang="en-BE" dirty="0"/>
+          </a:p>
+        </p:txBody>
+      </p:sp>
+      <p:sp>
+        <p:nvSpPr>
+          <p:cNvPr id="4" name="Slide Number Placeholder 3"/>
+          <p:cNvSpPr>
+            <a:spLocks noGrp="1"/>
+          </p:cNvSpPr>
+          <p:nvPr>
+            <p:ph type="sldNum" sz="quarter" idx="5"/>
+          </p:nvPr>
+        </p:nvSpPr>
+        <p:spPr/>
+        <p:txBody>
+          <a:bodyPr/>
+          <a:lstStyle/>
+          <a:p>
+            <a:fld id="{D97986AC-811D-4C2A-A7DE-A4DD8621F501}" type="slidenum">
+              <a:rPr lang="en-BE" smtClean="0"/>
+              <a:t>11</a:t>
+            </a:fld>
+            <a:endParaRPr lang="en-BE"/>
+          </a:p>
+        </p:txBody>
+      </p:sp>
+    </p:spTree>
+    <p:extLst>
+      <p:ext uri="{BB962C8B-B14F-4D97-AF65-F5344CB8AC3E}">
+        <p14:creationId xmlns:p14="http://schemas.microsoft.com/office/powerpoint/2010/main" val="4280606301"/>
       </p:ext>
     </p:extLst>
   </p:cSld>
@@ -5574,11 +5670,11 @@
           <a:p>
             <a:r>
               <a:rPr lang="en-US" dirty="0"/>
-              <a:t>Azure </a:t>
-            </a:r>
-            <a:r>
-              <a:rPr lang="en-US" dirty="0" err="1"/>
-              <a:t>Iot</a:t>
+              <a:t>Azure Io</a:t>
+            </a:r>
+            <a:r>
+              <a:rPr lang="en-BE" dirty="0"/>
+              <a:t>T</a:t>
             </a:r>
             <a:r>
               <a:rPr lang="en-US" dirty="0"/>
@@ -5657,10 +5753,10 @@
       </p:grpSpPr>
       <p:sp useBgFill="1">
         <p:nvSpPr>
-          <p:cNvPr id="19" name="Rectangle 9">
-            <a:extLst>
-              <a:ext uri="{FF2B5EF4-FFF2-40B4-BE49-F238E27FC236}">
-                <a16:creationId xmlns:a16="http://schemas.microsoft.com/office/drawing/2014/main" id="{D19BB8BE-1351-4D9B-B761-F84A0B5B6519}"/>
+          <p:cNvPr id="22" name="Rectangle 11">
+            <a:extLst>
+              <a:ext uri="{FF2B5EF4-FFF2-40B4-BE49-F238E27FC236}">
+                <a16:creationId xmlns:a16="http://schemas.microsoft.com/office/drawing/2014/main" id="{8761DDFE-071F-4200-B0AA-394476C2D2D6}"/>
               </a:ext>
               <a:ext uri="{C183D7F6-B498-43B3-948B-1728B52AA6E4}">
                 <adec:decorative xmlns:adec="http://schemas.microsoft.com/office/drawing/2017/decorative" val="1"/>
@@ -5720,7 +5816,7 @@
           <p:cNvPr id="2" name="Title 1">
             <a:extLst>
               <a:ext uri="{FF2B5EF4-FFF2-40B4-BE49-F238E27FC236}">
-                <a16:creationId xmlns:a16="http://schemas.microsoft.com/office/drawing/2014/main" id="{F381675C-F77D-8290-3B5E-D8851151A407}"/>
+                <a16:creationId xmlns:a16="http://schemas.microsoft.com/office/drawing/2014/main" id="{11E482C6-C74F-5674-EB9D-1403F11424C4}"/>
               </a:ext>
             </a:extLst>
           </p:cNvPr>
@@ -5733,44 +5829,8 @@
         </p:nvSpPr>
         <p:spPr>
           <a:xfrm>
-            <a:off x="838199" y="573741"/>
-            <a:ext cx="3785554" cy="2199341"/>
-          </a:xfrm>
-        </p:spPr>
-        <p:txBody>
-          <a:bodyPr anchor="b">
-            <a:normAutofit/>
-          </a:bodyPr>
-          <a:lstStyle/>
-          <a:p>
-            <a:r>
-              <a:rPr lang="en-US" sz="4000" dirty="0"/>
-              <a:t>Device Templates</a:t>
-            </a:r>
-            <a:endParaRPr lang="en-BE" sz="4000" dirty="0"/>
-          </a:p>
-        </p:txBody>
-      </p:sp>
-      <p:sp>
-        <p:nvSpPr>
-          <p:cNvPr id="3" name="Content Placeholder 2">
-            <a:extLst>
-              <a:ext uri="{FF2B5EF4-FFF2-40B4-BE49-F238E27FC236}">
-                <a16:creationId xmlns:a16="http://schemas.microsoft.com/office/drawing/2014/main" id="{D23B3223-D4E4-3699-92BA-5B09127F91D5}"/>
-              </a:ext>
-            </a:extLst>
-          </p:cNvPr>
-          <p:cNvSpPr>
-            <a:spLocks noGrp="1"/>
-          </p:cNvSpPr>
-          <p:nvPr>
-            <p:ph idx="1"/>
-          </p:nvPr>
-        </p:nvSpPr>
-        <p:spPr>
-          <a:xfrm>
-            <a:off x="838199" y="2982260"/>
-            <a:ext cx="3748441" cy="3149600"/>
+            <a:off x="838198" y="547815"/>
+            <a:ext cx="5167185" cy="1680519"/>
           </a:xfrm>
         </p:spPr>
         <p:txBody>
@@ -5780,21 +5840,68 @@
           <a:lstStyle/>
           <a:p>
             <a:r>
+              <a:rPr lang="en-US" sz="4000" dirty="0"/>
+              <a:t>Exports</a:t>
+            </a:r>
+            <a:endParaRPr lang="en-BE" sz="4000" dirty="0"/>
+          </a:p>
+        </p:txBody>
+      </p:sp>
+      <p:sp>
+        <p:nvSpPr>
+          <p:cNvPr id="3" name="Content Placeholder 2">
+            <a:extLst>
+              <a:ext uri="{FF2B5EF4-FFF2-40B4-BE49-F238E27FC236}">
+                <a16:creationId xmlns:a16="http://schemas.microsoft.com/office/drawing/2014/main" id="{332A9A9B-3CAE-C615-3A9E-E8D3DF8E8C84}"/>
+              </a:ext>
+            </a:extLst>
+          </p:cNvPr>
+          <p:cNvSpPr>
+            <a:spLocks noGrp="1"/>
+          </p:cNvSpPr>
+          <p:nvPr>
+            <p:ph idx="1"/>
+          </p:nvPr>
+        </p:nvSpPr>
+        <p:spPr>
+          <a:xfrm>
+            <a:off x="6186619" y="547815"/>
+            <a:ext cx="5178960" cy="1680519"/>
+          </a:xfrm>
+        </p:spPr>
+        <p:txBody>
+          <a:bodyPr anchor="ctr">
+            <a:normAutofit/>
+          </a:bodyPr>
+          <a:lstStyle/>
+          <a:p>
+            <a:r>
               <a:rPr lang="en-US" sz="1800" dirty="0"/>
-              <a:t>DTDL</a:t>
+              <a:t>Data streams (telemetry)</a:t>
             </a:r>
           </a:p>
           <a:p>
             <a:r>
               <a:rPr lang="en-US" sz="1800" dirty="0"/>
-              <a:t>Define capabilities</a:t>
-            </a:r>
-          </a:p>
-          <a:p>
-            <a:pPr marL="0" indent="0">
-              <a:buNone/>
-            </a:pPr>
-            <a:endParaRPr lang="en-BE" sz="1800" dirty="0"/>
+              <a:t>IoT Central Events (device created, …)</a:t>
+            </a:r>
+          </a:p>
+          <a:p>
+            <a:r>
+              <a:rPr lang="en-US" sz="1800" dirty="0"/>
+              <a:t>Azure resources</a:t>
+            </a:r>
+          </a:p>
+          <a:p>
+            <a:r>
+              <a:rPr lang="en-US" sz="1800" dirty="0"/>
+              <a:t>Data transformation using </a:t>
+            </a:r>
+            <a:r>
+              <a:rPr lang="en-US" sz="1800" dirty="0" err="1"/>
+              <a:t>jq</a:t>
+            </a:r>
+            <a:endParaRPr lang="en-US" sz="1800" dirty="0"/>
           </a:p>
         </p:txBody>
       </p:sp>
@@ -5803,7 +5910,7 @@
           <p:cNvPr id="5" name="Picture 4">
             <a:extLst>
               <a:ext uri="{FF2B5EF4-FFF2-40B4-BE49-F238E27FC236}">
-                <a16:creationId xmlns:a16="http://schemas.microsoft.com/office/drawing/2014/main" id="{E93E5B45-44D0-9B1E-A63B-8104AD6B72EC}"/>
+                <a16:creationId xmlns:a16="http://schemas.microsoft.com/office/drawing/2014/main" id="{2BA46052-5B5D-65F0-B369-9980F155F25B}"/>
               </a:ext>
             </a:extLst>
           </p:cNvPr>
@@ -5820,8 +5927,38 @@
         </p:blipFill>
         <p:spPr>
           <a:xfrm>
-            <a:off x="4991801" y="2395175"/>
-            <a:ext cx="6362000" cy="2067650"/>
+            <a:off x="838198" y="3392617"/>
+            <a:ext cx="5167185" cy="1769760"/>
+          </a:xfrm>
+          <a:prstGeom prst="rect">
+            <a:avLst/>
+          </a:prstGeom>
+        </p:spPr>
+      </p:pic>
+      <p:pic>
+        <p:nvPicPr>
+          <p:cNvPr id="7" name="Picture 6">
+            <a:extLst>
+              <a:ext uri="{FF2B5EF4-FFF2-40B4-BE49-F238E27FC236}">
+                <a16:creationId xmlns:a16="http://schemas.microsoft.com/office/drawing/2014/main" id="{D55A2D42-EC19-16EF-CFB6-5F0569311158}"/>
+              </a:ext>
+            </a:extLst>
+          </p:cNvPr>
+          <p:cNvPicPr>
+            <a:picLocks noChangeAspect="1"/>
+          </p:cNvPicPr>
+          <p:nvPr/>
+        </p:nvPicPr>
+        <p:blipFill>
+          <a:blip r:embed="rId4"/>
+          <a:stretch>
+            <a:fillRect/>
+          </a:stretch>
+        </p:blipFill>
+        <p:spPr>
+          <a:xfrm>
+            <a:off x="6198394" y="3450748"/>
+            <a:ext cx="5167185" cy="1653498"/>
           </a:xfrm>
           <a:prstGeom prst="rect">
             <a:avLst/>
@@ -5831,7 +5968,7 @@
     </p:spTree>
     <p:extLst>
       <p:ext uri="{BB962C8B-B14F-4D97-AF65-F5344CB8AC3E}">
-        <p14:creationId xmlns:p14="http://schemas.microsoft.com/office/powerpoint/2010/main" val="4288844400"/>
+        <p14:creationId xmlns:p14="http://schemas.microsoft.com/office/powerpoint/2010/main" val="1409963499"/>
       </p:ext>
     </p:extLst>
   </p:cSld>
@@ -5866,258 +6003,6 @@
           <a:chExt cx="0" cy="0"/>
         </a:xfrm>
       </p:grpSpPr>
-      <p:sp useBgFill="1">
-        <p:nvSpPr>
-          <p:cNvPr id="22" name="Rectangle 11">
-            <a:extLst>
-              <a:ext uri="{FF2B5EF4-FFF2-40B4-BE49-F238E27FC236}">
-                <a16:creationId xmlns:a16="http://schemas.microsoft.com/office/drawing/2014/main" id="{8761DDFE-071F-4200-B0AA-394476C2D2D6}"/>
-              </a:ext>
-              <a:ext uri="{C183D7F6-B498-43B3-948B-1728B52AA6E4}">
-                <adec:decorative xmlns:adec="http://schemas.microsoft.com/office/drawing/2017/decorative" val="1"/>
-              </a:ext>
-            </a:extLst>
-          </p:cNvPr>
-          <p:cNvSpPr>
-            <a:spLocks noGrp="1" noRot="1" noChangeAspect="1" noMove="1" noResize="1" noEditPoints="1" noAdjustHandles="1" noChangeArrowheads="1" noChangeShapeType="1" noTextEdit="1"/>
-          </p:cNvSpPr>
-          <p:nvPr>
-            <p:extLst>
-              <p:ext uri="{386F3935-93C4-4BCD-93E2-E3B085C9AB24}">
-                <p16:designElem xmlns:p16="http://schemas.microsoft.com/office/powerpoint/2015/main" val="1"/>
-              </p:ext>
-            </p:extLst>
-          </p:nvPr>
-        </p:nvSpPr>
-        <p:spPr>
-          <a:xfrm>
-            <a:off x="-1" y="0"/>
-            <a:ext cx="12188952" cy="6858000"/>
-          </a:xfrm>
-          <a:prstGeom prst="rect">
-            <a:avLst/>
-          </a:prstGeom>
-          <a:ln>
-            <a:noFill/>
-          </a:ln>
-        </p:spPr>
-        <p:style>
-          <a:lnRef idx="2">
-            <a:schemeClr val="accent1">
-              <a:shade val="50000"/>
-            </a:schemeClr>
-          </a:lnRef>
-          <a:fillRef idx="1">
-            <a:schemeClr val="accent1"/>
-          </a:fillRef>
-          <a:effectRef idx="0">
-            <a:schemeClr val="accent1"/>
-          </a:effectRef>
-          <a:fontRef idx="minor">
-            <a:schemeClr val="lt1"/>
-          </a:fontRef>
-        </p:style>
-        <p:txBody>
-          <a:bodyPr rtlCol="0" anchor="ctr"/>
-          <a:lstStyle/>
-          <a:p>
-            <a:pPr algn="ctr"/>
-            <a:endParaRPr lang="en-US"/>
-          </a:p>
-        </p:txBody>
-      </p:sp>
-      <p:sp>
-        <p:nvSpPr>
-          <p:cNvPr id="2" name="Title 1">
-            <a:extLst>
-              <a:ext uri="{FF2B5EF4-FFF2-40B4-BE49-F238E27FC236}">
-                <a16:creationId xmlns:a16="http://schemas.microsoft.com/office/drawing/2014/main" id="{11E482C6-C74F-5674-EB9D-1403F11424C4}"/>
-              </a:ext>
-            </a:extLst>
-          </p:cNvPr>
-          <p:cNvSpPr>
-            <a:spLocks noGrp="1"/>
-          </p:cNvSpPr>
-          <p:nvPr>
-            <p:ph type="title"/>
-          </p:nvPr>
-        </p:nvSpPr>
-        <p:spPr>
-          <a:xfrm>
-            <a:off x="838198" y="547815"/>
-            <a:ext cx="5167185" cy="1680519"/>
-          </a:xfrm>
-        </p:spPr>
-        <p:txBody>
-          <a:bodyPr>
-            <a:normAutofit/>
-          </a:bodyPr>
-          <a:lstStyle/>
-          <a:p>
-            <a:r>
-              <a:rPr lang="en-US" sz="4000" dirty="0"/>
-              <a:t>Exports</a:t>
-            </a:r>
-            <a:endParaRPr lang="en-BE" sz="4000" dirty="0"/>
-          </a:p>
-        </p:txBody>
-      </p:sp>
-      <p:sp>
-        <p:nvSpPr>
-          <p:cNvPr id="3" name="Content Placeholder 2">
-            <a:extLst>
-              <a:ext uri="{FF2B5EF4-FFF2-40B4-BE49-F238E27FC236}">
-                <a16:creationId xmlns:a16="http://schemas.microsoft.com/office/drawing/2014/main" id="{332A9A9B-3CAE-C615-3A9E-E8D3DF8E8C84}"/>
-              </a:ext>
-            </a:extLst>
-          </p:cNvPr>
-          <p:cNvSpPr>
-            <a:spLocks noGrp="1"/>
-          </p:cNvSpPr>
-          <p:nvPr>
-            <p:ph idx="1"/>
-          </p:nvPr>
-        </p:nvSpPr>
-        <p:spPr>
-          <a:xfrm>
-            <a:off x="6186619" y="547815"/>
-            <a:ext cx="5178960" cy="1680519"/>
-          </a:xfrm>
-        </p:spPr>
-        <p:txBody>
-          <a:bodyPr anchor="ctr">
-            <a:normAutofit/>
-          </a:bodyPr>
-          <a:lstStyle/>
-          <a:p>
-            <a:r>
-              <a:rPr lang="en-US" sz="1800" dirty="0"/>
-              <a:t>Data streams (telemetry)</a:t>
-            </a:r>
-          </a:p>
-          <a:p>
-            <a:r>
-              <a:rPr lang="en-US" sz="1800" dirty="0"/>
-              <a:t>IoT Central Events (device created, …)</a:t>
-            </a:r>
-          </a:p>
-          <a:p>
-            <a:r>
-              <a:rPr lang="en-US" sz="1800" dirty="0"/>
-              <a:t>Azure resources</a:t>
-            </a:r>
-          </a:p>
-          <a:p>
-            <a:r>
-              <a:rPr lang="en-US" sz="1800" dirty="0"/>
-              <a:t>Data transformation using </a:t>
-            </a:r>
-            <a:r>
-              <a:rPr lang="en-US" sz="1800" dirty="0" err="1"/>
-              <a:t>jq</a:t>
-            </a:r>
-            <a:endParaRPr lang="en-US" sz="1800" dirty="0"/>
-          </a:p>
-        </p:txBody>
-      </p:sp>
-      <p:pic>
-        <p:nvPicPr>
-          <p:cNvPr id="5" name="Picture 4">
-            <a:extLst>
-              <a:ext uri="{FF2B5EF4-FFF2-40B4-BE49-F238E27FC236}">
-                <a16:creationId xmlns:a16="http://schemas.microsoft.com/office/drawing/2014/main" id="{2BA46052-5B5D-65F0-B369-9980F155F25B}"/>
-              </a:ext>
-            </a:extLst>
-          </p:cNvPr>
-          <p:cNvPicPr>
-            <a:picLocks noChangeAspect="1"/>
-          </p:cNvPicPr>
-          <p:nvPr/>
-        </p:nvPicPr>
-        <p:blipFill>
-          <a:blip r:embed="rId2"/>
-          <a:stretch>
-            <a:fillRect/>
-          </a:stretch>
-        </p:blipFill>
-        <p:spPr>
-          <a:xfrm>
-            <a:off x="838198" y="3392617"/>
-            <a:ext cx="5167185" cy="1769760"/>
-          </a:xfrm>
-          <a:prstGeom prst="rect">
-            <a:avLst/>
-          </a:prstGeom>
-        </p:spPr>
-      </p:pic>
-      <p:pic>
-        <p:nvPicPr>
-          <p:cNvPr id="7" name="Picture 6">
-            <a:extLst>
-              <a:ext uri="{FF2B5EF4-FFF2-40B4-BE49-F238E27FC236}">
-                <a16:creationId xmlns:a16="http://schemas.microsoft.com/office/drawing/2014/main" id="{D55A2D42-EC19-16EF-CFB6-5F0569311158}"/>
-              </a:ext>
-            </a:extLst>
-          </p:cNvPr>
-          <p:cNvPicPr>
-            <a:picLocks noChangeAspect="1"/>
-          </p:cNvPicPr>
-          <p:nvPr/>
-        </p:nvPicPr>
-        <p:blipFill>
-          <a:blip r:embed="rId3"/>
-          <a:stretch>
-            <a:fillRect/>
-          </a:stretch>
-        </p:blipFill>
-        <p:spPr>
-          <a:xfrm>
-            <a:off x="6198394" y="3450748"/>
-            <a:ext cx="5167185" cy="1653498"/>
-          </a:xfrm>
-          <a:prstGeom prst="rect">
-            <a:avLst/>
-          </a:prstGeom>
-        </p:spPr>
-      </p:pic>
-    </p:spTree>
-    <p:extLst>
-      <p:ext uri="{BB962C8B-B14F-4D97-AF65-F5344CB8AC3E}">
-        <p14:creationId xmlns:p14="http://schemas.microsoft.com/office/powerpoint/2010/main" val="1409963499"/>
-      </p:ext>
-    </p:extLst>
-  </p:cSld>
-  <p:clrMapOvr>
-    <a:masterClrMapping/>
-  </p:clrMapOvr>
-</p:sld>
-</file>
-
-<file path=ppt/slides/slide12.xml><?xml version="1.0" encoding="utf-8"?>
-<p:sld xmlns:a="http://schemas.openxmlformats.org/drawingml/2006/main" xmlns:r="http://schemas.openxmlformats.org/officeDocument/2006/relationships" xmlns:p="http://schemas.openxmlformats.org/presentationml/2006/main">
-  <p:cSld>
-    <p:bg>
-      <p:bgPr>
-        <a:solidFill>
-          <a:schemeClr val="bg1"/>
-        </a:solidFill>
-        <a:effectLst/>
-      </p:bgPr>
-    </p:bg>
-    <p:spTree>
-      <p:nvGrpSpPr>
-        <p:cNvPr id="1" name=""/>
-        <p:cNvGrpSpPr/>
-        <p:nvPr/>
-      </p:nvGrpSpPr>
-      <p:grpSpPr>
-        <a:xfrm>
-          <a:off x="0" y="0"/>
-          <a:ext cx="0" cy="0"/>
-          <a:chOff x="0" y="0"/>
-          <a:chExt cx="0" cy="0"/>
-        </a:xfrm>
-      </p:grpSpPr>
       <p:sp>
         <p:nvSpPr>
           <p:cNvPr id="2" name="Title 1">
@@ -6195,7 +6080,7 @@
           <p:nvPr/>
         </p:nvPicPr>
         <p:blipFill>
-          <a:blip r:embed="rId2"/>
+          <a:blip r:embed="rId3"/>
           <a:stretch>
             <a:fillRect/>
           </a:stretch>
@@ -7319,10 +7204,10 @@
       </p:grpSpPr>
       <p:sp useBgFill="1">
         <p:nvSpPr>
-          <p:cNvPr id="10" name="Rectangle 9">
-            <a:extLst>
-              <a:ext uri="{FF2B5EF4-FFF2-40B4-BE49-F238E27FC236}">
-                <a16:creationId xmlns:a16="http://schemas.microsoft.com/office/drawing/2014/main" id="{9427AF5F-9A0E-42B7-A252-FD64C9885F9C}"/>
+          <p:cNvPr id="19" name="Rectangle 9">
+            <a:extLst>
+              <a:ext uri="{FF2B5EF4-FFF2-40B4-BE49-F238E27FC236}">
+                <a16:creationId xmlns:a16="http://schemas.microsoft.com/office/drawing/2014/main" id="{D19BB8BE-1351-4D9B-B761-F84A0B5B6519}"/>
               </a:ext>
               <a:ext uri="{C183D7F6-B498-43B3-948B-1728B52AA6E4}">
                 <adec:decorative xmlns:adec="http://schemas.microsoft.com/office/drawing/2017/decorative" val="1"/>
@@ -7382,6 +7267,217 @@
           <p:cNvPr id="2" name="Title 1">
             <a:extLst>
               <a:ext uri="{FF2B5EF4-FFF2-40B4-BE49-F238E27FC236}">
+                <a16:creationId xmlns:a16="http://schemas.microsoft.com/office/drawing/2014/main" id="{F381675C-F77D-8290-3B5E-D8851151A407}"/>
+              </a:ext>
+            </a:extLst>
+          </p:cNvPr>
+          <p:cNvSpPr>
+            <a:spLocks noGrp="1"/>
+          </p:cNvSpPr>
+          <p:nvPr>
+            <p:ph type="title"/>
+          </p:nvPr>
+        </p:nvSpPr>
+        <p:spPr>
+          <a:xfrm>
+            <a:off x="838199" y="573741"/>
+            <a:ext cx="3785554" cy="2199341"/>
+          </a:xfrm>
+        </p:spPr>
+        <p:txBody>
+          <a:bodyPr anchor="b">
+            <a:normAutofit/>
+          </a:bodyPr>
+          <a:lstStyle/>
+          <a:p>
+            <a:r>
+              <a:rPr lang="en-US" sz="4000" dirty="0"/>
+              <a:t>Device Templates</a:t>
+            </a:r>
+            <a:endParaRPr lang="en-BE" sz="4000" dirty="0"/>
+          </a:p>
+        </p:txBody>
+      </p:sp>
+      <p:sp>
+        <p:nvSpPr>
+          <p:cNvPr id="3" name="Content Placeholder 2">
+            <a:extLst>
+              <a:ext uri="{FF2B5EF4-FFF2-40B4-BE49-F238E27FC236}">
+                <a16:creationId xmlns:a16="http://schemas.microsoft.com/office/drawing/2014/main" id="{D23B3223-D4E4-3699-92BA-5B09127F91D5}"/>
+              </a:ext>
+            </a:extLst>
+          </p:cNvPr>
+          <p:cNvSpPr>
+            <a:spLocks noGrp="1"/>
+          </p:cNvSpPr>
+          <p:nvPr>
+            <p:ph idx="1"/>
+          </p:nvPr>
+        </p:nvSpPr>
+        <p:spPr>
+          <a:xfrm>
+            <a:off x="838199" y="2982260"/>
+            <a:ext cx="3748441" cy="3149600"/>
+          </a:xfrm>
+        </p:spPr>
+        <p:txBody>
+          <a:bodyPr>
+            <a:normAutofit/>
+          </a:bodyPr>
+          <a:lstStyle/>
+          <a:p>
+            <a:r>
+              <a:rPr lang="en-US" sz="1800" dirty="0"/>
+              <a:t>DTDL</a:t>
+            </a:r>
+          </a:p>
+          <a:p>
+            <a:r>
+              <a:rPr lang="en-US" sz="1800" dirty="0"/>
+              <a:t>Define capabilities</a:t>
+            </a:r>
+          </a:p>
+          <a:p>
+            <a:pPr marL="0" indent="0">
+              <a:buNone/>
+            </a:pPr>
+            <a:endParaRPr lang="en-BE" sz="1800" dirty="0"/>
+          </a:p>
+        </p:txBody>
+      </p:sp>
+      <p:pic>
+        <p:nvPicPr>
+          <p:cNvPr id="5" name="Picture 4">
+            <a:extLst>
+              <a:ext uri="{FF2B5EF4-FFF2-40B4-BE49-F238E27FC236}">
+                <a16:creationId xmlns:a16="http://schemas.microsoft.com/office/drawing/2014/main" id="{E93E5B45-44D0-9B1E-A63B-8104AD6B72EC}"/>
+              </a:ext>
+            </a:extLst>
+          </p:cNvPr>
+          <p:cNvPicPr>
+            <a:picLocks noChangeAspect="1"/>
+          </p:cNvPicPr>
+          <p:nvPr/>
+        </p:nvPicPr>
+        <p:blipFill>
+          <a:blip r:embed="rId3"/>
+          <a:stretch>
+            <a:fillRect/>
+          </a:stretch>
+        </p:blipFill>
+        <p:spPr>
+          <a:xfrm>
+            <a:off x="4991801" y="2395175"/>
+            <a:ext cx="6362000" cy="2067650"/>
+          </a:xfrm>
+          <a:prstGeom prst="rect">
+            <a:avLst/>
+          </a:prstGeom>
+        </p:spPr>
+      </p:pic>
+    </p:spTree>
+    <p:extLst>
+      <p:ext uri="{BB962C8B-B14F-4D97-AF65-F5344CB8AC3E}">
+        <p14:creationId xmlns:p14="http://schemas.microsoft.com/office/powerpoint/2010/main" val="4288844400"/>
+      </p:ext>
+    </p:extLst>
+  </p:cSld>
+  <p:clrMapOvr>
+    <a:masterClrMapping/>
+  </p:clrMapOvr>
+</p:sld>
+</file>
+
+<file path=ppt/slides/slide7.xml><?xml version="1.0" encoding="utf-8"?>
+<p:sld xmlns:a="http://schemas.openxmlformats.org/drawingml/2006/main" xmlns:r="http://schemas.openxmlformats.org/officeDocument/2006/relationships" xmlns:p="http://schemas.openxmlformats.org/presentationml/2006/main">
+  <p:cSld>
+    <p:bg>
+      <p:bgPr>
+        <a:solidFill>
+          <a:schemeClr val="bg1"/>
+        </a:solidFill>
+        <a:effectLst/>
+      </p:bgPr>
+    </p:bg>
+    <p:spTree>
+      <p:nvGrpSpPr>
+        <p:cNvPr id="1" name=""/>
+        <p:cNvGrpSpPr/>
+        <p:nvPr/>
+      </p:nvGrpSpPr>
+      <p:grpSpPr>
+        <a:xfrm>
+          <a:off x="0" y="0"/>
+          <a:ext cx="0" cy="0"/>
+          <a:chOff x="0" y="0"/>
+          <a:chExt cx="0" cy="0"/>
+        </a:xfrm>
+      </p:grpSpPr>
+      <p:sp useBgFill="1">
+        <p:nvSpPr>
+          <p:cNvPr id="10" name="Rectangle 9">
+            <a:extLst>
+              <a:ext uri="{FF2B5EF4-FFF2-40B4-BE49-F238E27FC236}">
+                <a16:creationId xmlns:a16="http://schemas.microsoft.com/office/drawing/2014/main" id="{9427AF5F-9A0E-42B7-A252-FD64C9885F9C}"/>
+              </a:ext>
+              <a:ext uri="{C183D7F6-B498-43B3-948B-1728B52AA6E4}">
+                <adec:decorative xmlns:adec="http://schemas.microsoft.com/office/drawing/2017/decorative" val="1"/>
+              </a:ext>
+            </a:extLst>
+          </p:cNvPr>
+          <p:cNvSpPr>
+            <a:spLocks noGrp="1" noRot="1" noChangeAspect="1" noMove="1" noResize="1" noEditPoints="1" noAdjustHandles="1" noChangeArrowheads="1" noChangeShapeType="1" noTextEdit="1"/>
+          </p:cNvSpPr>
+          <p:nvPr>
+            <p:extLst>
+              <p:ext uri="{386F3935-93C4-4BCD-93E2-E3B085C9AB24}">
+                <p16:designElem xmlns:p16="http://schemas.microsoft.com/office/powerpoint/2015/main" val="1"/>
+              </p:ext>
+            </p:extLst>
+          </p:nvPr>
+        </p:nvSpPr>
+        <p:spPr>
+          <a:xfrm>
+            <a:off x="-1" y="0"/>
+            <a:ext cx="12188952" cy="6858000"/>
+          </a:xfrm>
+          <a:prstGeom prst="rect">
+            <a:avLst/>
+          </a:prstGeom>
+          <a:ln>
+            <a:noFill/>
+          </a:ln>
+        </p:spPr>
+        <p:style>
+          <a:lnRef idx="2">
+            <a:schemeClr val="accent1">
+              <a:shade val="50000"/>
+            </a:schemeClr>
+          </a:lnRef>
+          <a:fillRef idx="1">
+            <a:schemeClr val="accent1"/>
+          </a:fillRef>
+          <a:effectRef idx="0">
+            <a:schemeClr val="accent1"/>
+          </a:effectRef>
+          <a:fontRef idx="minor">
+            <a:schemeClr val="lt1"/>
+          </a:fontRef>
+        </p:style>
+        <p:txBody>
+          <a:bodyPr rtlCol="0" anchor="ctr"/>
+          <a:lstStyle/>
+          <a:p>
+            <a:pPr algn="ctr"/>
+            <a:endParaRPr lang="en-US"/>
+          </a:p>
+        </p:txBody>
+      </p:sp>
+      <p:sp>
+        <p:nvSpPr>
+          <p:cNvPr id="2" name="Title 1">
+            <a:extLst>
+              <a:ext uri="{FF2B5EF4-FFF2-40B4-BE49-F238E27FC236}">
                 <a16:creationId xmlns:a16="http://schemas.microsoft.com/office/drawing/2014/main" id="{A5132B9E-4C7C-3908-DDCB-0A8D76819D68}"/>
               </a:ext>
             </a:extLst>
@@ -7443,12 +7539,6 @@
           <a:p>
             <a:r>
               <a:rPr lang="en-US" sz="1800" dirty="0"/>
-              <a:t>IoT Device &amp; IoT Edge Device</a:t>
-            </a:r>
-          </a:p>
-          <a:p>
-            <a:r>
-              <a:rPr lang="en-US" sz="1800" dirty="0"/>
               <a:t>Setup &amp; maintain devices</a:t>
             </a:r>
           </a:p>
@@ -7458,6 +7548,12 @@
               <a:t>Device groups</a:t>
             </a:r>
             <a:endParaRPr lang="en-BE" sz="1800" dirty="0"/>
+          </a:p>
+          <a:p>
+            <a:r>
+              <a:rPr lang="en-US" sz="1800" dirty="0"/>
+              <a:t>IoT Device &amp; IoT Edge Device</a:t>
+            </a:r>
           </a:p>
         </p:txBody>
       </p:sp>
@@ -7503,7 +7599,7 @@
 </p:sld>
 </file>
 
-<file path=ppt/slides/slide7.xml><?xml version="1.0" encoding="utf-8"?>
+<file path=ppt/slides/slide8.xml><?xml version="1.0" encoding="utf-8"?>
 <p:sld xmlns:a="http://schemas.openxmlformats.org/drawingml/2006/main" xmlns:r="http://schemas.openxmlformats.org/officeDocument/2006/relationships" xmlns:p="http://schemas.openxmlformats.org/presentationml/2006/main">
   <p:cSld>
     <p:spTree>
@@ -7594,7 +7690,7 @@
 </p:sld>
 </file>
 
-<file path=ppt/slides/slide8.xml><?xml version="1.0" encoding="utf-8"?>
+<file path=ppt/slides/slide9.xml><?xml version="1.0" encoding="utf-8"?>
 <p:sld xmlns:a="http://schemas.openxmlformats.org/drawingml/2006/main" xmlns:r="http://schemas.openxmlformats.org/officeDocument/2006/relationships" xmlns:p="http://schemas.openxmlformats.org/presentationml/2006/main">
   <p:cSld>
     <p:bg>
@@ -7787,192 +7883,6 @@
     <p:extLst>
       <p:ext uri="{BB962C8B-B14F-4D97-AF65-F5344CB8AC3E}">
         <p14:creationId xmlns:p14="http://schemas.microsoft.com/office/powerpoint/2010/main" val="408470976"/>
-      </p:ext>
-    </p:extLst>
-  </p:cSld>
-  <p:clrMapOvr>
-    <a:masterClrMapping/>
-  </p:clrMapOvr>
-</p:sld>
-</file>
-
-<file path=ppt/slides/slide9.xml><?xml version="1.0" encoding="utf-8"?>
-<p:sld xmlns:a="http://schemas.openxmlformats.org/drawingml/2006/main" xmlns:r="http://schemas.openxmlformats.org/officeDocument/2006/relationships" xmlns:p="http://schemas.openxmlformats.org/presentationml/2006/main">
-  <p:cSld>
-    <p:bg>
-      <p:bgPr>
-        <a:solidFill>
-          <a:schemeClr val="bg1"/>
-        </a:solidFill>
-        <a:effectLst/>
-      </p:bgPr>
-    </p:bg>
-    <p:spTree>
-      <p:nvGrpSpPr>
-        <p:cNvPr id="1" name=""/>
-        <p:cNvGrpSpPr/>
-        <p:nvPr/>
-      </p:nvGrpSpPr>
-      <p:grpSpPr>
-        <a:xfrm>
-          <a:off x="0" y="0"/>
-          <a:ext cx="0" cy="0"/>
-          <a:chOff x="0" y="0"/>
-          <a:chExt cx="0" cy="0"/>
-        </a:xfrm>
-      </p:grpSpPr>
-      <p:sp useBgFill="1">
-        <p:nvSpPr>
-          <p:cNvPr id="1036" name="Rectangle 1035">
-            <a:extLst>
-              <a:ext uri="{FF2B5EF4-FFF2-40B4-BE49-F238E27FC236}">
-                <a16:creationId xmlns:a16="http://schemas.microsoft.com/office/drawing/2014/main" id="{53F29798-D584-4792-9B62-3F5F5C36D619}"/>
-              </a:ext>
-              <a:ext uri="{C183D7F6-B498-43B3-948B-1728B52AA6E4}">
-                <adec:decorative xmlns:adec="http://schemas.microsoft.com/office/drawing/2017/decorative" val="1"/>
-              </a:ext>
-            </a:extLst>
-          </p:cNvPr>
-          <p:cNvSpPr>
-            <a:spLocks noGrp="1" noRot="1" noChangeAspect="1" noMove="1" noResize="1" noEditPoints="1" noAdjustHandles="1" noChangeArrowheads="1" noChangeShapeType="1" noTextEdit="1"/>
-          </p:cNvSpPr>
-          <p:nvPr>
-            <p:extLst>
-              <p:ext uri="{386F3935-93C4-4BCD-93E2-E3B085C9AB24}">
-                <p16:designElem xmlns:p16="http://schemas.microsoft.com/office/powerpoint/2015/main" val="1"/>
-              </p:ext>
-            </p:extLst>
-          </p:nvPr>
-        </p:nvSpPr>
-        <p:spPr>
-          <a:xfrm>
-            <a:off x="0" y="0"/>
-            <a:ext cx="12188952" cy="6858000"/>
-          </a:xfrm>
-          <a:prstGeom prst="rect">
-            <a:avLst/>
-          </a:prstGeom>
-          <a:ln>
-            <a:noFill/>
-          </a:ln>
-        </p:spPr>
-        <p:style>
-          <a:lnRef idx="2">
-            <a:schemeClr val="accent1">
-              <a:shade val="50000"/>
-            </a:schemeClr>
-          </a:lnRef>
-          <a:fillRef idx="1">
-            <a:schemeClr val="accent1"/>
-          </a:fillRef>
-          <a:effectRef idx="0">
-            <a:schemeClr val="accent1"/>
-          </a:effectRef>
-          <a:fontRef idx="minor">
-            <a:schemeClr val="lt1"/>
-          </a:fontRef>
-        </p:style>
-        <p:txBody>
-          <a:bodyPr rtlCol="0" anchor="ctr"/>
-          <a:lstStyle/>
-          <a:p>
-            <a:pPr algn="ctr"/>
-            <a:endParaRPr lang="en-US"/>
-          </a:p>
-        </p:txBody>
-      </p:sp>
-      <p:sp>
-        <p:nvSpPr>
-          <p:cNvPr id="2" name="Title 1">
-            <a:extLst>
-              <a:ext uri="{FF2B5EF4-FFF2-40B4-BE49-F238E27FC236}">
-                <a16:creationId xmlns:a16="http://schemas.microsoft.com/office/drawing/2014/main" id="{2F305125-5EC8-C509-7E9E-41B2EF7AE5E7}"/>
-              </a:ext>
-            </a:extLst>
-          </p:cNvPr>
-          <p:cNvSpPr>
-            <a:spLocks noGrp="1"/>
-          </p:cNvSpPr>
-          <p:nvPr>
-            <p:ph type="title"/>
-          </p:nvPr>
-        </p:nvSpPr>
-        <p:spPr>
-          <a:xfrm>
-            <a:off x="838200" y="184805"/>
-            <a:ext cx="10515600" cy="1505883"/>
-          </a:xfrm>
-        </p:spPr>
-        <p:txBody>
-          <a:bodyPr vert="horz" lIns="91440" tIns="45720" rIns="91440" bIns="45720" rtlCol="0" anchor="ctr">
-            <a:normAutofit/>
-          </a:bodyPr>
-          <a:lstStyle/>
-          <a:p>
-            <a:r>
-              <a:rPr lang="en-US" sz="4000" kern="1200" dirty="0">
-                <a:solidFill>
-                  <a:schemeClr val="tx1"/>
-                </a:solidFill>
-                <a:latin typeface="+mj-lt"/>
-                <a:ea typeface="+mj-ea"/>
-                <a:cs typeface="+mj-cs"/>
-              </a:rPr>
-              <a:t>Device Provisioning &amp; Load Balancing </a:t>
-            </a:r>
-          </a:p>
-        </p:txBody>
-      </p:sp>
-      <p:pic>
-        <p:nvPicPr>
-          <p:cNvPr id="1026" name="Picture 2" descr="Overview of Azure IoT Hub Device Provisioning Service | Microsoft Learn">
-            <a:extLst>
-              <a:ext uri="{FF2B5EF4-FFF2-40B4-BE49-F238E27FC236}">
-                <a16:creationId xmlns:a16="http://schemas.microsoft.com/office/drawing/2014/main" id="{A9E5D3F2-470D-C1BB-17FA-753BBEB283F6}"/>
-              </a:ext>
-            </a:extLst>
-          </p:cNvPr>
-          <p:cNvPicPr>
-            <a:picLocks noChangeAspect="1" noChangeArrowheads="1"/>
-          </p:cNvPicPr>
-          <p:nvPr/>
-        </p:nvPicPr>
-        <p:blipFill>
-          <a:blip r:embed="rId3">
-            <a:extLst>
-              <a:ext uri="{28A0092B-C50C-407E-A947-70E740481C1C}">
-                <a14:useLocalDpi xmlns:a14="http://schemas.microsoft.com/office/drawing/2010/main" val="0"/>
-              </a:ext>
-            </a:extLst>
-          </a:blip>
-          <a:stretch>
-            <a:fillRect/>
-          </a:stretch>
-        </p:blipFill>
-        <p:spPr bwMode="auto">
-          <a:xfrm>
-            <a:off x="1283333" y="1845426"/>
-            <a:ext cx="9622281" cy="4450303"/>
-          </a:xfrm>
-          <a:prstGeom prst="rect">
-            <a:avLst/>
-          </a:prstGeom>
-          <a:noFill/>
-          <a:extLst>
-            <a:ext uri="{909E8E84-426E-40DD-AFC4-6F175D3DCCD1}">
-              <a14:hiddenFill xmlns:a14="http://schemas.microsoft.com/office/drawing/2010/main">
-                <a:solidFill>
-                  <a:srgbClr val="FFFFFF"/>
-                </a:solidFill>
-              </a14:hiddenFill>
-            </a:ext>
-          </a:extLst>
-        </p:spPr>
-      </p:pic>
-    </p:spTree>
-    <p:extLst>
-      <p:ext uri="{BB962C8B-B14F-4D97-AF65-F5344CB8AC3E}">
-        <p14:creationId xmlns:p14="http://schemas.microsoft.com/office/powerpoint/2010/main" val="3850522772"/>
       </p:ext>
     </p:extLst>
   </p:cSld>

--- a/.ppt/Azure Iot Central.pptx
+++ b/.ppt/Azure Iot Central.pptx
@@ -5,20 +5,21 @@
     <p:sldMasterId id="2147483648" r:id="rId4"/>
   </p:sldMasterIdLst>
   <p:notesMasterIdLst>
-    <p:notesMasterId r:id="rId16"/>
+    <p:notesMasterId r:id="rId17"/>
   </p:notesMasterIdLst>
   <p:sldIdLst>
     <p:sldId id="256" r:id="rId5"/>
     <p:sldId id="257" r:id="rId6"/>
-    <p:sldId id="258" r:id="rId7"/>
-    <p:sldId id="259" r:id="rId8"/>
-    <p:sldId id="260" r:id="rId9"/>
-    <p:sldId id="263" r:id="rId10"/>
-    <p:sldId id="262" r:id="rId11"/>
-    <p:sldId id="265" r:id="rId12"/>
-    <p:sldId id="266" r:id="rId13"/>
-    <p:sldId id="264" r:id="rId14"/>
-    <p:sldId id="261" r:id="rId15"/>
+    <p:sldId id="267" r:id="rId7"/>
+    <p:sldId id="258" r:id="rId8"/>
+    <p:sldId id="259" r:id="rId9"/>
+    <p:sldId id="260" r:id="rId10"/>
+    <p:sldId id="263" r:id="rId11"/>
+    <p:sldId id="262" r:id="rId12"/>
+    <p:sldId id="265" r:id="rId13"/>
+    <p:sldId id="266" r:id="rId14"/>
+    <p:sldId id="264" r:id="rId15"/>
+    <p:sldId id="261" r:id="rId16"/>
   </p:sldIdLst>
   <p:sldSz cx="12192000" cy="6858000"/>
   <p:notesSz cx="6858000" cy="9144000"/>
@@ -1106,56 +1107,8 @@
           <a:lstStyle/>
           <a:p>
             <a:r>
-              <a:rPr lang="en-US" dirty="0"/>
-              <a:t>- Generate device </a:t>
-            </a:r>
-          </a:p>
-          <a:p>
-            <a:r>
-              <a:rPr lang="en-US" dirty="0"/>
-              <a:t>- </a:t>
-            </a:r>
-            <a:r>
-              <a:rPr lang="en-US" dirty="0" err="1"/>
-              <a:t>beheeren</a:t>
-            </a:r>
-            <a:r>
-              <a:rPr lang="en-US" dirty="0"/>
-              <a:t> in </a:t>
-            </a:r>
-            <a:r>
-              <a:rPr lang="en-US" dirty="0" err="1"/>
-              <a:t>groepen</a:t>
-            </a:r>
-            <a:endParaRPr lang="en-US" dirty="0"/>
-          </a:p>
-          <a:p>
-            <a:r>
-              <a:rPr lang="en-US" dirty="0"/>
-              <a:t>- </a:t>
-            </a:r>
-            <a:r>
-              <a:rPr lang="en-US" dirty="0" err="1"/>
-              <a:t>plaatsen</a:t>
-            </a:r>
-            <a:r>
-              <a:rPr lang="en-US" dirty="0"/>
-              <a:t> onder </a:t>
-            </a:r>
-            <a:r>
-              <a:rPr lang="en-US" dirty="0" err="1"/>
-              <a:t>organisaties</a:t>
-            </a:r>
-            <a:endParaRPr lang="en-US" dirty="0"/>
-          </a:p>
-          <a:p>
-            <a:r>
-              <a:rPr lang="en-US" dirty="0"/>
-              <a:t>- device templates </a:t>
-            </a:r>
-            <a:r>
-              <a:rPr lang="en-US" dirty="0" err="1"/>
-              <a:t>aanmaken</a:t>
+              <a:rPr lang="en-BE" dirty="0" err="1"/>
+              <a:t>korter</a:t>
             </a:r>
             <a:endParaRPr lang="en-BE" dirty="0"/>
           </a:p>
@@ -1178,7 +1131,7 @@
           <a:p>
             <a:fld id="{D97986AC-811D-4C2A-A7DE-A4DD8621F501}" type="slidenum">
               <a:rPr lang="en-BE" smtClean="0"/>
-              <a:t>3</a:t>
+              <a:t>2</a:t>
             </a:fld>
             <a:endParaRPr lang="en-BE"/>
           </a:p>
@@ -1187,7 +1140,91 @@
     </p:spTree>
     <p:extLst>
       <p:ext uri="{BB962C8B-B14F-4D97-AF65-F5344CB8AC3E}">
-        <p14:creationId xmlns:p14="http://schemas.microsoft.com/office/powerpoint/2010/main" val="231646054"/>
+        <p14:creationId xmlns:p14="http://schemas.microsoft.com/office/powerpoint/2010/main" val="291973147"/>
+      </p:ext>
+    </p:extLst>
+  </p:cSld>
+  <p:clrMapOvr>
+    <a:masterClrMapping/>
+  </p:clrMapOvr>
+</p:notes>
+</file>
+
+<file path=ppt/notesSlides/notesSlide10.xml><?xml version="1.0" encoding="utf-8"?>
+<p:notes xmlns:a="http://schemas.openxmlformats.org/drawingml/2006/main" xmlns:r="http://schemas.openxmlformats.org/officeDocument/2006/relationships" xmlns:p="http://schemas.openxmlformats.org/presentationml/2006/main">
+  <p:cSld>
+    <p:spTree>
+      <p:nvGrpSpPr>
+        <p:cNvPr id="1" name=""/>
+        <p:cNvGrpSpPr/>
+        <p:nvPr/>
+      </p:nvGrpSpPr>
+      <p:grpSpPr>
+        <a:xfrm>
+          <a:off x="0" y="0"/>
+          <a:ext cx="0" cy="0"/>
+          <a:chOff x="0" y="0"/>
+          <a:chExt cx="0" cy="0"/>
+        </a:xfrm>
+      </p:grpSpPr>
+      <p:sp>
+        <p:nvSpPr>
+          <p:cNvPr id="2" name="Slide Image Placeholder 1"/>
+          <p:cNvSpPr>
+            <a:spLocks noGrp="1" noRot="1" noChangeAspect="1"/>
+          </p:cNvSpPr>
+          <p:nvPr>
+            <p:ph type="sldImg"/>
+          </p:nvPr>
+        </p:nvSpPr>
+        <p:spPr/>
+      </p:sp>
+      <p:sp>
+        <p:nvSpPr>
+          <p:cNvPr id="3" name="Notes Placeholder 2"/>
+          <p:cNvSpPr>
+            <a:spLocks noGrp="1"/>
+          </p:cNvSpPr>
+          <p:nvPr>
+            <p:ph type="body" idx="1"/>
+          </p:nvPr>
+        </p:nvSpPr>
+        <p:spPr/>
+        <p:txBody>
+          <a:bodyPr/>
+          <a:lstStyle/>
+          <a:p>
+            <a:endParaRPr lang="en-BE" dirty="0"/>
+          </a:p>
+        </p:txBody>
+      </p:sp>
+      <p:sp>
+        <p:nvSpPr>
+          <p:cNvPr id="4" name="Slide Number Placeholder 3"/>
+          <p:cNvSpPr>
+            <a:spLocks noGrp="1"/>
+          </p:cNvSpPr>
+          <p:nvPr>
+            <p:ph type="sldNum" sz="quarter" idx="5"/>
+          </p:nvPr>
+        </p:nvSpPr>
+        <p:spPr/>
+        <p:txBody>
+          <a:bodyPr/>
+          <a:lstStyle/>
+          <a:p>
+            <a:fld id="{D97986AC-811D-4C2A-A7DE-A4DD8621F501}" type="slidenum">
+              <a:rPr lang="en-BE" smtClean="0"/>
+              <a:t>12</a:t>
+            </a:fld>
+            <a:endParaRPr lang="en-BE"/>
+          </a:p>
+        </p:txBody>
+      </p:sp>
+    </p:spTree>
+    <p:extLst>
+      <p:ext uri="{BB962C8B-B14F-4D97-AF65-F5344CB8AC3E}">
+        <p14:creationId xmlns:p14="http://schemas.microsoft.com/office/powerpoint/2010/main" val="4280606301"/>
       </p:ext>
     </p:extLst>
   </p:cSld>
@@ -1243,11 +1280,25 @@
           <a:p>
             <a:r>
               <a:rPr lang="en-US" dirty="0"/>
-              <a:t>- real time data </a:t>
+              <a:t>- Generate device </a:t>
+            </a:r>
+          </a:p>
+          <a:p>
+            <a:r>
+              <a:rPr lang="en-US" dirty="0"/>
+              <a:t>- </a:t>
             </a:r>
             <a:r>
               <a:rPr lang="en-US" dirty="0" err="1"/>
-              <a:t>bekijken</a:t>
+              <a:t>beheeren</a:t>
+            </a:r>
+            <a:r>
+              <a:rPr lang="en-US" dirty="0"/>
+              <a:t> in </a:t>
+            </a:r>
+            <a:r>
+              <a:rPr lang="en-US" dirty="0" err="1"/>
+              <a:t>groepen</a:t>
             </a:r>
             <a:endParaRPr lang="en-US" dirty="0"/>
           </a:p>
@@ -1255,76 +1306,29 @@
             <a:r>
               <a:rPr lang="en-US" dirty="0"/>
               <a:t>- </a:t>
+            </a:r>
+            <a:r>
+              <a:rPr lang="en-US" dirty="0" err="1"/>
+              <a:t>plaatsen</a:t>
+            </a:r>
+            <a:r>
+              <a:rPr lang="en-US" dirty="0"/>
+              <a:t> onder </a:t>
+            </a:r>
+            <a:r>
+              <a:rPr lang="en-US" dirty="0" err="1"/>
+              <a:t>organisaties</a:t>
+            </a:r>
+            <a:endParaRPr lang="en-US" dirty="0"/>
+          </a:p>
+          <a:p>
+            <a:r>
+              <a:rPr lang="en-US" dirty="0"/>
+              <a:t>- device templates </a:t>
             </a:r>
             <a:r>
               <a:rPr lang="en-US" dirty="0" err="1"/>
               <a:t>aanmaken</a:t>
-            </a:r>
-            <a:r>
-              <a:rPr lang="en-US" dirty="0"/>
-              <a:t> van dashboards met </a:t>
-            </a:r>
-            <a:r>
-              <a:rPr lang="en-US" dirty="0" err="1"/>
-              <a:t>grafieken</a:t>
-            </a:r>
-            <a:r>
-              <a:rPr lang="en-US" dirty="0"/>
-              <a:t> </a:t>
-            </a:r>
-            <a:r>
-              <a:rPr lang="en-US" dirty="0" err="1"/>
-              <a:t>en</a:t>
-            </a:r>
-            <a:r>
-              <a:rPr lang="en-US" dirty="0"/>
-              <a:t> widgets</a:t>
-            </a:r>
-          </a:p>
-          <a:p>
-            <a:r>
-              <a:rPr lang="en-US" dirty="0"/>
-              <a:t>- </a:t>
-            </a:r>
-            <a:r>
-              <a:rPr lang="en-US" dirty="0" err="1"/>
-              <a:t>raadplegen</a:t>
-            </a:r>
-            <a:r>
-              <a:rPr lang="en-US" dirty="0"/>
-              <a:t> van data via </a:t>
-            </a:r>
-            <a:r>
-              <a:rPr lang="en-US" dirty="0" err="1"/>
-              <a:t>iot</a:t>
-            </a:r>
-            <a:r>
-              <a:rPr lang="en-US" dirty="0"/>
-              <a:t> central portal in de </a:t>
-            </a:r>
-            <a:r>
-              <a:rPr lang="en-US" dirty="0" err="1"/>
-              <a:t>onderliggende</a:t>
-            </a:r>
-            <a:r>
-              <a:rPr lang="en-US" dirty="0"/>
-              <a:t> </a:t>
-            </a:r>
-            <a:r>
-              <a:rPr lang="en-US" dirty="0" err="1"/>
-              <a:t>adx</a:t>
-            </a:r>
-            <a:r>
-              <a:rPr lang="en-US" dirty="0"/>
-              <a:t> via </a:t>
-            </a:r>
-            <a:r>
-              <a:rPr lang="en-US" dirty="0" err="1"/>
-              <a:t>kusto</a:t>
-            </a:r>
-            <a:r>
-              <a:rPr lang="en-US" dirty="0"/>
-              <a:t> queries</a:t>
             </a:r>
             <a:endParaRPr lang="en-BE" dirty="0"/>
           </a:p>
@@ -1356,7 +1360,7 @@
     </p:spTree>
     <p:extLst>
       <p:ext uri="{BB962C8B-B14F-4D97-AF65-F5344CB8AC3E}">
-        <p14:creationId xmlns:p14="http://schemas.microsoft.com/office/powerpoint/2010/main" val="2641675993"/>
+        <p14:creationId xmlns:p14="http://schemas.microsoft.com/office/powerpoint/2010/main" val="231646054"/>
       </p:ext>
     </p:extLst>
   </p:cSld>
@@ -1412,11 +1416,30 @@
           <a:p>
             <a:r>
               <a:rPr lang="en-US" dirty="0"/>
-              <a:t>- devices </a:t>
+              <a:t>- real time data </a:t>
             </a:r>
             <a:r>
               <a:rPr lang="en-US" dirty="0" err="1"/>
-              <a:t>worden</a:t>
+              <a:t>bekijken</a:t>
+            </a:r>
+            <a:endParaRPr lang="en-US" dirty="0"/>
+          </a:p>
+          <a:p>
+            <a:r>
+              <a:rPr lang="en-US" dirty="0"/>
+              <a:t>- </a:t>
+            </a:r>
+            <a:r>
+              <a:rPr lang="en-US" dirty="0" err="1"/>
+              <a:t>aanmaken</a:t>
+            </a:r>
+            <a:r>
+              <a:rPr lang="en-US" dirty="0"/>
+              <a:t> van dashboards met </a:t>
+            </a:r>
+            <a:r>
+              <a:rPr lang="en-US" dirty="0" err="1"/>
+              <a:t>grafieken</a:t>
             </a:r>
             <a:r>
               <a:rPr lang="en-US" dirty="0"/>
@@ -1424,79 +1447,25 @@
             </a:r>
             <a:r>
               <a:rPr lang="en-US" dirty="0" err="1"/>
-              <a:t>geregistreerd</a:t>
-            </a:r>
-            <a:r>
-              <a:rPr lang="en-US" dirty="0"/>
-              <a:t> via </a:t>
+              <a:t>en</a:t>
+            </a:r>
+            <a:r>
+              <a:rPr lang="en-US" dirty="0"/>
+              <a:t> widgets</a:t>
+            </a:r>
+          </a:p>
+          <a:p>
+            <a:r>
+              <a:rPr lang="en-US" dirty="0"/>
+              <a:t>- </a:t>
             </a:r>
             <a:r>
               <a:rPr lang="en-US" dirty="0" err="1"/>
-              <a:t>dps</a:t>
-            </a:r>
-            <a:r>
-              <a:rPr lang="en-US" dirty="0"/>
-              <a:t> (device provisioning service)</a:t>
-            </a:r>
-          </a:p>
-          <a:p>
-            <a:r>
-              <a:rPr lang="en-US" dirty="0"/>
-              <a:t>- load balancing voor </a:t>
-            </a:r>
-            <a:r>
-              <a:rPr lang="en-US" dirty="0" err="1"/>
-              <a:t>zeer</a:t>
-            </a:r>
-            <a:r>
-              <a:rPr lang="en-US" dirty="0"/>
-              <a:t> </a:t>
-            </a:r>
-            <a:r>
-              <a:rPr lang="en-US" dirty="0" err="1"/>
-              <a:t>grote</a:t>
-            </a:r>
-            <a:r>
-              <a:rPr lang="en-US" dirty="0"/>
-              <a:t> hoeveel devices</a:t>
-            </a:r>
-          </a:p>
-          <a:p>
-            <a:r>
-              <a:rPr lang="en-US" dirty="0"/>
-              <a:t>- </a:t>
-            </a:r>
-            <a:r>
-              <a:rPr lang="en-US" dirty="0" err="1"/>
-              <a:t>mogelijkheid</a:t>
-            </a:r>
-            <a:r>
-              <a:rPr lang="en-US" dirty="0"/>
-              <a:t> tot data exports</a:t>
-            </a:r>
-          </a:p>
-          <a:p>
-            <a:r>
-              <a:rPr lang="en-US" dirty="0"/>
-              <a:t>	- event hub</a:t>
-            </a:r>
-          </a:p>
-          <a:p>
-            <a:r>
-              <a:rPr lang="en-US" dirty="0"/>
-              <a:t>	- service bus</a:t>
-            </a:r>
-          </a:p>
-          <a:p>
-            <a:r>
-              <a:rPr lang="en-US" dirty="0"/>
-              <a:t>	- storage account</a:t>
-            </a:r>
-          </a:p>
-          <a:p>
-            <a:r>
-              <a:rPr lang="en-US" dirty="0"/>
-              <a:t>- </a:t>
+              <a:t>raadplegen</a:t>
+            </a:r>
+            <a:r>
+              <a:rPr lang="en-US" dirty="0"/>
+              <a:t> van data via </a:t>
             </a:r>
             <a:r>
               <a:rPr lang="en-US" dirty="0" err="1"/>
@@ -1504,11 +1473,19 @@
             </a:r>
             <a:r>
               <a:rPr lang="en-US" dirty="0"/>
-              <a:t> central </a:t>
+              <a:t> central portal in de </a:t>
             </a:r>
             <a:r>
               <a:rPr lang="en-US" dirty="0" err="1"/>
-              <a:t>kan</a:t>
+              <a:t>onderliggende</a:t>
+            </a:r>
+            <a:r>
+              <a:rPr lang="en-US" dirty="0"/>
+              <a:t> </a:t>
+            </a:r>
+            <a:r>
+              <a:rPr lang="en-US" dirty="0" err="1"/>
+              <a:t>adx</a:t>
             </a:r>
             <a:r>
               <a:rPr lang="en-US" dirty="0"/>
@@ -1516,30 +1493,11 @@
             </a:r>
             <a:r>
               <a:rPr lang="en-US" dirty="0" err="1"/>
-              <a:t>api</a:t>
-            </a:r>
-            <a:r>
-              <a:rPr lang="en-US" dirty="0"/>
-              <a:t> </a:t>
-            </a:r>
-            <a:r>
-              <a:rPr lang="en-US" dirty="0" err="1"/>
-              <a:t>aangestuurd</a:t>
-            </a:r>
-            <a:r>
-              <a:rPr lang="en-US" dirty="0"/>
-              <a:t> </a:t>
-            </a:r>
-            <a:r>
-              <a:rPr lang="en-US" dirty="0" err="1"/>
-              <a:t>worden</a:t>
-            </a:r>
-            <a:endParaRPr lang="en-US" dirty="0"/>
-          </a:p>
-          <a:p>
-            <a:r>
-              <a:rPr lang="en-US" dirty="0"/>
-              <a:t>	- create devices, …</a:t>
+              <a:t>kusto</a:t>
+            </a:r>
+            <a:r>
+              <a:rPr lang="en-US" dirty="0"/>
+              <a:t> queries</a:t>
             </a:r>
             <a:endParaRPr lang="en-BE" dirty="0"/>
           </a:p>
@@ -1571,7 +1529,7 @@
     </p:spTree>
     <p:extLst>
       <p:ext uri="{BB962C8B-B14F-4D97-AF65-F5344CB8AC3E}">
-        <p14:creationId xmlns:p14="http://schemas.microsoft.com/office/powerpoint/2010/main" val="3515369417"/>
+        <p14:creationId xmlns:p14="http://schemas.microsoft.com/office/powerpoint/2010/main" val="2641675993"/>
       </p:ext>
     </p:extLst>
   </p:cSld>
@@ -1627,62 +1585,134 @@
           <a:p>
             <a:r>
               <a:rPr lang="en-US" dirty="0"/>
-              <a:t>- device templates </a:t>
+              <a:t>- devices </a:t>
             </a:r>
             <a:r>
               <a:rPr lang="en-US" dirty="0" err="1"/>
-              <a:t>informatie</a:t>
-            </a:r>
-            <a:r>
-              <a:rPr lang="en-US" dirty="0"/>
-              <a:t> wordt </a:t>
+              <a:t>worden</a:t>
+            </a:r>
+            <a:r>
+              <a:rPr lang="en-US" dirty="0"/>
+              <a:t> </a:t>
             </a:r>
             <a:r>
               <a:rPr lang="en-US" dirty="0" err="1"/>
-              <a:t>gestored</a:t>
-            </a:r>
-            <a:r>
-              <a:rPr lang="en-US" dirty="0"/>
-              <a:t> in </a:t>
+              <a:t>geregistreerd</a:t>
+            </a:r>
+            <a:r>
+              <a:rPr lang="en-US" dirty="0"/>
+              <a:t> via </a:t>
             </a:r>
             <a:r>
               <a:rPr lang="en-US" dirty="0" err="1"/>
-              <a:t>dtdl</a:t>
+              <a:t>dps</a:t>
+            </a:r>
+            <a:r>
+              <a:rPr lang="en-US" dirty="0"/>
+              <a:t> (device provisioning service)</a:t>
+            </a:r>
+          </a:p>
+          <a:p>
+            <a:r>
+              <a:rPr lang="en-US" dirty="0"/>
+              <a:t>- load balancing voor </a:t>
+            </a:r>
+            <a:r>
+              <a:rPr lang="en-US" dirty="0" err="1"/>
+              <a:t>zeer</a:t>
+            </a:r>
+            <a:r>
+              <a:rPr lang="en-US" dirty="0"/>
+              <a:t> </a:t>
+            </a:r>
+            <a:r>
+              <a:rPr lang="en-US" dirty="0" err="1"/>
+              <a:t>grote</a:t>
+            </a:r>
+            <a:r>
+              <a:rPr lang="en-US" dirty="0"/>
+              <a:t> hoeveel devices</a:t>
+            </a:r>
+          </a:p>
+          <a:p>
+            <a:r>
+              <a:rPr lang="en-US" dirty="0"/>
+              <a:t>- </a:t>
+            </a:r>
+            <a:r>
+              <a:rPr lang="en-US" dirty="0" err="1"/>
+              <a:t>mogelijkheid</a:t>
+            </a:r>
+            <a:r>
+              <a:rPr lang="en-US" dirty="0"/>
+              <a:t> tot data exports</a:t>
+            </a:r>
+          </a:p>
+          <a:p>
+            <a:r>
+              <a:rPr lang="en-US" dirty="0"/>
+              <a:t>	- event hub</a:t>
+            </a:r>
+          </a:p>
+          <a:p>
+            <a:r>
+              <a:rPr lang="en-US" dirty="0"/>
+              <a:t>	- service bus</a:t>
+            </a:r>
+          </a:p>
+          <a:p>
+            <a:r>
+              <a:rPr lang="en-US" dirty="0"/>
+              <a:t>	- storage account</a:t>
+            </a:r>
+          </a:p>
+          <a:p>
+            <a:r>
+              <a:rPr lang="en-US" dirty="0"/>
+              <a:t>- </a:t>
+            </a:r>
+            <a:r>
+              <a:rPr lang="en-US" dirty="0" err="1"/>
+              <a:t>iot</a:t>
+            </a:r>
+            <a:r>
+              <a:rPr lang="en-US" dirty="0"/>
+              <a:t> central </a:t>
+            </a:r>
+            <a:r>
+              <a:rPr lang="en-US" dirty="0" err="1"/>
+              <a:t>kan</a:t>
+            </a:r>
+            <a:r>
+              <a:rPr lang="en-US" dirty="0"/>
+              <a:t> via </a:t>
+            </a:r>
+            <a:r>
+              <a:rPr lang="en-US" dirty="0" err="1"/>
+              <a:t>api</a:t>
+            </a:r>
+            <a:r>
+              <a:rPr lang="en-US" dirty="0"/>
+              <a:t> </a:t>
+            </a:r>
+            <a:r>
+              <a:rPr lang="en-US" dirty="0" err="1"/>
+              <a:t>aangestuurd</a:t>
+            </a:r>
+            <a:r>
+              <a:rPr lang="en-US" dirty="0"/>
+              <a:t> </a:t>
+            </a:r>
+            <a:r>
+              <a:rPr lang="en-US" dirty="0" err="1"/>
+              <a:t>worden</a:t>
             </a:r>
             <a:endParaRPr lang="en-US" dirty="0"/>
           </a:p>
           <a:p>
             <a:r>
               <a:rPr lang="en-US" dirty="0"/>
-              <a:t>- </a:t>
-            </a:r>
-            <a:r>
-              <a:rPr lang="en-US" dirty="0" err="1"/>
-              <a:t>digitale</a:t>
-            </a:r>
-            <a:r>
-              <a:rPr lang="en-US" dirty="0"/>
-              <a:t> </a:t>
-            </a:r>
-            <a:r>
-              <a:rPr lang="en-US" dirty="0" err="1"/>
-              <a:t>weergave</a:t>
-            </a:r>
-            <a:r>
-              <a:rPr lang="en-US" dirty="0"/>
-              <a:t> van een device</a:t>
-            </a:r>
-          </a:p>
-          <a:p>
-            <a:r>
-              <a:rPr lang="en-US" dirty="0"/>
-              <a:t>	- telemetry</a:t>
-            </a:r>
-          </a:p>
-          <a:p>
-            <a:r>
-              <a:rPr lang="en-US" dirty="0"/>
-              <a:t>	- properties</a:t>
+              <a:t>	- create devices, …</a:t>
             </a:r>
             <a:endParaRPr lang="en-BE" dirty="0"/>
           </a:p>
@@ -1714,7 +1744,7 @@
     </p:spTree>
     <p:extLst>
       <p:ext uri="{BB962C8B-B14F-4D97-AF65-F5344CB8AC3E}">
-        <p14:creationId xmlns:p14="http://schemas.microsoft.com/office/powerpoint/2010/main" val="1649088838"/>
+        <p14:creationId xmlns:p14="http://schemas.microsoft.com/office/powerpoint/2010/main" val="3515369417"/>
       </p:ext>
     </p:extLst>
   </p:cSld>
@@ -1770,11 +1800,38 @@
           <a:p>
             <a:r>
               <a:rPr lang="en-US" dirty="0"/>
-              <a:t>- 2 </a:t>
+              <a:t>- device templates </a:t>
             </a:r>
             <a:r>
               <a:rPr lang="en-US" dirty="0" err="1"/>
-              <a:t>verschillende</a:t>
+              <a:t>informatie</a:t>
+            </a:r>
+            <a:r>
+              <a:rPr lang="en-US" dirty="0"/>
+              <a:t> wordt </a:t>
+            </a:r>
+            <a:r>
+              <a:rPr lang="en-US" dirty="0" err="1"/>
+              <a:t>gestored</a:t>
+            </a:r>
+            <a:r>
+              <a:rPr lang="en-US" dirty="0"/>
+              <a:t> in </a:t>
+            </a:r>
+            <a:r>
+              <a:rPr lang="en-US" dirty="0" err="1"/>
+              <a:t>dtdl</a:t>
+            </a:r>
+            <a:endParaRPr lang="en-US" dirty="0"/>
+          </a:p>
+          <a:p>
+            <a:r>
+              <a:rPr lang="en-US" dirty="0"/>
+              <a:t>- </a:t>
+            </a:r>
+            <a:r>
+              <a:rPr lang="en-US" dirty="0" err="1"/>
+              <a:t>digitale</a:t>
             </a:r>
             <a:r>
               <a:rPr lang="en-US" dirty="0"/>
@@ -1782,73 +1839,23 @@
             </a:r>
             <a:r>
               <a:rPr lang="en-US" dirty="0" err="1"/>
-              <a:t>soorten</a:t>
-            </a:r>
-            <a:r>
-              <a:rPr lang="en-US" dirty="0"/>
-              <a:t> devices</a:t>
-            </a:r>
-          </a:p>
-          <a:p>
-            <a:r>
-              <a:rPr lang="en-US" dirty="0"/>
-              <a:t>	- </a:t>
-            </a:r>
-            <a:r>
-              <a:rPr lang="en-US" dirty="0" err="1"/>
-              <a:t>iot</a:t>
-            </a:r>
-            <a:r>
-              <a:rPr lang="en-US" dirty="0"/>
-              <a:t> device</a:t>
-            </a:r>
-          </a:p>
-          <a:p>
-            <a:r>
-              <a:rPr lang="en-US" dirty="0"/>
-              <a:t>	- </a:t>
-            </a:r>
-            <a:r>
-              <a:rPr lang="en-US" dirty="0" err="1"/>
-              <a:t>iot</a:t>
-            </a:r>
-            <a:r>
-              <a:rPr lang="en-US" dirty="0"/>
-              <a:t> edge device</a:t>
-            </a:r>
-          </a:p>
-          <a:p>
-            <a:r>
-              <a:rPr lang="en-US" dirty="0"/>
-              <a:t>- devices kunnen </a:t>
-            </a:r>
-            <a:r>
-              <a:rPr lang="en-US" dirty="0" err="1"/>
-              <a:t>makkelijk</a:t>
-            </a:r>
-            <a:r>
-              <a:rPr lang="en-US" dirty="0"/>
-              <a:t> via de </a:t>
-            </a:r>
-            <a:r>
-              <a:rPr lang="en-US" dirty="0" err="1"/>
-              <a:t>iot</a:t>
-            </a:r>
-            <a:r>
-              <a:rPr lang="en-US" dirty="0"/>
-              <a:t> central portal </a:t>
-            </a:r>
-            <a:r>
-              <a:rPr lang="en-US" dirty="0" err="1"/>
-              <a:t>beheerd</a:t>
-            </a:r>
-            <a:r>
-              <a:rPr lang="en-US" dirty="0"/>
-              <a:t> </a:t>
-            </a:r>
-            <a:r>
-              <a:rPr lang="en-US" dirty="0" err="1"/>
-              <a:t>worden</a:t>
+              <a:t>weergave</a:t>
+            </a:r>
+            <a:r>
+              <a:rPr lang="en-US" dirty="0"/>
+              <a:t> van een device</a:t>
+            </a:r>
+          </a:p>
+          <a:p>
+            <a:r>
+              <a:rPr lang="en-US" dirty="0"/>
+              <a:t>	- telemetry</a:t>
+            </a:r>
+          </a:p>
+          <a:p>
+            <a:r>
+              <a:rPr lang="en-US" dirty="0"/>
+              <a:t>	- properties</a:t>
             </a:r>
             <a:endParaRPr lang="en-BE" dirty="0"/>
           </a:p>
@@ -1880,7 +1887,7 @@
     </p:spTree>
     <p:extLst>
       <p:ext uri="{BB962C8B-B14F-4D97-AF65-F5344CB8AC3E}">
-        <p14:creationId xmlns:p14="http://schemas.microsoft.com/office/powerpoint/2010/main" val="52843010"/>
+        <p14:creationId xmlns:p14="http://schemas.microsoft.com/office/powerpoint/2010/main" val="1649088838"/>
       </p:ext>
     </p:extLst>
   </p:cSld>
@@ -1936,15 +1943,29 @@
           <a:p>
             <a:r>
               <a:rPr lang="en-US" dirty="0"/>
-              <a:t>- 1 op 1 device </a:t>
+              <a:t>- 2 </a:t>
             </a:r>
             <a:r>
               <a:rPr lang="en-US" dirty="0" err="1"/>
-              <a:t>configuratie</a:t>
-            </a:r>
-            <a:r>
-              <a:rPr lang="en-US" dirty="0"/>
-              <a:t> =&gt; 1 device in </a:t>
+              <a:t>verschillende</a:t>
+            </a:r>
+            <a:r>
+              <a:rPr lang="en-US" dirty="0"/>
+              <a:t> </a:t>
+            </a:r>
+            <a:r>
+              <a:rPr lang="en-US" dirty="0" err="1"/>
+              <a:t>soorten</a:t>
+            </a:r>
+            <a:r>
+              <a:rPr lang="en-US" dirty="0"/>
+              <a:t> devices</a:t>
+            </a:r>
+          </a:p>
+          <a:p>
+            <a:r>
+              <a:rPr lang="en-US" dirty="0"/>
+              <a:t>	- </a:t>
             </a:r>
             <a:r>
               <a:rPr lang="en-US" dirty="0" err="1"/>
@@ -1952,16 +1973,57 @@
             </a:r>
             <a:r>
               <a:rPr lang="en-US" dirty="0"/>
-              <a:t> central </a:t>
+              <a:t> device</a:t>
+            </a:r>
+          </a:p>
+          <a:p>
+            <a:r>
+              <a:rPr lang="en-US" dirty="0"/>
+              <a:t>	- </a:t>
             </a:r>
             <a:r>
               <a:rPr lang="en-US" dirty="0" err="1"/>
-              <a:t>ontvang</a:t>
-            </a:r>
-            <a:r>
-              <a:rPr lang="en-US" dirty="0"/>
-              <a:t> data van 1 device</a:t>
-            </a:r>
+              <a:t>iot</a:t>
+            </a:r>
+            <a:r>
+              <a:rPr lang="en-US" dirty="0"/>
+              <a:t> edge device</a:t>
+            </a:r>
+          </a:p>
+          <a:p>
+            <a:r>
+              <a:rPr lang="en-US" dirty="0"/>
+              <a:t>- devices kunnen </a:t>
+            </a:r>
+            <a:r>
+              <a:rPr lang="en-US" dirty="0" err="1"/>
+              <a:t>makkelijk</a:t>
+            </a:r>
+            <a:r>
+              <a:rPr lang="en-US" dirty="0"/>
+              <a:t> via de </a:t>
+            </a:r>
+            <a:r>
+              <a:rPr lang="en-US" dirty="0" err="1"/>
+              <a:t>iot</a:t>
+            </a:r>
+            <a:r>
+              <a:rPr lang="en-US" dirty="0"/>
+              <a:t> central portal </a:t>
+            </a:r>
+            <a:r>
+              <a:rPr lang="en-US" dirty="0" err="1"/>
+              <a:t>beheerd</a:t>
+            </a:r>
+            <a:r>
+              <a:rPr lang="en-US" dirty="0"/>
+              <a:t> </a:t>
+            </a:r>
+            <a:r>
+              <a:rPr lang="en-US" dirty="0" err="1"/>
+              <a:t>worden</a:t>
+            </a:r>
+            <a:endParaRPr lang="en-BE" dirty="0"/>
           </a:p>
         </p:txBody>
       </p:sp>
@@ -1991,7 +2053,7 @@
     </p:spTree>
     <p:extLst>
       <p:ext uri="{BB962C8B-B14F-4D97-AF65-F5344CB8AC3E}">
-        <p14:creationId xmlns:p14="http://schemas.microsoft.com/office/powerpoint/2010/main" val="1793407617"/>
+        <p14:creationId xmlns:p14="http://schemas.microsoft.com/office/powerpoint/2010/main" val="52843010"/>
       </p:ext>
     </p:extLst>
   </p:cSld>
@@ -2047,29 +2109,15 @@
           <a:p>
             <a:r>
               <a:rPr lang="en-US" dirty="0"/>
-              <a:t>- Meestal </a:t>
+              <a:t>- 1 op 1 device </a:t>
             </a:r>
             <a:r>
               <a:rPr lang="en-US" dirty="0" err="1"/>
-              <a:t>gebruikt</a:t>
-            </a:r>
-            <a:r>
-              <a:rPr lang="en-US" dirty="0"/>
-              <a:t> </a:t>
-            </a:r>
-            <a:r>
-              <a:rPr lang="en-US" dirty="0" err="1"/>
-              <a:t>als</a:t>
-            </a:r>
-            <a:r>
-              <a:rPr lang="en-US" dirty="0"/>
-              <a:t> een proxy device. </a:t>
-            </a:r>
-          </a:p>
-          <a:p>
-            <a:r>
-              <a:rPr lang="en-US" dirty="0"/>
-              <a:t>- </a:t>
+              <a:t>configuratie</a:t>
+            </a:r>
+            <a:r>
+              <a:rPr lang="en-US" dirty="0"/>
+              <a:t> =&gt; 1 device in </a:t>
             </a:r>
             <a:r>
               <a:rPr lang="en-US" dirty="0" err="1"/>
@@ -2077,67 +2125,15 @@
             </a:r>
             <a:r>
               <a:rPr lang="en-US" dirty="0"/>
-              <a:t> edge runtime draait op locale </a:t>
+              <a:t> central </a:t>
             </a:r>
             <a:r>
               <a:rPr lang="en-US" dirty="0" err="1"/>
-              <a:t>infrastructuur</a:t>
-            </a:r>
-            <a:r>
-              <a:rPr lang="en-US" dirty="0"/>
-              <a:t> die </a:t>
-            </a:r>
-            <a:r>
-              <a:rPr lang="en-US" dirty="0" err="1"/>
-              <a:t>toegang</a:t>
-            </a:r>
-            <a:r>
-              <a:rPr lang="en-US" dirty="0"/>
-              <a:t> heeft tot de sensor data</a:t>
-            </a:r>
-          </a:p>
-          <a:p>
-            <a:r>
-              <a:rPr lang="en-US" dirty="0"/>
-              <a:t>- modules </a:t>
-            </a:r>
-            <a:r>
-              <a:rPr lang="en-US" dirty="0" err="1"/>
-              <a:t>draaien</a:t>
-            </a:r>
-            <a:r>
-              <a:rPr lang="en-US" dirty="0"/>
-              <a:t> op de </a:t>
-            </a:r>
-            <a:r>
-              <a:rPr lang="en-US" dirty="0" err="1"/>
-              <a:t>iot</a:t>
-            </a:r>
-            <a:r>
-              <a:rPr lang="en-US" dirty="0"/>
-              <a:t> edge runtime</a:t>
-            </a:r>
-          </a:p>
-          <a:p>
-            <a:r>
-              <a:rPr lang="en-US" dirty="0"/>
-              <a:t>- telemetry upstream via modules naar </a:t>
-            </a:r>
-            <a:r>
-              <a:rPr lang="en-US" dirty="0" err="1"/>
-              <a:t>iot</a:t>
-            </a:r>
-            <a:r>
-              <a:rPr lang="en-US" dirty="0"/>
-              <a:t> hub (</a:t>
-            </a:r>
-            <a:r>
-              <a:rPr lang="en-US" dirty="0" err="1"/>
-              <a:t>iot</a:t>
-            </a:r>
-            <a:r>
-              <a:rPr lang="en-US" dirty="0"/>
-              <a:t> central)</a:t>
+              <a:t>ontvang</a:t>
+            </a:r>
+            <a:r>
+              <a:rPr lang="en-US" dirty="0"/>
+              <a:t> data van 1 device</a:t>
             </a:r>
           </a:p>
         </p:txBody>
@@ -2168,7 +2164,7 @@
     </p:spTree>
     <p:extLst>
       <p:ext uri="{BB962C8B-B14F-4D97-AF65-F5344CB8AC3E}">
-        <p14:creationId xmlns:p14="http://schemas.microsoft.com/office/powerpoint/2010/main" val="1016940826"/>
+        <p14:creationId xmlns:p14="http://schemas.microsoft.com/office/powerpoint/2010/main" val="1793407617"/>
       </p:ext>
     </p:extLst>
   </p:cSld>
@@ -2224,23 +2220,23 @@
           <a:p>
             <a:r>
               <a:rPr lang="en-US" dirty="0"/>
-              <a:t>- </a:t>
+              <a:t>- Meestal </a:t>
             </a:r>
             <a:r>
               <a:rPr lang="en-US" dirty="0" err="1"/>
-              <a:t>mogelijkheid</a:t>
-            </a:r>
-            <a:r>
-              <a:rPr lang="en-US" dirty="0"/>
-              <a:t> tot </a:t>
+              <a:t>gebruikt</a:t>
+            </a:r>
+            <a:r>
+              <a:rPr lang="en-US" dirty="0"/>
+              <a:t> </a:t>
             </a:r>
             <a:r>
               <a:rPr lang="en-US" dirty="0" err="1"/>
-              <a:t>exporteren</a:t>
-            </a:r>
-            <a:r>
-              <a:rPr lang="en-US" dirty="0"/>
-              <a:t> van telemetry data</a:t>
+              <a:t>als</a:t>
+            </a:r>
+            <a:r>
+              <a:rPr lang="en-US" dirty="0"/>
+              <a:t> een proxy device. </a:t>
             </a:r>
           </a:p>
           <a:p>
@@ -2254,41 +2250,68 @@
             </a:r>
             <a:r>
               <a:rPr lang="en-US" dirty="0"/>
-              <a:t> central life cycle events</a:t>
-            </a:r>
-          </a:p>
-          <a:p>
-            <a:r>
-              <a:rPr lang="en-US" dirty="0"/>
-              <a:t>	- create device</a:t>
-            </a:r>
-          </a:p>
-          <a:p>
-            <a:r>
-              <a:rPr lang="en-US" dirty="0"/>
-              <a:t>	- update device template</a:t>
-            </a:r>
-          </a:p>
-          <a:p>
-            <a:r>
-              <a:rPr lang="en-US" dirty="0"/>
-              <a:t>	- …</a:t>
-            </a:r>
-          </a:p>
-          <a:p>
-            <a:r>
-              <a:rPr lang="en-US" dirty="0"/>
-              <a:t>- data transformative mogelijk via </a:t>
+              <a:t> edge runtime draait op locale </a:t>
             </a:r>
             <a:r>
               <a:rPr lang="en-US" dirty="0" err="1"/>
-              <a:t>jq</a:t>
-            </a:r>
-            <a:r>
-              <a:rPr lang="en-US" dirty="0"/>
-              <a:t> syntax</a:t>
-            </a:r>
-            <a:endParaRPr lang="en-BE" dirty="0"/>
+              <a:t>infrastructuur</a:t>
+            </a:r>
+            <a:r>
+              <a:rPr lang="en-US" dirty="0"/>
+              <a:t> die </a:t>
+            </a:r>
+            <a:r>
+              <a:rPr lang="en-US" dirty="0" err="1"/>
+              <a:t>toegang</a:t>
+            </a:r>
+            <a:r>
+              <a:rPr lang="en-US" dirty="0"/>
+              <a:t> heeft tot de sensor data</a:t>
+            </a:r>
+          </a:p>
+          <a:p>
+            <a:r>
+              <a:rPr lang="en-US" dirty="0"/>
+              <a:t>- modules </a:t>
+            </a:r>
+            <a:r>
+              <a:rPr lang="en-US" dirty="0" err="1"/>
+              <a:t>draaien</a:t>
+            </a:r>
+            <a:r>
+              <a:rPr lang="en-US" dirty="0"/>
+              <a:t> op de </a:t>
+            </a:r>
+            <a:r>
+              <a:rPr lang="en-US" dirty="0" err="1"/>
+              <a:t>iot</a:t>
+            </a:r>
+            <a:r>
+              <a:rPr lang="en-US" dirty="0"/>
+              <a:t> edge runtime</a:t>
+            </a:r>
+          </a:p>
+          <a:p>
+            <a:r>
+              <a:rPr lang="en-US" dirty="0"/>
+              <a:t>- telemetry upstream via modules naar </a:t>
+            </a:r>
+            <a:r>
+              <a:rPr lang="en-US" dirty="0" err="1"/>
+              <a:t>iot</a:t>
+            </a:r>
+            <a:r>
+              <a:rPr lang="en-US" dirty="0"/>
+              <a:t> hub (</a:t>
+            </a:r>
+            <a:r>
+              <a:rPr lang="en-US" dirty="0" err="1"/>
+              <a:t>iot</a:t>
+            </a:r>
+            <a:r>
+              <a:rPr lang="en-US" dirty="0"/>
+              <a:t> central)</a:t>
+            </a:r>
           </a:p>
         </p:txBody>
       </p:sp>
@@ -2318,7 +2341,7 @@
     </p:spTree>
     <p:extLst>
       <p:ext uri="{BB962C8B-B14F-4D97-AF65-F5344CB8AC3E}">
-        <p14:creationId xmlns:p14="http://schemas.microsoft.com/office/powerpoint/2010/main" val="3476922508"/>
+        <p14:creationId xmlns:p14="http://schemas.microsoft.com/office/powerpoint/2010/main" val="1016940826"/>
       </p:ext>
     </p:extLst>
   </p:cSld>
@@ -2372,6 +2395,72 @@
           <a:bodyPr/>
           <a:lstStyle/>
           <a:p>
+            <a:r>
+              <a:rPr lang="en-US" dirty="0"/>
+              <a:t>- </a:t>
+            </a:r>
+            <a:r>
+              <a:rPr lang="en-US" dirty="0" err="1"/>
+              <a:t>mogelijkheid</a:t>
+            </a:r>
+            <a:r>
+              <a:rPr lang="en-US" dirty="0"/>
+              <a:t> tot </a:t>
+            </a:r>
+            <a:r>
+              <a:rPr lang="en-US" dirty="0" err="1"/>
+              <a:t>exporteren</a:t>
+            </a:r>
+            <a:r>
+              <a:rPr lang="en-US" dirty="0"/>
+              <a:t> van telemetry data</a:t>
+            </a:r>
+          </a:p>
+          <a:p>
+            <a:r>
+              <a:rPr lang="en-US" dirty="0"/>
+              <a:t>- </a:t>
+            </a:r>
+            <a:r>
+              <a:rPr lang="en-US" dirty="0" err="1"/>
+              <a:t>iot</a:t>
+            </a:r>
+            <a:r>
+              <a:rPr lang="en-US" dirty="0"/>
+              <a:t> central life cycle events</a:t>
+            </a:r>
+          </a:p>
+          <a:p>
+            <a:r>
+              <a:rPr lang="en-US" dirty="0"/>
+              <a:t>	- create device</a:t>
+            </a:r>
+          </a:p>
+          <a:p>
+            <a:r>
+              <a:rPr lang="en-US" dirty="0"/>
+              <a:t>	- update device template</a:t>
+            </a:r>
+          </a:p>
+          <a:p>
+            <a:r>
+              <a:rPr lang="en-US" dirty="0"/>
+              <a:t>	- …</a:t>
+            </a:r>
+          </a:p>
+          <a:p>
+            <a:r>
+              <a:rPr lang="en-US" dirty="0"/>
+              <a:t>- data transformative mogelijk via </a:t>
+            </a:r>
+            <a:r>
+              <a:rPr lang="en-US" dirty="0" err="1"/>
+              <a:t>jq</a:t>
+            </a:r>
+            <a:r>
+              <a:rPr lang="en-US" dirty="0"/>
+              <a:t> syntax</a:t>
+            </a:r>
             <a:endParaRPr lang="en-BE" dirty="0"/>
           </a:p>
         </p:txBody>
@@ -2402,7 +2491,7 @@
     </p:spTree>
     <p:extLst>
       <p:ext uri="{BB962C8B-B14F-4D97-AF65-F5344CB8AC3E}">
-        <p14:creationId xmlns:p14="http://schemas.microsoft.com/office/powerpoint/2010/main" val="4280606301"/>
+        <p14:creationId xmlns:p14="http://schemas.microsoft.com/office/powerpoint/2010/main" val="3476922508"/>
       </p:ext>
     </p:extLst>
   </p:cSld>
@@ -5751,224 +5840,174 @@
           <a:chExt cx="0" cy="0"/>
         </a:xfrm>
       </p:grpSpPr>
-      <p:sp useBgFill="1">
-        <p:nvSpPr>
-          <p:cNvPr id="22" name="Rectangle 11">
-            <a:extLst>
-              <a:ext uri="{FF2B5EF4-FFF2-40B4-BE49-F238E27FC236}">
-                <a16:creationId xmlns:a16="http://schemas.microsoft.com/office/drawing/2014/main" id="{8761DDFE-071F-4200-B0AA-394476C2D2D6}"/>
-              </a:ext>
-              <a:ext uri="{C183D7F6-B498-43B3-948B-1728B52AA6E4}">
-                <adec:decorative xmlns:adec="http://schemas.microsoft.com/office/drawing/2017/decorative" val="1"/>
-              </a:ext>
-            </a:extLst>
-          </p:cNvPr>
-          <p:cNvSpPr>
-            <a:spLocks noGrp="1" noRot="1" noChangeAspect="1" noMove="1" noResize="1" noEditPoints="1" noAdjustHandles="1" noChangeArrowheads="1" noChangeShapeType="1" noTextEdit="1"/>
-          </p:cNvSpPr>
-          <p:nvPr>
-            <p:extLst>
-              <p:ext uri="{386F3935-93C4-4BCD-93E2-E3B085C9AB24}">
-                <p16:designElem xmlns:p16="http://schemas.microsoft.com/office/powerpoint/2015/main" val="1"/>
-              </p:ext>
-            </p:extLst>
+      <p:sp>
+        <p:nvSpPr>
+          <p:cNvPr id="2" name="Title 1">
+            <a:extLst>
+              <a:ext uri="{FF2B5EF4-FFF2-40B4-BE49-F238E27FC236}">
+                <a16:creationId xmlns:a16="http://schemas.microsoft.com/office/drawing/2014/main" id="{A40A20AA-77A5-2050-5739-CF23BB3936BA}"/>
+              </a:ext>
+            </a:extLst>
+          </p:cNvPr>
+          <p:cNvSpPr>
+            <a:spLocks noGrp="1"/>
+          </p:cNvSpPr>
+          <p:nvPr>
+            <p:ph type="title"/>
           </p:nvPr>
         </p:nvSpPr>
         <p:spPr>
           <a:xfrm>
-            <a:off x="-1" y="0"/>
-            <a:ext cx="12188952" cy="6858000"/>
+            <a:off x="914400" y="4664506"/>
+            <a:ext cx="3777240" cy="1674374"/>
+          </a:xfrm>
+        </p:spPr>
+        <p:txBody>
+          <a:bodyPr vert="horz" lIns="91440" tIns="45720" rIns="91440" bIns="45720" rtlCol="0" anchor="ctr">
+            <a:normAutofit/>
+          </a:bodyPr>
+          <a:lstStyle/>
+          <a:p>
+            <a:r>
+              <a:rPr lang="en-US" sz="4000" kern="1200" dirty="0">
+                <a:solidFill>
+                  <a:schemeClr val="tx1"/>
+                </a:solidFill>
+                <a:latin typeface="+mj-lt"/>
+                <a:ea typeface="+mj-ea"/>
+                <a:cs typeface="+mj-cs"/>
+              </a:rPr>
+              <a:t>IoT Edge Devices</a:t>
+            </a:r>
+          </a:p>
+        </p:txBody>
+      </p:sp>
+      <p:pic>
+        <p:nvPicPr>
+          <p:cNvPr id="1026" name="Picture 2" descr="Diagram of how IoT Edge runtime sends insights and reporting to IoT Hub.">
+            <a:extLst>
+              <a:ext uri="{FF2B5EF4-FFF2-40B4-BE49-F238E27FC236}">
+                <a16:creationId xmlns:a16="http://schemas.microsoft.com/office/drawing/2014/main" id="{DBEDF613-2AF3-61E6-81DA-29D99EDE04CB}"/>
+              </a:ext>
+            </a:extLst>
+          </p:cNvPr>
+          <p:cNvPicPr>
+            <a:picLocks noChangeAspect="1" noChangeArrowheads="1"/>
+          </p:cNvPicPr>
+          <p:nvPr/>
+        </p:nvPicPr>
+        <p:blipFill>
+          <a:blip r:embed="rId3">
+            <a:extLst>
+              <a:ext uri="{28A0092B-C50C-407E-A947-70E740481C1C}">
+                <a14:useLocalDpi xmlns:a14="http://schemas.microsoft.com/office/drawing/2010/main" val="0"/>
+              </a:ext>
+            </a:extLst>
+          </a:blip>
+          <a:stretch>
+            <a:fillRect/>
+          </a:stretch>
+        </p:blipFill>
+        <p:spPr bwMode="auto">
+          <a:xfrm>
+            <a:off x="727022" y="764304"/>
+            <a:ext cx="10718215" cy="3188670"/>
           </a:xfrm>
           <a:prstGeom prst="rect">
             <a:avLst/>
           </a:prstGeom>
-          <a:ln>
-            <a:noFill/>
-          </a:ln>
+          <a:noFill/>
+          <a:extLst>
+            <a:ext uri="{909E8E84-426E-40DD-AFC4-6F175D3DCCD1}">
+              <a14:hiddenFill xmlns:a14="http://schemas.microsoft.com/office/drawing/2010/main">
+                <a:solidFill>
+                  <a:srgbClr val="FFFFFF"/>
+                </a:solidFill>
+              </a14:hiddenFill>
+            </a:ext>
+          </a:extLst>
         </p:spPr>
-        <p:style>
-          <a:lnRef idx="2">
-            <a:schemeClr val="accent1">
-              <a:shade val="50000"/>
-            </a:schemeClr>
-          </a:lnRef>
-          <a:fillRef idx="1">
-            <a:schemeClr val="accent1"/>
-          </a:fillRef>
-          <a:effectRef idx="0">
-            <a:schemeClr val="accent1"/>
-          </a:effectRef>
-          <a:fontRef idx="minor">
-            <a:schemeClr val="lt1"/>
-          </a:fontRef>
-        </p:style>
-        <p:txBody>
-          <a:bodyPr rtlCol="0" anchor="ctr"/>
-          <a:lstStyle/>
-          <a:p>
-            <a:pPr algn="ctr"/>
-            <a:endParaRPr lang="en-US"/>
-          </a:p>
-        </p:txBody>
-      </p:sp>
-      <p:sp>
-        <p:nvSpPr>
-          <p:cNvPr id="2" name="Title 1">
-            <a:extLst>
-              <a:ext uri="{FF2B5EF4-FFF2-40B4-BE49-F238E27FC236}">
-                <a16:creationId xmlns:a16="http://schemas.microsoft.com/office/drawing/2014/main" id="{11E482C6-C74F-5674-EB9D-1403F11424C4}"/>
-              </a:ext>
-            </a:extLst>
-          </p:cNvPr>
-          <p:cNvSpPr>
-            <a:spLocks noGrp="1"/>
-          </p:cNvSpPr>
-          <p:nvPr>
-            <p:ph type="title"/>
-          </p:nvPr>
+      </p:pic>
+      <p:sp>
+        <p:nvSpPr>
+          <p:cNvPr id="4" name="TextBox 3">
+            <a:extLst>
+              <a:ext uri="{FF2B5EF4-FFF2-40B4-BE49-F238E27FC236}">
+                <a16:creationId xmlns:a16="http://schemas.microsoft.com/office/drawing/2014/main" id="{9B9B650B-FB51-E8E7-C3D6-755670EFF343}"/>
+              </a:ext>
+            </a:extLst>
+          </p:cNvPr>
+          <p:cNvSpPr txBox="1"/>
+          <p:nvPr/>
         </p:nvSpPr>
         <p:spPr>
           <a:xfrm>
-            <a:off x="838198" y="547815"/>
-            <a:ext cx="5167185" cy="1680519"/>
-          </a:xfrm>
-        </p:spPr>
-        <p:txBody>
-          <a:bodyPr>
-            <a:normAutofit/>
-          </a:bodyPr>
-          <a:lstStyle/>
-          <a:p>
-            <a:r>
-              <a:rPr lang="en-US" sz="4000" dirty="0"/>
-              <a:t>Exports</a:t>
-            </a:r>
-            <a:endParaRPr lang="en-BE" sz="4000" dirty="0"/>
-          </a:p>
-        </p:txBody>
-      </p:sp>
-      <p:sp>
-        <p:nvSpPr>
-          <p:cNvPr id="3" name="Content Placeholder 2">
-            <a:extLst>
-              <a:ext uri="{FF2B5EF4-FFF2-40B4-BE49-F238E27FC236}">
-                <a16:creationId xmlns:a16="http://schemas.microsoft.com/office/drawing/2014/main" id="{332A9A9B-3CAE-C615-3A9E-E8D3DF8E8C84}"/>
-              </a:ext>
-            </a:extLst>
-          </p:cNvPr>
-          <p:cNvSpPr>
-            <a:spLocks noGrp="1"/>
-          </p:cNvSpPr>
-          <p:nvPr>
-            <p:ph idx="1"/>
-          </p:nvPr>
-        </p:nvSpPr>
-        <p:spPr>
-          <a:xfrm>
-            <a:off x="6186619" y="547815"/>
-            <a:ext cx="5178960" cy="1680519"/>
-          </a:xfrm>
-        </p:spPr>
-        <p:txBody>
-          <a:bodyPr anchor="ctr">
-            <a:normAutofit/>
-          </a:bodyPr>
-          <a:lstStyle/>
-          <a:p>
-            <a:r>
-              <a:rPr lang="en-US" sz="1800" dirty="0"/>
-              <a:t>Data streams (telemetry)</a:t>
-            </a:r>
-          </a:p>
-          <a:p>
-            <a:r>
-              <a:rPr lang="en-US" sz="1800" dirty="0"/>
-              <a:t>IoT Central Events (device created, …)</a:t>
-            </a:r>
-          </a:p>
-          <a:p>
-            <a:r>
-              <a:rPr lang="en-US" sz="1800" dirty="0"/>
-              <a:t>Azure resources</a:t>
-            </a:r>
-          </a:p>
-          <a:p>
-            <a:r>
-              <a:rPr lang="en-US" sz="1800" dirty="0"/>
-              <a:t>Data transformation using </a:t>
-            </a:r>
-            <a:r>
-              <a:rPr lang="en-US" sz="1800" dirty="0" err="1"/>
-              <a:t>jq</a:t>
-            </a:r>
-            <a:endParaRPr lang="en-US" sz="1800" dirty="0"/>
-          </a:p>
-        </p:txBody>
-      </p:sp>
-      <p:pic>
-        <p:nvPicPr>
-          <p:cNvPr id="5" name="Picture 4">
-            <a:extLst>
-              <a:ext uri="{FF2B5EF4-FFF2-40B4-BE49-F238E27FC236}">
-                <a16:creationId xmlns:a16="http://schemas.microsoft.com/office/drawing/2014/main" id="{2BA46052-5B5D-65F0-B369-9980F155F25B}"/>
-              </a:ext>
-            </a:extLst>
-          </p:cNvPr>
-          <p:cNvPicPr>
-            <a:picLocks noChangeAspect="1"/>
-          </p:cNvPicPr>
-          <p:nvPr/>
-        </p:nvPicPr>
-        <p:blipFill>
-          <a:blip r:embed="rId3"/>
-          <a:stretch>
-            <a:fillRect/>
-          </a:stretch>
-        </p:blipFill>
-        <p:spPr>
-          <a:xfrm>
-            <a:off x="838198" y="3392617"/>
-            <a:ext cx="5167185" cy="1769760"/>
+            <a:off x="5406163" y="4664506"/>
+            <a:ext cx="5871437" cy="1674374"/>
           </a:xfrm>
           <a:prstGeom prst="rect">
             <a:avLst/>
           </a:prstGeom>
         </p:spPr>
-      </p:pic>
-      <p:pic>
-        <p:nvPicPr>
-          <p:cNvPr id="7" name="Picture 6">
-            <a:extLst>
-              <a:ext uri="{FF2B5EF4-FFF2-40B4-BE49-F238E27FC236}">
-                <a16:creationId xmlns:a16="http://schemas.microsoft.com/office/drawing/2014/main" id="{D55A2D42-EC19-16EF-CFB6-5F0569311158}"/>
-              </a:ext>
-            </a:extLst>
-          </p:cNvPr>
-          <p:cNvPicPr>
-            <a:picLocks noChangeAspect="1"/>
-          </p:cNvPicPr>
-          <p:nvPr/>
-        </p:nvPicPr>
-        <p:blipFill>
-          <a:blip r:embed="rId4"/>
-          <a:stretch>
-            <a:fillRect/>
-          </a:stretch>
-        </p:blipFill>
-        <p:spPr>
-          <a:xfrm>
-            <a:off x="6198394" y="3450748"/>
-            <a:ext cx="5167185" cy="1653498"/>
-          </a:xfrm>
-          <a:prstGeom prst="rect">
-            <a:avLst/>
-          </a:prstGeom>
-        </p:spPr>
-      </p:pic>
+        <p:txBody>
+          <a:bodyPr vert="horz" lIns="91440" tIns="45720" rIns="91440" bIns="45720" rtlCol="0" anchor="ctr">
+            <a:normAutofit/>
+          </a:bodyPr>
+          <a:lstStyle/>
+          <a:p>
+            <a:pPr indent="-228600">
+              <a:lnSpc>
+                <a:spcPct val="90000"/>
+              </a:lnSpc>
+              <a:spcAft>
+                <a:spcPts val="600"/>
+              </a:spcAft>
+              <a:buFont typeface="Arial" panose="020B0604020202020204" pitchFamily="34" charset="0"/>
+              <a:buChar char="•"/>
+            </a:pPr>
+            <a:r>
+              <a:rPr lang="en-US" dirty="0"/>
+              <a:t>Gateway device</a:t>
+            </a:r>
+          </a:p>
+          <a:p>
+            <a:pPr indent="-228600">
+              <a:lnSpc>
+                <a:spcPct val="90000"/>
+              </a:lnSpc>
+              <a:spcAft>
+                <a:spcPts val="600"/>
+              </a:spcAft>
+              <a:buFont typeface="Arial" panose="020B0604020202020204" pitchFamily="34" charset="0"/>
+              <a:buChar char="•"/>
+            </a:pPr>
+            <a:r>
+              <a:rPr lang="en-US" dirty="0"/>
+              <a:t>Multiple modules</a:t>
+            </a:r>
+          </a:p>
+          <a:p>
+            <a:pPr indent="-228600">
+              <a:lnSpc>
+                <a:spcPct val="90000"/>
+              </a:lnSpc>
+              <a:spcAft>
+                <a:spcPts val="600"/>
+              </a:spcAft>
+              <a:buFont typeface="Arial" panose="020B0604020202020204" pitchFamily="34" charset="0"/>
+              <a:buChar char="•"/>
+            </a:pPr>
+            <a:r>
+              <a:rPr lang="en-US" dirty="0"/>
+              <a:t>Commands</a:t>
+            </a:r>
+          </a:p>
+        </p:txBody>
+      </p:sp>
     </p:spTree>
     <p:extLst>
       <p:ext uri="{BB962C8B-B14F-4D97-AF65-F5344CB8AC3E}">
-        <p14:creationId xmlns:p14="http://schemas.microsoft.com/office/powerpoint/2010/main" val="1409963499"/>
+        <p14:creationId xmlns:p14="http://schemas.microsoft.com/office/powerpoint/2010/main" val="408470976"/>
       </p:ext>
     </p:extLst>
   </p:cSld>
@@ -6003,25 +6042,213 @@
           <a:chExt cx="0" cy="0"/>
         </a:xfrm>
       </p:grpSpPr>
-      <p:sp>
-        <p:nvSpPr>
-          <p:cNvPr id="2" name="Title 1">
-            <a:extLst>
-              <a:ext uri="{FF2B5EF4-FFF2-40B4-BE49-F238E27FC236}">
-                <a16:creationId xmlns:a16="http://schemas.microsoft.com/office/drawing/2014/main" id="{67E9512A-A358-3845-0B22-5B1DC5170D56}"/>
-              </a:ext>
-            </a:extLst>
-          </p:cNvPr>
-          <p:cNvSpPr>
-            <a:spLocks noGrp="1"/>
-          </p:cNvSpPr>
-          <p:nvPr>
-            <p:ph type="title"/>
+      <p:sp useBgFill="1">
+        <p:nvSpPr>
+          <p:cNvPr id="22" name="Rectangle 11">
+            <a:extLst>
+              <a:ext uri="{FF2B5EF4-FFF2-40B4-BE49-F238E27FC236}">
+                <a16:creationId xmlns:a16="http://schemas.microsoft.com/office/drawing/2014/main" id="{8761DDFE-071F-4200-B0AA-394476C2D2D6}"/>
+              </a:ext>
+              <a:ext uri="{C183D7F6-B498-43B3-948B-1728B52AA6E4}">
+                <adec:decorative xmlns:adec="http://schemas.microsoft.com/office/drawing/2017/decorative" val="1"/>
+              </a:ext>
+            </a:extLst>
+          </p:cNvPr>
+          <p:cNvSpPr>
+            <a:spLocks noGrp="1" noRot="1" noChangeAspect="1" noMove="1" noResize="1" noEditPoints="1" noAdjustHandles="1" noChangeArrowheads="1" noChangeShapeType="1" noTextEdit="1"/>
+          </p:cNvSpPr>
+          <p:nvPr>
+            <p:extLst>
+              <p:ext uri="{386F3935-93C4-4BCD-93E2-E3B085C9AB24}">
+                <p16:designElem xmlns:p16="http://schemas.microsoft.com/office/powerpoint/2015/main" val="1"/>
+              </p:ext>
+            </p:extLst>
           </p:nvPr>
         </p:nvSpPr>
         <p:spPr>
           <a:xfrm>
-            <a:off x="914400" y="4664506"/>
+            <a:off x="-1" y="0"/>
+            <a:ext cx="12188952" cy="6858000"/>
+          </a:xfrm>
+          <a:prstGeom prst="rect">
+            <a:avLst/>
+          </a:prstGeom>
+          <a:ln>
+            <a:noFill/>
+          </a:ln>
+        </p:spPr>
+        <p:style>
+          <a:lnRef idx="2">
+            <a:schemeClr val="accent1">
+              <a:shade val="50000"/>
+            </a:schemeClr>
+          </a:lnRef>
+          <a:fillRef idx="1">
+            <a:schemeClr val="accent1"/>
+          </a:fillRef>
+          <a:effectRef idx="0">
+            <a:schemeClr val="accent1"/>
+          </a:effectRef>
+          <a:fontRef idx="minor">
+            <a:schemeClr val="lt1"/>
+          </a:fontRef>
+        </p:style>
+        <p:txBody>
+          <a:bodyPr rtlCol="0" anchor="ctr"/>
+          <a:lstStyle/>
+          <a:p>
+            <a:pPr algn="ctr"/>
+            <a:endParaRPr lang="en-US"/>
+          </a:p>
+        </p:txBody>
+      </p:sp>
+      <p:sp>
+        <p:nvSpPr>
+          <p:cNvPr id="2" name="Title 1">
+            <a:extLst>
+              <a:ext uri="{FF2B5EF4-FFF2-40B4-BE49-F238E27FC236}">
+                <a16:creationId xmlns:a16="http://schemas.microsoft.com/office/drawing/2014/main" id="{11E482C6-C74F-5674-EB9D-1403F11424C4}"/>
+              </a:ext>
+            </a:extLst>
+          </p:cNvPr>
+          <p:cNvSpPr>
+            <a:spLocks noGrp="1"/>
+          </p:cNvSpPr>
+          <p:nvPr>
+            <p:ph type="title"/>
+          </p:nvPr>
+        </p:nvSpPr>
+        <p:spPr>
+          <a:xfrm>
+            <a:off x="838198" y="547815"/>
+            <a:ext cx="5167185" cy="1680519"/>
+          </a:xfrm>
+        </p:spPr>
+        <p:txBody>
+          <a:bodyPr>
+            <a:normAutofit/>
+          </a:bodyPr>
+          <a:lstStyle/>
+          <a:p>
+            <a:r>
+              <a:rPr lang="en-US" sz="4000"/>
+              <a:t>Exports</a:t>
+            </a:r>
+            <a:endParaRPr lang="en-BE" sz="4000" dirty="0"/>
+          </a:p>
+        </p:txBody>
+      </p:sp>
+      <p:sp>
+        <p:nvSpPr>
+          <p:cNvPr id="3" name="Content Placeholder 2">
+            <a:extLst>
+              <a:ext uri="{FF2B5EF4-FFF2-40B4-BE49-F238E27FC236}">
+                <a16:creationId xmlns:a16="http://schemas.microsoft.com/office/drawing/2014/main" id="{332A9A9B-3CAE-C615-3A9E-E8D3DF8E8C84}"/>
+              </a:ext>
+            </a:extLst>
+          </p:cNvPr>
+          <p:cNvSpPr>
+            <a:spLocks noGrp="1"/>
+          </p:cNvSpPr>
+          <p:nvPr>
+            <p:ph idx="1"/>
+          </p:nvPr>
+        </p:nvSpPr>
+        <p:spPr>
+          <a:xfrm>
+            <a:off x="6186619" y="547815"/>
+            <a:ext cx="5178960" cy="1680519"/>
+          </a:xfrm>
+        </p:spPr>
+        <p:txBody>
+          <a:bodyPr anchor="ctr">
+            <a:normAutofit/>
+          </a:bodyPr>
+          <a:lstStyle/>
+          <a:p>
+            <a:r>
+              <a:rPr lang="en-US" sz="1800"/>
+              <a:t>Data streams (telemetry)</a:t>
+            </a:r>
+          </a:p>
+          <a:p>
+            <a:r>
+              <a:rPr lang="en-US" sz="1800"/>
+              <a:t>IoT Central Events (device created, …)</a:t>
+            </a:r>
+          </a:p>
+          <a:p>
+            <a:r>
+              <a:rPr lang="en-US" sz="1800"/>
+              <a:t>Azure resources</a:t>
+            </a:r>
+          </a:p>
+          <a:p>
+            <a:r>
+              <a:rPr lang="en-US" sz="1800"/>
+              <a:t>Data transformation using jq</a:t>
+            </a:r>
+            <a:endParaRPr lang="en-US" sz="1800" dirty="0"/>
+          </a:p>
+        </p:txBody>
+      </p:sp>
+    </p:spTree>
+    <p:extLst>
+      <p:ext uri="{BB962C8B-B14F-4D97-AF65-F5344CB8AC3E}">
+        <p14:creationId xmlns:p14="http://schemas.microsoft.com/office/powerpoint/2010/main" val="1409963499"/>
+      </p:ext>
+    </p:extLst>
+  </p:cSld>
+  <p:clrMapOvr>
+    <a:masterClrMapping/>
+  </p:clrMapOvr>
+</p:sld>
+</file>
+
+<file path=ppt/slides/slide12.xml><?xml version="1.0" encoding="utf-8"?>
+<p:sld xmlns:a="http://schemas.openxmlformats.org/drawingml/2006/main" xmlns:r="http://schemas.openxmlformats.org/officeDocument/2006/relationships" xmlns:p="http://schemas.openxmlformats.org/presentationml/2006/main">
+  <p:cSld>
+    <p:bg>
+      <p:bgPr>
+        <a:solidFill>
+          <a:schemeClr val="bg1"/>
+        </a:solidFill>
+        <a:effectLst/>
+      </p:bgPr>
+    </p:bg>
+    <p:spTree>
+      <p:nvGrpSpPr>
+        <p:cNvPr id="1" name=""/>
+        <p:cNvGrpSpPr/>
+        <p:nvPr/>
+      </p:nvGrpSpPr>
+      <p:grpSpPr>
+        <a:xfrm>
+          <a:off x="0" y="0"/>
+          <a:ext cx="0" cy="0"/>
+          <a:chOff x="0" y="0"/>
+          <a:chExt cx="0" cy="0"/>
+        </a:xfrm>
+      </p:grpSpPr>
+      <p:sp>
+        <p:nvSpPr>
+          <p:cNvPr id="2" name="Title 1">
+            <a:extLst>
+              <a:ext uri="{FF2B5EF4-FFF2-40B4-BE49-F238E27FC236}">
+                <a16:creationId xmlns:a16="http://schemas.microsoft.com/office/drawing/2014/main" id="{67E9512A-A358-3845-0B22-5B1DC5170D56}"/>
+              </a:ext>
+            </a:extLst>
+          </p:cNvPr>
+          <p:cNvSpPr>
+            <a:spLocks noGrp="1"/>
+          </p:cNvSpPr>
+          <p:nvPr>
+            <p:ph type="title"/>
+          </p:nvPr>
+        </p:nvSpPr>
+        <p:spPr>
+          <a:xfrm>
+            <a:off x="914400" y="619201"/>
             <a:ext cx="3777240" cy="1674374"/>
           </a:xfrm>
         </p:spPr>
@@ -6067,10 +6294,10 @@
       </p:sp>
       <p:pic>
         <p:nvPicPr>
-          <p:cNvPr id="4" name="Picture 3">
-            <a:extLst>
-              <a:ext uri="{FF2B5EF4-FFF2-40B4-BE49-F238E27FC236}">
-                <a16:creationId xmlns:a16="http://schemas.microsoft.com/office/drawing/2014/main" id="{6ADD0B8E-14D8-A39C-CC2B-D442E775942C}"/>
+          <p:cNvPr id="6" name="Picture 5">
+            <a:extLst>
+              <a:ext uri="{FF2B5EF4-FFF2-40B4-BE49-F238E27FC236}">
+                <a16:creationId xmlns:a16="http://schemas.microsoft.com/office/drawing/2014/main" id="{CD4907BD-C2BA-D6E6-A9F9-968A50E5AB62}"/>
               </a:ext>
             </a:extLst>
           </p:cNvPr>
@@ -6087,122 +6314,14 @@
         </p:blipFill>
         <p:spPr>
           <a:xfrm>
-            <a:off x="907152" y="571893"/>
-            <a:ext cx="10357954" cy="3573493"/>
+            <a:off x="1586465" y="2512229"/>
+            <a:ext cx="9019070" cy="2828284"/>
           </a:xfrm>
           <a:prstGeom prst="rect">
             <a:avLst/>
           </a:prstGeom>
         </p:spPr>
       </p:pic>
-      <p:sp>
-        <p:nvSpPr>
-          <p:cNvPr id="5" name="TextBox 4">
-            <a:extLst>
-              <a:ext uri="{FF2B5EF4-FFF2-40B4-BE49-F238E27FC236}">
-                <a16:creationId xmlns:a16="http://schemas.microsoft.com/office/drawing/2014/main" id="{FEFCBBE8-FB25-763F-838B-F57209BED72A}"/>
-              </a:ext>
-            </a:extLst>
-          </p:cNvPr>
-          <p:cNvSpPr txBox="1"/>
-          <p:nvPr/>
-        </p:nvSpPr>
-        <p:spPr>
-          <a:xfrm>
-            <a:off x="5406163" y="4664506"/>
-            <a:ext cx="5871437" cy="1674374"/>
-          </a:xfrm>
-          <a:prstGeom prst="rect">
-            <a:avLst/>
-          </a:prstGeom>
-        </p:spPr>
-        <p:txBody>
-          <a:bodyPr vert="horz" lIns="91440" tIns="45720" rIns="91440" bIns="45720" rtlCol="0" anchor="ctr">
-            <a:normAutofit/>
-          </a:bodyPr>
-          <a:lstStyle/>
-          <a:p>
-            <a:pPr marL="457200" indent="-228600">
-              <a:lnSpc>
-                <a:spcPct val="90000"/>
-              </a:lnSpc>
-              <a:spcAft>
-                <a:spcPts val="600"/>
-              </a:spcAft>
-              <a:buFont typeface="Arial" panose="020B0604020202020204" pitchFamily="34" charset="0"/>
-              <a:buChar char="•"/>
-            </a:pPr>
-            <a:r>
-              <a:rPr lang="en-US" dirty="0"/>
-              <a:t>Create 2 IoT devices in IoT Central</a:t>
-            </a:r>
-          </a:p>
-          <a:p>
-            <a:pPr marL="457200" indent="-228600">
-              <a:lnSpc>
-                <a:spcPct val="90000"/>
-              </a:lnSpc>
-              <a:spcAft>
-                <a:spcPts val="600"/>
-              </a:spcAft>
-              <a:buFont typeface="Arial" panose="020B0604020202020204" pitchFamily="34" charset="0"/>
-              <a:buChar char="•"/>
-            </a:pPr>
-            <a:r>
-              <a:rPr lang="en-US" dirty="0"/>
-              <a:t>Create a device template for those devices</a:t>
-            </a:r>
-          </a:p>
-          <a:p>
-            <a:pPr marL="457200" indent="-228600">
-              <a:lnSpc>
-                <a:spcPct val="90000"/>
-              </a:lnSpc>
-              <a:spcAft>
-                <a:spcPts val="600"/>
-              </a:spcAft>
-              <a:buFont typeface="Arial" panose="020B0604020202020204" pitchFamily="34" charset="0"/>
-              <a:buChar char="•"/>
-            </a:pPr>
-            <a:r>
-              <a:rPr lang="en-US" dirty="0"/>
-              <a:t>Send simulation telemetry for those devices</a:t>
-            </a:r>
-          </a:p>
-          <a:p>
-            <a:pPr marL="457200" indent="-228600">
-              <a:lnSpc>
-                <a:spcPct val="90000"/>
-              </a:lnSpc>
-              <a:spcAft>
-                <a:spcPts val="600"/>
-              </a:spcAft>
-              <a:buFont typeface="Arial" panose="020B0604020202020204" pitchFamily="34" charset="0"/>
-              <a:buChar char="•"/>
-            </a:pPr>
-            <a:r>
-              <a:rPr lang="en-US" dirty="0"/>
-              <a:t>Create data export to Azure event hub</a:t>
-            </a:r>
-          </a:p>
-          <a:p>
-            <a:pPr marL="457200" indent="-228600">
-              <a:lnSpc>
-                <a:spcPct val="90000"/>
-              </a:lnSpc>
-              <a:spcAft>
-                <a:spcPts val="600"/>
-              </a:spcAft>
-              <a:buFont typeface="Arial" panose="020B0604020202020204" pitchFamily="34" charset="0"/>
-              <a:buChar char="•"/>
-            </a:pPr>
-            <a:r>
-              <a:rPr lang="en-US" dirty="0"/>
-              <a:t>Consume data in an Azure function</a:t>
-            </a:r>
-          </a:p>
-        </p:txBody>
-      </p:sp>
     </p:spTree>
     <p:extLst>
       <p:ext uri="{BB962C8B-B14F-4D97-AF65-F5344CB8AC3E}">
@@ -6312,13 +6431,14 @@
               <a:buNone/>
             </a:pPr>
             <a:r>
-              <a:rPr lang="nl-NL" sz="2000" kern="1200" dirty="0">
-                <a:latin typeface="Calibri Light (Headings)"/>
+              <a:rPr lang="nl-NL" sz="2000" b="0" i="0" dirty="0">
+                <a:effectLst/>
+                <a:latin typeface="+mj-lt"/>
               </a:rPr>
-              <a:t>IoT Central is een cloudgebaseerd platform dat bedrijven en ontwikkelaars helpt bij het beheren, monitoren en analyseren van Internet of Things (IoT)-apparaten en gegevens. Het biedt eenvoudig apparaatbeheer, real-time monitoring, schaalbaarheid, beveiliging, en de mogelijkheid om gegevens te integreren en te analyseren, waardoor het gemakkelijker wordt om IoT-implementaties te bouwen en te beheren en waardevolle inzichten te verkrijgen uit IoT-gegevens.</a:t>
+              <a:t>IoT Central is een geavanceerd platform dat is ontworpen om het beheer van Internet of Things (IoT) apparaten te vereenvoudigen, inclusief gegevensverzameling, realtime analyse, visualisatie en naadloze integratie met bedrijfsprocessen.</a:t>
             </a:r>
             <a:endParaRPr lang="en-BE" sz="2000" dirty="0">
-              <a:latin typeface="Calibri Light (Headings)"/>
+              <a:latin typeface="+mj-lt"/>
             </a:endParaRPr>
           </a:p>
         </p:txBody>
@@ -6408,7 +6528,7 @@
           <p:nvPr/>
         </p:nvPicPr>
         <p:blipFill>
-          <a:blip r:embed="rId2">
+          <a:blip r:embed="rId3">
             <a:extLst>
               <a:ext uri="{28A0092B-C50C-407E-A947-70E740481C1C}">
                 <a14:useLocalDpi xmlns:a14="http://schemas.microsoft.com/office/drawing/2010/main" val="0"/>
@@ -6503,14 +6623,6 @@
 <file path=ppt/slides/slide3.xml><?xml version="1.0" encoding="utf-8"?>
 <p:sld xmlns:a="http://schemas.openxmlformats.org/drawingml/2006/main" xmlns:r="http://schemas.openxmlformats.org/officeDocument/2006/relationships" xmlns:p="http://schemas.openxmlformats.org/presentationml/2006/main">
   <p:cSld>
-    <p:bg>
-      <p:bgPr>
-        <a:solidFill>
-          <a:schemeClr val="bg1"/>
-        </a:solidFill>
-        <a:effectLst/>
-      </p:bgPr>
-    </p:bg>
     <p:spTree>
       <p:nvGrpSpPr>
         <p:cNvPr id="1" name=""/>
@@ -6527,177 +6639,93 @@
       </p:grpSpPr>
       <p:sp>
         <p:nvSpPr>
-          <p:cNvPr id="2" name="Title 1">
-            <a:extLst>
-              <a:ext uri="{FF2B5EF4-FFF2-40B4-BE49-F238E27FC236}">
-                <a16:creationId xmlns:a16="http://schemas.microsoft.com/office/drawing/2014/main" id="{6B9BA862-13CC-4B28-CD7F-A95A57367FBF}"/>
-              </a:ext>
-            </a:extLst>
-          </p:cNvPr>
-          <p:cNvSpPr>
-            <a:spLocks noGrp="1"/>
-          </p:cNvSpPr>
-          <p:nvPr>
-            <p:ph type="title"/>
+          <p:cNvPr id="3" name="Content Placeholder 2">
+            <a:extLst>
+              <a:ext uri="{FF2B5EF4-FFF2-40B4-BE49-F238E27FC236}">
+                <a16:creationId xmlns:a16="http://schemas.microsoft.com/office/drawing/2014/main" id="{232A8338-3950-5A56-694A-BAD62CF977EE}"/>
+              </a:ext>
+            </a:extLst>
+          </p:cNvPr>
+          <p:cNvSpPr>
+            <a:spLocks noGrp="1"/>
+          </p:cNvSpPr>
+          <p:nvPr>
+            <p:ph idx="1"/>
           </p:nvPr>
         </p:nvSpPr>
         <p:spPr>
           <a:xfrm>
-            <a:off x="481013" y="327026"/>
-            <a:ext cx="3290887" cy="2287588"/>
+            <a:off x="838200" y="2691993"/>
+            <a:ext cx="10515600" cy="3484969"/>
           </a:xfrm>
         </p:spPr>
         <p:txBody>
-          <a:bodyPr anchor="ctr">
+          <a:bodyPr/>
+          <a:lstStyle/>
+          <a:p>
+            <a:endParaRPr lang="en-BE" dirty="0"/>
+          </a:p>
+        </p:txBody>
+      </p:sp>
+      <p:sp>
+        <p:nvSpPr>
+          <p:cNvPr id="6" name="Title 1">
+            <a:extLst>
+              <a:ext uri="{FF2B5EF4-FFF2-40B4-BE49-F238E27FC236}">
+                <a16:creationId xmlns:a16="http://schemas.microsoft.com/office/drawing/2014/main" id="{F604ADF8-9E5B-F44A-84F8-9BF250EF8D27}"/>
+              </a:ext>
+            </a:extLst>
+          </p:cNvPr>
+          <p:cNvSpPr txBox="1">
+            <a:spLocks/>
+          </p:cNvSpPr>
+          <p:nvPr/>
+        </p:nvSpPr>
+        <p:spPr>
+          <a:xfrm>
+            <a:off x="762000" y="761998"/>
+            <a:ext cx="5334000" cy="1708246"/>
+          </a:xfrm>
+          <a:prstGeom prst="rect">
+            <a:avLst/>
+          </a:prstGeom>
+        </p:spPr>
+        <p:txBody>
+          <a:bodyPr vert="horz" lIns="91440" tIns="45720" rIns="91440" bIns="45720" rtlCol="0" anchor="ctr">
             <a:normAutofit/>
           </a:bodyPr>
-          <a:lstStyle/>
-          <a:p>
-            <a:r>
-              <a:rPr lang="en-US" sz="4000" dirty="0" err="1"/>
-              <a:t>Eenvoudig</a:t>
-            </a:r>
-            <a:r>
-              <a:rPr lang="en-US" sz="4000" dirty="0"/>
-              <a:t> Device Management</a:t>
+          <a:lstStyle>
+            <a:lvl1pPr algn="l" defTabSz="914400" rtl="0" eaLnBrk="1" latinLnBrk="0" hangingPunct="1">
+              <a:lnSpc>
+                <a:spcPct val="90000"/>
+              </a:lnSpc>
+              <a:spcBef>
+                <a:spcPct val="0"/>
+              </a:spcBef>
+              <a:buNone/>
+              <a:defRPr sz="4400" kern="1200">
+                <a:solidFill>
+                  <a:schemeClr val="tx1"/>
+                </a:solidFill>
+                <a:latin typeface="+mj-lt"/>
+                <a:ea typeface="+mj-ea"/>
+                <a:cs typeface="+mj-cs"/>
+              </a:defRPr>
+            </a:lvl1pPr>
+          </a:lstStyle>
+          <a:p>
+            <a:r>
+              <a:rPr lang="en-US" sz="4000"/>
+              <a:t>Wat is IoT Central</a:t>
             </a:r>
             <a:endParaRPr lang="en-BE" sz="4000" dirty="0"/>
           </a:p>
         </p:txBody>
       </p:sp>
-      <p:sp>
-        <p:nvSpPr>
-          <p:cNvPr id="3" name="Content Placeholder 2">
-            <a:extLst>
-              <a:ext uri="{FF2B5EF4-FFF2-40B4-BE49-F238E27FC236}">
-                <a16:creationId xmlns:a16="http://schemas.microsoft.com/office/drawing/2014/main" id="{7A0163FB-7597-F865-48C8-B3907C061B0F}"/>
-              </a:ext>
-            </a:extLst>
-          </p:cNvPr>
-          <p:cNvSpPr>
-            <a:spLocks noGrp="1"/>
-          </p:cNvSpPr>
-          <p:nvPr>
-            <p:ph idx="1"/>
-          </p:nvPr>
-        </p:nvSpPr>
-        <p:spPr>
-          <a:xfrm>
-            <a:off x="4223982" y="327026"/>
-            <a:ext cx="7485413" cy="2287587"/>
-          </a:xfrm>
-        </p:spPr>
-        <p:txBody>
-          <a:bodyPr anchor="ctr">
-            <a:normAutofit/>
-          </a:bodyPr>
-          <a:lstStyle/>
-          <a:p>
-            <a:r>
-              <a:rPr lang="en-US" sz="1800" dirty="0"/>
-              <a:t>IoT-devices </a:t>
-            </a:r>
-            <a:r>
-              <a:rPr lang="en-US" sz="1800" dirty="0" err="1"/>
-              <a:t>registreren</a:t>
-            </a:r>
-            <a:r>
-              <a:rPr lang="en-US" sz="1800" dirty="0"/>
-              <a:t> &amp; </a:t>
-            </a:r>
-            <a:r>
-              <a:rPr lang="en-US" sz="1800" dirty="0" err="1"/>
-              <a:t>beheren</a:t>
-            </a:r>
-            <a:endParaRPr lang="en-US" sz="1800" dirty="0"/>
-          </a:p>
-          <a:p>
-            <a:r>
-              <a:rPr lang="en-US" sz="1800" dirty="0"/>
-              <a:t>Organizations</a:t>
-            </a:r>
-          </a:p>
-          <a:p>
-            <a:r>
-              <a:rPr lang="en-US" sz="1800" dirty="0"/>
-              <a:t>Device groups</a:t>
-            </a:r>
-          </a:p>
-          <a:p>
-            <a:r>
-              <a:rPr lang="en-US" sz="1800" dirty="0"/>
-              <a:t>Device templates</a:t>
-            </a:r>
-          </a:p>
-        </p:txBody>
-      </p:sp>
-      <p:pic>
-        <p:nvPicPr>
-          <p:cNvPr id="7" name="Picture 6">
-            <a:extLst>
-              <a:ext uri="{FF2B5EF4-FFF2-40B4-BE49-F238E27FC236}">
-                <a16:creationId xmlns:a16="http://schemas.microsoft.com/office/drawing/2014/main" id="{B532B2CB-D1CA-D1AF-6E59-B41038E85C75}"/>
-              </a:ext>
-            </a:extLst>
-          </p:cNvPr>
-          <p:cNvPicPr>
-            <a:picLocks noChangeAspect="1"/>
-          </p:cNvPicPr>
-          <p:nvPr/>
-        </p:nvPicPr>
-        <p:blipFill rotWithShape="1">
-          <a:blip r:embed="rId3"/>
-          <a:srcRect r="21753" b="-1"/>
-          <a:stretch/>
-        </p:blipFill>
-        <p:spPr>
-          <a:xfrm>
-            <a:off x="-9168" y="2763151"/>
-            <a:ext cx="12201168" cy="4093262"/>
-          </a:xfrm>
-          <a:custGeom>
-            <a:avLst/>
-            <a:gdLst/>
-            <a:ahLst/>
-            <a:cxnLst/>
-            <a:rect l="l" t="t" r="r" b="b"/>
-            <a:pathLst>
-              <a:path w="12201168" h="4093262">
-                <a:moveTo>
-                  <a:pt x="12201168" y="0"/>
-                </a:moveTo>
-                <a:lnTo>
-                  <a:pt x="12201168" y="4093262"/>
-                </a:lnTo>
-                <a:lnTo>
-                  <a:pt x="0" y="4093262"/>
-                </a:lnTo>
-                <a:lnTo>
-                  <a:pt x="0" y="49771"/>
-                </a:lnTo>
-                <a:lnTo>
-                  <a:pt x="344880" y="64399"/>
-                </a:lnTo>
-                <a:cubicBezTo>
-                  <a:pt x="3386438" y="213466"/>
-                  <a:pt x="6427997" y="534535"/>
-                  <a:pt x="9469555" y="167599"/>
-                </a:cubicBezTo>
-                <a:cubicBezTo>
-                  <a:pt x="10229945" y="75865"/>
-                  <a:pt x="10990334" y="27132"/>
-                  <a:pt x="11750723" y="7961"/>
-                </a:cubicBezTo>
-                <a:close/>
-              </a:path>
-            </a:pathLst>
-          </a:custGeom>
-        </p:spPr>
-      </p:pic>
     </p:spTree>
     <p:extLst>
       <p:ext uri="{BB962C8B-B14F-4D97-AF65-F5344CB8AC3E}">
-        <p14:creationId xmlns:p14="http://schemas.microsoft.com/office/powerpoint/2010/main" val="3760236575"/>
+        <p14:creationId xmlns:p14="http://schemas.microsoft.com/office/powerpoint/2010/main" val="728884561"/>
       </p:ext>
     </p:extLst>
   </p:cSld>
@@ -6732,224 +6760,116 @@
           <a:chExt cx="0" cy="0"/>
         </a:xfrm>
       </p:grpSpPr>
-      <p:sp useBgFill="1">
-        <p:nvSpPr>
-          <p:cNvPr id="17" name="Rectangle 14">
-            <a:extLst>
-              <a:ext uri="{FF2B5EF4-FFF2-40B4-BE49-F238E27FC236}">
-                <a16:creationId xmlns:a16="http://schemas.microsoft.com/office/drawing/2014/main" id="{CEF6118E-44FB-4509-B4D9-129052E4C6EE}"/>
-              </a:ext>
-              <a:ext uri="{C183D7F6-B498-43B3-948B-1728B52AA6E4}">
-                <adec:decorative xmlns:adec="http://schemas.microsoft.com/office/drawing/2017/decorative" val="1"/>
-              </a:ext>
-            </a:extLst>
-          </p:cNvPr>
-          <p:cNvSpPr>
-            <a:spLocks noGrp="1" noRot="1" noChangeAspect="1" noMove="1" noResize="1" noEditPoints="1" noAdjustHandles="1" noChangeArrowheads="1" noChangeShapeType="1" noTextEdit="1"/>
-          </p:cNvSpPr>
-          <p:nvPr>
-            <p:extLst>
-              <p:ext uri="{386F3935-93C4-4BCD-93E2-E3B085C9AB24}">
-                <p16:designElem xmlns:p16="http://schemas.microsoft.com/office/powerpoint/2015/main" val="1"/>
-              </p:ext>
-            </p:extLst>
+      <p:sp>
+        <p:nvSpPr>
+          <p:cNvPr id="2" name="Title 1">
+            <a:extLst>
+              <a:ext uri="{FF2B5EF4-FFF2-40B4-BE49-F238E27FC236}">
+                <a16:creationId xmlns:a16="http://schemas.microsoft.com/office/drawing/2014/main" id="{6B9BA862-13CC-4B28-CD7F-A95A57367FBF}"/>
+              </a:ext>
+            </a:extLst>
+          </p:cNvPr>
+          <p:cNvSpPr>
+            <a:spLocks noGrp="1"/>
+          </p:cNvSpPr>
+          <p:nvPr>
+            <p:ph type="title"/>
           </p:nvPr>
         </p:nvSpPr>
         <p:spPr>
           <a:xfrm>
-            <a:off x="-1" y="0"/>
-            <a:ext cx="12188952" cy="6858000"/>
+            <a:off x="481013" y="327026"/>
+            <a:ext cx="3290887" cy="2287588"/>
           </a:xfrm>
-          <a:prstGeom prst="rect">
-            <a:avLst/>
-          </a:prstGeom>
-          <a:ln>
-            <a:noFill/>
-          </a:ln>
         </p:spPr>
-        <p:style>
-          <a:lnRef idx="2">
-            <a:schemeClr val="accent1">
-              <a:shade val="50000"/>
-            </a:schemeClr>
-          </a:lnRef>
-          <a:fillRef idx="1">
-            <a:schemeClr val="accent1"/>
-          </a:fillRef>
-          <a:effectRef idx="0">
-            <a:schemeClr val="accent1"/>
-          </a:effectRef>
-          <a:fontRef idx="minor">
-            <a:schemeClr val="lt1"/>
-          </a:fontRef>
-        </p:style>
-        <p:txBody>
-          <a:bodyPr rtlCol="0" anchor="ctr"/>
-          <a:lstStyle/>
-          <a:p>
-            <a:pPr algn="ctr"/>
-            <a:endParaRPr lang="en-US"/>
-          </a:p>
-        </p:txBody>
-      </p:sp>
-      <p:sp>
-        <p:nvSpPr>
-          <p:cNvPr id="2" name="Title 1">
-            <a:extLst>
-              <a:ext uri="{FF2B5EF4-FFF2-40B4-BE49-F238E27FC236}">
-                <a16:creationId xmlns:a16="http://schemas.microsoft.com/office/drawing/2014/main" id="{986C344D-8F08-1DBC-F7AC-6AB5A2BD6840}"/>
-              </a:ext>
-            </a:extLst>
-          </p:cNvPr>
-          <p:cNvSpPr>
-            <a:spLocks noGrp="1"/>
-          </p:cNvSpPr>
-          <p:nvPr>
-            <p:ph type="title"/>
+        <p:txBody>
+          <a:bodyPr anchor="ctr">
+            <a:normAutofit/>
+          </a:bodyPr>
+          <a:lstStyle/>
+          <a:p>
+            <a:r>
+              <a:rPr lang="en-US" sz="4000" dirty="0" err="1"/>
+              <a:t>Eenvoudig</a:t>
+            </a:r>
+            <a:r>
+              <a:rPr lang="en-US" sz="4000" dirty="0"/>
+              <a:t> Device Management</a:t>
+            </a:r>
+            <a:endParaRPr lang="en-BE" sz="4000" dirty="0"/>
+          </a:p>
+        </p:txBody>
+      </p:sp>
+      <p:sp>
+        <p:nvSpPr>
+          <p:cNvPr id="3" name="Content Placeholder 2">
+            <a:extLst>
+              <a:ext uri="{FF2B5EF4-FFF2-40B4-BE49-F238E27FC236}">
+                <a16:creationId xmlns:a16="http://schemas.microsoft.com/office/drawing/2014/main" id="{7A0163FB-7597-F865-48C8-B3907C061B0F}"/>
+              </a:ext>
+            </a:extLst>
+          </p:cNvPr>
+          <p:cNvSpPr>
+            <a:spLocks noGrp="1"/>
+          </p:cNvSpPr>
+          <p:nvPr>
+            <p:ph idx="1"/>
           </p:nvPr>
         </p:nvSpPr>
         <p:spPr>
           <a:xfrm>
-            <a:off x="835155" y="525195"/>
-            <a:ext cx="3986155" cy="2806506"/>
+            <a:off x="4223982" y="327026"/>
+            <a:ext cx="7485413" cy="2287587"/>
           </a:xfrm>
         </p:spPr>
         <p:txBody>
-          <a:bodyPr anchor="b">
+          <a:bodyPr anchor="ctr">
             <a:normAutofit/>
           </a:bodyPr>
           <a:lstStyle/>
           <a:p>
             <a:r>
-              <a:rPr lang="en-US" sz="4000" dirty="0"/>
-              <a:t>Real-time Monitoring</a:t>
-            </a:r>
-            <a:endParaRPr lang="en-BE" sz="4000" dirty="0"/>
-          </a:p>
-        </p:txBody>
-      </p:sp>
-      <p:pic>
-        <p:nvPicPr>
-          <p:cNvPr id="5" name="Picture 4">
-            <a:extLst>
-              <a:ext uri="{FF2B5EF4-FFF2-40B4-BE49-F238E27FC236}">
-                <a16:creationId xmlns:a16="http://schemas.microsoft.com/office/drawing/2014/main" id="{681A0C39-EF83-FEC2-2A11-7F3675DCB02F}"/>
-              </a:ext>
-            </a:extLst>
-          </p:cNvPr>
-          <p:cNvPicPr>
-            <a:picLocks noChangeAspect="1"/>
-          </p:cNvPicPr>
-          <p:nvPr/>
-        </p:nvPicPr>
-        <p:blipFill rotWithShape="1">
-          <a:blip r:embed="rId3"/>
-          <a:srcRect l="4620" r="7151" b="-2"/>
-          <a:stretch/>
-        </p:blipFill>
-        <p:spPr>
-          <a:xfrm>
-            <a:off x="5186554" y="163646"/>
-            <a:ext cx="6806703" cy="2623097"/>
-          </a:xfrm>
-          <a:prstGeom prst="rect">
-            <a:avLst/>
-          </a:prstGeom>
-        </p:spPr>
-      </p:pic>
-      <p:sp>
-        <p:nvSpPr>
-          <p:cNvPr id="3" name="Content Placeholder 2">
-            <a:extLst>
-              <a:ext uri="{FF2B5EF4-FFF2-40B4-BE49-F238E27FC236}">
-                <a16:creationId xmlns:a16="http://schemas.microsoft.com/office/drawing/2014/main" id="{88074758-2266-AFFB-1A4F-7F0089DFB2F0}"/>
-              </a:ext>
-            </a:extLst>
-          </p:cNvPr>
-          <p:cNvSpPr>
-            <a:spLocks noGrp="1"/>
-          </p:cNvSpPr>
-          <p:nvPr>
-            <p:ph idx="1"/>
-          </p:nvPr>
-        </p:nvSpPr>
-        <p:spPr>
-          <a:xfrm>
-            <a:off x="835155" y="3526300"/>
-            <a:ext cx="3986155" cy="2588458"/>
-          </a:xfrm>
-        </p:spPr>
-        <p:txBody>
-          <a:bodyPr>
-            <a:normAutofit/>
-          </a:bodyPr>
-          <a:lstStyle/>
-          <a:p>
-            <a:r>
               <a:rPr lang="en-US" sz="1800" dirty="0"/>
-              <a:t>Realtime raw data</a:t>
-            </a:r>
-          </a:p>
-          <a:p>
+              <a:t>IoT-devices </a:t>
+            </a:r>
+            <a:r>
+              <a:rPr lang="en-US" sz="1800" dirty="0" err="1"/>
+              <a:t>registreren</a:t>
+            </a:r>
             <a:r>
               <a:rPr lang="en-US" sz="1800" dirty="0"/>
-              <a:t>Dashboards</a:t>
-            </a:r>
+              <a:t> &amp; </a:t>
+            </a:r>
+            <a:r>
+              <a:rPr lang="en-US" sz="1800" dirty="0" err="1"/>
+              <a:t>beheren</a:t>
+            </a:r>
+            <a:endParaRPr lang="en-US" sz="1800" dirty="0"/>
           </a:p>
           <a:p>
             <a:r>
               <a:rPr lang="en-US" sz="1800" dirty="0"/>
-              <a:t>Widgets</a:t>
+              <a:t>Organizations</a:t>
             </a:r>
           </a:p>
           <a:p>
             <a:r>
               <a:rPr lang="en-US" sz="1800" dirty="0"/>
-              <a:t>Charts</a:t>
+              <a:t>Device groups</a:t>
             </a:r>
           </a:p>
           <a:p>
             <a:r>
               <a:rPr lang="en-US" sz="1800" dirty="0"/>
-              <a:t>Data Explorer</a:t>
-            </a:r>
-            <a:endParaRPr lang="en-BE" sz="1800" dirty="0"/>
-          </a:p>
-        </p:txBody>
-      </p:sp>
-      <p:pic>
-        <p:nvPicPr>
-          <p:cNvPr id="7" name="Picture 6">
-            <a:extLst>
-              <a:ext uri="{FF2B5EF4-FFF2-40B4-BE49-F238E27FC236}">
-                <a16:creationId xmlns:a16="http://schemas.microsoft.com/office/drawing/2014/main" id="{EAA59D75-2680-4FA5-13F6-5432ED2A0631}"/>
-              </a:ext>
-            </a:extLst>
-          </p:cNvPr>
-          <p:cNvPicPr>
-            <a:picLocks noChangeAspect="1"/>
-          </p:cNvPicPr>
-          <p:nvPr/>
-        </p:nvPicPr>
-        <p:blipFill rotWithShape="1">
-          <a:blip r:embed="rId4"/>
-          <a:srcRect r="1" b="14711"/>
-          <a:stretch/>
-        </p:blipFill>
-        <p:spPr>
-          <a:xfrm>
-            <a:off x="5186554" y="2956875"/>
-            <a:ext cx="6806703" cy="3352653"/>
-          </a:xfrm>
-          <a:prstGeom prst="rect">
-            <a:avLst/>
-          </a:prstGeom>
-        </p:spPr>
-      </p:pic>
+              <a:t>Device templates</a:t>
+            </a:r>
+          </a:p>
+        </p:txBody>
+      </p:sp>
     </p:spTree>
     <p:extLst>
       <p:ext uri="{BB962C8B-B14F-4D97-AF65-F5344CB8AC3E}">
-        <p14:creationId xmlns:p14="http://schemas.microsoft.com/office/powerpoint/2010/main" val="2100870518"/>
+        <p14:creationId xmlns:p14="http://schemas.microsoft.com/office/powerpoint/2010/main" val="3760236575"/>
       </p:ext>
     </p:extLst>
   </p:cSld>
@@ -6986,10 +6906,10 @@
       </p:grpSpPr>
       <p:sp useBgFill="1">
         <p:nvSpPr>
-          <p:cNvPr id="10" name="Rectangle 9">
-            <a:extLst>
-              <a:ext uri="{FF2B5EF4-FFF2-40B4-BE49-F238E27FC236}">
-                <a16:creationId xmlns:a16="http://schemas.microsoft.com/office/drawing/2014/main" id="{1A95671B-3CC6-4792-9114-B74FAEA224E6}"/>
+          <p:cNvPr id="17" name="Rectangle 14">
+            <a:extLst>
+              <a:ext uri="{FF2B5EF4-FFF2-40B4-BE49-F238E27FC236}">
+                <a16:creationId xmlns:a16="http://schemas.microsoft.com/office/drawing/2014/main" id="{CEF6118E-44FB-4509-B4D9-129052E4C6EE}"/>
               </a:ext>
               <a:ext uri="{C183D7F6-B498-43B3-948B-1728B52AA6E4}">
                 <adec:decorative xmlns:adec="http://schemas.microsoft.com/office/drawing/2017/decorative" val="1"/>
@@ -7009,7 +6929,7 @@
         </p:nvSpPr>
         <p:spPr>
           <a:xfrm>
-            <a:off x="0" y="0"/>
+            <a:off x="-1" y="0"/>
             <a:ext cx="12188952" cy="6858000"/>
           </a:xfrm>
           <a:prstGeom prst="rect">
@@ -7049,7 +6969,7 @@
           <p:cNvPr id="2" name="Title 1">
             <a:extLst>
               <a:ext uri="{FF2B5EF4-FFF2-40B4-BE49-F238E27FC236}">
-                <a16:creationId xmlns:a16="http://schemas.microsoft.com/office/drawing/2014/main" id="{C51A9D5B-9892-2756-E01F-062342A547C6}"/>
+                <a16:creationId xmlns:a16="http://schemas.microsoft.com/office/drawing/2014/main" id="{986C344D-8F08-1DBC-F7AC-6AB5A2BD6840}"/>
               </a:ext>
             </a:extLst>
           </p:cNvPr>
@@ -7062,75 +6982,21 @@
         </p:nvSpPr>
         <p:spPr>
           <a:xfrm>
-            <a:off x="835155" y="552906"/>
-            <a:ext cx="5165936" cy="1674904"/>
+            <a:off x="835155" y="525195"/>
+            <a:ext cx="3986155" cy="2806506"/>
           </a:xfrm>
         </p:spPr>
         <p:txBody>
-          <a:bodyPr anchor="ctr">
+          <a:bodyPr anchor="b">
             <a:normAutofit/>
           </a:bodyPr>
           <a:lstStyle/>
           <a:p>
             <a:r>
               <a:rPr lang="en-US" sz="4000" dirty="0"/>
-              <a:t>Scalability &amp; Flexibility</a:t>
+              <a:t>Real-time Monitoring</a:t>
             </a:r>
             <a:endParaRPr lang="en-BE" sz="4000" dirty="0"/>
-          </a:p>
-        </p:txBody>
-      </p:sp>
-      <p:sp>
-        <p:nvSpPr>
-          <p:cNvPr id="3" name="Content Placeholder 2">
-            <a:extLst>
-              <a:ext uri="{FF2B5EF4-FFF2-40B4-BE49-F238E27FC236}">
-                <a16:creationId xmlns:a16="http://schemas.microsoft.com/office/drawing/2014/main" id="{2DCD68F5-5F08-87F2-AE73-AE9FABE6AAFA}"/>
-              </a:ext>
-            </a:extLst>
-          </p:cNvPr>
-          <p:cNvSpPr>
-            <a:spLocks noGrp="1"/>
-          </p:cNvSpPr>
-          <p:nvPr>
-            <p:ph idx="1"/>
-          </p:nvPr>
-        </p:nvSpPr>
-        <p:spPr>
-          <a:xfrm>
-            <a:off x="6190909" y="552906"/>
-            <a:ext cx="5159825" cy="1674905"/>
-          </a:xfrm>
-        </p:spPr>
-        <p:txBody>
-          <a:bodyPr anchor="ctr">
-            <a:normAutofit/>
-          </a:bodyPr>
-          <a:lstStyle/>
-          <a:p>
-            <a:r>
-              <a:rPr lang="en-US" sz="1800" dirty="0"/>
-              <a:t>Load balancing IoT hub</a:t>
-            </a:r>
-          </a:p>
-          <a:p>
-            <a:r>
-              <a:rPr lang="en-US" sz="1800" dirty="0"/>
-              <a:t>Data exports</a:t>
-            </a:r>
-          </a:p>
-          <a:p>
-            <a:r>
-              <a:rPr lang="en-US" sz="1800" dirty="0"/>
-              <a:t>Azure eco system</a:t>
-            </a:r>
-          </a:p>
-          <a:p>
-            <a:r>
-              <a:rPr lang="en-US" sz="1800" dirty="0"/>
-              <a:t>API</a:t>
-            </a:r>
-            <a:endParaRPr lang="en-BE" sz="1800" dirty="0"/>
           </a:p>
         </p:txBody>
       </p:sp>
@@ -7139,7 +7005,7 @@
           <p:cNvPr id="5" name="Picture 4">
             <a:extLst>
               <a:ext uri="{FF2B5EF4-FFF2-40B4-BE49-F238E27FC236}">
-                <a16:creationId xmlns:a16="http://schemas.microsoft.com/office/drawing/2014/main" id="{078B0E40-C854-54EC-AA8C-C5F765A91C70}"/>
+                <a16:creationId xmlns:a16="http://schemas.microsoft.com/office/drawing/2014/main" id="{681A0C39-EF83-FEC2-2A11-7F3675DCB02F}"/>
               </a:ext>
             </a:extLst>
           </p:cNvPr>
@@ -7148,16 +7014,104 @@
           </p:cNvPicPr>
           <p:nvPr/>
         </p:nvPicPr>
-        <p:blipFill>
+        <p:blipFill rotWithShape="1">
           <a:blip r:embed="rId3"/>
-          <a:stretch>
-            <a:fillRect/>
-          </a:stretch>
+          <a:srcRect l="4620" r="7151" b="-2"/>
+          <a:stretch/>
         </p:blipFill>
         <p:spPr>
           <a:xfrm>
-            <a:off x="835166" y="3237567"/>
-            <a:ext cx="10515569" cy="2234558"/>
+            <a:off x="5186554" y="163646"/>
+            <a:ext cx="6806703" cy="2623097"/>
+          </a:xfrm>
+          <a:prstGeom prst="rect">
+            <a:avLst/>
+          </a:prstGeom>
+        </p:spPr>
+      </p:pic>
+      <p:sp>
+        <p:nvSpPr>
+          <p:cNvPr id="3" name="Content Placeholder 2">
+            <a:extLst>
+              <a:ext uri="{FF2B5EF4-FFF2-40B4-BE49-F238E27FC236}">
+                <a16:creationId xmlns:a16="http://schemas.microsoft.com/office/drawing/2014/main" id="{88074758-2266-AFFB-1A4F-7F0089DFB2F0}"/>
+              </a:ext>
+            </a:extLst>
+          </p:cNvPr>
+          <p:cNvSpPr>
+            <a:spLocks noGrp="1"/>
+          </p:cNvSpPr>
+          <p:nvPr>
+            <p:ph idx="1"/>
+          </p:nvPr>
+        </p:nvSpPr>
+        <p:spPr>
+          <a:xfrm>
+            <a:off x="835155" y="3526300"/>
+            <a:ext cx="3986155" cy="2588458"/>
+          </a:xfrm>
+        </p:spPr>
+        <p:txBody>
+          <a:bodyPr>
+            <a:normAutofit/>
+          </a:bodyPr>
+          <a:lstStyle/>
+          <a:p>
+            <a:r>
+              <a:rPr lang="en-US" sz="1800" dirty="0"/>
+              <a:t>Realtime raw data</a:t>
+            </a:r>
+          </a:p>
+          <a:p>
+            <a:r>
+              <a:rPr lang="en-US" sz="1800" dirty="0"/>
+              <a:t>Dashboards</a:t>
+            </a:r>
+          </a:p>
+          <a:p>
+            <a:r>
+              <a:rPr lang="en-US" sz="1800" dirty="0"/>
+              <a:t>Widgets</a:t>
+            </a:r>
+          </a:p>
+          <a:p>
+            <a:r>
+              <a:rPr lang="en-US" sz="1800" dirty="0"/>
+              <a:t>Charts</a:t>
+            </a:r>
+          </a:p>
+          <a:p>
+            <a:r>
+              <a:rPr lang="en-US" sz="1800" dirty="0"/>
+              <a:t>Data Explorer</a:t>
+            </a:r>
+            <a:endParaRPr lang="en-BE" sz="1800" dirty="0"/>
+          </a:p>
+        </p:txBody>
+      </p:sp>
+      <p:pic>
+        <p:nvPicPr>
+          <p:cNvPr id="7" name="Picture 6">
+            <a:extLst>
+              <a:ext uri="{FF2B5EF4-FFF2-40B4-BE49-F238E27FC236}">
+                <a16:creationId xmlns:a16="http://schemas.microsoft.com/office/drawing/2014/main" id="{EAA59D75-2680-4FA5-13F6-5432ED2A0631}"/>
+              </a:ext>
+            </a:extLst>
+          </p:cNvPr>
+          <p:cNvPicPr>
+            <a:picLocks noChangeAspect="1"/>
+          </p:cNvPicPr>
+          <p:nvPr/>
+        </p:nvPicPr>
+        <p:blipFill rotWithShape="1">
+          <a:blip r:embed="rId4"/>
+          <a:srcRect r="1" b="14711"/>
+          <a:stretch/>
+        </p:blipFill>
+        <p:spPr>
+          <a:xfrm>
+            <a:off x="5186554" y="2956875"/>
+            <a:ext cx="6806703" cy="3352653"/>
           </a:xfrm>
           <a:prstGeom prst="rect">
             <a:avLst/>
@@ -7167,7 +7121,7 @@
     </p:spTree>
     <p:extLst>
       <p:ext uri="{BB962C8B-B14F-4D97-AF65-F5344CB8AC3E}">
-        <p14:creationId xmlns:p14="http://schemas.microsoft.com/office/powerpoint/2010/main" val="3000264219"/>
+        <p14:creationId xmlns:p14="http://schemas.microsoft.com/office/powerpoint/2010/main" val="2100870518"/>
       </p:ext>
     </p:extLst>
   </p:cSld>
@@ -7204,10 +7158,10 @@
       </p:grpSpPr>
       <p:sp useBgFill="1">
         <p:nvSpPr>
-          <p:cNvPr id="19" name="Rectangle 9">
-            <a:extLst>
-              <a:ext uri="{FF2B5EF4-FFF2-40B4-BE49-F238E27FC236}">
-                <a16:creationId xmlns:a16="http://schemas.microsoft.com/office/drawing/2014/main" id="{D19BB8BE-1351-4D9B-B761-F84A0B5B6519}"/>
+          <p:cNvPr id="10" name="Rectangle 9">
+            <a:extLst>
+              <a:ext uri="{FF2B5EF4-FFF2-40B4-BE49-F238E27FC236}">
+                <a16:creationId xmlns:a16="http://schemas.microsoft.com/office/drawing/2014/main" id="{1A95671B-3CC6-4792-9114-B74FAEA224E6}"/>
               </a:ext>
               <a:ext uri="{C183D7F6-B498-43B3-948B-1728B52AA6E4}">
                 <adec:decorative xmlns:adec="http://schemas.microsoft.com/office/drawing/2017/decorative" val="1"/>
@@ -7227,7 +7181,7 @@
         </p:nvSpPr>
         <p:spPr>
           <a:xfrm>
-            <a:off x="-1" y="0"/>
+            <a:off x="0" y="0"/>
             <a:ext cx="12188952" cy="6858000"/>
           </a:xfrm>
           <a:prstGeom prst="rect">
@@ -7267,7 +7221,7 @@
           <p:cNvPr id="2" name="Title 1">
             <a:extLst>
               <a:ext uri="{FF2B5EF4-FFF2-40B4-BE49-F238E27FC236}">
-                <a16:creationId xmlns:a16="http://schemas.microsoft.com/office/drawing/2014/main" id="{F381675C-F77D-8290-3B5E-D8851151A407}"/>
+                <a16:creationId xmlns:a16="http://schemas.microsoft.com/office/drawing/2014/main" id="{C51A9D5B-9892-2756-E01F-062342A547C6}"/>
               </a:ext>
             </a:extLst>
           </p:cNvPr>
@@ -7280,19 +7234,19 @@
         </p:nvSpPr>
         <p:spPr>
           <a:xfrm>
-            <a:off x="838199" y="573741"/>
-            <a:ext cx="3785554" cy="2199341"/>
+            <a:off x="835155" y="552906"/>
+            <a:ext cx="5165936" cy="1674904"/>
           </a:xfrm>
         </p:spPr>
         <p:txBody>
-          <a:bodyPr anchor="b">
+          <a:bodyPr anchor="ctr">
             <a:normAutofit/>
           </a:bodyPr>
           <a:lstStyle/>
           <a:p>
             <a:r>
               <a:rPr lang="en-US" sz="4000" dirty="0"/>
-              <a:t>Device Templates</a:t>
+              <a:t>Scalability &amp; Flexibility</a:t>
             </a:r>
             <a:endParaRPr lang="en-BE" sz="4000" dirty="0"/>
           </a:p>
@@ -7303,7 +7257,7 @@
           <p:cNvPr id="3" name="Content Placeholder 2">
             <a:extLst>
               <a:ext uri="{FF2B5EF4-FFF2-40B4-BE49-F238E27FC236}">
-                <a16:creationId xmlns:a16="http://schemas.microsoft.com/office/drawing/2014/main" id="{D23B3223-D4E4-3699-92BA-5B09127F91D5}"/>
+                <a16:creationId xmlns:a16="http://schemas.microsoft.com/office/drawing/2014/main" id="{2DCD68F5-5F08-87F2-AE73-AE9FABE6AAFA}"/>
               </a:ext>
             </a:extLst>
           </p:cNvPr>
@@ -7316,69 +7270,46 @@
         </p:nvSpPr>
         <p:spPr>
           <a:xfrm>
-            <a:off x="838199" y="2982260"/>
-            <a:ext cx="3748441" cy="3149600"/>
+            <a:off x="6190909" y="552906"/>
+            <a:ext cx="5159825" cy="1674905"/>
           </a:xfrm>
         </p:spPr>
         <p:txBody>
-          <a:bodyPr>
+          <a:bodyPr anchor="ctr">
             <a:normAutofit/>
           </a:bodyPr>
           <a:lstStyle/>
           <a:p>
             <a:r>
               <a:rPr lang="en-US" sz="1800" dirty="0"/>
-              <a:t>DTDL</a:t>
+              <a:t>Load balancing IoT hub</a:t>
             </a:r>
           </a:p>
           <a:p>
             <a:r>
               <a:rPr lang="en-US" sz="1800" dirty="0"/>
-              <a:t>Define capabilities</a:t>
-            </a:r>
-          </a:p>
-          <a:p>
-            <a:pPr marL="0" indent="0">
-              <a:buNone/>
-            </a:pPr>
+              <a:t>Data exports</a:t>
+            </a:r>
+          </a:p>
+          <a:p>
+            <a:r>
+              <a:rPr lang="en-US" sz="1800" dirty="0"/>
+              <a:t>Azure eco system</a:t>
+            </a:r>
+          </a:p>
+          <a:p>
+            <a:r>
+              <a:rPr lang="en-US" sz="1800" dirty="0"/>
+              <a:t>API</a:t>
+            </a:r>
             <a:endParaRPr lang="en-BE" sz="1800" dirty="0"/>
           </a:p>
         </p:txBody>
       </p:sp>
-      <p:pic>
-        <p:nvPicPr>
-          <p:cNvPr id="5" name="Picture 4">
-            <a:extLst>
-              <a:ext uri="{FF2B5EF4-FFF2-40B4-BE49-F238E27FC236}">
-                <a16:creationId xmlns:a16="http://schemas.microsoft.com/office/drawing/2014/main" id="{E93E5B45-44D0-9B1E-A63B-8104AD6B72EC}"/>
-              </a:ext>
-            </a:extLst>
-          </p:cNvPr>
-          <p:cNvPicPr>
-            <a:picLocks noChangeAspect="1"/>
-          </p:cNvPicPr>
-          <p:nvPr/>
-        </p:nvPicPr>
-        <p:blipFill>
-          <a:blip r:embed="rId3"/>
-          <a:stretch>
-            <a:fillRect/>
-          </a:stretch>
-        </p:blipFill>
-        <p:spPr>
-          <a:xfrm>
-            <a:off x="4991801" y="2395175"/>
-            <a:ext cx="6362000" cy="2067650"/>
-          </a:xfrm>
-          <a:prstGeom prst="rect">
-            <a:avLst/>
-          </a:prstGeom>
-        </p:spPr>
-      </p:pic>
     </p:spTree>
     <p:extLst>
       <p:ext uri="{BB962C8B-B14F-4D97-AF65-F5344CB8AC3E}">
-        <p14:creationId xmlns:p14="http://schemas.microsoft.com/office/powerpoint/2010/main" val="4288844400"/>
+        <p14:creationId xmlns:p14="http://schemas.microsoft.com/office/powerpoint/2010/main" val="3000264219"/>
       </p:ext>
     </p:extLst>
   </p:cSld>
@@ -7415,10 +7346,10 @@
       </p:grpSpPr>
       <p:sp useBgFill="1">
         <p:nvSpPr>
-          <p:cNvPr id="10" name="Rectangle 9">
-            <a:extLst>
-              <a:ext uri="{FF2B5EF4-FFF2-40B4-BE49-F238E27FC236}">
-                <a16:creationId xmlns:a16="http://schemas.microsoft.com/office/drawing/2014/main" id="{9427AF5F-9A0E-42B7-A252-FD64C9885F9C}"/>
+          <p:cNvPr id="19" name="Rectangle 9">
+            <a:extLst>
+              <a:ext uri="{FF2B5EF4-FFF2-40B4-BE49-F238E27FC236}">
+                <a16:creationId xmlns:a16="http://schemas.microsoft.com/office/drawing/2014/main" id="{D19BB8BE-1351-4D9B-B761-F84A0B5B6519}"/>
               </a:ext>
               <a:ext uri="{C183D7F6-B498-43B3-948B-1728B52AA6E4}">
                 <adec:decorative xmlns:adec="http://schemas.microsoft.com/office/drawing/2017/decorative" val="1"/>
@@ -7478,6 +7409,187 @@
           <p:cNvPr id="2" name="Title 1">
             <a:extLst>
               <a:ext uri="{FF2B5EF4-FFF2-40B4-BE49-F238E27FC236}">
+                <a16:creationId xmlns:a16="http://schemas.microsoft.com/office/drawing/2014/main" id="{F381675C-F77D-8290-3B5E-D8851151A407}"/>
+              </a:ext>
+            </a:extLst>
+          </p:cNvPr>
+          <p:cNvSpPr>
+            <a:spLocks noGrp="1"/>
+          </p:cNvSpPr>
+          <p:nvPr>
+            <p:ph type="title"/>
+          </p:nvPr>
+        </p:nvSpPr>
+        <p:spPr>
+          <a:xfrm>
+            <a:off x="838199" y="573741"/>
+            <a:ext cx="3785554" cy="2199341"/>
+          </a:xfrm>
+        </p:spPr>
+        <p:txBody>
+          <a:bodyPr anchor="b">
+            <a:normAutofit/>
+          </a:bodyPr>
+          <a:lstStyle/>
+          <a:p>
+            <a:r>
+              <a:rPr lang="en-US" sz="4000" dirty="0"/>
+              <a:t>Device Templates</a:t>
+            </a:r>
+            <a:endParaRPr lang="en-BE" sz="4000" dirty="0"/>
+          </a:p>
+        </p:txBody>
+      </p:sp>
+      <p:sp>
+        <p:nvSpPr>
+          <p:cNvPr id="3" name="Content Placeholder 2">
+            <a:extLst>
+              <a:ext uri="{FF2B5EF4-FFF2-40B4-BE49-F238E27FC236}">
+                <a16:creationId xmlns:a16="http://schemas.microsoft.com/office/drawing/2014/main" id="{D23B3223-D4E4-3699-92BA-5B09127F91D5}"/>
+              </a:ext>
+            </a:extLst>
+          </p:cNvPr>
+          <p:cNvSpPr>
+            <a:spLocks noGrp="1"/>
+          </p:cNvSpPr>
+          <p:nvPr>
+            <p:ph idx="1"/>
+          </p:nvPr>
+        </p:nvSpPr>
+        <p:spPr>
+          <a:xfrm>
+            <a:off x="838199" y="2982260"/>
+            <a:ext cx="3748441" cy="3149600"/>
+          </a:xfrm>
+        </p:spPr>
+        <p:txBody>
+          <a:bodyPr>
+            <a:normAutofit/>
+          </a:bodyPr>
+          <a:lstStyle/>
+          <a:p>
+            <a:r>
+              <a:rPr lang="en-US" sz="1800" dirty="0"/>
+              <a:t>DTDL</a:t>
+            </a:r>
+          </a:p>
+          <a:p>
+            <a:r>
+              <a:rPr lang="en-US" sz="1800" dirty="0"/>
+              <a:t>Define capabilities</a:t>
+            </a:r>
+          </a:p>
+          <a:p>
+            <a:pPr marL="0" indent="0">
+              <a:buNone/>
+            </a:pPr>
+            <a:endParaRPr lang="en-BE" sz="1800" dirty="0"/>
+          </a:p>
+        </p:txBody>
+      </p:sp>
+    </p:spTree>
+    <p:extLst>
+      <p:ext uri="{BB962C8B-B14F-4D97-AF65-F5344CB8AC3E}">
+        <p14:creationId xmlns:p14="http://schemas.microsoft.com/office/powerpoint/2010/main" val="4288844400"/>
+      </p:ext>
+    </p:extLst>
+  </p:cSld>
+  <p:clrMapOvr>
+    <a:masterClrMapping/>
+  </p:clrMapOvr>
+</p:sld>
+</file>
+
+<file path=ppt/slides/slide8.xml><?xml version="1.0" encoding="utf-8"?>
+<p:sld xmlns:a="http://schemas.openxmlformats.org/drawingml/2006/main" xmlns:r="http://schemas.openxmlformats.org/officeDocument/2006/relationships" xmlns:p="http://schemas.openxmlformats.org/presentationml/2006/main">
+  <p:cSld>
+    <p:bg>
+      <p:bgPr>
+        <a:solidFill>
+          <a:schemeClr val="bg1"/>
+        </a:solidFill>
+        <a:effectLst/>
+      </p:bgPr>
+    </p:bg>
+    <p:spTree>
+      <p:nvGrpSpPr>
+        <p:cNvPr id="1" name=""/>
+        <p:cNvGrpSpPr/>
+        <p:nvPr/>
+      </p:nvGrpSpPr>
+      <p:grpSpPr>
+        <a:xfrm>
+          <a:off x="0" y="0"/>
+          <a:ext cx="0" cy="0"/>
+          <a:chOff x="0" y="0"/>
+          <a:chExt cx="0" cy="0"/>
+        </a:xfrm>
+      </p:grpSpPr>
+      <p:sp useBgFill="1">
+        <p:nvSpPr>
+          <p:cNvPr id="10" name="Rectangle 9">
+            <a:extLst>
+              <a:ext uri="{FF2B5EF4-FFF2-40B4-BE49-F238E27FC236}">
+                <a16:creationId xmlns:a16="http://schemas.microsoft.com/office/drawing/2014/main" id="{9427AF5F-9A0E-42B7-A252-FD64C9885F9C}"/>
+              </a:ext>
+              <a:ext uri="{C183D7F6-B498-43B3-948B-1728B52AA6E4}">
+                <adec:decorative xmlns:adec="http://schemas.microsoft.com/office/drawing/2017/decorative" val="1"/>
+              </a:ext>
+            </a:extLst>
+          </p:cNvPr>
+          <p:cNvSpPr>
+            <a:spLocks noGrp="1" noRot="1" noChangeAspect="1" noMove="1" noResize="1" noEditPoints="1" noAdjustHandles="1" noChangeArrowheads="1" noChangeShapeType="1" noTextEdit="1"/>
+          </p:cNvSpPr>
+          <p:nvPr>
+            <p:extLst>
+              <p:ext uri="{386F3935-93C4-4BCD-93E2-E3B085C9AB24}">
+                <p16:designElem xmlns:p16="http://schemas.microsoft.com/office/powerpoint/2015/main" val="1"/>
+              </p:ext>
+            </p:extLst>
+          </p:nvPr>
+        </p:nvSpPr>
+        <p:spPr>
+          <a:xfrm>
+            <a:off x="-1" y="0"/>
+            <a:ext cx="12188952" cy="6858000"/>
+          </a:xfrm>
+          <a:prstGeom prst="rect">
+            <a:avLst/>
+          </a:prstGeom>
+          <a:ln>
+            <a:noFill/>
+          </a:ln>
+        </p:spPr>
+        <p:style>
+          <a:lnRef idx="2">
+            <a:schemeClr val="accent1">
+              <a:shade val="50000"/>
+            </a:schemeClr>
+          </a:lnRef>
+          <a:fillRef idx="1">
+            <a:schemeClr val="accent1"/>
+          </a:fillRef>
+          <a:effectRef idx="0">
+            <a:schemeClr val="accent1"/>
+          </a:effectRef>
+          <a:fontRef idx="minor">
+            <a:schemeClr val="lt1"/>
+          </a:fontRef>
+        </p:style>
+        <p:txBody>
+          <a:bodyPr rtlCol="0" anchor="ctr"/>
+          <a:lstStyle/>
+          <a:p>
+            <a:pPr algn="ctr"/>
+            <a:endParaRPr lang="en-US"/>
+          </a:p>
+        </p:txBody>
+      </p:sp>
+      <p:sp>
+        <p:nvSpPr>
+          <p:cNvPr id="2" name="Title 1">
+            <a:extLst>
+              <a:ext uri="{FF2B5EF4-FFF2-40B4-BE49-F238E27FC236}">
                 <a16:creationId xmlns:a16="http://schemas.microsoft.com/office/drawing/2014/main" id="{A5132B9E-4C7C-3908-DDCB-0A8D76819D68}"/>
               </a:ext>
             </a:extLst>
@@ -7557,35 +7669,6 @@
           </a:p>
         </p:txBody>
       </p:sp>
-      <p:pic>
-        <p:nvPicPr>
-          <p:cNvPr id="5" name="Picture 4">
-            <a:extLst>
-              <a:ext uri="{FF2B5EF4-FFF2-40B4-BE49-F238E27FC236}">
-                <a16:creationId xmlns:a16="http://schemas.microsoft.com/office/drawing/2014/main" id="{28EF08D2-2D4A-828D-24BA-DE58A2846CE4}"/>
-              </a:ext>
-            </a:extLst>
-          </p:cNvPr>
-          <p:cNvPicPr>
-            <a:picLocks noChangeAspect="1"/>
-          </p:cNvPicPr>
-          <p:nvPr/>
-        </p:nvPicPr>
-        <p:blipFill rotWithShape="1">
-          <a:blip r:embed="rId3"/>
-          <a:srcRect r="-2" b="2325"/>
-          <a:stretch/>
-        </p:blipFill>
-        <p:spPr>
-          <a:xfrm>
-            <a:off x="5183500" y="1904282"/>
-            <a:ext cx="6170299" cy="4224808"/>
-          </a:xfrm>
-          <a:prstGeom prst="rect">
-            <a:avLst/>
-          </a:prstGeom>
-        </p:spPr>
-      </p:pic>
     </p:spTree>
     <p:extLst>
       <p:ext uri="{BB962C8B-B14F-4D97-AF65-F5344CB8AC3E}">
@@ -7599,7 +7682,7 @@
 </p:sld>
 </file>
 
-<file path=ppt/slides/slide8.xml><?xml version="1.0" encoding="utf-8"?>
+<file path=ppt/slides/slide9.xml><?xml version="1.0" encoding="utf-8"?>
 <p:sld xmlns:a="http://schemas.openxmlformats.org/drawingml/2006/main" xmlns:r="http://schemas.openxmlformats.org/officeDocument/2006/relationships" xmlns:p="http://schemas.openxmlformats.org/presentationml/2006/main">
   <p:cSld>
     <p:spTree>
@@ -7681,208 +7764,6 @@
     <p:extLst>
       <p:ext uri="{BB962C8B-B14F-4D97-AF65-F5344CB8AC3E}">
         <p14:creationId xmlns:p14="http://schemas.microsoft.com/office/powerpoint/2010/main" val="2015185460"/>
-      </p:ext>
-    </p:extLst>
-  </p:cSld>
-  <p:clrMapOvr>
-    <a:masterClrMapping/>
-  </p:clrMapOvr>
-</p:sld>
-</file>
-
-<file path=ppt/slides/slide9.xml><?xml version="1.0" encoding="utf-8"?>
-<p:sld xmlns:a="http://schemas.openxmlformats.org/drawingml/2006/main" xmlns:r="http://schemas.openxmlformats.org/officeDocument/2006/relationships" xmlns:p="http://schemas.openxmlformats.org/presentationml/2006/main">
-  <p:cSld>
-    <p:bg>
-      <p:bgPr>
-        <a:solidFill>
-          <a:schemeClr val="bg1"/>
-        </a:solidFill>
-        <a:effectLst/>
-      </p:bgPr>
-    </p:bg>
-    <p:spTree>
-      <p:nvGrpSpPr>
-        <p:cNvPr id="1" name=""/>
-        <p:cNvGrpSpPr/>
-        <p:nvPr/>
-      </p:nvGrpSpPr>
-      <p:grpSpPr>
-        <a:xfrm>
-          <a:off x="0" y="0"/>
-          <a:ext cx="0" cy="0"/>
-          <a:chOff x="0" y="0"/>
-          <a:chExt cx="0" cy="0"/>
-        </a:xfrm>
-      </p:grpSpPr>
-      <p:sp>
-        <p:nvSpPr>
-          <p:cNvPr id="2" name="Title 1">
-            <a:extLst>
-              <a:ext uri="{FF2B5EF4-FFF2-40B4-BE49-F238E27FC236}">
-                <a16:creationId xmlns:a16="http://schemas.microsoft.com/office/drawing/2014/main" id="{A40A20AA-77A5-2050-5739-CF23BB3936BA}"/>
-              </a:ext>
-            </a:extLst>
-          </p:cNvPr>
-          <p:cNvSpPr>
-            <a:spLocks noGrp="1"/>
-          </p:cNvSpPr>
-          <p:nvPr>
-            <p:ph type="title"/>
-          </p:nvPr>
-        </p:nvSpPr>
-        <p:spPr>
-          <a:xfrm>
-            <a:off x="914400" y="4664506"/>
-            <a:ext cx="3777240" cy="1674374"/>
-          </a:xfrm>
-        </p:spPr>
-        <p:txBody>
-          <a:bodyPr vert="horz" lIns="91440" tIns="45720" rIns="91440" bIns="45720" rtlCol="0" anchor="ctr">
-            <a:normAutofit/>
-          </a:bodyPr>
-          <a:lstStyle/>
-          <a:p>
-            <a:r>
-              <a:rPr lang="en-US" sz="4000" kern="1200" dirty="0">
-                <a:solidFill>
-                  <a:schemeClr val="tx1"/>
-                </a:solidFill>
-                <a:latin typeface="+mj-lt"/>
-                <a:ea typeface="+mj-ea"/>
-                <a:cs typeface="+mj-cs"/>
-              </a:rPr>
-              <a:t>IoT Edge Devices</a:t>
-            </a:r>
-          </a:p>
-        </p:txBody>
-      </p:sp>
-      <p:pic>
-        <p:nvPicPr>
-          <p:cNvPr id="1026" name="Picture 2" descr="Diagram of how IoT Edge runtime sends insights and reporting to IoT Hub.">
-            <a:extLst>
-              <a:ext uri="{FF2B5EF4-FFF2-40B4-BE49-F238E27FC236}">
-                <a16:creationId xmlns:a16="http://schemas.microsoft.com/office/drawing/2014/main" id="{DBEDF613-2AF3-61E6-81DA-29D99EDE04CB}"/>
-              </a:ext>
-            </a:extLst>
-          </p:cNvPr>
-          <p:cNvPicPr>
-            <a:picLocks noChangeAspect="1" noChangeArrowheads="1"/>
-          </p:cNvPicPr>
-          <p:nvPr/>
-        </p:nvPicPr>
-        <p:blipFill>
-          <a:blip r:embed="rId3">
-            <a:extLst>
-              <a:ext uri="{28A0092B-C50C-407E-A947-70E740481C1C}">
-                <a14:useLocalDpi xmlns:a14="http://schemas.microsoft.com/office/drawing/2010/main" val="0"/>
-              </a:ext>
-            </a:extLst>
-          </a:blip>
-          <a:stretch>
-            <a:fillRect/>
-          </a:stretch>
-        </p:blipFill>
-        <p:spPr bwMode="auto">
-          <a:xfrm>
-            <a:off x="727022" y="764304"/>
-            <a:ext cx="10718215" cy="3188670"/>
-          </a:xfrm>
-          <a:prstGeom prst="rect">
-            <a:avLst/>
-          </a:prstGeom>
-          <a:noFill/>
-          <a:extLst>
-            <a:ext uri="{909E8E84-426E-40DD-AFC4-6F175D3DCCD1}">
-              <a14:hiddenFill xmlns:a14="http://schemas.microsoft.com/office/drawing/2010/main">
-                <a:solidFill>
-                  <a:srgbClr val="FFFFFF"/>
-                </a:solidFill>
-              </a14:hiddenFill>
-            </a:ext>
-          </a:extLst>
-        </p:spPr>
-      </p:pic>
-      <p:sp>
-        <p:nvSpPr>
-          <p:cNvPr id="4" name="TextBox 3">
-            <a:extLst>
-              <a:ext uri="{FF2B5EF4-FFF2-40B4-BE49-F238E27FC236}">
-                <a16:creationId xmlns:a16="http://schemas.microsoft.com/office/drawing/2014/main" id="{9B9B650B-FB51-E8E7-C3D6-755670EFF343}"/>
-              </a:ext>
-            </a:extLst>
-          </p:cNvPr>
-          <p:cNvSpPr txBox="1"/>
-          <p:nvPr/>
-        </p:nvSpPr>
-        <p:spPr>
-          <a:xfrm>
-            <a:off x="5406163" y="4664506"/>
-            <a:ext cx="5871437" cy="1674374"/>
-          </a:xfrm>
-          <a:prstGeom prst="rect">
-            <a:avLst/>
-          </a:prstGeom>
-        </p:spPr>
-        <p:txBody>
-          <a:bodyPr vert="horz" lIns="91440" tIns="45720" rIns="91440" bIns="45720" rtlCol="0" anchor="ctr">
-            <a:normAutofit/>
-          </a:bodyPr>
-          <a:lstStyle/>
-          <a:p>
-            <a:pPr indent="-228600">
-              <a:lnSpc>
-                <a:spcPct val="90000"/>
-              </a:lnSpc>
-              <a:spcAft>
-                <a:spcPts val="600"/>
-              </a:spcAft>
-              <a:buFont typeface="Arial" panose="020B0604020202020204" pitchFamily="34" charset="0"/>
-              <a:buChar char="•"/>
-            </a:pPr>
-            <a:r>
-              <a:rPr lang="en-US" dirty="0"/>
-              <a:t>Gateway device</a:t>
-            </a:r>
-          </a:p>
-          <a:p>
-            <a:pPr indent="-228600">
-              <a:lnSpc>
-                <a:spcPct val="90000"/>
-              </a:lnSpc>
-              <a:spcAft>
-                <a:spcPts val="600"/>
-              </a:spcAft>
-              <a:buFont typeface="Arial" panose="020B0604020202020204" pitchFamily="34" charset="0"/>
-              <a:buChar char="•"/>
-            </a:pPr>
-            <a:r>
-              <a:rPr lang="en-US" dirty="0"/>
-              <a:t>Multiple modules</a:t>
-            </a:r>
-          </a:p>
-          <a:p>
-            <a:pPr indent="-228600">
-              <a:lnSpc>
-                <a:spcPct val="90000"/>
-              </a:lnSpc>
-              <a:spcAft>
-                <a:spcPts val="600"/>
-              </a:spcAft>
-              <a:buFont typeface="Arial" panose="020B0604020202020204" pitchFamily="34" charset="0"/>
-              <a:buChar char="•"/>
-            </a:pPr>
-            <a:r>
-              <a:rPr lang="en-US" dirty="0"/>
-              <a:t>Commands</a:t>
-            </a:r>
-          </a:p>
-        </p:txBody>
-      </p:sp>
-    </p:spTree>
-    <p:extLst>
-      <p:ext uri="{BB962C8B-B14F-4D97-AF65-F5344CB8AC3E}">
-        <p14:creationId xmlns:p14="http://schemas.microsoft.com/office/powerpoint/2010/main" val="408470976"/>
       </p:ext>
     </p:extLst>
   </p:cSld>
@@ -8484,7 +8365,7 @@
 
 <file path=ppt/webextensions/taskpanes.xml><?xml version="1.0" encoding="utf-8"?>
 <wetp:taskpanes xmlns:wetp="http://schemas.microsoft.com/office/webextensions/taskpanes/2010/11">
-  <wetp:taskpane dockstate="right" visibility="0" width="350" row="4">
+  <wetp:taskpane dockstate="right" visibility="0" width="350" row="2">
     <wetp:webextensionref xmlns:r="http://schemas.openxmlformats.org/officeDocument/2006/relationships" r:id="rId1"/>
   </wetp:taskpane>
 </wetp:taskpanes>

--- a/.ppt/Azure Iot Central.pptx
+++ b/.ppt/Azure Iot Central.pptx
@@ -134,584 +134,6 @@
 </p1510:revInfo>
 </file>
 
-<file path=ppt/changesInfos/changesInfo1.xml><?xml version="1.0" encoding="utf-8"?>
-<pc:chgInfo xmlns:a="http://schemas.openxmlformats.org/drawingml/2006/main" xmlns:r="http://schemas.openxmlformats.org/officeDocument/2006/relationships" xmlns:ac="http://schemas.microsoft.com/office/drawing/2013/main/command" xmlns:pc="http://schemas.microsoft.com/office/powerpoint/2013/main/command">
-  <pc:docChgLst>
-    <pc:chgData name="Thomas Godon" userId="59a748ac-8562-4500-ac62-e24bb6876e8b" providerId="ADAL" clId="{70D45A43-8027-4C2C-982F-EB10A2DB795A}"/>
-    <pc:docChg chg="undo redo custSel addSld delSld modSld">
-      <pc:chgData name="Thomas Godon" userId="59a748ac-8562-4500-ac62-e24bb6876e8b" providerId="ADAL" clId="{70D45A43-8027-4C2C-982F-EB10A2DB795A}" dt="2023-09-10T12:35:03.206" v="1182" actId="26606"/>
-      <pc:docMkLst>
-        <pc:docMk/>
-      </pc:docMkLst>
-      <pc:sldChg chg="modSp mod">
-        <pc:chgData name="Thomas Godon" userId="59a748ac-8562-4500-ac62-e24bb6876e8b" providerId="ADAL" clId="{70D45A43-8027-4C2C-982F-EB10A2DB795A}" dt="2023-09-05T07:30:17.142" v="16" actId="20577"/>
-        <pc:sldMkLst>
-          <pc:docMk/>
-          <pc:sldMk cId="844563518" sldId="256"/>
-        </pc:sldMkLst>
-        <pc:spChg chg="mod">
-          <ac:chgData name="Thomas Godon" userId="59a748ac-8562-4500-ac62-e24bb6876e8b" providerId="ADAL" clId="{70D45A43-8027-4C2C-982F-EB10A2DB795A}" dt="2023-09-05T07:30:17.142" v="16" actId="20577"/>
-          <ac:spMkLst>
-            <pc:docMk/>
-            <pc:sldMk cId="844563518" sldId="256"/>
-            <ac:spMk id="3" creationId="{EA4A375A-7E36-FF31-6CE6-26F4259DB651}"/>
-          </ac:spMkLst>
-        </pc:spChg>
-      </pc:sldChg>
-      <pc:sldChg chg="addSp delSp modSp new mod setBg">
-        <pc:chgData name="Thomas Godon" userId="59a748ac-8562-4500-ac62-e24bb6876e8b" providerId="ADAL" clId="{70D45A43-8027-4C2C-982F-EB10A2DB795A}" dt="2023-09-05T08:28:25.803" v="437" actId="26606"/>
-        <pc:sldMkLst>
-          <pc:docMk/>
-          <pc:sldMk cId="1795200148" sldId="257"/>
-        </pc:sldMkLst>
-        <pc:spChg chg="mod">
-          <ac:chgData name="Thomas Godon" userId="59a748ac-8562-4500-ac62-e24bb6876e8b" providerId="ADAL" clId="{70D45A43-8027-4C2C-982F-EB10A2DB795A}" dt="2023-09-05T08:28:25.803" v="437" actId="26606"/>
-          <ac:spMkLst>
-            <pc:docMk/>
-            <pc:sldMk cId="1795200148" sldId="257"/>
-            <ac:spMk id="2" creationId="{4D0DD2A1-F241-3365-6AA2-C07DD4F9F56F}"/>
-          </ac:spMkLst>
-        </pc:spChg>
-        <pc:spChg chg="mod">
-          <ac:chgData name="Thomas Godon" userId="59a748ac-8562-4500-ac62-e24bb6876e8b" providerId="ADAL" clId="{70D45A43-8027-4C2C-982F-EB10A2DB795A}" dt="2023-09-05T08:28:25.803" v="437" actId="26606"/>
-          <ac:spMkLst>
-            <pc:docMk/>
-            <pc:sldMk cId="1795200148" sldId="257"/>
-            <ac:spMk id="3" creationId="{D5349622-DF18-7A9E-AAE4-3A150501F0D5}"/>
-          </ac:spMkLst>
-        </pc:spChg>
-        <pc:spChg chg="add mod">
-          <ac:chgData name="Thomas Godon" userId="59a748ac-8562-4500-ac62-e24bb6876e8b" providerId="ADAL" clId="{70D45A43-8027-4C2C-982F-EB10A2DB795A}" dt="2023-09-05T08:28:25.803" v="437" actId="26606"/>
-          <ac:spMkLst>
-            <pc:docMk/>
-            <pc:sldMk cId="1795200148" sldId="257"/>
-            <ac:spMk id="4" creationId="{86087592-F9C7-5945-6D8B-CCFBE0DA2942}"/>
-          </ac:spMkLst>
-        </pc:spChg>
-        <pc:spChg chg="add del">
-          <ac:chgData name="Thomas Godon" userId="59a748ac-8562-4500-ac62-e24bb6876e8b" providerId="ADAL" clId="{70D45A43-8027-4C2C-982F-EB10A2DB795A}" dt="2023-09-05T08:28:25.796" v="436" actId="26606"/>
-          <ac:spMkLst>
-            <pc:docMk/>
-            <pc:sldMk cId="1795200148" sldId="257"/>
-            <ac:spMk id="1031" creationId="{56E9B3E6-E277-4D68-BA48-9CB43FFBD6E2}"/>
-          </ac:spMkLst>
-        </pc:spChg>
-        <pc:spChg chg="add del">
-          <ac:chgData name="Thomas Godon" userId="59a748ac-8562-4500-ac62-e24bb6876e8b" providerId="ADAL" clId="{70D45A43-8027-4C2C-982F-EB10A2DB795A}" dt="2023-09-05T08:28:25.796" v="436" actId="26606"/>
-          <ac:spMkLst>
-            <pc:docMk/>
-            <pc:sldMk cId="1795200148" sldId="257"/>
-            <ac:spMk id="1038" creationId="{D5B0017B-2ECA-49AF-B397-DC140825DF8D}"/>
-          </ac:spMkLst>
-        </pc:spChg>
-        <pc:spChg chg="add">
-          <ac:chgData name="Thomas Godon" userId="59a748ac-8562-4500-ac62-e24bb6876e8b" providerId="ADAL" clId="{70D45A43-8027-4C2C-982F-EB10A2DB795A}" dt="2023-09-05T08:28:25.803" v="437" actId="26606"/>
-          <ac:spMkLst>
-            <pc:docMk/>
-            <pc:sldMk cId="1795200148" sldId="257"/>
-            <ac:spMk id="1042" creationId="{AFF8D2E5-2C4E-47B1-930B-6C82B7C31331}"/>
-          </ac:spMkLst>
-        </pc:spChg>
-        <pc:spChg chg="add">
-          <ac:chgData name="Thomas Godon" userId="59a748ac-8562-4500-ac62-e24bb6876e8b" providerId="ADAL" clId="{70D45A43-8027-4C2C-982F-EB10A2DB795A}" dt="2023-09-05T08:28:25.803" v="437" actId="26606"/>
-          <ac:spMkLst>
-            <pc:docMk/>
-            <pc:sldMk cId="1795200148" sldId="257"/>
-            <ac:spMk id="1043" creationId="{801E4ADA-0EA9-4930-846E-3C11E8BED6DD}"/>
-          </ac:spMkLst>
-        </pc:spChg>
-        <pc:spChg chg="add">
-          <ac:chgData name="Thomas Godon" userId="59a748ac-8562-4500-ac62-e24bb6876e8b" providerId="ADAL" clId="{70D45A43-8027-4C2C-982F-EB10A2DB795A}" dt="2023-09-05T08:28:25.803" v="437" actId="26606"/>
-          <ac:spMkLst>
-            <pc:docMk/>
-            <pc:sldMk cId="1795200148" sldId="257"/>
-            <ac:spMk id="1044" creationId="{FB92FFCE-0C90-454E-AA25-D4EE9A6C39C5}"/>
-          </ac:spMkLst>
-        </pc:spChg>
-        <pc:grpChg chg="add del">
-          <ac:chgData name="Thomas Godon" userId="59a748ac-8562-4500-ac62-e24bb6876e8b" providerId="ADAL" clId="{70D45A43-8027-4C2C-982F-EB10A2DB795A}" dt="2023-09-05T08:28:25.796" v="436" actId="26606"/>
-          <ac:grpSpMkLst>
-            <pc:docMk/>
-            <pc:sldMk cId="1795200148" sldId="257"/>
-            <ac:grpSpMk id="1033" creationId="{AE1C45F0-260A-458C-96ED-C1F6D2151219}"/>
-          </ac:grpSpMkLst>
-        </pc:grpChg>
-        <pc:picChg chg="add mod">
-          <ac:chgData name="Thomas Godon" userId="59a748ac-8562-4500-ac62-e24bb6876e8b" providerId="ADAL" clId="{70D45A43-8027-4C2C-982F-EB10A2DB795A}" dt="2023-09-05T08:28:25.803" v="437" actId="26606"/>
-          <ac:picMkLst>
-            <pc:docMk/>
-            <pc:sldMk cId="1795200148" sldId="257"/>
-            <ac:picMk id="1026" creationId="{7E7B7357-6A54-17CD-EC73-E9EB3C189596}"/>
-          </ac:picMkLst>
-        </pc:picChg>
-        <pc:cxnChg chg="add del">
-          <ac:chgData name="Thomas Godon" userId="59a748ac-8562-4500-ac62-e24bb6876e8b" providerId="ADAL" clId="{70D45A43-8027-4C2C-982F-EB10A2DB795A}" dt="2023-09-05T08:28:25.796" v="436" actId="26606"/>
-          <ac:cxnSpMkLst>
-            <pc:docMk/>
-            <pc:sldMk cId="1795200148" sldId="257"/>
-            <ac:cxnSpMk id="1040" creationId="{6CF1BAF6-AD41-4082-B212-8A1F9A2E8779}"/>
-          </ac:cxnSpMkLst>
-        </pc:cxnChg>
-      </pc:sldChg>
-      <pc:sldChg chg="addSp delSp modSp new add del mod setBg">
-        <pc:chgData name="Thomas Godon" userId="59a748ac-8562-4500-ac62-e24bb6876e8b" providerId="ADAL" clId="{70D45A43-8027-4C2C-982F-EB10A2DB795A}" dt="2023-09-05T09:25:01.536" v="619" actId="20577"/>
-        <pc:sldMkLst>
-          <pc:docMk/>
-          <pc:sldMk cId="3760236575" sldId="258"/>
-        </pc:sldMkLst>
-        <pc:spChg chg="mod">
-          <ac:chgData name="Thomas Godon" userId="59a748ac-8562-4500-ac62-e24bb6876e8b" providerId="ADAL" clId="{70D45A43-8027-4C2C-982F-EB10A2DB795A}" dt="2023-09-05T09:09:53.703" v="531" actId="26606"/>
-          <ac:spMkLst>
-            <pc:docMk/>
-            <pc:sldMk cId="3760236575" sldId="258"/>
-            <ac:spMk id="2" creationId="{6B9BA862-13CC-4B28-CD7F-A95A57367FBF}"/>
-          </ac:spMkLst>
-        </pc:spChg>
-        <pc:spChg chg="mod">
-          <ac:chgData name="Thomas Godon" userId="59a748ac-8562-4500-ac62-e24bb6876e8b" providerId="ADAL" clId="{70D45A43-8027-4C2C-982F-EB10A2DB795A}" dt="2023-09-05T09:25:01.536" v="619" actId="20577"/>
-          <ac:spMkLst>
-            <pc:docMk/>
-            <pc:sldMk cId="3760236575" sldId="258"/>
-            <ac:spMk id="3" creationId="{7A0163FB-7597-F865-48C8-B3907C061B0F}"/>
-          </ac:spMkLst>
-        </pc:spChg>
-        <pc:picChg chg="add del mod">
-          <ac:chgData name="Thomas Godon" userId="59a748ac-8562-4500-ac62-e24bb6876e8b" providerId="ADAL" clId="{70D45A43-8027-4C2C-982F-EB10A2DB795A}" dt="2023-09-05T09:09:28.503" v="529" actId="478"/>
-          <ac:picMkLst>
-            <pc:docMk/>
-            <pc:sldMk cId="3760236575" sldId="258"/>
-            <ac:picMk id="5" creationId="{55B6ED53-2580-4C42-539A-C1C46B33E7F9}"/>
-          </ac:picMkLst>
-        </pc:picChg>
-        <pc:picChg chg="add mod">
-          <ac:chgData name="Thomas Godon" userId="59a748ac-8562-4500-ac62-e24bb6876e8b" providerId="ADAL" clId="{70D45A43-8027-4C2C-982F-EB10A2DB795A}" dt="2023-09-05T09:09:53.703" v="531" actId="26606"/>
-          <ac:picMkLst>
-            <pc:docMk/>
-            <pc:sldMk cId="3760236575" sldId="258"/>
-            <ac:picMk id="7" creationId="{B532B2CB-D1CA-D1AF-6E59-B41038E85C75}"/>
-          </ac:picMkLst>
-        </pc:picChg>
-      </pc:sldChg>
-      <pc:sldChg chg="addSp delSp modSp new mod setBg">
-        <pc:chgData name="Thomas Godon" userId="59a748ac-8562-4500-ac62-e24bb6876e8b" providerId="ADAL" clId="{70D45A43-8027-4C2C-982F-EB10A2DB795A}" dt="2023-09-05T09:39:37.242" v="691" actId="20577"/>
-        <pc:sldMkLst>
-          <pc:docMk/>
-          <pc:sldMk cId="2100870518" sldId="259"/>
-        </pc:sldMkLst>
-        <pc:spChg chg="mod">
-          <ac:chgData name="Thomas Godon" userId="59a748ac-8562-4500-ac62-e24bb6876e8b" providerId="ADAL" clId="{70D45A43-8027-4C2C-982F-EB10A2DB795A}" dt="2023-09-05T09:09:05.544" v="526" actId="26606"/>
-          <ac:spMkLst>
-            <pc:docMk/>
-            <pc:sldMk cId="2100870518" sldId="259"/>
-            <ac:spMk id="2" creationId="{986C344D-8F08-1DBC-F7AC-6AB5A2BD6840}"/>
-          </ac:spMkLst>
-        </pc:spChg>
-        <pc:spChg chg="mod ord">
-          <ac:chgData name="Thomas Godon" userId="59a748ac-8562-4500-ac62-e24bb6876e8b" providerId="ADAL" clId="{70D45A43-8027-4C2C-982F-EB10A2DB795A}" dt="2023-09-05T09:39:37.242" v="691" actId="20577"/>
-          <ac:spMkLst>
-            <pc:docMk/>
-            <pc:sldMk cId="2100870518" sldId="259"/>
-            <ac:spMk id="3" creationId="{88074758-2266-AFFB-1A4F-7F0089DFB2F0}"/>
-          </ac:spMkLst>
-        </pc:spChg>
-        <pc:spChg chg="add del">
-          <ac:chgData name="Thomas Godon" userId="59a748ac-8562-4500-ac62-e24bb6876e8b" providerId="ADAL" clId="{70D45A43-8027-4C2C-982F-EB10A2DB795A}" dt="2023-09-05T09:09:05.544" v="526" actId="26606"/>
-          <ac:spMkLst>
-            <pc:docMk/>
-            <pc:sldMk cId="2100870518" sldId="259"/>
-            <ac:spMk id="10" creationId="{9E6671AF-110C-4E4D-BEB4-1323A3136D1B}"/>
-          </ac:spMkLst>
-        </pc:spChg>
-        <pc:spChg chg="add del">
-          <ac:chgData name="Thomas Godon" userId="59a748ac-8562-4500-ac62-e24bb6876e8b" providerId="ADAL" clId="{70D45A43-8027-4C2C-982F-EB10A2DB795A}" dt="2023-09-05T09:09:05.542" v="525" actId="26606"/>
-          <ac:spMkLst>
-            <pc:docMk/>
-            <pc:sldMk cId="2100870518" sldId="259"/>
-            <ac:spMk id="15" creationId="{99F1FFA9-D672-408C-9220-ADEEC6ABDD09}"/>
-          </ac:spMkLst>
-        </pc:spChg>
-        <pc:spChg chg="add">
-          <ac:chgData name="Thomas Godon" userId="59a748ac-8562-4500-ac62-e24bb6876e8b" providerId="ADAL" clId="{70D45A43-8027-4C2C-982F-EB10A2DB795A}" dt="2023-09-05T09:09:05.544" v="526" actId="26606"/>
-          <ac:spMkLst>
-            <pc:docMk/>
-            <pc:sldMk cId="2100870518" sldId="259"/>
-            <ac:spMk id="17" creationId="{CEF6118E-44FB-4509-B4D9-129052E4C6EE}"/>
-          </ac:spMkLst>
-        </pc:spChg>
-        <pc:picChg chg="add mod ord">
-          <ac:chgData name="Thomas Godon" userId="59a748ac-8562-4500-ac62-e24bb6876e8b" providerId="ADAL" clId="{70D45A43-8027-4C2C-982F-EB10A2DB795A}" dt="2023-09-05T09:09:05.544" v="526" actId="26606"/>
-          <ac:picMkLst>
-            <pc:docMk/>
-            <pc:sldMk cId="2100870518" sldId="259"/>
-            <ac:picMk id="5" creationId="{681A0C39-EF83-FEC2-2A11-7F3675DCB02F}"/>
-          </ac:picMkLst>
-        </pc:picChg>
-        <pc:picChg chg="add mod">
-          <ac:chgData name="Thomas Godon" userId="59a748ac-8562-4500-ac62-e24bb6876e8b" providerId="ADAL" clId="{70D45A43-8027-4C2C-982F-EB10A2DB795A}" dt="2023-09-05T09:09:05.544" v="526" actId="26606"/>
-          <ac:picMkLst>
-            <pc:docMk/>
-            <pc:sldMk cId="2100870518" sldId="259"/>
-            <ac:picMk id="7" creationId="{EAA59D75-2680-4FA5-13F6-5432ED2A0631}"/>
-          </ac:picMkLst>
-        </pc:picChg>
-      </pc:sldChg>
-      <pc:sldChg chg="addSp modSp new mod setBg">
-        <pc:chgData name="Thomas Godon" userId="59a748ac-8562-4500-ac62-e24bb6876e8b" providerId="ADAL" clId="{70D45A43-8027-4C2C-982F-EB10A2DB795A}" dt="2023-09-05T09:37:32.051" v="655" actId="26606"/>
-        <pc:sldMkLst>
-          <pc:docMk/>
-          <pc:sldMk cId="3000264219" sldId="260"/>
-        </pc:sldMkLst>
-        <pc:spChg chg="mod">
-          <ac:chgData name="Thomas Godon" userId="59a748ac-8562-4500-ac62-e24bb6876e8b" providerId="ADAL" clId="{70D45A43-8027-4C2C-982F-EB10A2DB795A}" dt="2023-09-05T09:37:32.051" v="655" actId="26606"/>
-          <ac:spMkLst>
-            <pc:docMk/>
-            <pc:sldMk cId="3000264219" sldId="260"/>
-            <ac:spMk id="2" creationId="{C51A9D5B-9892-2756-E01F-062342A547C6}"/>
-          </ac:spMkLst>
-        </pc:spChg>
-        <pc:spChg chg="mod">
-          <ac:chgData name="Thomas Godon" userId="59a748ac-8562-4500-ac62-e24bb6876e8b" providerId="ADAL" clId="{70D45A43-8027-4C2C-982F-EB10A2DB795A}" dt="2023-09-05T09:37:32.051" v="655" actId="26606"/>
-          <ac:spMkLst>
-            <pc:docMk/>
-            <pc:sldMk cId="3000264219" sldId="260"/>
-            <ac:spMk id="3" creationId="{2DCD68F5-5F08-87F2-AE73-AE9FABE6AAFA}"/>
-          </ac:spMkLst>
-        </pc:spChg>
-        <pc:spChg chg="add">
-          <ac:chgData name="Thomas Godon" userId="59a748ac-8562-4500-ac62-e24bb6876e8b" providerId="ADAL" clId="{70D45A43-8027-4C2C-982F-EB10A2DB795A}" dt="2023-09-05T09:37:32.051" v="655" actId="26606"/>
-          <ac:spMkLst>
-            <pc:docMk/>
-            <pc:sldMk cId="3000264219" sldId="260"/>
-            <ac:spMk id="10" creationId="{1A95671B-3CC6-4792-9114-B74FAEA224E6}"/>
-          </ac:spMkLst>
-        </pc:spChg>
-        <pc:picChg chg="add mod">
-          <ac:chgData name="Thomas Godon" userId="59a748ac-8562-4500-ac62-e24bb6876e8b" providerId="ADAL" clId="{70D45A43-8027-4C2C-982F-EB10A2DB795A}" dt="2023-09-05T09:37:32.051" v="655" actId="26606"/>
-          <ac:picMkLst>
-            <pc:docMk/>
-            <pc:sldMk cId="3000264219" sldId="260"/>
-            <ac:picMk id="5" creationId="{078B0E40-C854-54EC-AA8C-C5F765A91C70}"/>
-          </ac:picMkLst>
-        </pc:picChg>
-      </pc:sldChg>
-      <pc:sldChg chg="addSp delSp modSp new mod setBg">
-        <pc:chgData name="Thomas Godon" userId="59a748ac-8562-4500-ac62-e24bb6876e8b" providerId="ADAL" clId="{70D45A43-8027-4C2C-982F-EB10A2DB795A}" dt="2023-09-10T12:35:03.206" v="1182" actId="26606"/>
-        <pc:sldMkLst>
-          <pc:docMk/>
-          <pc:sldMk cId="2908527272" sldId="261"/>
-        </pc:sldMkLst>
-        <pc:spChg chg="mod">
-          <ac:chgData name="Thomas Godon" userId="59a748ac-8562-4500-ac62-e24bb6876e8b" providerId="ADAL" clId="{70D45A43-8027-4C2C-982F-EB10A2DB795A}" dt="2023-09-10T12:35:03.206" v="1182" actId="26606"/>
-          <ac:spMkLst>
-            <pc:docMk/>
-            <pc:sldMk cId="2908527272" sldId="261"/>
-            <ac:spMk id="2" creationId="{67E9512A-A358-3845-0B22-5B1DC5170D56}"/>
-          </ac:spMkLst>
-        </pc:spChg>
-        <pc:spChg chg="del">
-          <ac:chgData name="Thomas Godon" userId="59a748ac-8562-4500-ac62-e24bb6876e8b" providerId="ADAL" clId="{70D45A43-8027-4C2C-982F-EB10A2DB795A}" dt="2023-09-10T12:24:40.992" v="1136" actId="478"/>
-          <ac:spMkLst>
-            <pc:docMk/>
-            <pc:sldMk cId="2908527272" sldId="261"/>
-            <ac:spMk id="3" creationId="{B3226134-2B12-9DA9-CB2D-969033B57E9D}"/>
-          </ac:spMkLst>
-        </pc:spChg>
-        <pc:spChg chg="add">
-          <ac:chgData name="Thomas Godon" userId="59a748ac-8562-4500-ac62-e24bb6876e8b" providerId="ADAL" clId="{70D45A43-8027-4C2C-982F-EB10A2DB795A}" dt="2023-09-10T12:35:03.206" v="1182" actId="26606"/>
-          <ac:spMkLst>
-            <pc:docMk/>
-            <pc:sldMk cId="2908527272" sldId="261"/>
-            <ac:spMk id="9" creationId="{53F29798-D584-4792-9B62-3F5F5C36D619}"/>
-          </ac:spMkLst>
-        </pc:spChg>
-        <pc:picChg chg="add mod">
-          <ac:chgData name="Thomas Godon" userId="59a748ac-8562-4500-ac62-e24bb6876e8b" providerId="ADAL" clId="{70D45A43-8027-4C2C-982F-EB10A2DB795A}" dt="2023-09-10T12:35:03.206" v="1182" actId="26606"/>
-          <ac:picMkLst>
-            <pc:docMk/>
-            <pc:sldMk cId="2908527272" sldId="261"/>
-            <ac:picMk id="4" creationId="{6ADD0B8E-14D8-A39C-CC2B-D442E775942C}"/>
-          </ac:picMkLst>
-        </pc:picChg>
-      </pc:sldChg>
-      <pc:sldChg chg="addSp modSp new mod setBg">
-        <pc:chgData name="Thomas Godon" userId="59a748ac-8562-4500-ac62-e24bb6876e8b" providerId="ADAL" clId="{70D45A43-8027-4C2C-982F-EB10A2DB795A}" dt="2023-09-10T09:31:05.179" v="889" actId="20577"/>
-        <pc:sldMkLst>
-          <pc:docMk/>
-          <pc:sldMk cId="3029091419" sldId="262"/>
-        </pc:sldMkLst>
-        <pc:spChg chg="mod">
-          <ac:chgData name="Thomas Godon" userId="59a748ac-8562-4500-ac62-e24bb6876e8b" providerId="ADAL" clId="{70D45A43-8027-4C2C-982F-EB10A2DB795A}" dt="2023-09-10T09:30:29.523" v="885" actId="26606"/>
-          <ac:spMkLst>
-            <pc:docMk/>
-            <pc:sldMk cId="3029091419" sldId="262"/>
-            <ac:spMk id="2" creationId="{A5132B9E-4C7C-3908-DDCB-0A8D76819D68}"/>
-          </ac:spMkLst>
-        </pc:spChg>
-        <pc:spChg chg="mod">
-          <ac:chgData name="Thomas Godon" userId="59a748ac-8562-4500-ac62-e24bb6876e8b" providerId="ADAL" clId="{70D45A43-8027-4C2C-982F-EB10A2DB795A}" dt="2023-09-10T09:31:05.179" v="889" actId="20577"/>
-          <ac:spMkLst>
-            <pc:docMk/>
-            <pc:sldMk cId="3029091419" sldId="262"/>
-            <ac:spMk id="3" creationId="{71D6CEC0-C7CE-B96B-7976-8DD4CB05E449}"/>
-          </ac:spMkLst>
-        </pc:spChg>
-        <pc:spChg chg="add">
-          <ac:chgData name="Thomas Godon" userId="59a748ac-8562-4500-ac62-e24bb6876e8b" providerId="ADAL" clId="{70D45A43-8027-4C2C-982F-EB10A2DB795A}" dt="2023-09-10T09:30:29.523" v="885" actId="26606"/>
-          <ac:spMkLst>
-            <pc:docMk/>
-            <pc:sldMk cId="3029091419" sldId="262"/>
-            <ac:spMk id="10" creationId="{9427AF5F-9A0E-42B7-A252-FD64C9885F9C}"/>
-          </ac:spMkLst>
-        </pc:spChg>
-        <pc:picChg chg="add mod">
-          <ac:chgData name="Thomas Godon" userId="59a748ac-8562-4500-ac62-e24bb6876e8b" providerId="ADAL" clId="{70D45A43-8027-4C2C-982F-EB10A2DB795A}" dt="2023-09-10T09:30:29.523" v="885" actId="26606"/>
-          <ac:picMkLst>
-            <pc:docMk/>
-            <pc:sldMk cId="3029091419" sldId="262"/>
-            <ac:picMk id="5" creationId="{28EF08D2-2D4A-828D-24BA-DE58A2846CE4}"/>
-          </ac:picMkLst>
-        </pc:picChg>
-      </pc:sldChg>
-      <pc:sldChg chg="addSp delSp modSp new mod setBg addAnim delAnim">
-        <pc:chgData name="Thomas Godon" userId="59a748ac-8562-4500-ac62-e24bb6876e8b" providerId="ADAL" clId="{70D45A43-8027-4C2C-982F-EB10A2DB795A}" dt="2023-09-10T12:22:06.675" v="1050" actId="20577"/>
-        <pc:sldMkLst>
-          <pc:docMk/>
-          <pc:sldMk cId="4288844400" sldId="263"/>
-        </pc:sldMkLst>
-        <pc:spChg chg="mod">
-          <ac:chgData name="Thomas Godon" userId="59a748ac-8562-4500-ac62-e24bb6876e8b" providerId="ADAL" clId="{70D45A43-8027-4C2C-982F-EB10A2DB795A}" dt="2023-09-10T12:13:34.860" v="975" actId="26606"/>
-          <ac:spMkLst>
-            <pc:docMk/>
-            <pc:sldMk cId="4288844400" sldId="263"/>
-            <ac:spMk id="2" creationId="{F381675C-F77D-8290-3B5E-D8851151A407}"/>
-          </ac:spMkLst>
-        </pc:spChg>
-        <pc:spChg chg="mod">
-          <ac:chgData name="Thomas Godon" userId="59a748ac-8562-4500-ac62-e24bb6876e8b" providerId="ADAL" clId="{70D45A43-8027-4C2C-982F-EB10A2DB795A}" dt="2023-09-10T12:22:06.675" v="1050" actId="20577"/>
-          <ac:spMkLst>
-            <pc:docMk/>
-            <pc:sldMk cId="4288844400" sldId="263"/>
-            <ac:spMk id="3" creationId="{D23B3223-D4E4-3699-92BA-5B09127F91D5}"/>
-          </ac:spMkLst>
-        </pc:spChg>
-        <pc:spChg chg="add del">
-          <ac:chgData name="Thomas Godon" userId="59a748ac-8562-4500-ac62-e24bb6876e8b" providerId="ADAL" clId="{70D45A43-8027-4C2C-982F-EB10A2DB795A}" dt="2023-09-10T12:13:17.237" v="967" actId="26606"/>
-          <ac:spMkLst>
-            <pc:docMk/>
-            <pc:sldMk cId="4288844400" sldId="263"/>
-            <ac:spMk id="10" creationId="{594D6AA1-A0E1-45F9-8E25-BAB8092293CC}"/>
-          </ac:spMkLst>
-        </pc:spChg>
-        <pc:spChg chg="add del">
-          <ac:chgData name="Thomas Godon" userId="59a748ac-8562-4500-ac62-e24bb6876e8b" providerId="ADAL" clId="{70D45A43-8027-4C2C-982F-EB10A2DB795A}" dt="2023-09-10T12:13:28.650" v="972" actId="26606"/>
-          <ac:spMkLst>
-            <pc:docMk/>
-            <pc:sldMk cId="4288844400" sldId="263"/>
-            <ac:spMk id="15" creationId="{91CC89A3-857A-4D53-ADCB-0A14B4B404F8}"/>
-          </ac:spMkLst>
-        </pc:spChg>
-        <pc:spChg chg="add">
-          <ac:chgData name="Thomas Godon" userId="59a748ac-8562-4500-ac62-e24bb6876e8b" providerId="ADAL" clId="{70D45A43-8027-4C2C-982F-EB10A2DB795A}" dt="2023-09-10T12:13:34.860" v="975" actId="26606"/>
-          <ac:spMkLst>
-            <pc:docMk/>
-            <pc:sldMk cId="4288844400" sldId="263"/>
-            <ac:spMk id="19" creationId="{D19BB8BE-1351-4D9B-B761-F84A0B5B6519}"/>
-          </ac:spMkLst>
-        </pc:spChg>
-        <pc:grpChg chg="add del">
-          <ac:chgData name="Thomas Godon" userId="59a748ac-8562-4500-ac62-e24bb6876e8b" providerId="ADAL" clId="{70D45A43-8027-4C2C-982F-EB10A2DB795A}" dt="2023-09-10T12:13:21.605" v="969" actId="26606"/>
-          <ac:grpSpMkLst>
-            <pc:docMk/>
-            <pc:sldMk cId="4288844400" sldId="263"/>
-            <ac:grpSpMk id="13" creationId="{6258F736-B256-8039-9DC6-F4E49A5C5AD5}"/>
-          </ac:grpSpMkLst>
-        </pc:grpChg>
-        <pc:grpChg chg="add del">
-          <ac:chgData name="Thomas Godon" userId="59a748ac-8562-4500-ac62-e24bb6876e8b" providerId="ADAL" clId="{70D45A43-8027-4C2C-982F-EB10A2DB795A}" dt="2023-09-10T12:13:34.856" v="974" actId="26606"/>
-          <ac:grpSpMkLst>
-            <pc:docMk/>
-            <pc:sldMk cId="4288844400" sldId="263"/>
-            <ac:grpSpMk id="17" creationId="{6258F736-B256-8039-9DC6-F4E49A5C5AD5}"/>
-          </ac:grpSpMkLst>
-        </pc:grpChg>
-        <pc:picChg chg="add mod">
-          <ac:chgData name="Thomas Godon" userId="59a748ac-8562-4500-ac62-e24bb6876e8b" providerId="ADAL" clId="{70D45A43-8027-4C2C-982F-EB10A2DB795A}" dt="2023-09-10T12:13:34.860" v="975" actId="26606"/>
-          <ac:picMkLst>
-            <pc:docMk/>
-            <pc:sldMk cId="4288844400" sldId="263"/>
-            <ac:picMk id="5" creationId="{E93E5B45-44D0-9B1E-A63B-8104AD6B72EC}"/>
-          </ac:picMkLst>
-        </pc:picChg>
-      </pc:sldChg>
-      <pc:sldChg chg="addSp delSp modSp new mod setBg">
-        <pc:chgData name="Thomas Godon" userId="59a748ac-8562-4500-ac62-e24bb6876e8b" providerId="ADAL" clId="{70D45A43-8027-4C2C-982F-EB10A2DB795A}" dt="2023-09-10T12:22:46.735" v="1135" actId="20577"/>
-        <pc:sldMkLst>
-          <pc:docMk/>
-          <pc:sldMk cId="1409963499" sldId="264"/>
-        </pc:sldMkLst>
-        <pc:spChg chg="mod">
-          <ac:chgData name="Thomas Godon" userId="59a748ac-8562-4500-ac62-e24bb6876e8b" providerId="ADAL" clId="{70D45A43-8027-4C2C-982F-EB10A2DB795A}" dt="2023-09-10T12:15:31.631" v="1045" actId="26606"/>
-          <ac:spMkLst>
-            <pc:docMk/>
-            <pc:sldMk cId="1409963499" sldId="264"/>
-            <ac:spMk id="2" creationId="{11E482C6-C74F-5674-EB9D-1403F11424C4}"/>
-          </ac:spMkLst>
-        </pc:spChg>
-        <pc:spChg chg="mod">
-          <ac:chgData name="Thomas Godon" userId="59a748ac-8562-4500-ac62-e24bb6876e8b" providerId="ADAL" clId="{70D45A43-8027-4C2C-982F-EB10A2DB795A}" dt="2023-09-10T12:22:46.735" v="1135" actId="20577"/>
-          <ac:spMkLst>
-            <pc:docMk/>
-            <pc:sldMk cId="1409963499" sldId="264"/>
-            <ac:spMk id="3" creationId="{332A9A9B-3CAE-C615-3A9E-E8D3DF8E8C84}"/>
-          </ac:spMkLst>
-        </pc:spChg>
-        <pc:spChg chg="add del">
-          <ac:chgData name="Thomas Godon" userId="59a748ac-8562-4500-ac62-e24bb6876e8b" providerId="ADAL" clId="{70D45A43-8027-4C2C-982F-EB10A2DB795A}" dt="2023-09-10T12:15:31.612" v="1044" actId="26606"/>
-          <ac:spMkLst>
-            <pc:docMk/>
-            <pc:sldMk cId="1409963499" sldId="264"/>
-            <ac:spMk id="12" creationId="{0D7B6173-1D58-48E2-83CF-37350F315F75}"/>
-          </ac:spMkLst>
-        </pc:spChg>
-        <pc:spChg chg="add del">
-          <ac:chgData name="Thomas Godon" userId="59a748ac-8562-4500-ac62-e24bb6876e8b" providerId="ADAL" clId="{70D45A43-8027-4C2C-982F-EB10A2DB795A}" dt="2023-09-10T12:15:31.612" v="1044" actId="26606"/>
-          <ac:spMkLst>
-            <pc:docMk/>
-            <pc:sldMk cId="1409963499" sldId="264"/>
-            <ac:spMk id="14" creationId="{8B068B58-6F94-4AFF-A8A7-18573884D6CD}"/>
-          </ac:spMkLst>
-        </pc:spChg>
-        <pc:spChg chg="add del">
-          <ac:chgData name="Thomas Godon" userId="59a748ac-8562-4500-ac62-e24bb6876e8b" providerId="ADAL" clId="{70D45A43-8027-4C2C-982F-EB10A2DB795A}" dt="2023-09-10T12:15:31.612" v="1044" actId="26606"/>
-          <ac:spMkLst>
-            <pc:docMk/>
-            <pc:sldMk cId="1409963499" sldId="264"/>
-            <ac:spMk id="18" creationId="{21BDEC81-16A7-4451-B893-C15000083B77}"/>
-          </ac:spMkLst>
-        </pc:spChg>
-        <pc:spChg chg="add del">
-          <ac:chgData name="Thomas Godon" userId="59a748ac-8562-4500-ac62-e24bb6876e8b" providerId="ADAL" clId="{70D45A43-8027-4C2C-982F-EB10A2DB795A}" dt="2023-09-10T12:15:31.612" v="1044" actId="26606"/>
-          <ac:spMkLst>
-            <pc:docMk/>
-            <pc:sldMk cId="1409963499" sldId="264"/>
-            <ac:spMk id="20" creationId="{BE5B028C-7535-45E5-9D2C-32C50D0E0E43}"/>
-          </ac:spMkLst>
-        </pc:spChg>
-        <pc:spChg chg="add">
-          <ac:chgData name="Thomas Godon" userId="59a748ac-8562-4500-ac62-e24bb6876e8b" providerId="ADAL" clId="{70D45A43-8027-4C2C-982F-EB10A2DB795A}" dt="2023-09-10T12:15:31.631" v="1045" actId="26606"/>
-          <ac:spMkLst>
-            <pc:docMk/>
-            <pc:sldMk cId="1409963499" sldId="264"/>
-            <ac:spMk id="22" creationId="{8761DDFE-071F-4200-B0AA-394476C2D2D6}"/>
-          </ac:spMkLst>
-        </pc:spChg>
-        <pc:picChg chg="add mod">
-          <ac:chgData name="Thomas Godon" userId="59a748ac-8562-4500-ac62-e24bb6876e8b" providerId="ADAL" clId="{70D45A43-8027-4C2C-982F-EB10A2DB795A}" dt="2023-09-10T12:15:31.631" v="1045" actId="26606"/>
-          <ac:picMkLst>
-            <pc:docMk/>
-            <pc:sldMk cId="1409963499" sldId="264"/>
-            <ac:picMk id="5" creationId="{2BA46052-5B5D-65F0-B369-9980F155F25B}"/>
-          </ac:picMkLst>
-        </pc:picChg>
-        <pc:picChg chg="add mod">
-          <ac:chgData name="Thomas Godon" userId="59a748ac-8562-4500-ac62-e24bb6876e8b" providerId="ADAL" clId="{70D45A43-8027-4C2C-982F-EB10A2DB795A}" dt="2023-09-10T12:15:31.631" v="1045" actId="26606"/>
-          <ac:picMkLst>
-            <pc:docMk/>
-            <pc:sldMk cId="1409963499" sldId="264"/>
-            <ac:picMk id="7" creationId="{D55A2D42-EC19-16EF-CFB6-5F0569311158}"/>
-          </ac:picMkLst>
-        </pc:picChg>
-        <pc:picChg chg="add del">
-          <ac:chgData name="Thomas Godon" userId="59a748ac-8562-4500-ac62-e24bb6876e8b" providerId="ADAL" clId="{70D45A43-8027-4C2C-982F-EB10A2DB795A}" dt="2023-09-10T12:15:31.612" v="1044" actId="26606"/>
-          <ac:picMkLst>
-            <pc:docMk/>
-            <pc:sldMk cId="1409963499" sldId="264"/>
-            <ac:picMk id="16" creationId="{B0DAC8FB-A162-44E3-A606-C855A03A5B09}"/>
-          </ac:picMkLst>
-        </pc:picChg>
-      </pc:sldChg>
-      <pc:sldChg chg="addSp delSp modSp new mod">
-        <pc:chgData name="Thomas Godon" userId="59a748ac-8562-4500-ac62-e24bb6876e8b" providerId="ADAL" clId="{70D45A43-8027-4C2C-982F-EB10A2DB795A}" dt="2023-09-10T09:33:06.087" v="898" actId="255"/>
-        <pc:sldMkLst>
-          <pc:docMk/>
-          <pc:sldMk cId="2015185460" sldId="265"/>
-        </pc:sldMkLst>
-        <pc:spChg chg="mod">
-          <ac:chgData name="Thomas Godon" userId="59a748ac-8562-4500-ac62-e24bb6876e8b" providerId="ADAL" clId="{70D45A43-8027-4C2C-982F-EB10A2DB795A}" dt="2023-09-10T09:33:06.087" v="898" actId="255"/>
-          <ac:spMkLst>
-            <pc:docMk/>
-            <pc:sldMk cId="2015185460" sldId="265"/>
-            <ac:spMk id="2" creationId="{C3469E77-9D16-419A-0244-A89E4135424A}"/>
-          </ac:spMkLst>
-        </pc:spChg>
-        <pc:spChg chg="del">
-          <ac:chgData name="Thomas Godon" userId="59a748ac-8562-4500-ac62-e24bb6876e8b" providerId="ADAL" clId="{70D45A43-8027-4C2C-982F-EB10A2DB795A}" dt="2023-09-10T09:24:53.080" v="844" actId="478"/>
-          <ac:spMkLst>
-            <pc:docMk/>
-            <pc:sldMk cId="2015185460" sldId="265"/>
-            <ac:spMk id="3" creationId="{8B755BF8-5B5E-D615-7EC9-3D5BEFE84B28}"/>
-          </ac:spMkLst>
-        </pc:spChg>
-        <pc:picChg chg="add mod">
-          <ac:chgData name="Thomas Godon" userId="59a748ac-8562-4500-ac62-e24bb6876e8b" providerId="ADAL" clId="{70D45A43-8027-4C2C-982F-EB10A2DB795A}" dt="2023-09-10T09:28:46.309" v="860" actId="1076"/>
-          <ac:picMkLst>
-            <pc:docMk/>
-            <pc:sldMk cId="2015185460" sldId="265"/>
-            <ac:picMk id="4" creationId="{405EA78F-4966-B309-76CD-71228EB67212}"/>
-          </ac:picMkLst>
-        </pc:picChg>
-      </pc:sldChg>
-      <pc:sldChg chg="addSp delSp modSp new mod">
-        <pc:chgData name="Thomas Godon" userId="59a748ac-8562-4500-ac62-e24bb6876e8b" providerId="ADAL" clId="{70D45A43-8027-4C2C-982F-EB10A2DB795A}" dt="2023-09-10T09:33:23.253" v="899" actId="255"/>
-        <pc:sldMkLst>
-          <pc:docMk/>
-          <pc:sldMk cId="408470976" sldId="266"/>
-        </pc:sldMkLst>
-        <pc:spChg chg="mod">
-          <ac:chgData name="Thomas Godon" userId="59a748ac-8562-4500-ac62-e24bb6876e8b" providerId="ADAL" clId="{70D45A43-8027-4C2C-982F-EB10A2DB795A}" dt="2023-09-10T09:33:23.253" v="899" actId="255"/>
-          <ac:spMkLst>
-            <pc:docMk/>
-            <pc:sldMk cId="408470976" sldId="266"/>
-            <ac:spMk id="2" creationId="{A40A20AA-77A5-2050-5739-CF23BB3936BA}"/>
-          </ac:spMkLst>
-        </pc:spChg>
-        <pc:spChg chg="del">
-          <ac:chgData name="Thomas Godon" userId="59a748ac-8562-4500-ac62-e24bb6876e8b" providerId="ADAL" clId="{70D45A43-8027-4C2C-982F-EB10A2DB795A}" dt="2023-09-10T09:32:05.183" v="890" actId="478"/>
-          <ac:spMkLst>
-            <pc:docMk/>
-            <pc:sldMk cId="408470976" sldId="266"/>
-            <ac:spMk id="3" creationId="{34333619-2382-DE5A-CD21-529986752D30}"/>
-          </ac:spMkLst>
-        </pc:spChg>
-        <pc:picChg chg="add mod">
-          <ac:chgData name="Thomas Godon" userId="59a748ac-8562-4500-ac62-e24bb6876e8b" providerId="ADAL" clId="{70D45A43-8027-4C2C-982F-EB10A2DB795A}" dt="2023-09-10T09:32:12.743" v="893" actId="1076"/>
-          <ac:picMkLst>
-            <pc:docMk/>
-            <pc:sldMk cId="408470976" sldId="266"/>
-            <ac:picMk id="1026" creationId="{DBEDF613-2AF3-61E6-81DA-29D99EDE04CB}"/>
-          </ac:picMkLst>
-        </pc:picChg>
-      </pc:sldChg>
-      <pc:sldChg chg="modSp new mod">
-        <pc:chgData name="Thomas Godon" userId="59a748ac-8562-4500-ac62-e24bb6876e8b" providerId="ADAL" clId="{70D45A43-8027-4C2C-982F-EB10A2DB795A}" dt="2023-09-10T12:29:28.672" v="1180" actId="20577"/>
-        <pc:sldMkLst>
-          <pc:docMk/>
-          <pc:sldMk cId="3850522772" sldId="267"/>
-        </pc:sldMkLst>
-        <pc:spChg chg="mod">
-          <ac:chgData name="Thomas Godon" userId="59a748ac-8562-4500-ac62-e24bb6876e8b" providerId="ADAL" clId="{70D45A43-8027-4C2C-982F-EB10A2DB795A}" dt="2023-09-10T12:29:28.672" v="1180" actId="20577"/>
-          <ac:spMkLst>
-            <pc:docMk/>
-            <pc:sldMk cId="3850522772" sldId="267"/>
-            <ac:spMk id="2" creationId="{2F305125-5EC8-C509-7E9E-41B2EF7AE5E7}"/>
-          </ac:spMkLst>
-        </pc:spChg>
-      </pc:sldChg>
-    </pc:docChg>
-  </pc:docChgLst>
-</pc:chgInfo>
-</file>
-
 <file path=ppt/notesMasters/notesMaster1.xml><?xml version="1.0" encoding="utf-8"?>
 <p:notesMaster xmlns:a="http://schemas.openxmlformats.org/drawingml/2006/main" xmlns:r="http://schemas.openxmlformats.org/officeDocument/2006/relationships" xmlns:p="http://schemas.openxmlformats.org/presentationml/2006/main">
   <p:cSld>
@@ -794,7 +216,7 @@
           <a:p>
             <a:fld id="{232CF19D-734B-4D93-B84D-50E4125D5E28}" type="datetimeFigureOut">
               <a:rPr lang="en-BE" smtClean="0"/>
-              <a:t>14/09/2023</a:t>
+              <a:t>19/09/2023</a:t>
             </a:fld>
             <a:endParaRPr lang="en-BE"/>
           </a:p>
@@ -1106,10 +528,6 @@
           <a:bodyPr/>
           <a:lstStyle/>
           <a:p>
-            <a:r>
-              <a:rPr lang="en-BE" dirty="0" err="1"/>
-              <a:t>korter</a:t>
-            </a:r>
             <a:endParaRPr lang="en-BE" dirty="0"/>
           </a:p>
         </p:txBody>
@@ -2650,7 +2068,7 @@
           <a:p>
             <a:fld id="{AC68330A-4CE2-4F2A-A88C-15A4A1232ED1}" type="datetimeFigureOut">
               <a:rPr lang="en-BE" smtClean="0"/>
-              <a:t>14/09/2023</a:t>
+              <a:t>19/09/2023</a:t>
             </a:fld>
             <a:endParaRPr lang="en-BE"/>
           </a:p>
@@ -2850,7 +2268,7 @@
           <a:p>
             <a:fld id="{AC68330A-4CE2-4F2A-A88C-15A4A1232ED1}" type="datetimeFigureOut">
               <a:rPr lang="en-BE" smtClean="0"/>
-              <a:t>14/09/2023</a:t>
+              <a:t>19/09/2023</a:t>
             </a:fld>
             <a:endParaRPr lang="en-BE"/>
           </a:p>
@@ -3060,7 +2478,7 @@
           <a:p>
             <a:fld id="{AC68330A-4CE2-4F2A-A88C-15A4A1232ED1}" type="datetimeFigureOut">
               <a:rPr lang="en-BE" smtClean="0"/>
-              <a:t>14/09/2023</a:t>
+              <a:t>19/09/2023</a:t>
             </a:fld>
             <a:endParaRPr lang="en-BE"/>
           </a:p>
@@ -3260,7 +2678,7 @@
           <a:p>
             <a:fld id="{AC68330A-4CE2-4F2A-A88C-15A4A1232ED1}" type="datetimeFigureOut">
               <a:rPr lang="en-BE" smtClean="0"/>
-              <a:t>14/09/2023</a:t>
+              <a:t>19/09/2023</a:t>
             </a:fld>
             <a:endParaRPr lang="en-BE"/>
           </a:p>
@@ -3536,7 +2954,7 @@
           <a:p>
             <a:fld id="{AC68330A-4CE2-4F2A-A88C-15A4A1232ED1}" type="datetimeFigureOut">
               <a:rPr lang="en-BE" smtClean="0"/>
-              <a:t>14/09/2023</a:t>
+              <a:t>19/09/2023</a:t>
             </a:fld>
             <a:endParaRPr lang="en-BE"/>
           </a:p>
@@ -3804,7 +3222,7 @@
           <a:p>
             <a:fld id="{AC68330A-4CE2-4F2A-A88C-15A4A1232ED1}" type="datetimeFigureOut">
               <a:rPr lang="en-BE" smtClean="0"/>
-              <a:t>14/09/2023</a:t>
+              <a:t>19/09/2023</a:t>
             </a:fld>
             <a:endParaRPr lang="en-BE"/>
           </a:p>
@@ -4219,7 +3637,7 @@
           <a:p>
             <a:fld id="{AC68330A-4CE2-4F2A-A88C-15A4A1232ED1}" type="datetimeFigureOut">
               <a:rPr lang="en-BE" smtClean="0"/>
-              <a:t>14/09/2023</a:t>
+              <a:t>19/09/2023</a:t>
             </a:fld>
             <a:endParaRPr lang="en-BE"/>
           </a:p>
@@ -4361,7 +3779,7 @@
           <a:p>
             <a:fld id="{AC68330A-4CE2-4F2A-A88C-15A4A1232ED1}" type="datetimeFigureOut">
               <a:rPr lang="en-BE" smtClean="0"/>
-              <a:t>14/09/2023</a:t>
+              <a:t>19/09/2023</a:t>
             </a:fld>
             <a:endParaRPr lang="en-BE"/>
           </a:p>
@@ -4474,7 +3892,7 @@
           <a:p>
             <a:fld id="{AC68330A-4CE2-4F2A-A88C-15A4A1232ED1}" type="datetimeFigureOut">
               <a:rPr lang="en-BE" smtClean="0"/>
-              <a:t>14/09/2023</a:t>
+              <a:t>19/09/2023</a:t>
             </a:fld>
             <a:endParaRPr lang="en-BE"/>
           </a:p>
@@ -4787,7 +4205,7 @@
           <a:p>
             <a:fld id="{AC68330A-4CE2-4F2A-A88C-15A4A1232ED1}" type="datetimeFigureOut">
               <a:rPr lang="en-BE" smtClean="0"/>
-              <a:t>14/09/2023</a:t>
+              <a:t>19/09/2023</a:t>
             </a:fld>
             <a:endParaRPr lang="en-BE"/>
           </a:p>
@@ -5076,7 +4494,7 @@
           <a:p>
             <a:fld id="{AC68330A-4CE2-4F2A-A88C-15A4A1232ED1}" type="datetimeFigureOut">
               <a:rPr lang="en-BE" smtClean="0"/>
-              <a:t>14/09/2023</a:t>
+              <a:t>19/09/2023</a:t>
             </a:fld>
             <a:endParaRPr lang="en-BE"/>
           </a:p>
@@ -5319,7 +4737,7 @@
           <a:p>
             <a:fld id="{AC68330A-4CE2-4F2A-A88C-15A4A1232ED1}" type="datetimeFigureOut">
               <a:rPr lang="en-BE" smtClean="0"/>
-              <a:t>14/09/2023</a:t>
+              <a:t>19/09/2023</a:t>
             </a:fld>
             <a:endParaRPr lang="en-BE"/>
           </a:p>
@@ -5722,6 +5140,14 @@
 <file path=ppt/slides/slide1.xml><?xml version="1.0" encoding="utf-8"?>
 <p:sld xmlns:a="http://schemas.openxmlformats.org/drawingml/2006/main" xmlns:r="http://schemas.openxmlformats.org/officeDocument/2006/relationships" xmlns:p="http://schemas.openxmlformats.org/presentationml/2006/main">
   <p:cSld>
+    <p:bg>
+      <p:bgPr>
+        <a:solidFill>
+          <a:schemeClr val="tx1"/>
+        </a:solidFill>
+        <a:effectLst/>
+      </p:bgPr>
+    </p:bg>
     <p:spTree>
       <p:nvGrpSpPr>
         <p:cNvPr id="1" name=""/>
@@ -5758,18 +5184,34 @@
           <a:lstStyle/>
           <a:p>
             <a:r>
-              <a:rPr lang="en-US" dirty="0"/>
+              <a:rPr lang="en-US" dirty="0">
+                <a:solidFill>
+                  <a:schemeClr val="bg1"/>
+                </a:solidFill>
+              </a:rPr>
               <a:t>Azure Io</a:t>
             </a:r>
             <a:r>
-              <a:rPr lang="en-BE" dirty="0"/>
+              <a:rPr lang="en-BE" dirty="0">
+                <a:solidFill>
+                  <a:schemeClr val="bg1"/>
+                </a:solidFill>
+              </a:rPr>
               <a:t>T</a:t>
             </a:r>
             <a:r>
-              <a:rPr lang="en-US" dirty="0"/>
+              <a:rPr lang="en-US" dirty="0">
+                <a:solidFill>
+                  <a:schemeClr val="bg1"/>
+                </a:solidFill>
+              </a:rPr>
               <a:t> Central</a:t>
             </a:r>
-            <a:endParaRPr lang="en-BE" dirty="0"/>
+            <a:endParaRPr lang="en-BE" dirty="0">
+              <a:solidFill>
+                <a:schemeClr val="bg1"/>
+              </a:solidFill>
+            </a:endParaRPr>
           </a:p>
         </p:txBody>
       </p:sp>
@@ -5795,10 +5237,18 @@
           <a:lstStyle/>
           <a:p>
             <a:r>
-              <a:rPr lang="en-US" dirty="0"/>
+              <a:rPr lang="en-US" dirty="0">
+                <a:solidFill>
+                  <a:schemeClr val="bg1"/>
+                </a:solidFill>
+              </a:rPr>
               <a:t>In A Nutshell</a:t>
             </a:r>
-            <a:endParaRPr lang="en-BE" dirty="0"/>
+            <a:endParaRPr lang="en-BE" dirty="0">
+              <a:solidFill>
+                <a:schemeClr val="bg1"/>
+              </a:solidFill>
+            </a:endParaRPr>
           </a:p>
         </p:txBody>
       </p:sp>
@@ -6431,13 +5881,13 @@
               <a:buNone/>
             </a:pPr>
             <a:r>
-              <a:rPr lang="nl-NL" sz="2000" b="0" i="0" dirty="0">
+              <a:rPr lang="nl-NL" sz="2200" b="0" i="0" dirty="0">
                 <a:effectLst/>
                 <a:latin typeface="+mj-lt"/>
               </a:rPr>
-              <a:t>IoT Central is een geavanceerd platform dat is ontworpen om het beheer van Internet of Things (IoT) apparaten te vereenvoudigen, inclusief gegevensverzameling, realtime analyse, visualisatie en naadloze integratie met bedrijfsprocessen.</a:t>
-            </a:r>
-            <a:endParaRPr lang="en-BE" sz="2000" dirty="0">
+              <a:t>Cloudplatform voor beheer, analyse en automatisering van IoT-apparaten en processen, ter verbetering van efficiëntie en besluitvorming.</a:t>
+            </a:r>
+            <a:endParaRPr lang="en-BE" sz="2200" dirty="0">
               <a:latin typeface="+mj-lt"/>
             </a:endParaRPr>
           </a:p>
@@ -6623,6 +6073,14 @@
 <file path=ppt/slides/slide3.xml><?xml version="1.0" encoding="utf-8"?>
 <p:sld xmlns:a="http://schemas.openxmlformats.org/drawingml/2006/main" xmlns:r="http://schemas.openxmlformats.org/officeDocument/2006/relationships" xmlns:p="http://schemas.openxmlformats.org/presentationml/2006/main">
   <p:cSld>
+    <p:bg>
+      <p:bgPr>
+        <a:solidFill>
+          <a:schemeClr val="tx1"/>
+        </a:solidFill>
+        <a:effectLst/>
+      </p:bgPr>
+    </p:bg>
     <p:spTree>
       <p:nvGrpSpPr>
         <p:cNvPr id="1" name=""/>
@@ -6655,15 +6113,31 @@
         </p:nvSpPr>
         <p:spPr>
           <a:xfrm>
-            <a:off x="838200" y="2691993"/>
-            <a:ext cx="10515600" cy="3484969"/>
+            <a:off x="838200" y="1563757"/>
+            <a:ext cx="10515600" cy="4613205"/>
           </a:xfrm>
         </p:spPr>
         <p:txBody>
-          <a:bodyPr/>
-          <a:lstStyle/>
-          <a:p>
-            <a:endParaRPr lang="en-BE" dirty="0"/>
+          <a:bodyPr>
+            <a:normAutofit/>
+          </a:bodyPr>
+          <a:lstStyle/>
+          <a:p>
+            <a:r>
+              <a:rPr lang="en-US" sz="4000" dirty="0" err="1">
+                <a:solidFill>
+                  <a:schemeClr val="bg1"/>
+                </a:solidFill>
+                <a:latin typeface="Calibri Light (Headings)"/>
+              </a:rPr>
+              <a:t>fsdq</a:t>
+            </a:r>
+            <a:endParaRPr lang="en-BE" sz="4000" dirty="0">
+              <a:solidFill>
+                <a:schemeClr val="bg1"/>
+              </a:solidFill>
+              <a:latin typeface="Calibri Light (Headings)"/>
+            </a:endParaRPr>
           </a:p>
         </p:txBody>
       </p:sp>
@@ -6683,8 +6157,8 @@
         </p:nvSpPr>
         <p:spPr>
           <a:xfrm>
-            <a:off x="762000" y="761998"/>
-            <a:ext cx="5334000" cy="1708246"/>
+            <a:off x="838200" y="681038"/>
+            <a:ext cx="5334000" cy="796579"/>
           </a:xfrm>
           <a:prstGeom prst="rect">
             <a:avLst/>
@@ -6715,10 +6189,18 @@
           </a:lstStyle>
           <a:p>
             <a:r>
-              <a:rPr lang="en-US" sz="4000"/>
+              <a:rPr lang="en-US" sz="3000" dirty="0">
+                <a:solidFill>
+                  <a:schemeClr val="bg1"/>
+                </a:solidFill>
+              </a:rPr>
               <a:t>Wat is IoT Central</a:t>
             </a:r>
-            <a:endParaRPr lang="en-BE" sz="4000" dirty="0"/>
+            <a:endParaRPr lang="en-BE" sz="3000" dirty="0">
+              <a:solidFill>
+                <a:schemeClr val="bg1"/>
+              </a:solidFill>
+            </a:endParaRPr>
           </a:p>
         </p:txBody>
       </p:sp>
@@ -6797,72 +6279,6 @@
               <a:t> Device Management</a:t>
             </a:r>
             <a:endParaRPr lang="en-BE" sz="4000" dirty="0"/>
-          </a:p>
-        </p:txBody>
-      </p:sp>
-      <p:sp>
-        <p:nvSpPr>
-          <p:cNvPr id="3" name="Content Placeholder 2">
-            <a:extLst>
-              <a:ext uri="{FF2B5EF4-FFF2-40B4-BE49-F238E27FC236}">
-                <a16:creationId xmlns:a16="http://schemas.microsoft.com/office/drawing/2014/main" id="{7A0163FB-7597-F865-48C8-B3907C061B0F}"/>
-              </a:ext>
-            </a:extLst>
-          </p:cNvPr>
-          <p:cNvSpPr>
-            <a:spLocks noGrp="1"/>
-          </p:cNvSpPr>
-          <p:nvPr>
-            <p:ph idx="1"/>
-          </p:nvPr>
-        </p:nvSpPr>
-        <p:spPr>
-          <a:xfrm>
-            <a:off x="4223982" y="327026"/>
-            <a:ext cx="7485413" cy="2287587"/>
-          </a:xfrm>
-        </p:spPr>
-        <p:txBody>
-          <a:bodyPr anchor="ctr">
-            <a:normAutofit/>
-          </a:bodyPr>
-          <a:lstStyle/>
-          <a:p>
-            <a:r>
-              <a:rPr lang="en-US" sz="1800" dirty="0"/>
-              <a:t>IoT-devices </a:t>
-            </a:r>
-            <a:r>
-              <a:rPr lang="en-US" sz="1800" dirty="0" err="1"/>
-              <a:t>registreren</a:t>
-            </a:r>
-            <a:r>
-              <a:rPr lang="en-US" sz="1800" dirty="0"/>
-              <a:t> &amp; </a:t>
-            </a:r>
-            <a:r>
-              <a:rPr lang="en-US" sz="1800" dirty="0" err="1"/>
-              <a:t>beheren</a:t>
-            </a:r>
-            <a:endParaRPr lang="en-US" sz="1800" dirty="0"/>
-          </a:p>
-          <a:p>
-            <a:r>
-              <a:rPr lang="en-US" sz="1800" dirty="0"/>
-              <a:t>Organizations</a:t>
-            </a:r>
-          </a:p>
-          <a:p>
-            <a:r>
-              <a:rPr lang="en-US" sz="1800" dirty="0"/>
-              <a:t>Device groups</a:t>
-            </a:r>
-          </a:p>
-          <a:p>
-            <a:r>
-              <a:rPr lang="en-US" sz="1800" dirty="0"/>
-              <a:t>Device templates</a:t>
-            </a:r>
           </a:p>
         </p:txBody>
       </p:sp>

--- a/.ppt/Azure Iot Central.pptx
+++ b/.ppt/Azure Iot Central.pptx
@@ -5,21 +5,15 @@
     <p:sldMasterId id="2147483648" r:id="rId4"/>
   </p:sldMasterIdLst>
   <p:notesMasterIdLst>
-    <p:notesMasterId r:id="rId17"/>
+    <p:notesMasterId r:id="rId11"/>
   </p:notesMasterIdLst>
   <p:sldIdLst>
     <p:sldId id="256" r:id="rId5"/>
-    <p:sldId id="257" r:id="rId6"/>
+    <p:sldId id="271" r:id="rId6"/>
     <p:sldId id="267" r:id="rId7"/>
-    <p:sldId id="258" r:id="rId8"/>
-    <p:sldId id="259" r:id="rId9"/>
-    <p:sldId id="260" r:id="rId10"/>
-    <p:sldId id="263" r:id="rId11"/>
-    <p:sldId id="262" r:id="rId12"/>
-    <p:sldId id="265" r:id="rId13"/>
-    <p:sldId id="266" r:id="rId14"/>
-    <p:sldId id="264" r:id="rId15"/>
-    <p:sldId id="261" r:id="rId16"/>
+    <p:sldId id="268" r:id="rId8"/>
+    <p:sldId id="269" r:id="rId9"/>
+    <p:sldId id="270" r:id="rId10"/>
   </p:sldIdLst>
   <p:sldSz cx="12192000" cy="6858000"/>
   <p:notesSz cx="6858000" cy="9144000"/>
@@ -126,14 +120,6 @@
 </p:presentation>
 </file>
 
-<file path=ppt/revisionInfo.xml><?xml version="1.0" encoding="utf-8"?>
-<p1510:revInfo xmlns:a="http://schemas.openxmlformats.org/drawingml/2006/main" xmlns:r="http://schemas.openxmlformats.org/officeDocument/2006/relationships" xmlns:p1510="http://schemas.microsoft.com/office/powerpoint/2015/10/main">
-  <p1510:revLst>
-    <p1510:client id="{70D45A43-8027-4C2C-982F-EB10A2DB795A}" v="26" dt="2023-09-10T12:34:56.645"/>
-  </p1510:revLst>
-</p1510:revInfo>
-</file>
-
 <file path=ppt/notesMasters/notesMaster1.xml><?xml version="1.0" encoding="utf-8"?>
 <p:notesMaster xmlns:a="http://schemas.openxmlformats.org/drawingml/2006/main" xmlns:r="http://schemas.openxmlformats.org/officeDocument/2006/relationships" xmlns:p="http://schemas.openxmlformats.org/presentationml/2006/main">
   <p:cSld>
@@ -216,7 +202,7 @@
           <a:p>
             <a:fld id="{232CF19D-734B-4D93-B84D-50E4125D5E28}" type="datetimeFigureOut">
               <a:rPr lang="en-BE" smtClean="0"/>
-              <a:t>19/09/2023</a:t>
+              <a:t>21/09/2023</a:t>
             </a:fld>
             <a:endParaRPr lang="en-BE"/>
           </a:p>
@@ -558,91 +544,7 @@
     </p:spTree>
     <p:extLst>
       <p:ext uri="{BB962C8B-B14F-4D97-AF65-F5344CB8AC3E}">
-        <p14:creationId xmlns:p14="http://schemas.microsoft.com/office/powerpoint/2010/main" val="291973147"/>
-      </p:ext>
-    </p:extLst>
-  </p:cSld>
-  <p:clrMapOvr>
-    <a:masterClrMapping/>
-  </p:clrMapOvr>
-</p:notes>
-</file>
-
-<file path=ppt/notesSlides/notesSlide10.xml><?xml version="1.0" encoding="utf-8"?>
-<p:notes xmlns:a="http://schemas.openxmlformats.org/drawingml/2006/main" xmlns:r="http://schemas.openxmlformats.org/officeDocument/2006/relationships" xmlns:p="http://schemas.openxmlformats.org/presentationml/2006/main">
-  <p:cSld>
-    <p:spTree>
-      <p:nvGrpSpPr>
-        <p:cNvPr id="1" name=""/>
-        <p:cNvGrpSpPr/>
-        <p:nvPr/>
-      </p:nvGrpSpPr>
-      <p:grpSpPr>
-        <a:xfrm>
-          <a:off x="0" y="0"/>
-          <a:ext cx="0" cy="0"/>
-          <a:chOff x="0" y="0"/>
-          <a:chExt cx="0" cy="0"/>
-        </a:xfrm>
-      </p:grpSpPr>
-      <p:sp>
-        <p:nvSpPr>
-          <p:cNvPr id="2" name="Slide Image Placeholder 1"/>
-          <p:cNvSpPr>
-            <a:spLocks noGrp="1" noRot="1" noChangeAspect="1"/>
-          </p:cNvSpPr>
-          <p:nvPr>
-            <p:ph type="sldImg"/>
-          </p:nvPr>
-        </p:nvSpPr>
-        <p:spPr/>
-      </p:sp>
-      <p:sp>
-        <p:nvSpPr>
-          <p:cNvPr id="3" name="Notes Placeholder 2"/>
-          <p:cNvSpPr>
-            <a:spLocks noGrp="1"/>
-          </p:cNvSpPr>
-          <p:nvPr>
-            <p:ph type="body" idx="1"/>
-          </p:nvPr>
-        </p:nvSpPr>
-        <p:spPr/>
-        <p:txBody>
-          <a:bodyPr/>
-          <a:lstStyle/>
-          <a:p>
-            <a:endParaRPr lang="en-BE" dirty="0"/>
-          </a:p>
-        </p:txBody>
-      </p:sp>
-      <p:sp>
-        <p:nvSpPr>
-          <p:cNvPr id="4" name="Slide Number Placeholder 3"/>
-          <p:cNvSpPr>
-            <a:spLocks noGrp="1"/>
-          </p:cNvSpPr>
-          <p:nvPr>
-            <p:ph type="sldNum" sz="quarter" idx="5"/>
-          </p:nvPr>
-        </p:nvSpPr>
-        <p:spPr/>
-        <p:txBody>
-          <a:bodyPr/>
-          <a:lstStyle/>
-          <a:p>
-            <a:fld id="{D97986AC-811D-4C2A-A7DE-A4DD8621F501}" type="slidenum">
-              <a:rPr lang="en-BE" smtClean="0"/>
-              <a:t>12</a:t>
-            </a:fld>
-            <a:endParaRPr lang="en-BE"/>
-          </a:p>
-        </p:txBody>
-      </p:sp>
-    </p:spTree>
-    <p:extLst>
-      <p:ext uri="{BB962C8B-B14F-4D97-AF65-F5344CB8AC3E}">
-        <p14:creationId xmlns:p14="http://schemas.microsoft.com/office/powerpoint/2010/main" val="4280606301"/>
+        <p14:creationId xmlns:p14="http://schemas.microsoft.com/office/powerpoint/2010/main" val="2584289257"/>
       </p:ext>
     </p:extLst>
   </p:cSld>
@@ -697,58 +599,206 @@
           <a:lstStyle/>
           <a:p>
             <a:r>
-              <a:rPr lang="en-US" dirty="0"/>
-              <a:t>- Generate device </a:t>
-            </a:r>
-          </a:p>
-          <a:p>
-            <a:r>
-              <a:rPr lang="en-US" dirty="0"/>
+              <a:rPr lang="en-BE" dirty="0"/>
               <a:t>- </a:t>
             </a:r>
             <a:r>
-              <a:rPr lang="en-US" dirty="0" err="1"/>
-              <a:t>beheeren</a:t>
-            </a:r>
-            <a:r>
-              <a:rPr lang="en-US" dirty="0"/>
-              <a:t> in </a:t>
-            </a:r>
-            <a:r>
-              <a:rPr lang="en-US" dirty="0" err="1"/>
-              <a:t>groepen</a:t>
-            </a:r>
-            <a:endParaRPr lang="en-US" dirty="0"/>
-          </a:p>
-          <a:p>
-            <a:r>
-              <a:rPr lang="en-US" dirty="0"/>
+              <a:rPr lang="en-BE" dirty="0" err="1"/>
+              <a:t>Cloudbased</a:t>
+            </a:r>
+            <a:r>
+              <a:rPr lang="en-BE" dirty="0"/>
+              <a:t> platform</a:t>
+            </a:r>
+          </a:p>
+          <a:p>
+            <a:r>
+              <a:rPr lang="en-BE" dirty="0"/>
+              <a:t>	- azure</a:t>
+            </a:r>
+          </a:p>
+          <a:p>
+            <a:r>
+              <a:rPr lang="en-BE" dirty="0"/>
+              <a:t>	- out of the box portal</a:t>
+            </a:r>
+          </a:p>
+          <a:p>
+            <a:r>
+              <a:rPr lang="en-BE" dirty="0"/>
+              <a:t>- organise </a:t>
+            </a:r>
+            <a:r>
+              <a:rPr lang="en-BE" dirty="0" err="1"/>
+              <a:t>iot</a:t>
+            </a:r>
+            <a:r>
+              <a:rPr lang="en-BE" dirty="0"/>
+              <a:t> devices</a:t>
+            </a:r>
+          </a:p>
+          <a:p>
+            <a:r>
+              <a:rPr lang="en-BE" dirty="0"/>
+              <a:t>	- register devices</a:t>
+            </a:r>
+          </a:p>
+          <a:p>
+            <a:r>
+              <a:rPr lang="en-BE" dirty="0"/>
+              <a:t>	- group devices</a:t>
+            </a:r>
+          </a:p>
+          <a:p>
+            <a:r>
+              <a:rPr lang="en-BE" dirty="0"/>
+              <a:t>	- put devices in organizations</a:t>
+            </a:r>
+          </a:p>
+          <a:p>
+            <a:r>
+              <a:rPr lang="en-BE" dirty="0"/>
+              <a:t>	- manage device templates =&gt; </a:t>
+            </a:r>
+            <a:r>
+              <a:rPr lang="en-BE" dirty="0" err="1"/>
+              <a:t>capababilities</a:t>
+            </a:r>
+            <a:endParaRPr lang="en-BE" dirty="0"/>
+          </a:p>
+          <a:p>
+            <a:r>
+              <a:rPr lang="en-BE" dirty="0"/>
               <a:t>- </a:t>
             </a:r>
             <a:r>
-              <a:rPr lang="en-US" dirty="0" err="1"/>
-              <a:t>plaatsen</a:t>
-            </a:r>
-            <a:r>
-              <a:rPr lang="en-US" dirty="0"/>
-              <a:t> onder </a:t>
-            </a:r>
-            <a:r>
-              <a:rPr lang="en-US" dirty="0" err="1"/>
-              <a:t>organisaties</a:t>
-            </a:r>
-            <a:endParaRPr lang="en-US" dirty="0"/>
-          </a:p>
-          <a:p>
-            <a:r>
-              <a:rPr lang="en-US" dirty="0"/>
-              <a:t>- device templates </a:t>
-            </a:r>
-            <a:r>
-              <a:rPr lang="en-US" dirty="0" err="1"/>
-              <a:t>aanmaken</a:t>
+              <a:rPr lang="en-BE" dirty="0" err="1"/>
+              <a:t>realtime</a:t>
+            </a:r>
+            <a:r>
+              <a:rPr lang="en-BE" dirty="0"/>
+              <a:t> monitoring</a:t>
+            </a:r>
+          </a:p>
+          <a:p>
+            <a:r>
+              <a:rPr lang="en-BE" dirty="0"/>
+              <a:t>	- </a:t>
+            </a:r>
+            <a:r>
+              <a:rPr lang="en-BE" dirty="0" err="1"/>
+              <a:t>realtime</a:t>
+            </a:r>
+            <a:r>
+              <a:rPr lang="en-BE" dirty="0"/>
+              <a:t> data </a:t>
+            </a:r>
+            <a:r>
+              <a:rPr lang="en-BE" dirty="0" err="1"/>
+              <a:t>wanneer</a:t>
+            </a:r>
+            <a:r>
+              <a:rPr lang="en-BE" dirty="0"/>
+              <a:t> </a:t>
+            </a:r>
+            <a:r>
+              <a:rPr lang="en-BE" dirty="0" err="1"/>
+              <a:t>gemapped</a:t>
             </a:r>
             <a:endParaRPr lang="en-BE" dirty="0"/>
+          </a:p>
+          <a:p>
+            <a:r>
+              <a:rPr lang="en-BE" dirty="0"/>
+              <a:t>	- dashboards</a:t>
+            </a:r>
+          </a:p>
+          <a:p>
+            <a:r>
+              <a:rPr lang="en-BE" dirty="0"/>
+              <a:t>		- widgets</a:t>
+            </a:r>
+          </a:p>
+          <a:p>
+            <a:r>
+              <a:rPr lang="en-BE" dirty="0"/>
+              <a:t>		- charts</a:t>
+            </a:r>
+          </a:p>
+          <a:p>
+            <a:r>
+              <a:rPr lang="en-BE" dirty="0"/>
+              <a:t>	- </a:t>
+            </a:r>
+            <a:r>
+              <a:rPr lang="en-BE" dirty="0" err="1"/>
+              <a:t>adx</a:t>
+            </a:r>
+            <a:endParaRPr lang="en-BE" dirty="0"/>
+          </a:p>
+          <a:p>
+            <a:r>
+              <a:rPr lang="en-BE" dirty="0"/>
+              <a:t>- scalability</a:t>
+            </a:r>
+          </a:p>
+          <a:p>
+            <a:r>
+              <a:rPr lang="en-BE" dirty="0"/>
+              <a:t>	- </a:t>
+            </a:r>
+            <a:r>
+              <a:rPr lang="en-BE" dirty="0" err="1"/>
+              <a:t>iot</a:t>
+            </a:r>
+            <a:r>
+              <a:rPr lang="en-BE" dirty="0"/>
+              <a:t> hub load balancing</a:t>
+            </a:r>
+          </a:p>
+          <a:p>
+            <a:r>
+              <a:rPr lang="en-BE" dirty="0"/>
+              <a:t>- flexibility</a:t>
+            </a:r>
+          </a:p>
+          <a:p>
+            <a:r>
+              <a:rPr lang="en-BE" dirty="0"/>
+              <a:t>	- </a:t>
+            </a:r>
+            <a:r>
+              <a:rPr lang="en-BE" dirty="0" err="1"/>
+              <a:t>api</a:t>
+            </a:r>
+            <a:r>
+              <a:rPr lang="en-BE" dirty="0"/>
+              <a:t> management</a:t>
+            </a:r>
+          </a:p>
+          <a:p>
+            <a:r>
+              <a:rPr lang="en-BE" dirty="0"/>
+              <a:t>	- azure eco system exports</a:t>
+            </a:r>
+          </a:p>
+          <a:p>
+            <a:r>
+              <a:rPr lang="en-BE" dirty="0"/>
+              <a:t>	</a:t>
+            </a:r>
+          </a:p>
+          <a:p>
+            <a:r>
+              <a:rPr lang="en-BE" dirty="0"/>
+              <a:t>	</a:t>
+            </a:r>
+          </a:p>
+          <a:p>
+            <a:r>
+              <a:rPr lang="en-BE" dirty="0"/>
+              <a:t>	</a:t>
+            </a:r>
           </a:p>
         </p:txBody>
       </p:sp>
@@ -769,7 +819,7 @@
           <a:p>
             <a:fld id="{D97986AC-811D-4C2A-A7DE-A4DD8621F501}" type="slidenum">
               <a:rPr lang="en-BE" smtClean="0"/>
-              <a:t>4</a:t>
+              <a:t>3</a:t>
             </a:fld>
             <a:endParaRPr lang="en-BE"/>
           </a:p>
@@ -778,7 +828,7 @@
     </p:spTree>
     <p:extLst>
       <p:ext uri="{BB962C8B-B14F-4D97-AF65-F5344CB8AC3E}">
-        <p14:creationId xmlns:p14="http://schemas.microsoft.com/office/powerpoint/2010/main" val="231646054"/>
+        <p14:creationId xmlns:p14="http://schemas.microsoft.com/office/powerpoint/2010/main" val="3554586848"/>
       </p:ext>
     </p:extLst>
   </p:cSld>
@@ -832,91 +882,6 @@
           <a:bodyPr/>
           <a:lstStyle/>
           <a:p>
-            <a:r>
-              <a:rPr lang="en-US" dirty="0"/>
-              <a:t>- real time data </a:t>
-            </a:r>
-            <a:r>
-              <a:rPr lang="en-US" dirty="0" err="1"/>
-              <a:t>bekijken</a:t>
-            </a:r>
-            <a:endParaRPr lang="en-US" dirty="0"/>
-          </a:p>
-          <a:p>
-            <a:r>
-              <a:rPr lang="en-US" dirty="0"/>
-              <a:t>- </a:t>
-            </a:r>
-            <a:r>
-              <a:rPr lang="en-US" dirty="0" err="1"/>
-              <a:t>aanmaken</a:t>
-            </a:r>
-            <a:r>
-              <a:rPr lang="en-US" dirty="0"/>
-              <a:t> van dashboards met </a:t>
-            </a:r>
-            <a:r>
-              <a:rPr lang="en-US" dirty="0" err="1"/>
-              <a:t>grafieken</a:t>
-            </a:r>
-            <a:r>
-              <a:rPr lang="en-US" dirty="0"/>
-              <a:t> </a:t>
-            </a:r>
-            <a:r>
-              <a:rPr lang="en-US" dirty="0" err="1"/>
-              <a:t>en</a:t>
-            </a:r>
-            <a:r>
-              <a:rPr lang="en-US" dirty="0"/>
-              <a:t> widgets</a:t>
-            </a:r>
-          </a:p>
-          <a:p>
-            <a:r>
-              <a:rPr lang="en-US" dirty="0"/>
-              <a:t>- </a:t>
-            </a:r>
-            <a:r>
-              <a:rPr lang="en-US" dirty="0" err="1"/>
-              <a:t>raadplegen</a:t>
-            </a:r>
-            <a:r>
-              <a:rPr lang="en-US" dirty="0"/>
-              <a:t> van data via </a:t>
-            </a:r>
-            <a:r>
-              <a:rPr lang="en-US" dirty="0" err="1"/>
-              <a:t>iot</a:t>
-            </a:r>
-            <a:r>
-              <a:rPr lang="en-US" dirty="0"/>
-              <a:t> central portal in de </a:t>
-            </a:r>
-            <a:r>
-              <a:rPr lang="en-US" dirty="0" err="1"/>
-              <a:t>onderliggende</a:t>
-            </a:r>
-            <a:r>
-              <a:rPr lang="en-US" dirty="0"/>
-              <a:t> </a:t>
-            </a:r>
-            <a:r>
-              <a:rPr lang="en-US" dirty="0" err="1"/>
-              <a:t>adx</a:t>
-            </a:r>
-            <a:r>
-              <a:rPr lang="en-US" dirty="0"/>
-              <a:t> via </a:t>
-            </a:r>
-            <a:r>
-              <a:rPr lang="en-US" dirty="0" err="1"/>
-              <a:t>kusto</a:t>
-            </a:r>
-            <a:r>
-              <a:rPr lang="en-US" dirty="0"/>
-              <a:t> queries</a:t>
-            </a:r>
             <a:endParaRPr lang="en-BE" dirty="0"/>
           </a:p>
         </p:txBody>
@@ -938,7 +903,7 @@
           <a:p>
             <a:fld id="{D97986AC-811D-4C2A-A7DE-A4DD8621F501}" type="slidenum">
               <a:rPr lang="en-BE" smtClean="0"/>
-              <a:t>5</a:t>
+              <a:t>4</a:t>
             </a:fld>
             <a:endParaRPr lang="en-BE"/>
           </a:p>
@@ -947,7 +912,7 @@
     </p:spTree>
     <p:extLst>
       <p:ext uri="{BB962C8B-B14F-4D97-AF65-F5344CB8AC3E}">
-        <p14:creationId xmlns:p14="http://schemas.microsoft.com/office/powerpoint/2010/main" val="2641675993"/>
+        <p14:creationId xmlns:p14="http://schemas.microsoft.com/office/powerpoint/2010/main" val="1420100134"/>
       </p:ext>
     </p:extLst>
   </p:cSld>
@@ -1001,137 +966,6 @@
           <a:bodyPr/>
           <a:lstStyle/>
           <a:p>
-            <a:r>
-              <a:rPr lang="en-US" dirty="0"/>
-              <a:t>- devices </a:t>
-            </a:r>
-            <a:r>
-              <a:rPr lang="en-US" dirty="0" err="1"/>
-              <a:t>worden</a:t>
-            </a:r>
-            <a:r>
-              <a:rPr lang="en-US" dirty="0"/>
-              <a:t> </a:t>
-            </a:r>
-            <a:r>
-              <a:rPr lang="en-US" dirty="0" err="1"/>
-              <a:t>geregistreerd</a:t>
-            </a:r>
-            <a:r>
-              <a:rPr lang="en-US" dirty="0"/>
-              <a:t> via </a:t>
-            </a:r>
-            <a:r>
-              <a:rPr lang="en-US" dirty="0" err="1"/>
-              <a:t>dps</a:t>
-            </a:r>
-            <a:r>
-              <a:rPr lang="en-US" dirty="0"/>
-              <a:t> (device provisioning service)</a:t>
-            </a:r>
-          </a:p>
-          <a:p>
-            <a:r>
-              <a:rPr lang="en-US" dirty="0"/>
-              <a:t>- load balancing voor </a:t>
-            </a:r>
-            <a:r>
-              <a:rPr lang="en-US" dirty="0" err="1"/>
-              <a:t>zeer</a:t>
-            </a:r>
-            <a:r>
-              <a:rPr lang="en-US" dirty="0"/>
-              <a:t> </a:t>
-            </a:r>
-            <a:r>
-              <a:rPr lang="en-US" dirty="0" err="1"/>
-              <a:t>grote</a:t>
-            </a:r>
-            <a:r>
-              <a:rPr lang="en-US" dirty="0"/>
-              <a:t> hoeveel devices</a:t>
-            </a:r>
-          </a:p>
-          <a:p>
-            <a:r>
-              <a:rPr lang="en-US" dirty="0"/>
-              <a:t>- </a:t>
-            </a:r>
-            <a:r>
-              <a:rPr lang="en-US" dirty="0" err="1"/>
-              <a:t>mogelijkheid</a:t>
-            </a:r>
-            <a:r>
-              <a:rPr lang="en-US" dirty="0"/>
-              <a:t> tot data exports</a:t>
-            </a:r>
-          </a:p>
-          <a:p>
-            <a:r>
-              <a:rPr lang="en-US" dirty="0"/>
-              <a:t>	- event hub</a:t>
-            </a:r>
-          </a:p>
-          <a:p>
-            <a:r>
-              <a:rPr lang="en-US" dirty="0"/>
-              <a:t>	- service bus</a:t>
-            </a:r>
-          </a:p>
-          <a:p>
-            <a:r>
-              <a:rPr lang="en-US" dirty="0"/>
-              <a:t>	- storage account</a:t>
-            </a:r>
-          </a:p>
-          <a:p>
-            <a:r>
-              <a:rPr lang="en-US" dirty="0"/>
-              <a:t>- </a:t>
-            </a:r>
-            <a:r>
-              <a:rPr lang="en-US" dirty="0" err="1"/>
-              <a:t>iot</a:t>
-            </a:r>
-            <a:r>
-              <a:rPr lang="en-US" dirty="0"/>
-              <a:t> central </a:t>
-            </a:r>
-            <a:r>
-              <a:rPr lang="en-US" dirty="0" err="1"/>
-              <a:t>kan</a:t>
-            </a:r>
-            <a:r>
-              <a:rPr lang="en-US" dirty="0"/>
-              <a:t> via </a:t>
-            </a:r>
-            <a:r>
-              <a:rPr lang="en-US" dirty="0" err="1"/>
-              <a:t>api</a:t>
-            </a:r>
-            <a:r>
-              <a:rPr lang="en-US" dirty="0"/>
-              <a:t> </a:t>
-            </a:r>
-            <a:r>
-              <a:rPr lang="en-US" dirty="0" err="1"/>
-              <a:t>aangestuurd</a:t>
-            </a:r>
-            <a:r>
-              <a:rPr lang="en-US" dirty="0"/>
-              <a:t> </a:t>
-            </a:r>
-            <a:r>
-              <a:rPr lang="en-US" dirty="0" err="1"/>
-              <a:t>worden</a:t>
-            </a:r>
-            <a:endParaRPr lang="en-US" dirty="0"/>
-          </a:p>
-          <a:p>
-            <a:r>
-              <a:rPr lang="en-US" dirty="0"/>
-              <a:t>	- create devices, …</a:t>
-            </a:r>
             <a:endParaRPr lang="en-BE" dirty="0"/>
           </a:p>
         </p:txBody>
@@ -1153,7 +987,7 @@
           <a:p>
             <a:fld id="{D97986AC-811D-4C2A-A7DE-A4DD8621F501}" type="slidenum">
               <a:rPr lang="en-BE" smtClean="0"/>
-              <a:t>6</a:t>
+              <a:t>5</a:t>
             </a:fld>
             <a:endParaRPr lang="en-BE"/>
           </a:p>
@@ -1162,7 +996,7 @@
     </p:spTree>
     <p:extLst>
       <p:ext uri="{BB962C8B-B14F-4D97-AF65-F5344CB8AC3E}">
-        <p14:creationId xmlns:p14="http://schemas.microsoft.com/office/powerpoint/2010/main" val="3515369417"/>
+        <p14:creationId xmlns:p14="http://schemas.microsoft.com/office/powerpoint/2010/main" val="587211956"/>
       </p:ext>
     </p:extLst>
   </p:cSld>
@@ -1216,65 +1050,6 @@
           <a:bodyPr/>
           <a:lstStyle/>
           <a:p>
-            <a:r>
-              <a:rPr lang="en-US" dirty="0"/>
-              <a:t>- device templates </a:t>
-            </a:r>
-            <a:r>
-              <a:rPr lang="en-US" dirty="0" err="1"/>
-              <a:t>informatie</a:t>
-            </a:r>
-            <a:r>
-              <a:rPr lang="en-US" dirty="0"/>
-              <a:t> wordt </a:t>
-            </a:r>
-            <a:r>
-              <a:rPr lang="en-US" dirty="0" err="1"/>
-              <a:t>gestored</a:t>
-            </a:r>
-            <a:r>
-              <a:rPr lang="en-US" dirty="0"/>
-              <a:t> in </a:t>
-            </a:r>
-            <a:r>
-              <a:rPr lang="en-US" dirty="0" err="1"/>
-              <a:t>dtdl</a:t>
-            </a:r>
-            <a:endParaRPr lang="en-US" dirty="0"/>
-          </a:p>
-          <a:p>
-            <a:r>
-              <a:rPr lang="en-US" dirty="0"/>
-              <a:t>- </a:t>
-            </a:r>
-            <a:r>
-              <a:rPr lang="en-US" dirty="0" err="1"/>
-              <a:t>digitale</a:t>
-            </a:r>
-            <a:r>
-              <a:rPr lang="en-US" dirty="0"/>
-              <a:t> </a:t>
-            </a:r>
-            <a:r>
-              <a:rPr lang="en-US" dirty="0" err="1"/>
-              <a:t>weergave</a:t>
-            </a:r>
-            <a:r>
-              <a:rPr lang="en-US" dirty="0"/>
-              <a:t> van een device</a:t>
-            </a:r>
-          </a:p>
-          <a:p>
-            <a:r>
-              <a:rPr lang="en-US" dirty="0"/>
-              <a:t>	- telemetry</a:t>
-            </a:r>
-          </a:p>
-          <a:p>
-            <a:r>
-              <a:rPr lang="en-US" dirty="0"/>
-              <a:t>	- properties</a:t>
-            </a:r>
             <a:endParaRPr lang="en-BE" dirty="0"/>
           </a:p>
         </p:txBody>
@@ -1296,7 +1071,7 @@
           <a:p>
             <a:fld id="{D97986AC-811D-4C2A-A7DE-A4DD8621F501}" type="slidenum">
               <a:rPr lang="en-BE" smtClean="0"/>
-              <a:t>7</a:t>
+              <a:t>6</a:t>
             </a:fld>
             <a:endParaRPr lang="en-BE"/>
           </a:p>
@@ -1305,611 +1080,7 @@
     </p:spTree>
     <p:extLst>
       <p:ext uri="{BB962C8B-B14F-4D97-AF65-F5344CB8AC3E}">
-        <p14:creationId xmlns:p14="http://schemas.microsoft.com/office/powerpoint/2010/main" val="1649088838"/>
-      </p:ext>
-    </p:extLst>
-  </p:cSld>
-  <p:clrMapOvr>
-    <a:masterClrMapping/>
-  </p:clrMapOvr>
-</p:notes>
-</file>
-
-<file path=ppt/notesSlides/notesSlide6.xml><?xml version="1.0" encoding="utf-8"?>
-<p:notes xmlns:a="http://schemas.openxmlformats.org/drawingml/2006/main" xmlns:r="http://schemas.openxmlformats.org/officeDocument/2006/relationships" xmlns:p="http://schemas.openxmlformats.org/presentationml/2006/main">
-  <p:cSld>
-    <p:spTree>
-      <p:nvGrpSpPr>
-        <p:cNvPr id="1" name=""/>
-        <p:cNvGrpSpPr/>
-        <p:nvPr/>
-      </p:nvGrpSpPr>
-      <p:grpSpPr>
-        <a:xfrm>
-          <a:off x="0" y="0"/>
-          <a:ext cx="0" cy="0"/>
-          <a:chOff x="0" y="0"/>
-          <a:chExt cx="0" cy="0"/>
-        </a:xfrm>
-      </p:grpSpPr>
-      <p:sp>
-        <p:nvSpPr>
-          <p:cNvPr id="2" name="Slide Image Placeholder 1"/>
-          <p:cNvSpPr>
-            <a:spLocks noGrp="1" noRot="1" noChangeAspect="1"/>
-          </p:cNvSpPr>
-          <p:nvPr>
-            <p:ph type="sldImg"/>
-          </p:nvPr>
-        </p:nvSpPr>
-        <p:spPr/>
-      </p:sp>
-      <p:sp>
-        <p:nvSpPr>
-          <p:cNvPr id="3" name="Notes Placeholder 2"/>
-          <p:cNvSpPr>
-            <a:spLocks noGrp="1"/>
-          </p:cNvSpPr>
-          <p:nvPr>
-            <p:ph type="body" idx="1"/>
-          </p:nvPr>
-        </p:nvSpPr>
-        <p:spPr/>
-        <p:txBody>
-          <a:bodyPr/>
-          <a:lstStyle/>
-          <a:p>
-            <a:r>
-              <a:rPr lang="en-US" dirty="0"/>
-              <a:t>- 2 </a:t>
-            </a:r>
-            <a:r>
-              <a:rPr lang="en-US" dirty="0" err="1"/>
-              <a:t>verschillende</a:t>
-            </a:r>
-            <a:r>
-              <a:rPr lang="en-US" dirty="0"/>
-              <a:t> </a:t>
-            </a:r>
-            <a:r>
-              <a:rPr lang="en-US" dirty="0" err="1"/>
-              <a:t>soorten</a:t>
-            </a:r>
-            <a:r>
-              <a:rPr lang="en-US" dirty="0"/>
-              <a:t> devices</a:t>
-            </a:r>
-          </a:p>
-          <a:p>
-            <a:r>
-              <a:rPr lang="en-US" dirty="0"/>
-              <a:t>	- </a:t>
-            </a:r>
-            <a:r>
-              <a:rPr lang="en-US" dirty="0" err="1"/>
-              <a:t>iot</a:t>
-            </a:r>
-            <a:r>
-              <a:rPr lang="en-US" dirty="0"/>
-              <a:t> device</a:t>
-            </a:r>
-          </a:p>
-          <a:p>
-            <a:r>
-              <a:rPr lang="en-US" dirty="0"/>
-              <a:t>	- </a:t>
-            </a:r>
-            <a:r>
-              <a:rPr lang="en-US" dirty="0" err="1"/>
-              <a:t>iot</a:t>
-            </a:r>
-            <a:r>
-              <a:rPr lang="en-US" dirty="0"/>
-              <a:t> edge device</a:t>
-            </a:r>
-          </a:p>
-          <a:p>
-            <a:r>
-              <a:rPr lang="en-US" dirty="0"/>
-              <a:t>- devices kunnen </a:t>
-            </a:r>
-            <a:r>
-              <a:rPr lang="en-US" dirty="0" err="1"/>
-              <a:t>makkelijk</a:t>
-            </a:r>
-            <a:r>
-              <a:rPr lang="en-US" dirty="0"/>
-              <a:t> via de </a:t>
-            </a:r>
-            <a:r>
-              <a:rPr lang="en-US" dirty="0" err="1"/>
-              <a:t>iot</a:t>
-            </a:r>
-            <a:r>
-              <a:rPr lang="en-US" dirty="0"/>
-              <a:t> central portal </a:t>
-            </a:r>
-            <a:r>
-              <a:rPr lang="en-US" dirty="0" err="1"/>
-              <a:t>beheerd</a:t>
-            </a:r>
-            <a:r>
-              <a:rPr lang="en-US" dirty="0"/>
-              <a:t> </a:t>
-            </a:r>
-            <a:r>
-              <a:rPr lang="en-US" dirty="0" err="1"/>
-              <a:t>worden</a:t>
-            </a:r>
-            <a:endParaRPr lang="en-BE" dirty="0"/>
-          </a:p>
-        </p:txBody>
-      </p:sp>
-      <p:sp>
-        <p:nvSpPr>
-          <p:cNvPr id="4" name="Slide Number Placeholder 3"/>
-          <p:cNvSpPr>
-            <a:spLocks noGrp="1"/>
-          </p:cNvSpPr>
-          <p:nvPr>
-            <p:ph type="sldNum" sz="quarter" idx="5"/>
-          </p:nvPr>
-        </p:nvSpPr>
-        <p:spPr/>
-        <p:txBody>
-          <a:bodyPr/>
-          <a:lstStyle/>
-          <a:p>
-            <a:fld id="{D97986AC-811D-4C2A-A7DE-A4DD8621F501}" type="slidenum">
-              <a:rPr lang="en-BE" smtClean="0"/>
-              <a:t>8</a:t>
-            </a:fld>
-            <a:endParaRPr lang="en-BE"/>
-          </a:p>
-        </p:txBody>
-      </p:sp>
-    </p:spTree>
-    <p:extLst>
-      <p:ext uri="{BB962C8B-B14F-4D97-AF65-F5344CB8AC3E}">
-        <p14:creationId xmlns:p14="http://schemas.microsoft.com/office/powerpoint/2010/main" val="52843010"/>
-      </p:ext>
-    </p:extLst>
-  </p:cSld>
-  <p:clrMapOvr>
-    <a:masterClrMapping/>
-  </p:clrMapOvr>
-</p:notes>
-</file>
-
-<file path=ppt/notesSlides/notesSlide7.xml><?xml version="1.0" encoding="utf-8"?>
-<p:notes xmlns:a="http://schemas.openxmlformats.org/drawingml/2006/main" xmlns:r="http://schemas.openxmlformats.org/officeDocument/2006/relationships" xmlns:p="http://schemas.openxmlformats.org/presentationml/2006/main">
-  <p:cSld>
-    <p:spTree>
-      <p:nvGrpSpPr>
-        <p:cNvPr id="1" name=""/>
-        <p:cNvGrpSpPr/>
-        <p:nvPr/>
-      </p:nvGrpSpPr>
-      <p:grpSpPr>
-        <a:xfrm>
-          <a:off x="0" y="0"/>
-          <a:ext cx="0" cy="0"/>
-          <a:chOff x="0" y="0"/>
-          <a:chExt cx="0" cy="0"/>
-        </a:xfrm>
-      </p:grpSpPr>
-      <p:sp>
-        <p:nvSpPr>
-          <p:cNvPr id="2" name="Slide Image Placeholder 1"/>
-          <p:cNvSpPr>
-            <a:spLocks noGrp="1" noRot="1" noChangeAspect="1"/>
-          </p:cNvSpPr>
-          <p:nvPr>
-            <p:ph type="sldImg"/>
-          </p:nvPr>
-        </p:nvSpPr>
-        <p:spPr/>
-      </p:sp>
-      <p:sp>
-        <p:nvSpPr>
-          <p:cNvPr id="3" name="Notes Placeholder 2"/>
-          <p:cNvSpPr>
-            <a:spLocks noGrp="1"/>
-          </p:cNvSpPr>
-          <p:nvPr>
-            <p:ph type="body" idx="1"/>
-          </p:nvPr>
-        </p:nvSpPr>
-        <p:spPr/>
-        <p:txBody>
-          <a:bodyPr/>
-          <a:lstStyle/>
-          <a:p>
-            <a:r>
-              <a:rPr lang="en-US" dirty="0"/>
-              <a:t>- 1 op 1 device </a:t>
-            </a:r>
-            <a:r>
-              <a:rPr lang="en-US" dirty="0" err="1"/>
-              <a:t>configuratie</a:t>
-            </a:r>
-            <a:r>
-              <a:rPr lang="en-US" dirty="0"/>
-              <a:t> =&gt; 1 device in </a:t>
-            </a:r>
-            <a:r>
-              <a:rPr lang="en-US" dirty="0" err="1"/>
-              <a:t>iot</a:t>
-            </a:r>
-            <a:r>
-              <a:rPr lang="en-US" dirty="0"/>
-              <a:t> central </a:t>
-            </a:r>
-            <a:r>
-              <a:rPr lang="en-US" dirty="0" err="1"/>
-              <a:t>ontvang</a:t>
-            </a:r>
-            <a:r>
-              <a:rPr lang="en-US" dirty="0"/>
-              <a:t> data van 1 device</a:t>
-            </a:r>
-          </a:p>
-        </p:txBody>
-      </p:sp>
-      <p:sp>
-        <p:nvSpPr>
-          <p:cNvPr id="4" name="Slide Number Placeholder 3"/>
-          <p:cNvSpPr>
-            <a:spLocks noGrp="1"/>
-          </p:cNvSpPr>
-          <p:nvPr>
-            <p:ph type="sldNum" sz="quarter" idx="5"/>
-          </p:nvPr>
-        </p:nvSpPr>
-        <p:spPr/>
-        <p:txBody>
-          <a:bodyPr/>
-          <a:lstStyle/>
-          <a:p>
-            <a:fld id="{D97986AC-811D-4C2A-A7DE-A4DD8621F501}" type="slidenum">
-              <a:rPr lang="en-BE" smtClean="0"/>
-              <a:t>9</a:t>
-            </a:fld>
-            <a:endParaRPr lang="en-BE"/>
-          </a:p>
-        </p:txBody>
-      </p:sp>
-    </p:spTree>
-    <p:extLst>
-      <p:ext uri="{BB962C8B-B14F-4D97-AF65-F5344CB8AC3E}">
-        <p14:creationId xmlns:p14="http://schemas.microsoft.com/office/powerpoint/2010/main" val="1793407617"/>
-      </p:ext>
-    </p:extLst>
-  </p:cSld>
-  <p:clrMapOvr>
-    <a:masterClrMapping/>
-  </p:clrMapOvr>
-</p:notes>
-</file>
-
-<file path=ppt/notesSlides/notesSlide8.xml><?xml version="1.0" encoding="utf-8"?>
-<p:notes xmlns:a="http://schemas.openxmlformats.org/drawingml/2006/main" xmlns:r="http://schemas.openxmlformats.org/officeDocument/2006/relationships" xmlns:p="http://schemas.openxmlformats.org/presentationml/2006/main">
-  <p:cSld>
-    <p:spTree>
-      <p:nvGrpSpPr>
-        <p:cNvPr id="1" name=""/>
-        <p:cNvGrpSpPr/>
-        <p:nvPr/>
-      </p:nvGrpSpPr>
-      <p:grpSpPr>
-        <a:xfrm>
-          <a:off x="0" y="0"/>
-          <a:ext cx="0" cy="0"/>
-          <a:chOff x="0" y="0"/>
-          <a:chExt cx="0" cy="0"/>
-        </a:xfrm>
-      </p:grpSpPr>
-      <p:sp>
-        <p:nvSpPr>
-          <p:cNvPr id="2" name="Slide Image Placeholder 1"/>
-          <p:cNvSpPr>
-            <a:spLocks noGrp="1" noRot="1" noChangeAspect="1"/>
-          </p:cNvSpPr>
-          <p:nvPr>
-            <p:ph type="sldImg"/>
-          </p:nvPr>
-        </p:nvSpPr>
-        <p:spPr/>
-      </p:sp>
-      <p:sp>
-        <p:nvSpPr>
-          <p:cNvPr id="3" name="Notes Placeholder 2"/>
-          <p:cNvSpPr>
-            <a:spLocks noGrp="1"/>
-          </p:cNvSpPr>
-          <p:nvPr>
-            <p:ph type="body" idx="1"/>
-          </p:nvPr>
-        </p:nvSpPr>
-        <p:spPr/>
-        <p:txBody>
-          <a:bodyPr/>
-          <a:lstStyle/>
-          <a:p>
-            <a:r>
-              <a:rPr lang="en-US" dirty="0"/>
-              <a:t>- Meestal </a:t>
-            </a:r>
-            <a:r>
-              <a:rPr lang="en-US" dirty="0" err="1"/>
-              <a:t>gebruikt</a:t>
-            </a:r>
-            <a:r>
-              <a:rPr lang="en-US" dirty="0"/>
-              <a:t> </a:t>
-            </a:r>
-            <a:r>
-              <a:rPr lang="en-US" dirty="0" err="1"/>
-              <a:t>als</a:t>
-            </a:r>
-            <a:r>
-              <a:rPr lang="en-US" dirty="0"/>
-              <a:t> een proxy device. </a:t>
-            </a:r>
-          </a:p>
-          <a:p>
-            <a:r>
-              <a:rPr lang="en-US" dirty="0"/>
-              <a:t>- </a:t>
-            </a:r>
-            <a:r>
-              <a:rPr lang="en-US" dirty="0" err="1"/>
-              <a:t>iot</a:t>
-            </a:r>
-            <a:r>
-              <a:rPr lang="en-US" dirty="0"/>
-              <a:t> edge runtime draait op locale </a:t>
-            </a:r>
-            <a:r>
-              <a:rPr lang="en-US" dirty="0" err="1"/>
-              <a:t>infrastructuur</a:t>
-            </a:r>
-            <a:r>
-              <a:rPr lang="en-US" dirty="0"/>
-              <a:t> die </a:t>
-            </a:r>
-            <a:r>
-              <a:rPr lang="en-US" dirty="0" err="1"/>
-              <a:t>toegang</a:t>
-            </a:r>
-            <a:r>
-              <a:rPr lang="en-US" dirty="0"/>
-              <a:t> heeft tot de sensor data</a:t>
-            </a:r>
-          </a:p>
-          <a:p>
-            <a:r>
-              <a:rPr lang="en-US" dirty="0"/>
-              <a:t>- modules </a:t>
-            </a:r>
-            <a:r>
-              <a:rPr lang="en-US" dirty="0" err="1"/>
-              <a:t>draaien</a:t>
-            </a:r>
-            <a:r>
-              <a:rPr lang="en-US" dirty="0"/>
-              <a:t> op de </a:t>
-            </a:r>
-            <a:r>
-              <a:rPr lang="en-US" dirty="0" err="1"/>
-              <a:t>iot</a:t>
-            </a:r>
-            <a:r>
-              <a:rPr lang="en-US" dirty="0"/>
-              <a:t> edge runtime</a:t>
-            </a:r>
-          </a:p>
-          <a:p>
-            <a:r>
-              <a:rPr lang="en-US" dirty="0"/>
-              <a:t>- telemetry upstream via modules naar </a:t>
-            </a:r>
-            <a:r>
-              <a:rPr lang="en-US" dirty="0" err="1"/>
-              <a:t>iot</a:t>
-            </a:r>
-            <a:r>
-              <a:rPr lang="en-US" dirty="0"/>
-              <a:t> hub (</a:t>
-            </a:r>
-            <a:r>
-              <a:rPr lang="en-US" dirty="0" err="1"/>
-              <a:t>iot</a:t>
-            </a:r>
-            <a:r>
-              <a:rPr lang="en-US" dirty="0"/>
-              <a:t> central)</a:t>
-            </a:r>
-          </a:p>
-        </p:txBody>
-      </p:sp>
-      <p:sp>
-        <p:nvSpPr>
-          <p:cNvPr id="4" name="Slide Number Placeholder 3"/>
-          <p:cNvSpPr>
-            <a:spLocks noGrp="1"/>
-          </p:cNvSpPr>
-          <p:nvPr>
-            <p:ph type="sldNum" sz="quarter" idx="5"/>
-          </p:nvPr>
-        </p:nvSpPr>
-        <p:spPr/>
-        <p:txBody>
-          <a:bodyPr/>
-          <a:lstStyle/>
-          <a:p>
-            <a:fld id="{D97986AC-811D-4C2A-A7DE-A4DD8621F501}" type="slidenum">
-              <a:rPr lang="en-BE" smtClean="0"/>
-              <a:t>10</a:t>
-            </a:fld>
-            <a:endParaRPr lang="en-BE"/>
-          </a:p>
-        </p:txBody>
-      </p:sp>
-    </p:spTree>
-    <p:extLst>
-      <p:ext uri="{BB962C8B-B14F-4D97-AF65-F5344CB8AC3E}">
-        <p14:creationId xmlns:p14="http://schemas.microsoft.com/office/powerpoint/2010/main" val="1016940826"/>
-      </p:ext>
-    </p:extLst>
-  </p:cSld>
-  <p:clrMapOvr>
-    <a:masterClrMapping/>
-  </p:clrMapOvr>
-</p:notes>
-</file>
-
-<file path=ppt/notesSlides/notesSlide9.xml><?xml version="1.0" encoding="utf-8"?>
-<p:notes xmlns:a="http://schemas.openxmlformats.org/drawingml/2006/main" xmlns:r="http://schemas.openxmlformats.org/officeDocument/2006/relationships" xmlns:p="http://schemas.openxmlformats.org/presentationml/2006/main">
-  <p:cSld>
-    <p:spTree>
-      <p:nvGrpSpPr>
-        <p:cNvPr id="1" name=""/>
-        <p:cNvGrpSpPr/>
-        <p:nvPr/>
-      </p:nvGrpSpPr>
-      <p:grpSpPr>
-        <a:xfrm>
-          <a:off x="0" y="0"/>
-          <a:ext cx="0" cy="0"/>
-          <a:chOff x="0" y="0"/>
-          <a:chExt cx="0" cy="0"/>
-        </a:xfrm>
-      </p:grpSpPr>
-      <p:sp>
-        <p:nvSpPr>
-          <p:cNvPr id="2" name="Slide Image Placeholder 1"/>
-          <p:cNvSpPr>
-            <a:spLocks noGrp="1" noRot="1" noChangeAspect="1"/>
-          </p:cNvSpPr>
-          <p:nvPr>
-            <p:ph type="sldImg"/>
-          </p:nvPr>
-        </p:nvSpPr>
-        <p:spPr/>
-      </p:sp>
-      <p:sp>
-        <p:nvSpPr>
-          <p:cNvPr id="3" name="Notes Placeholder 2"/>
-          <p:cNvSpPr>
-            <a:spLocks noGrp="1"/>
-          </p:cNvSpPr>
-          <p:nvPr>
-            <p:ph type="body" idx="1"/>
-          </p:nvPr>
-        </p:nvSpPr>
-        <p:spPr/>
-        <p:txBody>
-          <a:bodyPr/>
-          <a:lstStyle/>
-          <a:p>
-            <a:r>
-              <a:rPr lang="en-US" dirty="0"/>
-              <a:t>- </a:t>
-            </a:r>
-            <a:r>
-              <a:rPr lang="en-US" dirty="0" err="1"/>
-              <a:t>mogelijkheid</a:t>
-            </a:r>
-            <a:r>
-              <a:rPr lang="en-US" dirty="0"/>
-              <a:t> tot </a:t>
-            </a:r>
-            <a:r>
-              <a:rPr lang="en-US" dirty="0" err="1"/>
-              <a:t>exporteren</a:t>
-            </a:r>
-            <a:r>
-              <a:rPr lang="en-US" dirty="0"/>
-              <a:t> van telemetry data</a:t>
-            </a:r>
-          </a:p>
-          <a:p>
-            <a:r>
-              <a:rPr lang="en-US" dirty="0"/>
-              <a:t>- </a:t>
-            </a:r>
-            <a:r>
-              <a:rPr lang="en-US" dirty="0" err="1"/>
-              <a:t>iot</a:t>
-            </a:r>
-            <a:r>
-              <a:rPr lang="en-US" dirty="0"/>
-              <a:t> central life cycle events</a:t>
-            </a:r>
-          </a:p>
-          <a:p>
-            <a:r>
-              <a:rPr lang="en-US" dirty="0"/>
-              <a:t>	- create device</a:t>
-            </a:r>
-          </a:p>
-          <a:p>
-            <a:r>
-              <a:rPr lang="en-US" dirty="0"/>
-              <a:t>	- update device template</a:t>
-            </a:r>
-          </a:p>
-          <a:p>
-            <a:r>
-              <a:rPr lang="en-US" dirty="0"/>
-              <a:t>	- …</a:t>
-            </a:r>
-          </a:p>
-          <a:p>
-            <a:r>
-              <a:rPr lang="en-US" dirty="0"/>
-              <a:t>- data transformative mogelijk via </a:t>
-            </a:r>
-            <a:r>
-              <a:rPr lang="en-US" dirty="0" err="1"/>
-              <a:t>jq</a:t>
-            </a:r>
-            <a:r>
-              <a:rPr lang="en-US" dirty="0"/>
-              <a:t> syntax</a:t>
-            </a:r>
-            <a:endParaRPr lang="en-BE" dirty="0"/>
-          </a:p>
-        </p:txBody>
-      </p:sp>
-      <p:sp>
-        <p:nvSpPr>
-          <p:cNvPr id="4" name="Slide Number Placeholder 3"/>
-          <p:cNvSpPr>
-            <a:spLocks noGrp="1"/>
-          </p:cNvSpPr>
-          <p:nvPr>
-            <p:ph type="sldNum" sz="quarter" idx="5"/>
-          </p:nvPr>
-        </p:nvSpPr>
-        <p:spPr/>
-        <p:txBody>
-          <a:bodyPr/>
-          <a:lstStyle/>
-          <a:p>
-            <a:fld id="{D97986AC-811D-4C2A-A7DE-A4DD8621F501}" type="slidenum">
-              <a:rPr lang="en-BE" smtClean="0"/>
-              <a:t>11</a:t>
-            </a:fld>
-            <a:endParaRPr lang="en-BE"/>
-          </a:p>
-        </p:txBody>
-      </p:sp>
-    </p:spTree>
-    <p:extLst>
-      <p:ext uri="{BB962C8B-B14F-4D97-AF65-F5344CB8AC3E}">
-        <p14:creationId xmlns:p14="http://schemas.microsoft.com/office/powerpoint/2010/main" val="3476922508"/>
+        <p14:creationId xmlns:p14="http://schemas.microsoft.com/office/powerpoint/2010/main" val="3496805735"/>
       </p:ext>
     </p:extLst>
   </p:cSld>
@@ -2068,7 +1239,7 @@
           <a:p>
             <a:fld id="{AC68330A-4CE2-4F2A-A88C-15A4A1232ED1}" type="datetimeFigureOut">
               <a:rPr lang="en-BE" smtClean="0"/>
-              <a:t>19/09/2023</a:t>
+              <a:t>21/09/2023</a:t>
             </a:fld>
             <a:endParaRPr lang="en-BE"/>
           </a:p>
@@ -2268,7 +1439,7 @@
           <a:p>
             <a:fld id="{AC68330A-4CE2-4F2A-A88C-15A4A1232ED1}" type="datetimeFigureOut">
               <a:rPr lang="en-BE" smtClean="0"/>
-              <a:t>19/09/2023</a:t>
+              <a:t>21/09/2023</a:t>
             </a:fld>
             <a:endParaRPr lang="en-BE"/>
           </a:p>
@@ -2478,7 +1649,7 @@
           <a:p>
             <a:fld id="{AC68330A-4CE2-4F2A-A88C-15A4A1232ED1}" type="datetimeFigureOut">
               <a:rPr lang="en-BE" smtClean="0"/>
-              <a:t>19/09/2023</a:t>
+              <a:t>21/09/2023</a:t>
             </a:fld>
             <a:endParaRPr lang="en-BE"/>
           </a:p>
@@ -2678,7 +1849,7 @@
           <a:p>
             <a:fld id="{AC68330A-4CE2-4F2A-A88C-15A4A1232ED1}" type="datetimeFigureOut">
               <a:rPr lang="en-BE" smtClean="0"/>
-              <a:t>19/09/2023</a:t>
+              <a:t>21/09/2023</a:t>
             </a:fld>
             <a:endParaRPr lang="en-BE"/>
           </a:p>
@@ -2954,7 +2125,7 @@
           <a:p>
             <a:fld id="{AC68330A-4CE2-4F2A-A88C-15A4A1232ED1}" type="datetimeFigureOut">
               <a:rPr lang="en-BE" smtClean="0"/>
-              <a:t>19/09/2023</a:t>
+              <a:t>21/09/2023</a:t>
             </a:fld>
             <a:endParaRPr lang="en-BE"/>
           </a:p>
@@ -3222,7 +2393,7 @@
           <a:p>
             <a:fld id="{AC68330A-4CE2-4F2A-A88C-15A4A1232ED1}" type="datetimeFigureOut">
               <a:rPr lang="en-BE" smtClean="0"/>
-              <a:t>19/09/2023</a:t>
+              <a:t>21/09/2023</a:t>
             </a:fld>
             <a:endParaRPr lang="en-BE"/>
           </a:p>
@@ -3637,7 +2808,7 @@
           <a:p>
             <a:fld id="{AC68330A-4CE2-4F2A-A88C-15A4A1232ED1}" type="datetimeFigureOut">
               <a:rPr lang="en-BE" smtClean="0"/>
-              <a:t>19/09/2023</a:t>
+              <a:t>21/09/2023</a:t>
             </a:fld>
             <a:endParaRPr lang="en-BE"/>
           </a:p>
@@ -3779,7 +2950,7 @@
           <a:p>
             <a:fld id="{AC68330A-4CE2-4F2A-A88C-15A4A1232ED1}" type="datetimeFigureOut">
               <a:rPr lang="en-BE" smtClean="0"/>
-              <a:t>19/09/2023</a:t>
+              <a:t>21/09/2023</a:t>
             </a:fld>
             <a:endParaRPr lang="en-BE"/>
           </a:p>
@@ -3892,7 +3063,7 @@
           <a:p>
             <a:fld id="{AC68330A-4CE2-4F2A-A88C-15A4A1232ED1}" type="datetimeFigureOut">
               <a:rPr lang="en-BE" smtClean="0"/>
-              <a:t>19/09/2023</a:t>
+              <a:t>21/09/2023</a:t>
             </a:fld>
             <a:endParaRPr lang="en-BE"/>
           </a:p>
@@ -4205,7 +3376,7 @@
           <a:p>
             <a:fld id="{AC68330A-4CE2-4F2A-A88C-15A4A1232ED1}" type="datetimeFigureOut">
               <a:rPr lang="en-BE" smtClean="0"/>
-              <a:t>19/09/2023</a:t>
+              <a:t>21/09/2023</a:t>
             </a:fld>
             <a:endParaRPr lang="en-BE"/>
           </a:p>
@@ -4494,7 +3665,7 @@
           <a:p>
             <a:fld id="{AC68330A-4CE2-4F2A-A88C-15A4A1232ED1}" type="datetimeFigureOut">
               <a:rPr lang="en-BE" smtClean="0"/>
-              <a:t>19/09/2023</a:t>
+              <a:t>21/09/2023</a:t>
             </a:fld>
             <a:endParaRPr lang="en-BE"/>
           </a:p>
@@ -4737,7 +3908,7 @@
           <a:p>
             <a:fld id="{AC68330A-4CE2-4F2A-A88C-15A4A1232ED1}" type="datetimeFigureOut">
               <a:rPr lang="en-BE" smtClean="0"/>
-              <a:t>19/09/2023</a:t>
+              <a:t>21/09/2023</a:t>
             </a:fld>
             <a:endParaRPr lang="en-BE"/>
           </a:p>
@@ -5265,13 +4436,13 @@
 </p:sld>
 </file>
 
-<file path=ppt/slides/slide10.xml><?xml version="1.0" encoding="utf-8"?>
+<file path=ppt/slides/slide2.xml><?xml version="1.0" encoding="utf-8"?>
 <p:sld xmlns:a="http://schemas.openxmlformats.org/drawingml/2006/main" xmlns:r="http://schemas.openxmlformats.org/officeDocument/2006/relationships" xmlns:p="http://schemas.openxmlformats.org/presentationml/2006/main">
   <p:cSld>
     <p:bg>
       <p:bgPr>
         <a:solidFill>
-          <a:schemeClr val="bg1"/>
+          <a:schemeClr val="tx1"/>
         </a:solidFill>
         <a:effectLst/>
       </p:bgPr>
@@ -5292,52 +4463,68 @@
       </p:grpSpPr>
       <p:sp>
         <p:nvSpPr>
-          <p:cNvPr id="2" name="Title 1">
-            <a:extLst>
-              <a:ext uri="{FF2B5EF4-FFF2-40B4-BE49-F238E27FC236}">
-                <a16:creationId xmlns:a16="http://schemas.microsoft.com/office/drawing/2014/main" id="{A40A20AA-77A5-2050-5739-CF23BB3936BA}"/>
-              </a:ext>
-            </a:extLst>
-          </p:cNvPr>
-          <p:cNvSpPr>
-            <a:spLocks noGrp="1"/>
-          </p:cNvSpPr>
-          <p:nvPr>
-            <p:ph type="title"/>
-          </p:nvPr>
+          <p:cNvPr id="6" name="Title 1">
+            <a:extLst>
+              <a:ext uri="{FF2B5EF4-FFF2-40B4-BE49-F238E27FC236}">
+                <a16:creationId xmlns:a16="http://schemas.microsoft.com/office/drawing/2014/main" id="{F604ADF8-9E5B-F44A-84F8-9BF250EF8D27}"/>
+              </a:ext>
+            </a:extLst>
+          </p:cNvPr>
+          <p:cNvSpPr txBox="1">
+            <a:spLocks/>
+          </p:cNvSpPr>
+          <p:nvPr/>
         </p:nvSpPr>
         <p:spPr>
           <a:xfrm>
-            <a:off x="914400" y="4664506"/>
-            <a:ext cx="3777240" cy="1674374"/>
+            <a:off x="838200" y="681038"/>
+            <a:ext cx="10515600" cy="796579"/>
           </a:xfrm>
+          <a:prstGeom prst="rect">
+            <a:avLst/>
+          </a:prstGeom>
         </p:spPr>
         <p:txBody>
           <a:bodyPr vert="horz" lIns="91440" tIns="45720" rIns="91440" bIns="45720" rtlCol="0" anchor="ctr">
             <a:normAutofit/>
           </a:bodyPr>
-          <a:lstStyle/>
-          <a:p>
-            <a:r>
-              <a:rPr lang="en-US" sz="4000" kern="1200" dirty="0">
+          <a:lstStyle>
+            <a:lvl1pPr algn="l" defTabSz="914400" rtl="0" eaLnBrk="1" latinLnBrk="0" hangingPunct="1">
+              <a:lnSpc>
+                <a:spcPct val="90000"/>
+              </a:lnSpc>
+              <a:spcBef>
+                <a:spcPct val="0"/>
+              </a:spcBef>
+              <a:buNone/>
+              <a:defRPr sz="4400" kern="1200">
                 <a:solidFill>
                   <a:schemeClr val="tx1"/>
                 </a:solidFill>
                 <a:latin typeface="+mj-lt"/>
                 <a:ea typeface="+mj-ea"/>
                 <a:cs typeface="+mj-cs"/>
+              </a:defRPr>
+            </a:lvl1pPr>
+          </a:lstStyle>
+          <a:p>
+            <a:r>
+              <a:rPr lang="en-BE" sz="3000" dirty="0">
+                <a:solidFill>
+                  <a:schemeClr val="bg1"/>
+                </a:solidFill>
               </a:rPr>
-              <a:t>IoT Edge Devices</a:t>
+              <a:t>Wat is IoT Central</a:t>
             </a:r>
           </a:p>
         </p:txBody>
       </p:sp>
       <p:pic>
         <p:nvPicPr>
-          <p:cNvPr id="1026" name="Picture 2" descr="Diagram of how IoT Edge runtime sends insights and reporting to IoT Hub.">
-            <a:extLst>
-              <a:ext uri="{FF2B5EF4-FFF2-40B4-BE49-F238E27FC236}">
-                <a16:creationId xmlns:a16="http://schemas.microsoft.com/office/drawing/2014/main" id="{DBEDF613-2AF3-61E6-81DA-29D99EDE04CB}"/>
+          <p:cNvPr id="1026" name="Picture 2" descr="ChatGPT Logo PNG Images With Transparent Background">
+            <a:extLst>
+              <a:ext uri="{FF2B5EF4-FFF2-40B4-BE49-F238E27FC236}">
+                <a16:creationId xmlns:a16="http://schemas.microsoft.com/office/drawing/2014/main" id="{D07207FD-92ED-5BB1-5B0F-01A7D5590258}"/>
               </a:ext>
             </a:extLst>
           </p:cNvPr>
@@ -5354,14 +4541,15 @@
               </a:ext>
             </a:extLst>
           </a:blip>
+          <a:srcRect/>
           <a:stretch>
             <a:fillRect/>
           </a:stretch>
         </p:blipFill>
         <p:spPr bwMode="auto">
           <a:xfrm>
-            <a:off x="727022" y="764304"/>
-            <a:ext cx="10718215" cy="3188670"/>
+            <a:off x="7375634" y="1583059"/>
+            <a:ext cx="4303986" cy="4303986"/>
           </a:xfrm>
           <a:prstGeom prst="rect">
             <a:avLst/>
@@ -5380,234 +4568,24 @@
       </p:pic>
       <p:sp>
         <p:nvSpPr>
-          <p:cNvPr id="4" name="TextBox 3">
-            <a:extLst>
-              <a:ext uri="{FF2B5EF4-FFF2-40B4-BE49-F238E27FC236}">
-                <a16:creationId xmlns:a16="http://schemas.microsoft.com/office/drawing/2014/main" id="{9B9B650B-FB51-E8E7-C3D6-755670EFF343}"/>
-              </a:ext>
-            </a:extLst>
-          </p:cNvPr>
-          <p:cNvSpPr txBox="1"/>
-          <p:nvPr/>
+          <p:cNvPr id="2" name="Content Placeholder 2">
+            <a:extLst>
+              <a:ext uri="{FF2B5EF4-FFF2-40B4-BE49-F238E27FC236}">
+                <a16:creationId xmlns:a16="http://schemas.microsoft.com/office/drawing/2014/main" id="{5ADCAB1E-158B-509A-D085-018BAA8CE4BF}"/>
+              </a:ext>
+            </a:extLst>
+          </p:cNvPr>
+          <p:cNvSpPr>
+            <a:spLocks noGrp="1"/>
+          </p:cNvSpPr>
+          <p:nvPr>
+            <p:ph idx="1"/>
+          </p:nvPr>
         </p:nvSpPr>
         <p:spPr>
           <a:xfrm>
-            <a:off x="5406163" y="4664506"/>
-            <a:ext cx="5871437" cy="1674374"/>
-          </a:xfrm>
-          <a:prstGeom prst="rect">
-            <a:avLst/>
-          </a:prstGeom>
-        </p:spPr>
-        <p:txBody>
-          <a:bodyPr vert="horz" lIns="91440" tIns="45720" rIns="91440" bIns="45720" rtlCol="0" anchor="ctr">
-            <a:normAutofit/>
-          </a:bodyPr>
-          <a:lstStyle/>
-          <a:p>
-            <a:pPr indent="-228600">
-              <a:lnSpc>
-                <a:spcPct val="90000"/>
-              </a:lnSpc>
-              <a:spcAft>
-                <a:spcPts val="600"/>
-              </a:spcAft>
-              <a:buFont typeface="Arial" panose="020B0604020202020204" pitchFamily="34" charset="0"/>
-              <a:buChar char="•"/>
-            </a:pPr>
-            <a:r>
-              <a:rPr lang="en-US" dirty="0"/>
-              <a:t>Gateway device</a:t>
-            </a:r>
-          </a:p>
-          <a:p>
-            <a:pPr indent="-228600">
-              <a:lnSpc>
-                <a:spcPct val="90000"/>
-              </a:lnSpc>
-              <a:spcAft>
-                <a:spcPts val="600"/>
-              </a:spcAft>
-              <a:buFont typeface="Arial" panose="020B0604020202020204" pitchFamily="34" charset="0"/>
-              <a:buChar char="•"/>
-            </a:pPr>
-            <a:r>
-              <a:rPr lang="en-US" dirty="0"/>
-              <a:t>Multiple modules</a:t>
-            </a:r>
-          </a:p>
-          <a:p>
-            <a:pPr indent="-228600">
-              <a:lnSpc>
-                <a:spcPct val="90000"/>
-              </a:lnSpc>
-              <a:spcAft>
-                <a:spcPts val="600"/>
-              </a:spcAft>
-              <a:buFont typeface="Arial" panose="020B0604020202020204" pitchFamily="34" charset="0"/>
-              <a:buChar char="•"/>
-            </a:pPr>
-            <a:r>
-              <a:rPr lang="en-US" dirty="0"/>
-              <a:t>Commands</a:t>
-            </a:r>
-          </a:p>
-        </p:txBody>
-      </p:sp>
-    </p:spTree>
-    <p:extLst>
-      <p:ext uri="{BB962C8B-B14F-4D97-AF65-F5344CB8AC3E}">
-        <p14:creationId xmlns:p14="http://schemas.microsoft.com/office/powerpoint/2010/main" val="408470976"/>
-      </p:ext>
-    </p:extLst>
-  </p:cSld>
-  <p:clrMapOvr>
-    <a:masterClrMapping/>
-  </p:clrMapOvr>
-</p:sld>
-</file>
-
-<file path=ppt/slides/slide11.xml><?xml version="1.0" encoding="utf-8"?>
-<p:sld xmlns:a="http://schemas.openxmlformats.org/drawingml/2006/main" xmlns:r="http://schemas.openxmlformats.org/officeDocument/2006/relationships" xmlns:p="http://schemas.openxmlformats.org/presentationml/2006/main">
-  <p:cSld>
-    <p:bg>
-      <p:bgPr>
-        <a:solidFill>
-          <a:schemeClr val="bg1"/>
-        </a:solidFill>
-        <a:effectLst/>
-      </p:bgPr>
-    </p:bg>
-    <p:spTree>
-      <p:nvGrpSpPr>
-        <p:cNvPr id="1" name=""/>
-        <p:cNvGrpSpPr/>
-        <p:nvPr/>
-      </p:nvGrpSpPr>
-      <p:grpSpPr>
-        <a:xfrm>
-          <a:off x="0" y="0"/>
-          <a:ext cx="0" cy="0"/>
-          <a:chOff x="0" y="0"/>
-          <a:chExt cx="0" cy="0"/>
-        </a:xfrm>
-      </p:grpSpPr>
-      <p:sp useBgFill="1">
-        <p:nvSpPr>
-          <p:cNvPr id="22" name="Rectangle 11">
-            <a:extLst>
-              <a:ext uri="{FF2B5EF4-FFF2-40B4-BE49-F238E27FC236}">
-                <a16:creationId xmlns:a16="http://schemas.microsoft.com/office/drawing/2014/main" id="{8761DDFE-071F-4200-B0AA-394476C2D2D6}"/>
-              </a:ext>
-              <a:ext uri="{C183D7F6-B498-43B3-948B-1728B52AA6E4}">
-                <adec:decorative xmlns:adec="http://schemas.microsoft.com/office/drawing/2017/decorative" val="1"/>
-              </a:ext>
-            </a:extLst>
-          </p:cNvPr>
-          <p:cNvSpPr>
-            <a:spLocks noGrp="1" noRot="1" noChangeAspect="1" noMove="1" noResize="1" noEditPoints="1" noAdjustHandles="1" noChangeArrowheads="1" noChangeShapeType="1" noTextEdit="1"/>
-          </p:cNvSpPr>
-          <p:nvPr>
-            <p:extLst>
-              <p:ext uri="{386F3935-93C4-4BCD-93E2-E3B085C9AB24}">
-                <p16:designElem xmlns:p16="http://schemas.microsoft.com/office/powerpoint/2015/main" val="1"/>
-              </p:ext>
-            </p:extLst>
-          </p:nvPr>
-        </p:nvSpPr>
-        <p:spPr>
-          <a:xfrm>
-            <a:off x="-1" y="0"/>
-            <a:ext cx="12188952" cy="6858000"/>
-          </a:xfrm>
-          <a:prstGeom prst="rect">
-            <a:avLst/>
-          </a:prstGeom>
-          <a:ln>
-            <a:noFill/>
-          </a:ln>
-        </p:spPr>
-        <p:style>
-          <a:lnRef idx="2">
-            <a:schemeClr val="accent1">
-              <a:shade val="50000"/>
-            </a:schemeClr>
-          </a:lnRef>
-          <a:fillRef idx="1">
-            <a:schemeClr val="accent1"/>
-          </a:fillRef>
-          <a:effectRef idx="0">
-            <a:schemeClr val="accent1"/>
-          </a:effectRef>
-          <a:fontRef idx="minor">
-            <a:schemeClr val="lt1"/>
-          </a:fontRef>
-        </p:style>
-        <p:txBody>
-          <a:bodyPr rtlCol="0" anchor="ctr"/>
-          <a:lstStyle/>
-          <a:p>
-            <a:pPr algn="ctr"/>
-            <a:endParaRPr lang="en-US"/>
-          </a:p>
-        </p:txBody>
-      </p:sp>
-      <p:sp>
-        <p:nvSpPr>
-          <p:cNvPr id="2" name="Title 1">
-            <a:extLst>
-              <a:ext uri="{FF2B5EF4-FFF2-40B4-BE49-F238E27FC236}">
-                <a16:creationId xmlns:a16="http://schemas.microsoft.com/office/drawing/2014/main" id="{11E482C6-C74F-5674-EB9D-1403F11424C4}"/>
-              </a:ext>
-            </a:extLst>
-          </p:cNvPr>
-          <p:cNvSpPr>
-            <a:spLocks noGrp="1"/>
-          </p:cNvSpPr>
-          <p:nvPr>
-            <p:ph type="title"/>
-          </p:nvPr>
-        </p:nvSpPr>
-        <p:spPr>
-          <a:xfrm>
-            <a:off x="838198" y="547815"/>
-            <a:ext cx="5167185" cy="1680519"/>
-          </a:xfrm>
-        </p:spPr>
-        <p:txBody>
-          <a:bodyPr>
-            <a:normAutofit/>
-          </a:bodyPr>
-          <a:lstStyle/>
-          <a:p>
-            <a:r>
-              <a:rPr lang="en-US" sz="4000"/>
-              <a:t>Exports</a:t>
-            </a:r>
-            <a:endParaRPr lang="en-BE" sz="4000" dirty="0"/>
-          </a:p>
-        </p:txBody>
-      </p:sp>
-      <p:sp>
-        <p:nvSpPr>
-          <p:cNvPr id="3" name="Content Placeholder 2">
-            <a:extLst>
-              <a:ext uri="{FF2B5EF4-FFF2-40B4-BE49-F238E27FC236}">
-                <a16:creationId xmlns:a16="http://schemas.microsoft.com/office/drawing/2014/main" id="{332A9A9B-3CAE-C615-3A9E-E8D3DF8E8C84}"/>
-              </a:ext>
-            </a:extLst>
-          </p:cNvPr>
-          <p:cNvSpPr>
-            <a:spLocks noGrp="1"/>
-          </p:cNvSpPr>
-          <p:nvPr>
-            <p:ph idx="1"/>
-          </p:nvPr>
-        </p:nvSpPr>
-        <p:spPr>
-          <a:xfrm>
-            <a:off x="6186619" y="547815"/>
-            <a:ext cx="5178960" cy="1680519"/>
+            <a:off x="838200" y="1850135"/>
+            <a:ext cx="6385040" cy="3769835"/>
           </a:xfrm>
         </p:spPr>
         <p:txBody>
@@ -5616,264 +4594,6 @@
           </a:bodyPr>
           <a:lstStyle/>
           <a:p>
-            <a:r>
-              <a:rPr lang="en-US" sz="1800"/>
-              <a:t>Data streams (telemetry)</a:t>
-            </a:r>
-          </a:p>
-          <a:p>
-            <a:r>
-              <a:rPr lang="en-US" sz="1800"/>
-              <a:t>IoT Central Events (device created, …)</a:t>
-            </a:r>
-          </a:p>
-          <a:p>
-            <a:r>
-              <a:rPr lang="en-US" sz="1800"/>
-              <a:t>Azure resources</a:t>
-            </a:r>
-          </a:p>
-          <a:p>
-            <a:r>
-              <a:rPr lang="en-US" sz="1800"/>
-              <a:t>Data transformation using jq</a:t>
-            </a:r>
-            <a:endParaRPr lang="en-US" sz="1800" dirty="0"/>
-          </a:p>
-        </p:txBody>
-      </p:sp>
-    </p:spTree>
-    <p:extLst>
-      <p:ext uri="{BB962C8B-B14F-4D97-AF65-F5344CB8AC3E}">
-        <p14:creationId xmlns:p14="http://schemas.microsoft.com/office/powerpoint/2010/main" val="1409963499"/>
-      </p:ext>
-    </p:extLst>
-  </p:cSld>
-  <p:clrMapOvr>
-    <a:masterClrMapping/>
-  </p:clrMapOvr>
-</p:sld>
-</file>
-
-<file path=ppt/slides/slide12.xml><?xml version="1.0" encoding="utf-8"?>
-<p:sld xmlns:a="http://schemas.openxmlformats.org/drawingml/2006/main" xmlns:r="http://schemas.openxmlformats.org/officeDocument/2006/relationships" xmlns:p="http://schemas.openxmlformats.org/presentationml/2006/main">
-  <p:cSld>
-    <p:bg>
-      <p:bgPr>
-        <a:solidFill>
-          <a:schemeClr val="bg1"/>
-        </a:solidFill>
-        <a:effectLst/>
-      </p:bgPr>
-    </p:bg>
-    <p:spTree>
-      <p:nvGrpSpPr>
-        <p:cNvPr id="1" name=""/>
-        <p:cNvGrpSpPr/>
-        <p:nvPr/>
-      </p:nvGrpSpPr>
-      <p:grpSpPr>
-        <a:xfrm>
-          <a:off x="0" y="0"/>
-          <a:ext cx="0" cy="0"/>
-          <a:chOff x="0" y="0"/>
-          <a:chExt cx="0" cy="0"/>
-        </a:xfrm>
-      </p:grpSpPr>
-      <p:sp>
-        <p:nvSpPr>
-          <p:cNvPr id="2" name="Title 1">
-            <a:extLst>
-              <a:ext uri="{FF2B5EF4-FFF2-40B4-BE49-F238E27FC236}">
-                <a16:creationId xmlns:a16="http://schemas.microsoft.com/office/drawing/2014/main" id="{67E9512A-A358-3845-0B22-5B1DC5170D56}"/>
-              </a:ext>
-            </a:extLst>
-          </p:cNvPr>
-          <p:cNvSpPr>
-            <a:spLocks noGrp="1"/>
-          </p:cNvSpPr>
-          <p:nvPr>
-            <p:ph type="title"/>
-          </p:nvPr>
-        </p:nvSpPr>
-        <p:spPr>
-          <a:xfrm>
-            <a:off x="914400" y="619201"/>
-            <a:ext cx="3777240" cy="1674374"/>
-          </a:xfrm>
-        </p:spPr>
-        <p:txBody>
-          <a:bodyPr vert="horz" lIns="91440" tIns="45720" rIns="91440" bIns="45720" rtlCol="0" anchor="ctr">
-            <a:normAutofit/>
-          </a:bodyPr>
-          <a:lstStyle/>
-          <a:p>
-            <a:r>
-              <a:rPr lang="en-US" sz="4000" kern="1200" dirty="0">
-                <a:solidFill>
-                  <a:schemeClr val="tx1"/>
-                </a:solidFill>
-                <a:latin typeface="+mj-lt"/>
-                <a:ea typeface="+mj-ea"/>
-                <a:cs typeface="+mj-cs"/>
-              </a:rPr>
-              <a:t>Demo time </a:t>
-            </a:r>
-            <a:r>
-              <a:rPr lang="en-US" sz="4000" kern="1200" dirty="0">
-                <a:solidFill>
-                  <a:schemeClr val="tx1"/>
-                </a:solidFill>
-                <a:latin typeface="+mj-lt"/>
-                <a:ea typeface="+mj-ea"/>
-                <a:cs typeface="+mj-cs"/>
-                <a:sym typeface="Wingdings" panose="05000000000000000000" pitchFamily="2" charset="2"/>
-              </a:rPr>
-              <a:t></a:t>
-            </a:r>
-            <a:endParaRPr lang="en-US" sz="4000" kern="1200" dirty="0">
-              <a:solidFill>
-                <a:schemeClr val="tx1"/>
-              </a:solidFill>
-              <a:latin typeface="+mj-lt"/>
-              <a:ea typeface="+mj-ea"/>
-              <a:cs typeface="+mj-cs"/>
-            </a:endParaRPr>
-          </a:p>
-        </p:txBody>
-      </p:sp>
-      <p:pic>
-        <p:nvPicPr>
-          <p:cNvPr id="6" name="Picture 5">
-            <a:extLst>
-              <a:ext uri="{FF2B5EF4-FFF2-40B4-BE49-F238E27FC236}">
-                <a16:creationId xmlns:a16="http://schemas.microsoft.com/office/drawing/2014/main" id="{CD4907BD-C2BA-D6E6-A9F9-968A50E5AB62}"/>
-              </a:ext>
-            </a:extLst>
-          </p:cNvPr>
-          <p:cNvPicPr>
-            <a:picLocks/>
-          </p:cNvPicPr>
-          <p:nvPr/>
-        </p:nvPicPr>
-        <p:blipFill>
-          <a:blip r:embed="rId3"/>
-          <a:stretch>
-            <a:fillRect/>
-          </a:stretch>
-        </p:blipFill>
-        <p:spPr>
-          <a:xfrm>
-            <a:off x="1586465" y="2512229"/>
-            <a:ext cx="9019070" cy="2828284"/>
-          </a:xfrm>
-          <a:prstGeom prst="rect">
-            <a:avLst/>
-          </a:prstGeom>
-        </p:spPr>
-      </p:pic>
-    </p:spTree>
-    <p:extLst>
-      <p:ext uri="{BB962C8B-B14F-4D97-AF65-F5344CB8AC3E}">
-        <p14:creationId xmlns:p14="http://schemas.microsoft.com/office/powerpoint/2010/main" val="2908527272"/>
-      </p:ext>
-    </p:extLst>
-  </p:cSld>
-  <p:clrMapOvr>
-    <a:masterClrMapping/>
-  </p:clrMapOvr>
-</p:sld>
-</file>
-
-<file path=ppt/slides/slide2.xml><?xml version="1.0" encoding="utf-8"?>
-<p:sld xmlns:a="http://schemas.openxmlformats.org/drawingml/2006/main" xmlns:r="http://schemas.openxmlformats.org/officeDocument/2006/relationships" xmlns:p="http://schemas.openxmlformats.org/presentationml/2006/main">
-  <p:cSld>
-    <p:bg>
-      <p:bgPr>
-        <a:solidFill>
-          <a:schemeClr val="bg1"/>
-        </a:solidFill>
-        <a:effectLst/>
-      </p:bgPr>
-    </p:bg>
-    <p:spTree>
-      <p:nvGrpSpPr>
-        <p:cNvPr id="1" name=""/>
-        <p:cNvGrpSpPr/>
-        <p:nvPr/>
-      </p:nvGrpSpPr>
-      <p:grpSpPr>
-        <a:xfrm>
-          <a:off x="0" y="0"/>
-          <a:ext cx="0" cy="0"/>
-          <a:chOff x="0" y="0"/>
-          <a:chExt cx="0" cy="0"/>
-        </a:xfrm>
-      </p:grpSpPr>
-      <p:sp>
-        <p:nvSpPr>
-          <p:cNvPr id="2" name="Title 1">
-            <a:extLst>
-              <a:ext uri="{FF2B5EF4-FFF2-40B4-BE49-F238E27FC236}">
-                <a16:creationId xmlns:a16="http://schemas.microsoft.com/office/drawing/2014/main" id="{4D0DD2A1-F241-3365-6AA2-C07DD4F9F56F}"/>
-              </a:ext>
-            </a:extLst>
-          </p:cNvPr>
-          <p:cNvSpPr>
-            <a:spLocks noGrp="1"/>
-          </p:cNvSpPr>
-          <p:nvPr>
-            <p:ph type="title"/>
-          </p:nvPr>
-        </p:nvSpPr>
-        <p:spPr>
-          <a:xfrm>
-            <a:off x="762000" y="761998"/>
-            <a:ext cx="5334000" cy="1708246"/>
-          </a:xfrm>
-        </p:spPr>
-        <p:txBody>
-          <a:bodyPr anchor="ctr">
-            <a:normAutofit/>
-          </a:bodyPr>
-          <a:lstStyle/>
-          <a:p>
-            <a:r>
-              <a:rPr lang="en-US" sz="4000" dirty="0"/>
-              <a:t>Wat is IoT Central</a:t>
-            </a:r>
-            <a:endParaRPr lang="en-BE" sz="4000" dirty="0"/>
-          </a:p>
-        </p:txBody>
-      </p:sp>
-      <p:sp>
-        <p:nvSpPr>
-          <p:cNvPr id="3" name="Content Placeholder 2">
-            <a:extLst>
-              <a:ext uri="{FF2B5EF4-FFF2-40B4-BE49-F238E27FC236}">
-                <a16:creationId xmlns:a16="http://schemas.microsoft.com/office/drawing/2014/main" id="{D5349622-DF18-7A9E-AAE4-3A150501F0D5}"/>
-              </a:ext>
-            </a:extLst>
-          </p:cNvPr>
-          <p:cNvSpPr>
-            <a:spLocks noGrp="1"/>
-          </p:cNvSpPr>
-          <p:nvPr>
-            <p:ph idx="1"/>
-          </p:nvPr>
-        </p:nvSpPr>
-        <p:spPr>
-          <a:xfrm>
-            <a:off x="761994" y="2470245"/>
-            <a:ext cx="5334006" cy="3769835"/>
-          </a:xfrm>
-        </p:spPr>
-        <p:txBody>
-          <a:bodyPr anchor="ctr">
-            <a:normAutofit/>
-          </a:bodyPr>
-          <a:lstStyle/>
-          <a:p>
             <a:pPr marL="0" indent="0" defTabSz="905256">
               <a:spcBef>
                 <a:spcPts val="990"/>
@@ -5881,186 +4601,28 @@
               <a:buNone/>
             </a:pPr>
             <a:r>
-              <a:rPr lang="nl-NL" sz="2200" b="0" i="0" dirty="0">
+              <a:rPr lang="nl-NL" sz="3500" b="0" i="0" dirty="0">
+                <a:solidFill>
+                  <a:schemeClr val="bg1"/>
+                </a:solidFill>
                 <a:effectLst/>
-                <a:latin typeface="+mj-lt"/>
+                <a:latin typeface="Calibri Light (Headings)"/>
               </a:rPr>
-              <a:t>Cloudplatform voor beheer, analyse en automatisering van IoT-apparaten en processen, ter verbetering van efficiëntie en besluitvorming.</a:t>
-            </a:r>
-            <a:endParaRPr lang="en-BE" sz="2200" dirty="0">
-              <a:latin typeface="+mj-lt"/>
+              <a:t>IoT Central is een Microsoft Azure-service die bedrijven faciliteert bij het beheren, verzamelen van gegevens en analyseren van IoT-apparaten voor operationele optimalisatie.</a:t>
+            </a:r>
+            <a:endParaRPr lang="en-BE" sz="3500" dirty="0">
+              <a:solidFill>
+                <a:schemeClr val="bg1"/>
+              </a:solidFill>
+              <a:latin typeface="Calibri Light (Headings)"/>
             </a:endParaRPr>
-          </a:p>
-        </p:txBody>
-      </p:sp>
-      <p:sp>
-        <p:nvSpPr>
-          <p:cNvPr id="1049" name="Rectangle 1048">
-            <a:extLst>
-              <a:ext uri="{FF2B5EF4-FFF2-40B4-BE49-F238E27FC236}">
-                <a16:creationId xmlns:a16="http://schemas.microsoft.com/office/drawing/2014/main" id="{0D05C9B4-B5C9-2D4D-23C9-CEE72646F923}"/>
-              </a:ext>
-              <a:ext uri="{C183D7F6-B498-43B3-948B-1728B52AA6E4}">
-                <adec:decorative xmlns:adec="http://schemas.microsoft.com/office/drawing/2017/decorative" val="1"/>
-              </a:ext>
-            </a:extLst>
-          </p:cNvPr>
-          <p:cNvSpPr>
-            <a:spLocks noGrp="1" noRot="1" noChangeAspect="1" noMove="1" noResize="1" noEditPoints="1" noAdjustHandles="1" noChangeArrowheads="1" noChangeShapeType="1" noTextEdit="1"/>
-          </p:cNvSpPr>
-          <p:nvPr>
-            <p:extLst>
-              <p:ext uri="{386F3935-93C4-4BCD-93E2-E3B085C9AB24}">
-                <p16:designElem xmlns:p16="http://schemas.microsoft.com/office/powerpoint/2015/main" val="1"/>
-              </p:ext>
-            </p:extLst>
-          </p:nvPr>
-        </p:nvSpPr>
-        <p:spPr>
-          <a:xfrm>
-            <a:off x="6781800" y="-1"/>
-            <a:ext cx="5410200" cy="6858001"/>
-          </a:xfrm>
-          <a:prstGeom prst="rect">
-            <a:avLst/>
-          </a:prstGeom>
-          <a:solidFill>
-            <a:srgbClr val="FFFFFF"/>
-          </a:solidFill>
-          <a:ln>
-            <a:noFill/>
-          </a:ln>
-          <a:effectLst>
-            <a:outerShdw blurRad="266700" dist="215900" dir="8580000" sx="90000" sy="90000" algn="t" rotWithShape="0">
-              <a:srgbClr val="000000">
-                <a:alpha val="30000"/>
-              </a:srgbClr>
-            </a:outerShdw>
-          </a:effectLst>
-        </p:spPr>
-        <p:style>
-          <a:lnRef idx="2">
-            <a:schemeClr val="accent1">
-              <a:shade val="50000"/>
-            </a:schemeClr>
-          </a:lnRef>
-          <a:fillRef idx="1">
-            <a:schemeClr val="accent1"/>
-          </a:fillRef>
-          <a:effectRef idx="0">
-            <a:schemeClr val="accent1"/>
-          </a:effectRef>
-          <a:fontRef idx="minor">
-            <a:schemeClr val="lt1"/>
-          </a:fontRef>
-        </p:style>
-        <p:txBody>
-          <a:bodyPr rtlCol="0" anchor="ctr"/>
-          <a:lstStyle/>
-          <a:p>
-            <a:pPr algn="ctr"/>
-            <a:endParaRPr lang="en-US" dirty="0"/>
-          </a:p>
-        </p:txBody>
-      </p:sp>
-      <p:pic>
-        <p:nvPicPr>
-          <p:cNvPr id="1026" name="Picture 2" descr="ChatGPT, OpenAI Logo Icon 21495996 PNG">
-            <a:extLst>
-              <a:ext uri="{FF2B5EF4-FFF2-40B4-BE49-F238E27FC236}">
-                <a16:creationId xmlns:a16="http://schemas.microsoft.com/office/drawing/2014/main" id="{7E7B7357-6A54-17CD-EC73-E9EB3C189596}"/>
-              </a:ext>
-            </a:extLst>
-          </p:cNvPr>
-          <p:cNvPicPr>
-            <a:picLocks noChangeAspect="1" noChangeArrowheads="1"/>
-          </p:cNvPicPr>
-          <p:nvPr/>
-        </p:nvPicPr>
-        <p:blipFill>
-          <a:blip r:embed="rId3">
-            <a:extLst>
-              <a:ext uri="{28A0092B-C50C-407E-A947-70E740481C1C}">
-                <a14:useLocalDpi xmlns:a14="http://schemas.microsoft.com/office/drawing/2010/main" val="0"/>
-              </a:ext>
-            </a:extLst>
-          </a:blip>
-          <a:stretch>
-            <a:fillRect/>
-          </a:stretch>
-        </p:blipFill>
-        <p:spPr bwMode="auto">
-          <a:xfrm>
-            <a:off x="7607878" y="1292475"/>
-            <a:ext cx="3758045" cy="4270505"/>
-          </a:xfrm>
-          <a:prstGeom prst="rect">
-            <a:avLst/>
-          </a:prstGeom>
-          <a:noFill/>
-          <a:extLst>
-            <a:ext uri="{909E8E84-426E-40DD-AFC4-6F175D3DCCD1}">
-              <a14:hiddenFill xmlns:a14="http://schemas.microsoft.com/office/drawing/2010/main">
-                <a:solidFill>
-                  <a:srgbClr val="FFFFFF"/>
-                </a:solidFill>
-              </a14:hiddenFill>
-            </a:ext>
-          </a:extLst>
-        </p:spPr>
-      </p:pic>
-      <p:sp>
-        <p:nvSpPr>
-          <p:cNvPr id="4" name="TextBox 3">
-            <a:extLst>
-              <a:ext uri="{FF2B5EF4-FFF2-40B4-BE49-F238E27FC236}">
-                <a16:creationId xmlns:a16="http://schemas.microsoft.com/office/drawing/2014/main" id="{86087592-F9C7-5945-6D8B-CCFBE0DA2942}"/>
-              </a:ext>
-            </a:extLst>
-          </p:cNvPr>
-          <p:cNvSpPr txBox="1"/>
-          <p:nvPr/>
-        </p:nvSpPr>
-        <p:spPr>
-          <a:xfrm>
-            <a:off x="10115174" y="5211446"/>
-            <a:ext cx="1229482" cy="366819"/>
-          </a:xfrm>
-          <a:prstGeom prst="rect">
-            <a:avLst/>
-          </a:prstGeom>
-          <a:noFill/>
-        </p:spPr>
-        <p:txBody>
-          <a:bodyPr wrap="none" rtlCol="0">
-            <a:spAutoFit/>
-          </a:bodyPr>
-          <a:lstStyle/>
-          <a:p>
-            <a:pPr defTabSz="905256">
-              <a:spcAft>
-                <a:spcPts val="600"/>
-              </a:spcAft>
-            </a:pPr>
-            <a:r>
-              <a:rPr lang="en-US" sz="1782" kern="1200" dirty="0">
-                <a:solidFill>
-                  <a:schemeClr val="tx1"/>
-                </a:solidFill>
-                <a:latin typeface="+mn-lt"/>
-                <a:ea typeface="+mn-ea"/>
-                <a:cs typeface="+mn-cs"/>
-              </a:rPr>
-              <a:t>- ChatGPT -</a:t>
-            </a:r>
-            <a:endParaRPr lang="en-BE" dirty="0"/>
           </a:p>
         </p:txBody>
       </p:sp>
     </p:spTree>
     <p:extLst>
       <p:ext uri="{BB962C8B-B14F-4D97-AF65-F5344CB8AC3E}">
-        <p14:creationId xmlns:p14="http://schemas.microsoft.com/office/powerpoint/2010/main" val="1795200148"/>
+        <p14:creationId xmlns:p14="http://schemas.microsoft.com/office/powerpoint/2010/main" val="75328244"/>
       </p:ext>
     </p:extLst>
   </p:cSld>
@@ -6113,8 +4675,8 @@
         </p:nvSpPr>
         <p:spPr>
           <a:xfrm>
-            <a:off x="838200" y="1563757"/>
-            <a:ext cx="10515600" cy="4613205"/>
+            <a:off x="838200" y="1901687"/>
+            <a:ext cx="10515600" cy="4275275"/>
           </a:xfrm>
         </p:spPr>
         <p:txBody>
@@ -6123,21 +4685,110 @@
           </a:bodyPr>
           <a:lstStyle/>
           <a:p>
-            <a:r>
-              <a:rPr lang="en-US" sz="4000" dirty="0" err="1">
+            <a:pPr marL="0" indent="0">
+              <a:buNone/>
+            </a:pPr>
+            <a:r>
+              <a:rPr lang="en-US" sz="3500" dirty="0" err="1">
                 <a:solidFill>
                   <a:schemeClr val="bg1"/>
                 </a:solidFill>
                 <a:latin typeface="Calibri Light (Headings)"/>
               </a:rPr>
-              <a:t>fsdq</a:t>
-            </a:r>
-            <a:endParaRPr lang="en-BE" sz="4000" dirty="0">
-              <a:solidFill>
-                <a:schemeClr val="bg1"/>
-              </a:solidFill>
-              <a:latin typeface="Calibri Light (Headings)"/>
-            </a:endParaRPr>
+              <a:t>Cloudbased</a:t>
+            </a:r>
+            <a:r>
+              <a:rPr lang="en-US" sz="3500" dirty="0">
+                <a:solidFill>
+                  <a:schemeClr val="bg1"/>
+                </a:solidFill>
+                <a:latin typeface="Calibri Light (Headings)"/>
+              </a:rPr>
+              <a:t> platform</a:t>
+            </a:r>
+          </a:p>
+          <a:p>
+            <a:pPr marL="0" indent="0">
+              <a:buNone/>
+            </a:pPr>
+            <a:r>
+              <a:rPr lang="en-BE" sz="3500" dirty="0">
+                <a:solidFill>
+                  <a:schemeClr val="bg1"/>
+                </a:solidFill>
+                <a:latin typeface="Calibri Light (Headings)"/>
+              </a:rPr>
+              <a:t>Manage </a:t>
+            </a:r>
+            <a:r>
+              <a:rPr lang="en-US" sz="3500" dirty="0" err="1">
+                <a:solidFill>
+                  <a:schemeClr val="bg1"/>
+                </a:solidFill>
+                <a:latin typeface="Calibri Light (Headings)"/>
+              </a:rPr>
+              <a:t>Iot</a:t>
+            </a:r>
+            <a:r>
+              <a:rPr lang="en-US" sz="3500" dirty="0">
+                <a:solidFill>
+                  <a:schemeClr val="bg1"/>
+                </a:solidFill>
+                <a:latin typeface="Calibri Light (Headings)"/>
+              </a:rPr>
+              <a:t> device</a:t>
+            </a:r>
+            <a:r>
+              <a:rPr lang="en-BE" sz="3500" dirty="0">
+                <a:solidFill>
+                  <a:schemeClr val="bg1"/>
+                </a:solidFill>
+                <a:latin typeface="Calibri Light (Headings)"/>
+              </a:rPr>
+              <a:t>s</a:t>
+            </a:r>
+          </a:p>
+          <a:p>
+            <a:pPr marL="0" indent="0">
+              <a:buNone/>
+            </a:pPr>
+            <a:r>
+              <a:rPr lang="en-US" sz="3500" dirty="0">
+                <a:solidFill>
+                  <a:schemeClr val="bg1"/>
+                </a:solidFill>
+                <a:latin typeface="Calibri Light (Headings)"/>
+              </a:rPr>
+              <a:t>Realtime monitoring</a:t>
+            </a:r>
+          </a:p>
+          <a:p>
+            <a:pPr marL="0" indent="0">
+              <a:buNone/>
+            </a:pPr>
+            <a:r>
+              <a:rPr lang="en-US" sz="3500" dirty="0">
+                <a:solidFill>
+                  <a:schemeClr val="bg1"/>
+                </a:solidFill>
+                <a:latin typeface="Calibri Light (Headings)"/>
+              </a:rPr>
+              <a:t>Scalability</a:t>
+            </a:r>
+          </a:p>
+          <a:p>
+            <a:pPr marL="0" indent="0">
+              <a:buNone/>
+            </a:pPr>
+            <a:r>
+              <a:rPr lang="en-US" sz="3500" dirty="0">
+                <a:solidFill>
+                  <a:schemeClr val="bg1"/>
+                </a:solidFill>
+                <a:latin typeface="Calibri Light (Headings)"/>
+              </a:rPr>
+              <a:t>Flexibility</a:t>
+            </a:r>
           </a:p>
         </p:txBody>
       </p:sp>
@@ -6158,7 +4809,7 @@
         <p:spPr>
           <a:xfrm>
             <a:off x="838200" y="681038"/>
-            <a:ext cx="5334000" cy="796579"/>
+            <a:ext cx="10515600" cy="796579"/>
           </a:xfrm>
           <a:prstGeom prst="rect">
             <a:avLst/>
@@ -6214,6 +4865,444 @@
   <p:clrMapOvr>
     <a:masterClrMapping/>
   </p:clrMapOvr>
+  <p:timing>
+    <p:tnLst>
+      <p:par>
+        <p:cTn id="1" dur="indefinite" restart="never" nodeType="tmRoot">
+          <p:childTnLst>
+            <p:seq concurrent="1" nextAc="seek">
+              <p:cTn id="2" dur="indefinite" nodeType="mainSeq">
+                <p:childTnLst>
+                  <p:par>
+                    <p:cTn id="3" fill="hold">
+                      <p:stCondLst>
+                        <p:cond delay="indefinite"/>
+                      </p:stCondLst>
+                      <p:childTnLst>
+                        <p:par>
+                          <p:cTn id="4" fill="hold">
+                            <p:stCondLst>
+                              <p:cond delay="0"/>
+                            </p:stCondLst>
+                            <p:childTnLst>
+                              <p:par>
+                                <p:cTn id="5" presetID="10" presetClass="entr" presetSubtype="0" fill="hold" grpId="0" nodeType="clickEffect">
+                                  <p:stCondLst>
+                                    <p:cond delay="0"/>
+                                  </p:stCondLst>
+                                  <p:childTnLst>
+                                    <p:set>
+                                      <p:cBhvr>
+                                        <p:cTn id="6" dur="1" fill="hold">
+                                          <p:stCondLst>
+                                            <p:cond delay="0"/>
+                                          </p:stCondLst>
+                                        </p:cTn>
+                                        <p:tgtEl>
+                                          <p:spTgt spid="3">
+                                            <p:txEl>
+                                              <p:pRg st="0" end="0"/>
+                                            </p:txEl>
+                                          </p:spTgt>
+                                        </p:tgtEl>
+                                        <p:attrNameLst>
+                                          <p:attrName>style.visibility</p:attrName>
+                                        </p:attrNameLst>
+                                      </p:cBhvr>
+                                      <p:to>
+                                        <p:strVal val="visible"/>
+                                      </p:to>
+                                    </p:set>
+                                    <p:animEffect transition="in" filter="fade">
+                                      <p:cBhvr>
+                                        <p:cTn id="7" dur="500"/>
+                                        <p:tgtEl>
+                                          <p:spTgt spid="3">
+                                            <p:txEl>
+                                              <p:pRg st="0" end="0"/>
+                                            </p:txEl>
+                                          </p:spTgt>
+                                        </p:tgtEl>
+                                      </p:cBhvr>
+                                    </p:animEffect>
+                                  </p:childTnLst>
+                                  <p:subTnLst>
+                                    <p:animClr clrSpc="rgb" dir="cw">
+                                      <p:cBhvr override="childStyle">
+                                        <p:cTn dur="1" fill="hold" display="0" masterRel="nextClick" afterEffect="1"/>
+                                        <p:tgtEl>
+                                          <p:spTgt spid="3">
+                                            <p:txEl>
+                                              <p:pRg st="0" end="0"/>
+                                            </p:txEl>
+                                          </p:spTgt>
+                                        </p:tgtEl>
+                                        <p:attrNameLst>
+                                          <p:attrName>ppt_c</p:attrName>
+                                        </p:attrNameLst>
+                                      </p:cBhvr>
+                                      <p:to>
+                                        <a:srgbClr val="333333"/>
+                                      </p:to>
+                                    </p:animClr>
+                                  </p:subTnLst>
+                                </p:cTn>
+                              </p:par>
+                            </p:childTnLst>
+                          </p:cTn>
+                        </p:par>
+                      </p:childTnLst>
+                    </p:cTn>
+                  </p:par>
+                  <p:par>
+                    <p:cTn id="8" fill="hold">
+                      <p:stCondLst>
+                        <p:cond delay="indefinite"/>
+                      </p:stCondLst>
+                      <p:childTnLst>
+                        <p:par>
+                          <p:cTn id="9" fill="hold">
+                            <p:stCondLst>
+                              <p:cond delay="0"/>
+                            </p:stCondLst>
+                            <p:childTnLst>
+                              <p:par>
+                                <p:cTn id="10" presetID="10" presetClass="entr" presetSubtype="0" fill="hold" grpId="0" nodeType="clickEffect">
+                                  <p:stCondLst>
+                                    <p:cond delay="0"/>
+                                  </p:stCondLst>
+                                  <p:childTnLst>
+                                    <p:set>
+                                      <p:cBhvr>
+                                        <p:cTn id="11" dur="1" fill="hold">
+                                          <p:stCondLst>
+                                            <p:cond delay="0"/>
+                                          </p:stCondLst>
+                                        </p:cTn>
+                                        <p:tgtEl>
+                                          <p:spTgt spid="3">
+                                            <p:txEl>
+                                              <p:pRg st="1" end="1"/>
+                                            </p:txEl>
+                                          </p:spTgt>
+                                        </p:tgtEl>
+                                        <p:attrNameLst>
+                                          <p:attrName>style.visibility</p:attrName>
+                                        </p:attrNameLst>
+                                      </p:cBhvr>
+                                      <p:to>
+                                        <p:strVal val="visible"/>
+                                      </p:to>
+                                    </p:set>
+                                    <p:animEffect transition="in" filter="fade">
+                                      <p:cBhvr>
+                                        <p:cTn id="12" dur="500"/>
+                                        <p:tgtEl>
+                                          <p:spTgt spid="3">
+                                            <p:txEl>
+                                              <p:pRg st="1" end="1"/>
+                                            </p:txEl>
+                                          </p:spTgt>
+                                        </p:tgtEl>
+                                      </p:cBhvr>
+                                    </p:animEffect>
+                                  </p:childTnLst>
+                                  <p:subTnLst>
+                                    <p:animClr clrSpc="rgb" dir="cw">
+                                      <p:cBhvr override="childStyle">
+                                        <p:cTn dur="1" fill="hold" display="0" masterRel="nextClick" afterEffect="1"/>
+                                        <p:tgtEl>
+                                          <p:spTgt spid="3">
+                                            <p:txEl>
+                                              <p:pRg st="1" end="1"/>
+                                            </p:txEl>
+                                          </p:spTgt>
+                                        </p:tgtEl>
+                                        <p:attrNameLst>
+                                          <p:attrName>ppt_c</p:attrName>
+                                        </p:attrNameLst>
+                                      </p:cBhvr>
+                                      <p:to>
+                                        <a:srgbClr val="333333"/>
+                                      </p:to>
+                                    </p:animClr>
+                                  </p:subTnLst>
+                                </p:cTn>
+                              </p:par>
+                            </p:childTnLst>
+                          </p:cTn>
+                        </p:par>
+                      </p:childTnLst>
+                    </p:cTn>
+                  </p:par>
+                  <p:par>
+                    <p:cTn id="13" fill="hold">
+                      <p:stCondLst>
+                        <p:cond delay="indefinite"/>
+                      </p:stCondLst>
+                      <p:childTnLst>
+                        <p:par>
+                          <p:cTn id="14" fill="hold">
+                            <p:stCondLst>
+                              <p:cond delay="0"/>
+                            </p:stCondLst>
+                            <p:childTnLst>
+                              <p:par>
+                                <p:cTn id="15" presetID="10" presetClass="entr" presetSubtype="0" fill="hold" grpId="0" nodeType="clickEffect">
+                                  <p:stCondLst>
+                                    <p:cond delay="0"/>
+                                  </p:stCondLst>
+                                  <p:childTnLst>
+                                    <p:set>
+                                      <p:cBhvr>
+                                        <p:cTn id="16" dur="1" fill="hold">
+                                          <p:stCondLst>
+                                            <p:cond delay="0"/>
+                                          </p:stCondLst>
+                                        </p:cTn>
+                                        <p:tgtEl>
+                                          <p:spTgt spid="3">
+                                            <p:txEl>
+                                              <p:pRg st="2" end="2"/>
+                                            </p:txEl>
+                                          </p:spTgt>
+                                        </p:tgtEl>
+                                        <p:attrNameLst>
+                                          <p:attrName>style.visibility</p:attrName>
+                                        </p:attrNameLst>
+                                      </p:cBhvr>
+                                      <p:to>
+                                        <p:strVal val="visible"/>
+                                      </p:to>
+                                    </p:set>
+                                    <p:animEffect transition="in" filter="fade">
+                                      <p:cBhvr>
+                                        <p:cTn id="17" dur="500"/>
+                                        <p:tgtEl>
+                                          <p:spTgt spid="3">
+                                            <p:txEl>
+                                              <p:pRg st="2" end="2"/>
+                                            </p:txEl>
+                                          </p:spTgt>
+                                        </p:tgtEl>
+                                      </p:cBhvr>
+                                    </p:animEffect>
+                                  </p:childTnLst>
+                                  <p:subTnLst>
+                                    <p:animClr clrSpc="rgb" dir="cw">
+                                      <p:cBhvr override="childStyle">
+                                        <p:cTn dur="1" fill="hold" display="0" masterRel="nextClick" afterEffect="1"/>
+                                        <p:tgtEl>
+                                          <p:spTgt spid="3">
+                                            <p:txEl>
+                                              <p:pRg st="2" end="2"/>
+                                            </p:txEl>
+                                          </p:spTgt>
+                                        </p:tgtEl>
+                                        <p:attrNameLst>
+                                          <p:attrName>ppt_c</p:attrName>
+                                        </p:attrNameLst>
+                                      </p:cBhvr>
+                                      <p:to>
+                                        <a:srgbClr val="333333"/>
+                                      </p:to>
+                                    </p:animClr>
+                                  </p:subTnLst>
+                                </p:cTn>
+                              </p:par>
+                            </p:childTnLst>
+                          </p:cTn>
+                        </p:par>
+                      </p:childTnLst>
+                    </p:cTn>
+                  </p:par>
+                  <p:par>
+                    <p:cTn id="18" fill="hold">
+                      <p:stCondLst>
+                        <p:cond delay="indefinite"/>
+                      </p:stCondLst>
+                      <p:childTnLst>
+                        <p:par>
+                          <p:cTn id="19" fill="hold">
+                            <p:stCondLst>
+                              <p:cond delay="0"/>
+                            </p:stCondLst>
+                            <p:childTnLst>
+                              <p:par>
+                                <p:cTn id="20" presetID="10" presetClass="entr" presetSubtype="0" fill="hold" grpId="0" nodeType="clickEffect">
+                                  <p:stCondLst>
+                                    <p:cond delay="0"/>
+                                  </p:stCondLst>
+                                  <p:childTnLst>
+                                    <p:set>
+                                      <p:cBhvr>
+                                        <p:cTn id="21" dur="1" fill="hold">
+                                          <p:stCondLst>
+                                            <p:cond delay="0"/>
+                                          </p:stCondLst>
+                                        </p:cTn>
+                                        <p:tgtEl>
+                                          <p:spTgt spid="3">
+                                            <p:txEl>
+                                              <p:pRg st="3" end="3"/>
+                                            </p:txEl>
+                                          </p:spTgt>
+                                        </p:tgtEl>
+                                        <p:attrNameLst>
+                                          <p:attrName>style.visibility</p:attrName>
+                                        </p:attrNameLst>
+                                      </p:cBhvr>
+                                      <p:to>
+                                        <p:strVal val="visible"/>
+                                      </p:to>
+                                    </p:set>
+                                    <p:animEffect transition="in" filter="fade">
+                                      <p:cBhvr>
+                                        <p:cTn id="22" dur="500"/>
+                                        <p:tgtEl>
+                                          <p:spTgt spid="3">
+                                            <p:txEl>
+                                              <p:pRg st="3" end="3"/>
+                                            </p:txEl>
+                                          </p:spTgt>
+                                        </p:tgtEl>
+                                      </p:cBhvr>
+                                    </p:animEffect>
+                                  </p:childTnLst>
+                                  <p:subTnLst>
+                                    <p:animClr clrSpc="rgb" dir="cw">
+                                      <p:cBhvr override="childStyle">
+                                        <p:cTn dur="1" fill="hold" display="0" masterRel="nextClick" afterEffect="1"/>
+                                        <p:tgtEl>
+                                          <p:spTgt spid="3">
+                                            <p:txEl>
+                                              <p:pRg st="3" end="3"/>
+                                            </p:txEl>
+                                          </p:spTgt>
+                                        </p:tgtEl>
+                                        <p:attrNameLst>
+                                          <p:attrName>ppt_c</p:attrName>
+                                        </p:attrNameLst>
+                                      </p:cBhvr>
+                                      <p:to>
+                                        <a:srgbClr val="333333"/>
+                                      </p:to>
+                                    </p:animClr>
+                                  </p:subTnLst>
+                                </p:cTn>
+                              </p:par>
+                            </p:childTnLst>
+                          </p:cTn>
+                        </p:par>
+                      </p:childTnLst>
+                    </p:cTn>
+                  </p:par>
+                  <p:par>
+                    <p:cTn id="23" fill="hold">
+                      <p:stCondLst>
+                        <p:cond delay="indefinite"/>
+                      </p:stCondLst>
+                      <p:childTnLst>
+                        <p:par>
+                          <p:cTn id="24" fill="hold">
+                            <p:stCondLst>
+                              <p:cond delay="0"/>
+                            </p:stCondLst>
+                            <p:childTnLst>
+                              <p:par>
+                                <p:cTn id="25" presetID="10" presetClass="entr" presetSubtype="0" fill="hold" grpId="0" nodeType="clickEffect">
+                                  <p:stCondLst>
+                                    <p:cond delay="0"/>
+                                  </p:stCondLst>
+                                  <p:childTnLst>
+                                    <p:set>
+                                      <p:cBhvr>
+                                        <p:cTn id="26" dur="1" fill="hold">
+                                          <p:stCondLst>
+                                            <p:cond delay="0"/>
+                                          </p:stCondLst>
+                                        </p:cTn>
+                                        <p:tgtEl>
+                                          <p:spTgt spid="3">
+                                            <p:txEl>
+                                              <p:pRg st="4" end="4"/>
+                                            </p:txEl>
+                                          </p:spTgt>
+                                        </p:tgtEl>
+                                        <p:attrNameLst>
+                                          <p:attrName>style.visibility</p:attrName>
+                                        </p:attrNameLst>
+                                      </p:cBhvr>
+                                      <p:to>
+                                        <p:strVal val="visible"/>
+                                      </p:to>
+                                    </p:set>
+                                    <p:animEffect transition="in" filter="fade">
+                                      <p:cBhvr>
+                                        <p:cTn id="27" dur="500"/>
+                                        <p:tgtEl>
+                                          <p:spTgt spid="3">
+                                            <p:txEl>
+                                              <p:pRg st="4" end="4"/>
+                                            </p:txEl>
+                                          </p:spTgt>
+                                        </p:tgtEl>
+                                      </p:cBhvr>
+                                    </p:animEffect>
+                                  </p:childTnLst>
+                                  <p:subTnLst>
+                                    <p:animClr clrSpc="rgb" dir="cw">
+                                      <p:cBhvr override="childStyle">
+                                        <p:cTn dur="1" fill="hold" display="0" masterRel="nextClick" afterEffect="1"/>
+                                        <p:tgtEl>
+                                          <p:spTgt spid="3">
+                                            <p:txEl>
+                                              <p:pRg st="4" end="4"/>
+                                            </p:txEl>
+                                          </p:spTgt>
+                                        </p:tgtEl>
+                                        <p:attrNameLst>
+                                          <p:attrName>ppt_c</p:attrName>
+                                        </p:attrNameLst>
+                                      </p:cBhvr>
+                                      <p:to>
+                                        <a:srgbClr val="333333"/>
+                                      </p:to>
+                                    </p:animClr>
+                                  </p:subTnLst>
+                                </p:cTn>
+                              </p:par>
+                            </p:childTnLst>
+                          </p:cTn>
+                        </p:par>
+                      </p:childTnLst>
+                    </p:cTn>
+                  </p:par>
+                </p:childTnLst>
+              </p:cTn>
+              <p:prevCondLst>
+                <p:cond evt="onPrev" delay="0">
+                  <p:tgtEl>
+                    <p:sldTgt/>
+                  </p:tgtEl>
+                </p:cond>
+              </p:prevCondLst>
+              <p:nextCondLst>
+                <p:cond evt="onNext" delay="0">
+                  <p:tgtEl>
+                    <p:sldTgt/>
+                  </p:tgtEl>
+                </p:cond>
+              </p:nextCondLst>
+            </p:seq>
+          </p:childTnLst>
+        </p:cTn>
+      </p:par>
+    </p:tnLst>
+    <p:bldLst>
+      <p:bldP spid="3" grpId="0" build="p"/>
+    </p:bldLst>
+  </p:timing>
 </p:sld>
 </file>
 
@@ -6223,7 +5312,7 @@
     <p:bg>
       <p:bgPr>
         <a:solidFill>
-          <a:schemeClr val="bg1"/>
+          <a:schemeClr val="tx1"/>
         </a:solidFill>
         <a:effectLst/>
       </p:bgPr>
@@ -6244,48 +5333,192 @@
       </p:grpSpPr>
       <p:sp>
         <p:nvSpPr>
-          <p:cNvPr id="2" name="Title 1">
-            <a:extLst>
-              <a:ext uri="{FF2B5EF4-FFF2-40B4-BE49-F238E27FC236}">
-                <a16:creationId xmlns:a16="http://schemas.microsoft.com/office/drawing/2014/main" id="{6B9BA862-13CC-4B28-CD7F-A95A57367FBF}"/>
-              </a:ext>
-            </a:extLst>
-          </p:cNvPr>
-          <p:cNvSpPr>
-            <a:spLocks noGrp="1"/>
-          </p:cNvSpPr>
-          <p:nvPr>
-            <p:ph type="title"/>
+          <p:cNvPr id="3" name="Content Placeholder 2">
+            <a:extLst>
+              <a:ext uri="{FF2B5EF4-FFF2-40B4-BE49-F238E27FC236}">
+                <a16:creationId xmlns:a16="http://schemas.microsoft.com/office/drawing/2014/main" id="{232A8338-3950-5A56-694A-BAD62CF977EE}"/>
+              </a:ext>
+            </a:extLst>
+          </p:cNvPr>
+          <p:cNvSpPr>
+            <a:spLocks noGrp="1"/>
+          </p:cNvSpPr>
+          <p:nvPr>
+            <p:ph idx="1"/>
           </p:nvPr>
         </p:nvSpPr>
         <p:spPr>
           <a:xfrm>
-            <a:off x="481013" y="327026"/>
-            <a:ext cx="3290887" cy="2287588"/>
+            <a:off x="838200" y="1901687"/>
+            <a:ext cx="10515600" cy="4275275"/>
           </a:xfrm>
         </p:spPr>
         <p:txBody>
-          <a:bodyPr anchor="ctr">
+          <a:bodyPr>
             <a:normAutofit/>
           </a:bodyPr>
           <a:lstStyle/>
           <a:p>
-            <a:r>
-              <a:rPr lang="en-US" sz="4000" dirty="0" err="1"/>
-              <a:t>Eenvoudig</a:t>
-            </a:r>
-            <a:r>
-              <a:rPr lang="en-US" sz="4000" dirty="0"/>
-              <a:t> Device Management</a:t>
-            </a:r>
-            <a:endParaRPr lang="en-BE" sz="4000" dirty="0"/>
-          </a:p>
-        </p:txBody>
-      </p:sp>
+            <a:pPr marL="0" indent="0">
+              <a:buNone/>
+            </a:pPr>
+            <a:r>
+              <a:rPr lang="en-US" sz="3500" dirty="0">
+                <a:solidFill>
+                  <a:schemeClr val="bg1"/>
+                </a:solidFill>
+                <a:latin typeface="Calibri Light (Headings)"/>
+              </a:rPr>
+              <a:t>I</a:t>
+            </a:r>
+            <a:r>
+              <a:rPr lang="en-BE" sz="3500" dirty="0" err="1">
+                <a:solidFill>
+                  <a:schemeClr val="bg1"/>
+                </a:solidFill>
+                <a:latin typeface="Calibri Light (Headings)"/>
+              </a:rPr>
+              <a:t>ot</a:t>
+            </a:r>
+            <a:r>
+              <a:rPr lang="en-BE" sz="3500" dirty="0">
+                <a:solidFill>
+                  <a:schemeClr val="bg1"/>
+                </a:solidFill>
+                <a:latin typeface="Calibri Light (Headings)"/>
+              </a:rPr>
+              <a:t> Devices</a:t>
+            </a:r>
+          </a:p>
+          <a:p>
+            <a:pPr marL="0" indent="0">
+              <a:buNone/>
+            </a:pPr>
+            <a:r>
+              <a:rPr lang="en-BE" sz="3500" dirty="0" err="1">
+                <a:solidFill>
+                  <a:schemeClr val="bg2">
+                    <a:lumMod val="25000"/>
+                  </a:schemeClr>
+                </a:solidFill>
+                <a:latin typeface="Calibri Light (Headings)"/>
+              </a:rPr>
+              <a:t>Iot</a:t>
+            </a:r>
+            <a:r>
+              <a:rPr lang="en-BE" sz="3500" dirty="0">
+                <a:solidFill>
+                  <a:schemeClr val="bg2">
+                    <a:lumMod val="25000"/>
+                  </a:schemeClr>
+                </a:solidFill>
+                <a:latin typeface="Calibri Light (Headings)"/>
+              </a:rPr>
+              <a:t> Edge Devices</a:t>
+            </a:r>
+            <a:endParaRPr lang="en-US" sz="3500" dirty="0">
+              <a:solidFill>
+                <a:schemeClr val="bg2">
+                  <a:lumMod val="25000"/>
+                </a:schemeClr>
+              </a:solidFill>
+              <a:latin typeface="Calibri Light (Headings)"/>
+            </a:endParaRPr>
+          </a:p>
+        </p:txBody>
+      </p:sp>
+      <p:sp>
+        <p:nvSpPr>
+          <p:cNvPr id="6" name="Title 1">
+            <a:extLst>
+              <a:ext uri="{FF2B5EF4-FFF2-40B4-BE49-F238E27FC236}">
+                <a16:creationId xmlns:a16="http://schemas.microsoft.com/office/drawing/2014/main" id="{F604ADF8-9E5B-F44A-84F8-9BF250EF8D27}"/>
+              </a:ext>
+            </a:extLst>
+          </p:cNvPr>
+          <p:cNvSpPr txBox="1">
+            <a:spLocks/>
+          </p:cNvSpPr>
+          <p:nvPr/>
+        </p:nvSpPr>
+        <p:spPr>
+          <a:xfrm>
+            <a:off x="838200" y="681038"/>
+            <a:ext cx="10515600" cy="796579"/>
+          </a:xfrm>
+          <a:prstGeom prst="rect">
+            <a:avLst/>
+          </a:prstGeom>
+        </p:spPr>
+        <p:txBody>
+          <a:bodyPr vert="horz" lIns="91440" tIns="45720" rIns="91440" bIns="45720" rtlCol="0" anchor="ctr">
+            <a:normAutofit/>
+          </a:bodyPr>
+          <a:lstStyle>
+            <a:lvl1pPr algn="l" defTabSz="914400" rtl="0" eaLnBrk="1" latinLnBrk="0" hangingPunct="1">
+              <a:lnSpc>
+                <a:spcPct val="90000"/>
+              </a:lnSpc>
+              <a:spcBef>
+                <a:spcPct val="0"/>
+              </a:spcBef>
+              <a:buNone/>
+              <a:defRPr sz="4400" kern="1200">
+                <a:solidFill>
+                  <a:schemeClr val="tx1"/>
+                </a:solidFill>
+                <a:latin typeface="+mj-lt"/>
+                <a:ea typeface="+mj-ea"/>
+                <a:cs typeface="+mj-cs"/>
+              </a:defRPr>
+            </a:lvl1pPr>
+          </a:lstStyle>
+          <a:p>
+            <a:r>
+              <a:rPr lang="en-BE" sz="3000" dirty="0">
+                <a:solidFill>
+                  <a:schemeClr val="bg1"/>
+                </a:solidFill>
+              </a:rPr>
+              <a:t>Devices</a:t>
+            </a:r>
+          </a:p>
+        </p:txBody>
+      </p:sp>
+      <p:pic>
+        <p:nvPicPr>
+          <p:cNvPr id="7" name="Picture 6">
+            <a:extLst>
+              <a:ext uri="{FF2B5EF4-FFF2-40B4-BE49-F238E27FC236}">
+                <a16:creationId xmlns:a16="http://schemas.microsoft.com/office/drawing/2014/main" id="{E2F261D5-3B98-FA19-5554-377BB2948C2B}"/>
+              </a:ext>
+            </a:extLst>
+          </p:cNvPr>
+          <p:cNvPicPr>
+            <a:picLocks/>
+          </p:cNvPicPr>
+          <p:nvPr/>
+        </p:nvPicPr>
+        <p:blipFill>
+          <a:blip r:embed="rId3"/>
+          <a:stretch>
+            <a:fillRect/>
+          </a:stretch>
+        </p:blipFill>
+        <p:spPr>
+          <a:xfrm>
+            <a:off x="2564524" y="3484366"/>
+            <a:ext cx="7062952" cy="2692596"/>
+          </a:xfrm>
+          <a:prstGeom prst="rect">
+            <a:avLst/>
+          </a:prstGeom>
+        </p:spPr>
+      </p:pic>
     </p:spTree>
     <p:extLst>
       <p:ext uri="{BB962C8B-B14F-4D97-AF65-F5344CB8AC3E}">
-        <p14:creationId xmlns:p14="http://schemas.microsoft.com/office/powerpoint/2010/main" val="3760236575"/>
+        <p14:creationId xmlns:p14="http://schemas.microsoft.com/office/powerpoint/2010/main" val="525790406"/>
       </p:ext>
     </p:extLst>
   </p:cSld>
@@ -6301,7 +5534,7 @@
     <p:bg>
       <p:bgPr>
         <a:solidFill>
-          <a:schemeClr val="bg1"/>
+          <a:schemeClr val="tx1"/>
         </a:solidFill>
         <a:effectLst/>
       </p:bgPr>
@@ -6320,224 +5553,210 @@
           <a:chExt cx="0" cy="0"/>
         </a:xfrm>
       </p:grpSpPr>
-      <p:sp useBgFill="1">
-        <p:nvSpPr>
-          <p:cNvPr id="17" name="Rectangle 14">
-            <a:extLst>
-              <a:ext uri="{FF2B5EF4-FFF2-40B4-BE49-F238E27FC236}">
-                <a16:creationId xmlns:a16="http://schemas.microsoft.com/office/drawing/2014/main" id="{CEF6118E-44FB-4509-B4D9-129052E4C6EE}"/>
-              </a:ext>
-              <a:ext uri="{C183D7F6-B498-43B3-948B-1728B52AA6E4}">
-                <adec:decorative xmlns:adec="http://schemas.microsoft.com/office/drawing/2017/decorative" val="1"/>
-              </a:ext>
-            </a:extLst>
-          </p:cNvPr>
-          <p:cNvSpPr>
-            <a:spLocks noGrp="1" noRot="1" noChangeAspect="1" noMove="1" noResize="1" noEditPoints="1" noAdjustHandles="1" noChangeArrowheads="1" noChangeShapeType="1" noTextEdit="1"/>
-          </p:cNvSpPr>
-          <p:nvPr>
-            <p:extLst>
-              <p:ext uri="{386F3935-93C4-4BCD-93E2-E3B085C9AB24}">
-                <p16:designElem xmlns:p16="http://schemas.microsoft.com/office/powerpoint/2015/main" val="1"/>
-              </p:ext>
-            </p:extLst>
+      <p:sp>
+        <p:nvSpPr>
+          <p:cNvPr id="3" name="Content Placeholder 2">
+            <a:extLst>
+              <a:ext uri="{FF2B5EF4-FFF2-40B4-BE49-F238E27FC236}">
+                <a16:creationId xmlns:a16="http://schemas.microsoft.com/office/drawing/2014/main" id="{232A8338-3950-5A56-694A-BAD62CF977EE}"/>
+              </a:ext>
+            </a:extLst>
+          </p:cNvPr>
+          <p:cNvSpPr>
+            <a:spLocks noGrp="1"/>
+          </p:cNvSpPr>
+          <p:nvPr>
+            <p:ph idx="1"/>
           </p:nvPr>
         </p:nvSpPr>
         <p:spPr>
           <a:xfrm>
-            <a:off x="-1" y="0"/>
-            <a:ext cx="12188952" cy="6858000"/>
-          </a:xfrm>
-          <a:prstGeom prst="rect">
-            <a:avLst/>
-          </a:prstGeom>
-          <a:ln>
-            <a:noFill/>
-          </a:ln>
-        </p:spPr>
-        <p:style>
-          <a:lnRef idx="2">
-            <a:schemeClr val="accent1">
-              <a:shade val="50000"/>
-            </a:schemeClr>
-          </a:lnRef>
-          <a:fillRef idx="1">
-            <a:schemeClr val="accent1"/>
-          </a:fillRef>
-          <a:effectRef idx="0">
-            <a:schemeClr val="accent1"/>
-          </a:effectRef>
-          <a:fontRef idx="minor">
-            <a:schemeClr val="lt1"/>
-          </a:fontRef>
-        </p:style>
-        <p:txBody>
-          <a:bodyPr rtlCol="0" anchor="ctr"/>
-          <a:lstStyle/>
-          <a:p>
-            <a:pPr algn="ctr"/>
-            <a:endParaRPr lang="en-US"/>
-          </a:p>
-        </p:txBody>
-      </p:sp>
-      <p:sp>
-        <p:nvSpPr>
-          <p:cNvPr id="2" name="Title 1">
-            <a:extLst>
-              <a:ext uri="{FF2B5EF4-FFF2-40B4-BE49-F238E27FC236}">
-                <a16:creationId xmlns:a16="http://schemas.microsoft.com/office/drawing/2014/main" id="{986C344D-8F08-1DBC-F7AC-6AB5A2BD6840}"/>
-              </a:ext>
-            </a:extLst>
-          </p:cNvPr>
-          <p:cNvSpPr>
-            <a:spLocks noGrp="1"/>
-          </p:cNvSpPr>
-          <p:nvPr>
-            <p:ph type="title"/>
-          </p:nvPr>
-        </p:nvSpPr>
-        <p:spPr>
-          <a:xfrm>
-            <a:off x="835155" y="525195"/>
-            <a:ext cx="3986155" cy="2806506"/>
+            <a:off x="838200" y="1901687"/>
+            <a:ext cx="10515600" cy="4275275"/>
           </a:xfrm>
         </p:spPr>
         <p:txBody>
-          <a:bodyPr anchor="b">
+          <a:bodyPr>
             <a:normAutofit/>
           </a:bodyPr>
           <a:lstStyle/>
           <a:p>
-            <a:r>
-              <a:rPr lang="en-US" sz="4000" dirty="0"/>
-              <a:t>Real-time Monitoring</a:t>
-            </a:r>
-            <a:endParaRPr lang="en-BE" sz="4000" dirty="0"/>
-          </a:p>
-        </p:txBody>
-      </p:sp>
-      <p:pic>
-        <p:nvPicPr>
-          <p:cNvPr id="5" name="Picture 4">
-            <a:extLst>
-              <a:ext uri="{FF2B5EF4-FFF2-40B4-BE49-F238E27FC236}">
-                <a16:creationId xmlns:a16="http://schemas.microsoft.com/office/drawing/2014/main" id="{681A0C39-EF83-FEC2-2A11-7F3675DCB02F}"/>
-              </a:ext>
-            </a:extLst>
-          </p:cNvPr>
-          <p:cNvPicPr>
-            <a:picLocks noChangeAspect="1"/>
-          </p:cNvPicPr>
+            <a:pPr marL="0" indent="0">
+              <a:buNone/>
+            </a:pPr>
+            <a:r>
+              <a:rPr lang="en-US" sz="3500" dirty="0">
+                <a:solidFill>
+                  <a:schemeClr val="bg2">
+                    <a:lumMod val="25000"/>
+                  </a:schemeClr>
+                </a:solidFill>
+                <a:latin typeface="Calibri Light (Headings)"/>
+              </a:rPr>
+              <a:t>I</a:t>
+            </a:r>
+            <a:r>
+              <a:rPr lang="en-BE" sz="3500" dirty="0" err="1">
+                <a:solidFill>
+                  <a:schemeClr val="bg2">
+                    <a:lumMod val="25000"/>
+                  </a:schemeClr>
+                </a:solidFill>
+                <a:latin typeface="Calibri Light (Headings)"/>
+              </a:rPr>
+              <a:t>ot</a:t>
+            </a:r>
+            <a:r>
+              <a:rPr lang="en-BE" sz="3500" dirty="0">
+                <a:solidFill>
+                  <a:schemeClr val="bg2">
+                    <a:lumMod val="25000"/>
+                  </a:schemeClr>
+                </a:solidFill>
+                <a:latin typeface="Calibri Light (Headings)"/>
+              </a:rPr>
+              <a:t> Devices</a:t>
+            </a:r>
+          </a:p>
+          <a:p>
+            <a:pPr marL="0" indent="0">
+              <a:buNone/>
+            </a:pPr>
+            <a:r>
+              <a:rPr lang="en-BE" sz="3500" dirty="0" err="1">
+                <a:solidFill>
+                  <a:schemeClr val="bg1"/>
+                </a:solidFill>
+                <a:latin typeface="Calibri Light (Headings)"/>
+              </a:rPr>
+              <a:t>Iot</a:t>
+            </a:r>
+            <a:r>
+              <a:rPr lang="en-BE" sz="3500" dirty="0">
+                <a:solidFill>
+                  <a:schemeClr val="bg1"/>
+                </a:solidFill>
+                <a:latin typeface="Calibri Light (Headings)"/>
+              </a:rPr>
+              <a:t> Edge Devices</a:t>
+            </a:r>
+            <a:endParaRPr lang="en-US" sz="3500" dirty="0">
+              <a:solidFill>
+                <a:schemeClr val="bg1"/>
+              </a:solidFill>
+              <a:latin typeface="Calibri Light (Headings)"/>
+            </a:endParaRPr>
+          </a:p>
+        </p:txBody>
+      </p:sp>
+      <p:sp>
+        <p:nvSpPr>
+          <p:cNvPr id="6" name="Title 1">
+            <a:extLst>
+              <a:ext uri="{FF2B5EF4-FFF2-40B4-BE49-F238E27FC236}">
+                <a16:creationId xmlns:a16="http://schemas.microsoft.com/office/drawing/2014/main" id="{F604ADF8-9E5B-F44A-84F8-9BF250EF8D27}"/>
+              </a:ext>
+            </a:extLst>
+          </p:cNvPr>
+          <p:cNvSpPr txBox="1">
+            <a:spLocks/>
+          </p:cNvSpPr>
           <p:nvPr/>
-        </p:nvPicPr>
-        <p:blipFill rotWithShape="1">
-          <a:blip r:embed="rId3"/>
-          <a:srcRect l="4620" r="7151" b="-2"/>
-          <a:stretch/>
-        </p:blipFill>
+        </p:nvSpPr>
         <p:spPr>
           <a:xfrm>
-            <a:off x="5186554" y="163646"/>
-            <a:ext cx="6806703" cy="2623097"/>
+            <a:off x="838200" y="681038"/>
+            <a:ext cx="10515600" cy="796579"/>
           </a:xfrm>
           <a:prstGeom prst="rect">
             <a:avLst/>
           </a:prstGeom>
         </p:spPr>
-      </p:pic>
-      <p:sp>
-        <p:nvSpPr>
-          <p:cNvPr id="3" name="Content Placeholder 2">
-            <a:extLst>
-              <a:ext uri="{FF2B5EF4-FFF2-40B4-BE49-F238E27FC236}">
-                <a16:creationId xmlns:a16="http://schemas.microsoft.com/office/drawing/2014/main" id="{88074758-2266-AFFB-1A4F-7F0089DFB2F0}"/>
-              </a:ext>
-            </a:extLst>
-          </p:cNvPr>
-          <p:cNvSpPr>
-            <a:spLocks noGrp="1"/>
-          </p:cNvSpPr>
-          <p:nvPr>
-            <p:ph idx="1"/>
-          </p:nvPr>
-        </p:nvSpPr>
-        <p:spPr>
-          <a:xfrm>
-            <a:off x="835155" y="3526300"/>
-            <a:ext cx="3986155" cy="2588458"/>
-          </a:xfrm>
-        </p:spPr>
-        <p:txBody>
-          <a:bodyPr>
+        <p:txBody>
+          <a:bodyPr vert="horz" lIns="91440" tIns="45720" rIns="91440" bIns="45720" rtlCol="0" anchor="ctr">
             <a:normAutofit/>
           </a:bodyPr>
-          <a:lstStyle/>
-          <a:p>
-            <a:r>
-              <a:rPr lang="en-US" sz="1800" dirty="0"/>
-              <a:t>Realtime raw data</a:t>
-            </a:r>
-          </a:p>
-          <a:p>
-            <a:r>
-              <a:rPr lang="en-US" sz="1800" dirty="0"/>
-              <a:t>Dashboards</a:t>
-            </a:r>
-          </a:p>
-          <a:p>
-            <a:r>
-              <a:rPr lang="en-US" sz="1800" dirty="0"/>
-              <a:t>Widgets</a:t>
-            </a:r>
-          </a:p>
-          <a:p>
-            <a:r>
-              <a:rPr lang="en-US" sz="1800" dirty="0"/>
-              <a:t>Charts</a:t>
-            </a:r>
-          </a:p>
-          <a:p>
-            <a:r>
-              <a:rPr lang="en-US" sz="1800" dirty="0"/>
-              <a:t>Data Explorer</a:t>
-            </a:r>
-            <a:endParaRPr lang="en-BE" sz="1800" dirty="0"/>
+          <a:lstStyle>
+            <a:lvl1pPr algn="l" defTabSz="914400" rtl="0" eaLnBrk="1" latinLnBrk="0" hangingPunct="1">
+              <a:lnSpc>
+                <a:spcPct val="90000"/>
+              </a:lnSpc>
+              <a:spcBef>
+                <a:spcPct val="0"/>
+              </a:spcBef>
+              <a:buNone/>
+              <a:defRPr sz="4400" kern="1200">
+                <a:solidFill>
+                  <a:schemeClr val="tx1"/>
+                </a:solidFill>
+                <a:latin typeface="+mj-lt"/>
+                <a:ea typeface="+mj-ea"/>
+                <a:cs typeface="+mj-cs"/>
+              </a:defRPr>
+            </a:lvl1pPr>
+          </a:lstStyle>
+          <a:p>
+            <a:r>
+              <a:rPr lang="en-BE" sz="3000" dirty="0">
+                <a:solidFill>
+                  <a:schemeClr val="bg1"/>
+                </a:solidFill>
+              </a:rPr>
+              <a:t>Devices</a:t>
+            </a:r>
           </a:p>
         </p:txBody>
       </p:sp>
       <p:pic>
         <p:nvPicPr>
-          <p:cNvPr id="7" name="Picture 6">
-            <a:extLst>
-              <a:ext uri="{FF2B5EF4-FFF2-40B4-BE49-F238E27FC236}">
-                <a16:creationId xmlns:a16="http://schemas.microsoft.com/office/drawing/2014/main" id="{EAA59D75-2680-4FA5-13F6-5432ED2A0631}"/>
+          <p:cNvPr id="2" name="Picture 2" descr="Diagram of how IoT Edge runtime sends insights and reporting to IoT Hub.">
+            <a:extLst>
+              <a:ext uri="{FF2B5EF4-FFF2-40B4-BE49-F238E27FC236}">
+                <a16:creationId xmlns:a16="http://schemas.microsoft.com/office/drawing/2014/main" id="{751F476A-FE69-4D7D-2A3A-6722077A9B24}"/>
               </a:ext>
             </a:extLst>
           </p:cNvPr>
           <p:cNvPicPr>
-            <a:picLocks noChangeAspect="1"/>
+            <a:picLocks noChangeAspect="1" noChangeArrowheads="1"/>
           </p:cNvPicPr>
           <p:nvPr/>
         </p:nvPicPr>
-        <p:blipFill rotWithShape="1">
-          <a:blip r:embed="rId4"/>
-          <a:srcRect r="1" b="14711"/>
-          <a:stretch/>
+        <p:blipFill>
+          <a:blip r:embed="rId3">
+            <a:extLst>
+              <a:ext uri="{28A0092B-C50C-407E-A947-70E740481C1C}">
+                <a14:useLocalDpi xmlns:a14="http://schemas.microsoft.com/office/drawing/2010/main" val="0"/>
+              </a:ext>
+            </a:extLst>
+          </a:blip>
+          <a:stretch>
+            <a:fillRect/>
+          </a:stretch>
         </p:blipFill>
-        <p:spPr>
+        <p:spPr bwMode="auto">
           <a:xfrm>
-            <a:off x="5186554" y="2956875"/>
-            <a:ext cx="6806703" cy="3352653"/>
+            <a:off x="736892" y="3307808"/>
+            <a:ext cx="10718215" cy="3188670"/>
           </a:xfrm>
           <a:prstGeom prst="rect">
             <a:avLst/>
           </a:prstGeom>
+          <a:noFill/>
+          <a:extLst>
+            <a:ext uri="{909E8E84-426E-40DD-AFC4-6F175D3DCCD1}">
+              <a14:hiddenFill xmlns:a14="http://schemas.microsoft.com/office/drawing/2010/main">
+                <a:solidFill>
+                  <a:srgbClr val="FFFFFF"/>
+                </a:solidFill>
+              </a14:hiddenFill>
+            </a:ext>
+          </a:extLst>
         </p:spPr>
       </p:pic>
     </p:spTree>
     <p:extLst>
       <p:ext uri="{BB962C8B-B14F-4D97-AF65-F5344CB8AC3E}">
-        <p14:creationId xmlns:p14="http://schemas.microsoft.com/office/powerpoint/2010/main" val="2100870518"/>
+        <p14:creationId xmlns:p14="http://schemas.microsoft.com/office/powerpoint/2010/main" val="600207603"/>
       </p:ext>
     </p:extLst>
   </p:cSld>
@@ -6553,7 +5772,7 @@
     <p:bg>
       <p:bgPr>
         <a:solidFill>
-          <a:schemeClr val="bg1"/>
+          <a:schemeClr val="tx1"/>
         </a:solidFill>
         <a:effectLst/>
       </p:bgPr>
@@ -6572,591 +5791,75 @@
           <a:chExt cx="0" cy="0"/>
         </a:xfrm>
       </p:grpSpPr>
-      <p:sp useBgFill="1">
-        <p:nvSpPr>
-          <p:cNvPr id="10" name="Rectangle 9">
-            <a:extLst>
-              <a:ext uri="{FF2B5EF4-FFF2-40B4-BE49-F238E27FC236}">
-                <a16:creationId xmlns:a16="http://schemas.microsoft.com/office/drawing/2014/main" id="{1A95671B-3CC6-4792-9114-B74FAEA224E6}"/>
-              </a:ext>
-              <a:ext uri="{C183D7F6-B498-43B3-948B-1728B52AA6E4}">
-                <adec:decorative xmlns:adec="http://schemas.microsoft.com/office/drawing/2017/decorative" val="1"/>
-              </a:ext>
-            </a:extLst>
-          </p:cNvPr>
-          <p:cNvSpPr>
-            <a:spLocks noGrp="1" noRot="1" noChangeAspect="1" noMove="1" noResize="1" noEditPoints="1" noAdjustHandles="1" noChangeArrowheads="1" noChangeShapeType="1" noTextEdit="1"/>
-          </p:cNvSpPr>
-          <p:nvPr>
-            <p:extLst>
-              <p:ext uri="{386F3935-93C4-4BCD-93E2-E3B085C9AB24}">
-                <p16:designElem xmlns:p16="http://schemas.microsoft.com/office/powerpoint/2015/main" val="1"/>
-              </p:ext>
-            </p:extLst>
-          </p:nvPr>
+      <p:sp>
+        <p:nvSpPr>
+          <p:cNvPr id="6" name="Title 1">
+            <a:extLst>
+              <a:ext uri="{FF2B5EF4-FFF2-40B4-BE49-F238E27FC236}">
+                <a16:creationId xmlns:a16="http://schemas.microsoft.com/office/drawing/2014/main" id="{F604ADF8-9E5B-F44A-84F8-9BF250EF8D27}"/>
+              </a:ext>
+            </a:extLst>
+          </p:cNvPr>
+          <p:cNvSpPr txBox="1">
+            <a:spLocks/>
+          </p:cNvSpPr>
+          <p:nvPr/>
         </p:nvSpPr>
         <p:spPr>
           <a:xfrm>
-            <a:off x="0" y="0"/>
-            <a:ext cx="12188952" cy="6858000"/>
+            <a:off x="838200" y="681038"/>
+            <a:ext cx="10515600" cy="796579"/>
           </a:xfrm>
           <a:prstGeom prst="rect">
             <a:avLst/>
           </a:prstGeom>
-          <a:ln>
-            <a:noFill/>
-          </a:ln>
         </p:spPr>
-        <p:style>
-          <a:lnRef idx="2">
-            <a:schemeClr val="accent1">
-              <a:shade val="50000"/>
-            </a:schemeClr>
-          </a:lnRef>
-          <a:fillRef idx="1">
-            <a:schemeClr val="accent1"/>
-          </a:fillRef>
-          <a:effectRef idx="0">
-            <a:schemeClr val="accent1"/>
-          </a:effectRef>
-          <a:fontRef idx="minor">
-            <a:schemeClr val="lt1"/>
-          </a:fontRef>
-        </p:style>
-        <p:txBody>
-          <a:bodyPr rtlCol="0" anchor="ctr"/>
-          <a:lstStyle/>
-          <a:p>
-            <a:pPr algn="ctr"/>
-            <a:endParaRPr lang="en-US"/>
-          </a:p>
-        </p:txBody>
-      </p:sp>
-      <p:sp>
-        <p:nvSpPr>
-          <p:cNvPr id="2" name="Title 1">
-            <a:extLst>
-              <a:ext uri="{FF2B5EF4-FFF2-40B4-BE49-F238E27FC236}">
-                <a16:creationId xmlns:a16="http://schemas.microsoft.com/office/drawing/2014/main" id="{C51A9D5B-9892-2756-E01F-062342A547C6}"/>
-              </a:ext>
-            </a:extLst>
-          </p:cNvPr>
-          <p:cNvSpPr>
-            <a:spLocks noGrp="1"/>
-          </p:cNvSpPr>
-          <p:nvPr>
-            <p:ph type="title"/>
-          </p:nvPr>
-        </p:nvSpPr>
-        <p:spPr>
-          <a:xfrm>
-            <a:off x="835155" y="552906"/>
-            <a:ext cx="5165936" cy="1674904"/>
-          </a:xfrm>
-        </p:spPr>
-        <p:txBody>
-          <a:bodyPr anchor="ctr">
+        <p:txBody>
+          <a:bodyPr vert="horz" lIns="91440" tIns="45720" rIns="91440" bIns="45720" rtlCol="0" anchor="ctr">
             <a:normAutofit/>
           </a:bodyPr>
-          <a:lstStyle/>
-          <a:p>
-            <a:r>
-              <a:rPr lang="en-US" sz="4000" dirty="0"/>
-              <a:t>Scalability &amp; Flexibility</a:t>
-            </a:r>
-            <a:endParaRPr lang="en-BE" sz="4000" dirty="0"/>
-          </a:p>
-        </p:txBody>
-      </p:sp>
-      <p:sp>
-        <p:nvSpPr>
-          <p:cNvPr id="3" name="Content Placeholder 2">
-            <a:extLst>
-              <a:ext uri="{FF2B5EF4-FFF2-40B4-BE49-F238E27FC236}">
-                <a16:creationId xmlns:a16="http://schemas.microsoft.com/office/drawing/2014/main" id="{2DCD68F5-5F08-87F2-AE73-AE9FABE6AAFA}"/>
-              </a:ext>
-            </a:extLst>
-          </p:cNvPr>
-          <p:cNvSpPr>
-            <a:spLocks noGrp="1"/>
-          </p:cNvSpPr>
-          <p:nvPr>
-            <p:ph idx="1"/>
-          </p:nvPr>
-        </p:nvSpPr>
-        <p:spPr>
-          <a:xfrm>
-            <a:off x="6190909" y="552906"/>
-            <a:ext cx="5159825" cy="1674905"/>
-          </a:xfrm>
-        </p:spPr>
-        <p:txBody>
-          <a:bodyPr anchor="ctr">
-            <a:normAutofit/>
-          </a:bodyPr>
-          <a:lstStyle/>
-          <a:p>
-            <a:r>
-              <a:rPr lang="en-US" sz="1800" dirty="0"/>
-              <a:t>Load balancing IoT hub</a:t>
-            </a:r>
-          </a:p>
-          <a:p>
-            <a:r>
-              <a:rPr lang="en-US" sz="1800" dirty="0"/>
-              <a:t>Data exports</a:t>
-            </a:r>
-          </a:p>
-          <a:p>
-            <a:r>
-              <a:rPr lang="en-US" sz="1800" dirty="0"/>
-              <a:t>Azure eco system</a:t>
-            </a:r>
-          </a:p>
-          <a:p>
-            <a:r>
-              <a:rPr lang="en-US" sz="1800" dirty="0"/>
-              <a:t>API</a:t>
-            </a:r>
-            <a:endParaRPr lang="en-BE" sz="1800" dirty="0"/>
-          </a:p>
-        </p:txBody>
-      </p:sp>
-    </p:spTree>
-    <p:extLst>
-      <p:ext uri="{BB962C8B-B14F-4D97-AF65-F5344CB8AC3E}">
-        <p14:creationId xmlns:p14="http://schemas.microsoft.com/office/powerpoint/2010/main" val="3000264219"/>
-      </p:ext>
-    </p:extLst>
-  </p:cSld>
-  <p:clrMapOvr>
-    <a:masterClrMapping/>
-  </p:clrMapOvr>
-</p:sld>
-</file>
-
-<file path=ppt/slides/slide7.xml><?xml version="1.0" encoding="utf-8"?>
-<p:sld xmlns:a="http://schemas.openxmlformats.org/drawingml/2006/main" xmlns:r="http://schemas.openxmlformats.org/officeDocument/2006/relationships" xmlns:p="http://schemas.openxmlformats.org/presentationml/2006/main">
-  <p:cSld>
-    <p:bg>
-      <p:bgPr>
-        <a:solidFill>
-          <a:schemeClr val="bg1"/>
-        </a:solidFill>
-        <a:effectLst/>
-      </p:bgPr>
-    </p:bg>
-    <p:spTree>
-      <p:nvGrpSpPr>
-        <p:cNvPr id="1" name=""/>
-        <p:cNvGrpSpPr/>
-        <p:nvPr/>
-      </p:nvGrpSpPr>
-      <p:grpSpPr>
-        <a:xfrm>
-          <a:off x="0" y="0"/>
-          <a:ext cx="0" cy="0"/>
-          <a:chOff x="0" y="0"/>
-          <a:chExt cx="0" cy="0"/>
-        </a:xfrm>
-      </p:grpSpPr>
-      <p:sp useBgFill="1">
-        <p:nvSpPr>
-          <p:cNvPr id="19" name="Rectangle 9">
-            <a:extLst>
-              <a:ext uri="{FF2B5EF4-FFF2-40B4-BE49-F238E27FC236}">
-                <a16:creationId xmlns:a16="http://schemas.microsoft.com/office/drawing/2014/main" id="{D19BB8BE-1351-4D9B-B761-F84A0B5B6519}"/>
-              </a:ext>
-              <a:ext uri="{C183D7F6-B498-43B3-948B-1728B52AA6E4}">
-                <adec:decorative xmlns:adec="http://schemas.microsoft.com/office/drawing/2017/decorative" val="1"/>
-              </a:ext>
-            </a:extLst>
-          </p:cNvPr>
-          <p:cNvSpPr>
-            <a:spLocks noGrp="1" noRot="1" noChangeAspect="1" noMove="1" noResize="1" noEditPoints="1" noAdjustHandles="1" noChangeArrowheads="1" noChangeShapeType="1" noTextEdit="1"/>
-          </p:cNvSpPr>
-          <p:nvPr>
-            <p:extLst>
-              <p:ext uri="{386F3935-93C4-4BCD-93E2-E3B085C9AB24}">
-                <p16:designElem xmlns:p16="http://schemas.microsoft.com/office/powerpoint/2015/main" val="1"/>
-              </p:ext>
-            </p:extLst>
-          </p:nvPr>
-        </p:nvSpPr>
-        <p:spPr>
-          <a:xfrm>
-            <a:off x="-1" y="0"/>
-            <a:ext cx="12188952" cy="6858000"/>
-          </a:xfrm>
-          <a:prstGeom prst="rect">
-            <a:avLst/>
-          </a:prstGeom>
-          <a:ln>
-            <a:noFill/>
-          </a:ln>
-        </p:spPr>
-        <p:style>
-          <a:lnRef idx="2">
-            <a:schemeClr val="accent1">
-              <a:shade val="50000"/>
-            </a:schemeClr>
-          </a:lnRef>
-          <a:fillRef idx="1">
-            <a:schemeClr val="accent1"/>
-          </a:fillRef>
-          <a:effectRef idx="0">
-            <a:schemeClr val="accent1"/>
-          </a:effectRef>
-          <a:fontRef idx="minor">
-            <a:schemeClr val="lt1"/>
-          </a:fontRef>
-        </p:style>
-        <p:txBody>
-          <a:bodyPr rtlCol="0" anchor="ctr"/>
-          <a:lstStyle/>
-          <a:p>
-            <a:pPr algn="ctr"/>
-            <a:endParaRPr lang="en-US"/>
-          </a:p>
-        </p:txBody>
-      </p:sp>
-      <p:sp>
-        <p:nvSpPr>
-          <p:cNvPr id="2" name="Title 1">
-            <a:extLst>
-              <a:ext uri="{FF2B5EF4-FFF2-40B4-BE49-F238E27FC236}">
-                <a16:creationId xmlns:a16="http://schemas.microsoft.com/office/drawing/2014/main" id="{F381675C-F77D-8290-3B5E-D8851151A407}"/>
-              </a:ext>
-            </a:extLst>
-          </p:cNvPr>
-          <p:cNvSpPr>
-            <a:spLocks noGrp="1"/>
-          </p:cNvSpPr>
-          <p:nvPr>
-            <p:ph type="title"/>
-          </p:nvPr>
-        </p:nvSpPr>
-        <p:spPr>
-          <a:xfrm>
-            <a:off x="838199" y="573741"/>
-            <a:ext cx="3785554" cy="2199341"/>
-          </a:xfrm>
-        </p:spPr>
-        <p:txBody>
-          <a:bodyPr anchor="b">
-            <a:normAutofit/>
-          </a:bodyPr>
-          <a:lstStyle/>
-          <a:p>
-            <a:r>
-              <a:rPr lang="en-US" sz="4000" dirty="0"/>
-              <a:t>Device Templates</a:t>
-            </a:r>
-            <a:endParaRPr lang="en-BE" sz="4000" dirty="0"/>
-          </a:p>
-        </p:txBody>
-      </p:sp>
-      <p:sp>
-        <p:nvSpPr>
-          <p:cNvPr id="3" name="Content Placeholder 2">
-            <a:extLst>
-              <a:ext uri="{FF2B5EF4-FFF2-40B4-BE49-F238E27FC236}">
-                <a16:creationId xmlns:a16="http://schemas.microsoft.com/office/drawing/2014/main" id="{D23B3223-D4E4-3699-92BA-5B09127F91D5}"/>
-              </a:ext>
-            </a:extLst>
-          </p:cNvPr>
-          <p:cNvSpPr>
-            <a:spLocks noGrp="1"/>
-          </p:cNvSpPr>
-          <p:nvPr>
-            <p:ph idx="1"/>
-          </p:nvPr>
-        </p:nvSpPr>
-        <p:spPr>
-          <a:xfrm>
-            <a:off x="838199" y="2982260"/>
-            <a:ext cx="3748441" cy="3149600"/>
-          </a:xfrm>
-        </p:spPr>
-        <p:txBody>
-          <a:bodyPr>
-            <a:normAutofit/>
-          </a:bodyPr>
-          <a:lstStyle/>
-          <a:p>
-            <a:r>
-              <a:rPr lang="en-US" sz="1800" dirty="0"/>
-              <a:t>DTDL</a:t>
-            </a:r>
-          </a:p>
-          <a:p>
-            <a:r>
-              <a:rPr lang="en-US" sz="1800" dirty="0"/>
-              <a:t>Define capabilities</a:t>
-            </a:r>
-          </a:p>
-          <a:p>
-            <a:pPr marL="0" indent="0">
-              <a:buNone/>
-            </a:pPr>
-            <a:endParaRPr lang="en-BE" sz="1800" dirty="0"/>
-          </a:p>
-        </p:txBody>
-      </p:sp>
-    </p:spTree>
-    <p:extLst>
-      <p:ext uri="{BB962C8B-B14F-4D97-AF65-F5344CB8AC3E}">
-        <p14:creationId xmlns:p14="http://schemas.microsoft.com/office/powerpoint/2010/main" val="4288844400"/>
-      </p:ext>
-    </p:extLst>
-  </p:cSld>
-  <p:clrMapOvr>
-    <a:masterClrMapping/>
-  </p:clrMapOvr>
-</p:sld>
-</file>
-
-<file path=ppt/slides/slide8.xml><?xml version="1.0" encoding="utf-8"?>
-<p:sld xmlns:a="http://schemas.openxmlformats.org/drawingml/2006/main" xmlns:r="http://schemas.openxmlformats.org/officeDocument/2006/relationships" xmlns:p="http://schemas.openxmlformats.org/presentationml/2006/main">
-  <p:cSld>
-    <p:bg>
-      <p:bgPr>
-        <a:solidFill>
-          <a:schemeClr val="bg1"/>
-        </a:solidFill>
-        <a:effectLst/>
-      </p:bgPr>
-    </p:bg>
-    <p:spTree>
-      <p:nvGrpSpPr>
-        <p:cNvPr id="1" name=""/>
-        <p:cNvGrpSpPr/>
-        <p:nvPr/>
-      </p:nvGrpSpPr>
-      <p:grpSpPr>
-        <a:xfrm>
-          <a:off x="0" y="0"/>
-          <a:ext cx="0" cy="0"/>
-          <a:chOff x="0" y="0"/>
-          <a:chExt cx="0" cy="0"/>
-        </a:xfrm>
-      </p:grpSpPr>
-      <p:sp useBgFill="1">
-        <p:nvSpPr>
-          <p:cNvPr id="10" name="Rectangle 9">
-            <a:extLst>
-              <a:ext uri="{FF2B5EF4-FFF2-40B4-BE49-F238E27FC236}">
-                <a16:creationId xmlns:a16="http://schemas.microsoft.com/office/drawing/2014/main" id="{9427AF5F-9A0E-42B7-A252-FD64C9885F9C}"/>
-              </a:ext>
-              <a:ext uri="{C183D7F6-B498-43B3-948B-1728B52AA6E4}">
-                <adec:decorative xmlns:adec="http://schemas.microsoft.com/office/drawing/2017/decorative" val="1"/>
-              </a:ext>
-            </a:extLst>
-          </p:cNvPr>
-          <p:cNvSpPr>
-            <a:spLocks noGrp="1" noRot="1" noChangeAspect="1" noMove="1" noResize="1" noEditPoints="1" noAdjustHandles="1" noChangeArrowheads="1" noChangeShapeType="1" noTextEdit="1"/>
-          </p:cNvSpPr>
-          <p:nvPr>
-            <p:extLst>
-              <p:ext uri="{386F3935-93C4-4BCD-93E2-E3B085C9AB24}">
-                <p16:designElem xmlns:p16="http://schemas.microsoft.com/office/powerpoint/2015/main" val="1"/>
-              </p:ext>
-            </p:extLst>
-          </p:nvPr>
-        </p:nvSpPr>
-        <p:spPr>
-          <a:xfrm>
-            <a:off x="-1" y="0"/>
-            <a:ext cx="12188952" cy="6858000"/>
-          </a:xfrm>
-          <a:prstGeom prst="rect">
-            <a:avLst/>
-          </a:prstGeom>
-          <a:ln>
-            <a:noFill/>
-          </a:ln>
-        </p:spPr>
-        <p:style>
-          <a:lnRef idx="2">
-            <a:schemeClr val="accent1">
-              <a:shade val="50000"/>
-            </a:schemeClr>
-          </a:lnRef>
-          <a:fillRef idx="1">
-            <a:schemeClr val="accent1"/>
-          </a:fillRef>
-          <a:effectRef idx="0">
-            <a:schemeClr val="accent1"/>
-          </a:effectRef>
-          <a:fontRef idx="minor">
-            <a:schemeClr val="lt1"/>
-          </a:fontRef>
-        </p:style>
-        <p:txBody>
-          <a:bodyPr rtlCol="0" anchor="ctr"/>
-          <a:lstStyle/>
-          <a:p>
-            <a:pPr algn="ctr"/>
-            <a:endParaRPr lang="en-US"/>
-          </a:p>
-        </p:txBody>
-      </p:sp>
-      <p:sp>
-        <p:nvSpPr>
-          <p:cNvPr id="2" name="Title 1">
-            <a:extLst>
-              <a:ext uri="{FF2B5EF4-FFF2-40B4-BE49-F238E27FC236}">
-                <a16:creationId xmlns:a16="http://schemas.microsoft.com/office/drawing/2014/main" id="{A5132B9E-4C7C-3908-DDCB-0A8D76819D68}"/>
-              </a:ext>
-            </a:extLst>
-          </p:cNvPr>
-          <p:cNvSpPr>
-            <a:spLocks noGrp="1"/>
-          </p:cNvSpPr>
-          <p:nvPr>
-            <p:ph type="title"/>
-          </p:nvPr>
-        </p:nvSpPr>
-        <p:spPr>
-          <a:xfrm>
-            <a:off x="838200" y="365125"/>
-            <a:ext cx="10515600" cy="1306443"/>
-          </a:xfrm>
-        </p:spPr>
-        <p:txBody>
-          <a:bodyPr>
-            <a:normAutofit/>
-          </a:bodyPr>
-          <a:lstStyle/>
-          <a:p>
-            <a:r>
-              <a:rPr lang="en-US" sz="4000" dirty="0"/>
-              <a:t>Devices</a:t>
-            </a:r>
-            <a:endParaRPr lang="en-BE" sz="4000" dirty="0"/>
-          </a:p>
-        </p:txBody>
-      </p:sp>
-      <p:sp>
-        <p:nvSpPr>
-          <p:cNvPr id="3" name="Content Placeholder 2">
-            <a:extLst>
-              <a:ext uri="{FF2B5EF4-FFF2-40B4-BE49-F238E27FC236}">
-                <a16:creationId xmlns:a16="http://schemas.microsoft.com/office/drawing/2014/main" id="{71D6CEC0-C7CE-B96B-7976-8DD4CB05E449}"/>
-              </a:ext>
-            </a:extLst>
-          </p:cNvPr>
-          <p:cNvSpPr>
-            <a:spLocks noGrp="1"/>
-          </p:cNvSpPr>
-          <p:nvPr>
-            <p:ph idx="1"/>
-          </p:nvPr>
-        </p:nvSpPr>
-        <p:spPr>
-          <a:xfrm>
-            <a:off x="838200" y="1825625"/>
-            <a:ext cx="4152774" cy="4303464"/>
-          </a:xfrm>
-        </p:spPr>
-        <p:txBody>
-          <a:bodyPr>
-            <a:normAutofit/>
-          </a:bodyPr>
-          <a:lstStyle/>
-          <a:p>
-            <a:r>
-              <a:rPr lang="en-US" sz="1800" dirty="0"/>
-              <a:t>Setup &amp; maintain devices</a:t>
-            </a:r>
-          </a:p>
-          <a:p>
-            <a:r>
-              <a:rPr lang="en-US" sz="1800" dirty="0"/>
-              <a:t>Device groups</a:t>
-            </a:r>
-            <a:endParaRPr lang="en-BE" sz="1800" dirty="0"/>
-          </a:p>
-          <a:p>
-            <a:r>
-              <a:rPr lang="en-US" sz="1800" dirty="0"/>
-              <a:t>IoT Device &amp; IoT Edge Device</a:t>
-            </a:r>
-          </a:p>
-        </p:txBody>
-      </p:sp>
-    </p:spTree>
-    <p:extLst>
-      <p:ext uri="{BB962C8B-B14F-4D97-AF65-F5344CB8AC3E}">
-        <p14:creationId xmlns:p14="http://schemas.microsoft.com/office/powerpoint/2010/main" val="3029091419"/>
-      </p:ext>
-    </p:extLst>
-  </p:cSld>
-  <p:clrMapOvr>
-    <a:masterClrMapping/>
-  </p:clrMapOvr>
-</p:sld>
-</file>
-
-<file path=ppt/slides/slide9.xml><?xml version="1.0" encoding="utf-8"?>
-<p:sld xmlns:a="http://schemas.openxmlformats.org/drawingml/2006/main" xmlns:r="http://schemas.openxmlformats.org/officeDocument/2006/relationships" xmlns:p="http://schemas.openxmlformats.org/presentationml/2006/main">
-  <p:cSld>
-    <p:spTree>
-      <p:nvGrpSpPr>
-        <p:cNvPr id="1" name=""/>
-        <p:cNvGrpSpPr/>
-        <p:nvPr/>
-      </p:nvGrpSpPr>
-      <p:grpSpPr>
-        <a:xfrm>
-          <a:off x="0" y="0"/>
-          <a:ext cx="0" cy="0"/>
-          <a:chOff x="0" y="0"/>
-          <a:chExt cx="0" cy="0"/>
-        </a:xfrm>
-      </p:grpSpPr>
-      <p:sp>
-        <p:nvSpPr>
-          <p:cNvPr id="2" name="Title 1">
-            <a:extLst>
-              <a:ext uri="{FF2B5EF4-FFF2-40B4-BE49-F238E27FC236}">
-                <a16:creationId xmlns:a16="http://schemas.microsoft.com/office/drawing/2014/main" id="{C3469E77-9D16-419A-0244-A89E4135424A}"/>
-              </a:ext>
-            </a:extLst>
-          </p:cNvPr>
-          <p:cNvSpPr>
-            <a:spLocks noGrp="1"/>
-          </p:cNvSpPr>
-          <p:nvPr>
-            <p:ph type="title"/>
-          </p:nvPr>
-        </p:nvSpPr>
-        <p:spPr/>
-        <p:txBody>
-          <a:bodyPr>
-            <a:normAutofit/>
-          </a:bodyPr>
-          <a:lstStyle/>
-          <a:p>
-            <a:r>
-              <a:rPr lang="en-US" sz="4000" dirty="0"/>
-              <a:t>IoT Devices</a:t>
-            </a:r>
-            <a:endParaRPr lang="en-BE" sz="4000" dirty="0"/>
+          <a:lstStyle>
+            <a:lvl1pPr algn="l" defTabSz="914400" rtl="0" eaLnBrk="1" latinLnBrk="0" hangingPunct="1">
+              <a:lnSpc>
+                <a:spcPct val="90000"/>
+              </a:lnSpc>
+              <a:spcBef>
+                <a:spcPct val="0"/>
+              </a:spcBef>
+              <a:buNone/>
+              <a:defRPr sz="4400" kern="1200">
+                <a:solidFill>
+                  <a:schemeClr val="tx1"/>
+                </a:solidFill>
+                <a:latin typeface="+mj-lt"/>
+                <a:ea typeface="+mj-ea"/>
+                <a:cs typeface="+mj-cs"/>
+              </a:defRPr>
+            </a:lvl1pPr>
+          </a:lstStyle>
+          <a:p>
+            <a:r>
+              <a:rPr lang="en-BE" sz="3000" dirty="0">
+                <a:solidFill>
+                  <a:schemeClr val="bg1"/>
+                </a:solidFill>
+              </a:rPr>
+              <a:t>Demo</a:t>
+            </a:r>
           </a:p>
         </p:txBody>
       </p:sp>
       <p:pic>
         <p:nvPicPr>
-          <p:cNvPr id="4" name="Picture 3">
-            <a:extLst>
-              <a:ext uri="{FF2B5EF4-FFF2-40B4-BE49-F238E27FC236}">
-                <a16:creationId xmlns:a16="http://schemas.microsoft.com/office/drawing/2014/main" id="{405EA78F-4966-B309-76CD-71228EB67212}"/>
+          <p:cNvPr id="5" name="Picture 4">
+            <a:extLst>
+              <a:ext uri="{FF2B5EF4-FFF2-40B4-BE49-F238E27FC236}">
+                <a16:creationId xmlns:a16="http://schemas.microsoft.com/office/drawing/2014/main" id="{1D4BBC65-AC21-8949-61AC-FD079A7ED0F5}"/>
               </a:ext>
             </a:extLst>
           </p:cNvPr>
           <p:cNvPicPr>
-            <a:picLocks noChangeAspect="1"/>
+            <a:picLocks/>
           </p:cNvPicPr>
           <p:nvPr/>
         </p:nvPicPr>
@@ -7168,8 +5871,8 @@
         </p:blipFill>
         <p:spPr>
           <a:xfrm>
-            <a:off x="1433513" y="2303234"/>
-            <a:ext cx="9324974" cy="3551466"/>
+            <a:off x="965555" y="2354317"/>
+            <a:ext cx="10535888" cy="2949111"/>
           </a:xfrm>
           <a:prstGeom prst="rect">
             <a:avLst/>
@@ -7179,7 +5882,7 @@
     </p:spTree>
     <p:extLst>
       <p:ext uri="{BB962C8B-B14F-4D97-AF65-F5344CB8AC3E}">
-        <p14:creationId xmlns:p14="http://schemas.microsoft.com/office/powerpoint/2010/main" val="2015185460"/>
+        <p14:creationId xmlns:p14="http://schemas.microsoft.com/office/powerpoint/2010/main" val="2527547250"/>
       </p:ext>
     </p:extLst>
   </p:cSld>
@@ -7478,7 +6181,7 @@
   <a:extraClrSchemeLst/>
   <a:extLst>
     <a:ext uri="{05A4C25C-085E-4340-85A3-A5531E510DB2}">
-      <thm15:themeFamily xmlns:thm15="http://schemas.microsoft.com/office/thememl/2012/main" name="Office Theme" id="{62F939B6-93AF-4DB8-9C6B-D6C7DFDC589F}" vid="{4A3C46E8-61CC-4603-A589-7422A47A8E4A}"/>
+      <thm15:themeFamily xmlns:thm15="http://schemas.microsoft.com/office/thememl/2012/main" name="black.potx" id="{12E74CD9-A6C7-4D0C-8FAD-0BC2E8028C63}" vid="{5FA7244C-E75F-4E41-B223-13138D6A5B65}"/>
     </a:ext>
   </a:extLst>
 </a:theme>
@@ -7781,7 +6484,7 @@
 
 <file path=ppt/webextensions/taskpanes.xml><?xml version="1.0" encoding="utf-8"?>
 <wetp:taskpanes xmlns:wetp="http://schemas.microsoft.com/office/webextensions/taskpanes/2010/11">
-  <wetp:taskpane dockstate="right" visibility="0" width="350" row="2">
+  <wetp:taskpane dockstate="right" visibility="0" width="350" row="3">
     <wetp:webextensionref xmlns:r="http://schemas.openxmlformats.org/officeDocument/2006/relationships" r:id="rId1"/>
   </wetp:taskpane>
 </wetp:taskpanes>
@@ -7800,6 +6503,21 @@
 </file>
 
 <file path=customXml/item1.xml><?xml version="1.0" encoding="utf-8"?>
+<p:properties xmlns:p="http://schemas.microsoft.com/office/2006/metadata/properties" xmlns:xsi="http://www.w3.org/2001/XMLSchema-instance" xmlns:pc="http://schemas.microsoft.com/office/infopath/2007/PartnerControls">
+  <documentManagement/>
+</p:properties>
+</file>
+
+<file path=customXml/item2.xml><?xml version="1.0" encoding="utf-8"?>
+<?mso-contentType ?>
+<FormTemplates xmlns="http://schemas.microsoft.com/sharepoint/v3/contenttype/forms">
+  <Display>DocumentLibraryForm</Display>
+  <Edit>DocumentLibraryForm</Edit>
+  <New>DocumentLibraryForm</New>
+</FormTemplates>
+</file>
+
+<file path=customXml/item3.xml><?xml version="1.0" encoding="utf-8"?>
 <ct:contentTypeSchema xmlns:ct="http://schemas.microsoft.com/office/2006/metadata/contentType" xmlns:ma="http://schemas.microsoft.com/office/2006/metadata/properties/metaAttributes" ct:_="" ma:_="" ma:contentTypeName="Document" ma:contentTypeID="0x0101008E6E916E8DCD1D469DA89B1BFC7B5A4A" ma:contentTypeVersion="0" ma:contentTypeDescription="Create a new document." ma:contentTypeScope="" ma:versionID="41ef4ed0fa2000ef0eeabae91aa90bb0">
   <xsd:schema xmlns:xsd="http://www.w3.org/2001/XMLSchema" xmlns:xs="http://www.w3.org/2001/XMLSchema" xmlns:p="http://schemas.microsoft.com/office/2006/metadata/properties" targetNamespace="http://schemas.microsoft.com/office/2006/metadata/properties" ma:root="true" ma:fieldsID="e9bba3d109c83ca9ea707846bd0efb68">
     <xsd:element name="properties">
@@ -7913,22 +6631,30 @@
 </ct:contentTypeSchema>
 </file>
 
-<file path=customXml/item2.xml><?xml version="1.0" encoding="utf-8"?>
-<?mso-contentType ?>
-<FormTemplates xmlns="http://schemas.microsoft.com/sharepoint/v3/contenttype/forms">
-  <Display>DocumentLibraryForm</Display>
-  <Edit>DocumentLibraryForm</Edit>
-  <New>DocumentLibraryForm</New>
-</FormTemplates>
+<file path=customXml/itemProps1.xml><?xml version="1.0" encoding="utf-8"?>
+<ds:datastoreItem xmlns:ds="http://schemas.openxmlformats.org/officeDocument/2006/customXml" ds:itemID="{C799339C-38AF-494F-B098-AF35F93061D6}">
+  <ds:schemaRefs>
+    <ds:schemaRef ds:uri="http://purl.org/dc/elements/1.1/"/>
+    <ds:schemaRef ds:uri="http://purl.org/dc/terms/"/>
+    <ds:schemaRef ds:uri="http://schemas.microsoft.com/office/2006/metadata/properties"/>
+    <ds:schemaRef ds:uri="http://schemas.microsoft.com/office/2006/documentManagement/types"/>
+    <ds:schemaRef ds:uri="http://purl.org/dc/dcmitype/"/>
+    <ds:schemaRef ds:uri="http://schemas.microsoft.com/office/infopath/2007/PartnerControls"/>
+    <ds:schemaRef ds:uri="http://www.w3.org/XML/1998/namespace"/>
+    <ds:schemaRef ds:uri="http://schemas.openxmlformats.org/package/2006/metadata/core-properties"/>
+  </ds:schemaRefs>
+</ds:datastoreItem>
 </file>
 
-<file path=customXml/item3.xml><?xml version="1.0" encoding="utf-8"?>
-<p:properties xmlns:p="http://schemas.microsoft.com/office/2006/metadata/properties" xmlns:xsi="http://www.w3.org/2001/XMLSchema-instance" xmlns:pc="http://schemas.microsoft.com/office/infopath/2007/PartnerControls">
-  <documentManagement/>
-</p:properties>
+<file path=customXml/itemProps2.xml><?xml version="1.0" encoding="utf-8"?>
+<ds:datastoreItem xmlns:ds="http://schemas.openxmlformats.org/officeDocument/2006/customXml" ds:itemID="{A58EC05F-8460-4743-B5AA-81D5DD571AF7}">
+  <ds:schemaRefs>
+    <ds:schemaRef ds:uri="http://schemas.microsoft.com/sharepoint/v3/contenttype/forms"/>
+  </ds:schemaRefs>
+</ds:datastoreItem>
 </file>
 
-<file path=customXml/itemProps1.xml><?xml version="1.0" encoding="utf-8"?>
+<file path=customXml/itemProps3.xml><?xml version="1.0" encoding="utf-8"?>
 <ds:datastoreItem xmlns:ds="http://schemas.openxmlformats.org/officeDocument/2006/customXml" ds:itemID="{152EE6D6-D356-4A25-AC22-038F824553D6}">
   <ds:schemaRefs>
     <ds:schemaRef ds:uri="http://schemas.microsoft.com/office/2006/metadata/contentType"/>
@@ -7942,27 +6668,4 @@
     <ds:schemaRef ds:uri="http://schemas.microsoft.com/office/infopath/2007/PartnerControls"/>
   </ds:schemaRefs>
 </ds:datastoreItem>
-</file>
-
-<file path=customXml/itemProps2.xml><?xml version="1.0" encoding="utf-8"?>
-<ds:datastoreItem xmlns:ds="http://schemas.openxmlformats.org/officeDocument/2006/customXml" ds:itemID="{A58EC05F-8460-4743-B5AA-81D5DD571AF7}">
-  <ds:schemaRefs>
-    <ds:schemaRef ds:uri="http://schemas.microsoft.com/sharepoint/v3/contenttype/forms"/>
-  </ds:schemaRefs>
-</ds:datastoreItem>
-</file>
-
-<file path=customXml/itemProps3.xml><?xml version="1.0" encoding="utf-8"?>
-<ds:datastoreItem xmlns:ds="http://schemas.openxmlformats.org/officeDocument/2006/customXml" ds:itemID="{C799339C-38AF-494F-B098-AF35F93061D6}">
-  <ds:schemaRefs>
-    <ds:schemaRef ds:uri="http://schemas.microsoft.com/office/infopath/2007/PartnerControls"/>
-    <ds:schemaRef ds:uri="http://purl.org/dc/elements/1.1/"/>
-    <ds:schemaRef ds:uri="http://schemas.openxmlformats.org/package/2006/metadata/core-properties"/>
-    <ds:schemaRef ds:uri="http://schemas.microsoft.com/office/2006/documentManagement/types"/>
-    <ds:schemaRef ds:uri="http://purl.org/dc/dcmitype/"/>
-    <ds:schemaRef ds:uri="http://www.w3.org/XML/1998/namespace"/>
-    <ds:schemaRef ds:uri="http://purl.org/dc/terms/"/>
-    <ds:schemaRef ds:uri="http://schemas.microsoft.com/office/2006/metadata/properties"/>
-  </ds:schemaRefs>
-</ds:datastoreItem>
 </file>